--- a/2019_Mentoring/4_weeks/멘토링_4주차.pptx
+++ b/2019_Mentoring/4_weeks/멘토링_4주차.pptx
@@ -5,26 +5,32 @@
     <p:sldMasterId id="2147483660" r:id="rId1"/>
   </p:sldMasterIdLst>
   <p:sldIdLst>
-    <p:sldId id="294" r:id="rId2"/>
-    <p:sldId id="295" r:id="rId3"/>
-    <p:sldId id="300" r:id="rId4"/>
-    <p:sldId id="301" r:id="rId5"/>
-    <p:sldId id="302" r:id="rId6"/>
-    <p:sldId id="303" r:id="rId7"/>
-    <p:sldId id="296" r:id="rId8"/>
-    <p:sldId id="297" r:id="rId9"/>
-    <p:sldId id="292" r:id="rId10"/>
-    <p:sldId id="293" r:id="rId11"/>
-    <p:sldId id="308" r:id="rId12"/>
-    <p:sldId id="309" r:id="rId13"/>
-    <p:sldId id="290" r:id="rId14"/>
-    <p:sldId id="291" r:id="rId15"/>
-    <p:sldId id="298" r:id="rId16"/>
-    <p:sldId id="299" r:id="rId17"/>
-    <p:sldId id="304" r:id="rId18"/>
-    <p:sldId id="305" r:id="rId19"/>
-    <p:sldId id="306" r:id="rId20"/>
-    <p:sldId id="307" r:id="rId21"/>
+    <p:sldId id="310" r:id="rId2"/>
+    <p:sldId id="311" r:id="rId3"/>
+    <p:sldId id="312" r:id="rId4"/>
+    <p:sldId id="313" r:id="rId5"/>
+    <p:sldId id="314" r:id="rId6"/>
+    <p:sldId id="315" r:id="rId7"/>
+    <p:sldId id="294" r:id="rId8"/>
+    <p:sldId id="295" r:id="rId9"/>
+    <p:sldId id="300" r:id="rId10"/>
+    <p:sldId id="301" r:id="rId11"/>
+    <p:sldId id="302" r:id="rId12"/>
+    <p:sldId id="303" r:id="rId13"/>
+    <p:sldId id="296" r:id="rId14"/>
+    <p:sldId id="297" r:id="rId15"/>
+    <p:sldId id="292" r:id="rId16"/>
+    <p:sldId id="293" r:id="rId17"/>
+    <p:sldId id="308" r:id="rId18"/>
+    <p:sldId id="309" r:id="rId19"/>
+    <p:sldId id="290" r:id="rId20"/>
+    <p:sldId id="291" r:id="rId21"/>
+    <p:sldId id="298" r:id="rId22"/>
+    <p:sldId id="299" r:id="rId23"/>
+    <p:sldId id="304" r:id="rId24"/>
+    <p:sldId id="305" r:id="rId25"/>
+    <p:sldId id="306" r:id="rId26"/>
+    <p:sldId id="307" r:id="rId27"/>
   </p:sldIdLst>
   <p:sldSz cx="9144000" cy="6858000" type="screen4x3"/>
   <p:notesSz cx="6858000" cy="9144000"/>
@@ -125,7 +131,7 @@
   </p:defaultTextStyle>
   <p:extLst>
     <p:ext uri="{EFAFB233-063F-42B5-8137-9DF3F51BA10A}">
-      <p15:sldGuideLst xmlns:p15="http://schemas.microsoft.com/office/powerpoint/2012/main">
+      <p15:sldGuideLst xmlns="" xmlns:p15="http://schemas.microsoft.com/office/powerpoint/2012/main">
         <p15:guide id="1" orient="horz" pos="2160">
           <p15:clr>
             <a:srgbClr val="A4A3A4"/>
@@ -312,7 +318,7 @@
                 </a:solidFill>
               </a:rPr>
               <a:pPr/>
-              <a:t>2019-05-06</a:t>
+              <a:t>2019-05-07</a:t>
             </a:fld>
             <a:endParaRPr lang="ko-KR" altLang="en-US">
               <a:solidFill>
@@ -502,7 +508,7 @@
                 </a:solidFill>
               </a:rPr>
               <a:pPr/>
-              <a:t>2019-05-06</a:t>
+              <a:t>2019-05-07</a:t>
             </a:fld>
             <a:endParaRPr lang="ko-KR" altLang="en-US">
               <a:solidFill>
@@ -702,7 +708,7 @@
                 </a:solidFill>
               </a:rPr>
               <a:pPr/>
-              <a:t>2019-05-06</a:t>
+              <a:t>2019-05-07</a:t>
             </a:fld>
             <a:endParaRPr lang="ko-KR" altLang="en-US">
               <a:solidFill>
@@ -892,7 +898,7 @@
                 </a:solidFill>
               </a:rPr>
               <a:pPr/>
-              <a:t>2019-05-06</a:t>
+              <a:t>2019-05-07</a:t>
             </a:fld>
             <a:endParaRPr lang="ko-KR" altLang="en-US">
               <a:solidFill>
@@ -1180,7 +1186,7 @@
                 </a:solidFill>
               </a:rPr>
               <a:pPr/>
-              <a:t>2019-05-06</a:t>
+              <a:t>2019-05-07</a:t>
             </a:fld>
             <a:endParaRPr lang="ko-KR" altLang="en-US">
               <a:solidFill>
@@ -1432,7 +1438,7 @@
                 </a:solidFill>
               </a:rPr>
               <a:pPr/>
-              <a:t>2019-05-06</a:t>
+              <a:t>2019-05-07</a:t>
             </a:fld>
             <a:endParaRPr lang="ko-KR" altLang="en-US">
               <a:solidFill>
@@ -1811,7 +1817,7 @@
                 </a:solidFill>
               </a:rPr>
               <a:pPr/>
-              <a:t>2019-05-06</a:t>
+              <a:t>2019-05-07</a:t>
             </a:fld>
             <a:endParaRPr lang="ko-KR" altLang="en-US">
               <a:solidFill>
@@ -1972,7 +1978,7 @@
                 </a:solidFill>
               </a:rPr>
               <a:pPr/>
-              <a:t>2019-05-06</a:t>
+              <a:t>2019-05-07</a:t>
             </a:fld>
             <a:endParaRPr lang="ko-KR" altLang="en-US">
               <a:solidFill>
@@ -2087,7 +2093,7 @@
                 </a:solidFill>
               </a:rPr>
               <a:pPr/>
-              <a:t>2019-05-06</a:t>
+              <a:t>2019-05-07</a:t>
             </a:fld>
             <a:endParaRPr lang="ko-KR" altLang="en-US">
               <a:solidFill>
@@ -2464,7 +2470,7 @@
                 </a:solidFill>
               </a:rPr>
               <a:pPr/>
-              <a:t>2019-05-06</a:t>
+              <a:t>2019-05-07</a:t>
             </a:fld>
             <a:endParaRPr lang="ko-KR" altLang="en-US">
               <a:solidFill>
@@ -2829,7 +2835,7 @@
             <a:fld id="{8F35366E-D432-43AC-B21B-98394E46B3B0}" type="datetimeFigureOut">
               <a:rPr lang="ko-KR" altLang="en-US" smtClean="0"/>
               <a:pPr/>
-              <a:t>2019-05-06</a:t>
+              <a:t>2019-05-07</a:t>
             </a:fld>
             <a:endParaRPr lang="ko-KR" altLang="en-US"/>
           </a:p>
@@ -3078,7 +3084,7 @@
                 </a:solidFill>
               </a:rPr>
               <a:pPr/>
-              <a:t>2019-05-06</a:t>
+              <a:t>2019-05-07</a:t>
             </a:fld>
             <a:endParaRPr lang="ko-KR" altLang="en-US">
               <a:solidFill>
@@ -3567,360 +3573,80 @@
           <a:p>
             <a:pPr algn="l"/>
             <a:r>
-              <a:rPr lang="en-US" altLang="ko-KR" sz="3200" dirty="0" smtClean="0"/>
-              <a:t>Example01_1 – </a:t>
-            </a:r>
-            <a:r>
-              <a:rPr lang="ko-KR" altLang="en-US" sz="3200" dirty="0" smtClean="0"/>
-              <a:t>최댓값을 구하자</a:t>
-            </a:r>
-            <a:endParaRPr lang="en-US" altLang="ko-KR" sz="4400" dirty="0"/>
-          </a:p>
-        </p:txBody>
-      </p:sp>
-      <p:pic>
-        <p:nvPicPr>
-          <p:cNvPr id="7" name="그림 6"/>
-          <p:cNvPicPr>
-            <a:picLocks noChangeAspect="1"/>
-          </p:cNvPicPr>
-          <p:nvPr/>
-        </p:nvPicPr>
-        <p:blipFill>
-          <a:blip r:embed="rId2"/>
-          <a:stretch>
-            <a:fillRect/>
-          </a:stretch>
-        </p:blipFill>
-        <p:spPr>
-          <a:xfrm>
-            <a:off x="4067944" y="952579"/>
-            <a:ext cx="4680520" cy="5653575"/>
-          </a:xfrm>
-          <a:prstGeom prst="rect">
-            <a:avLst/>
-          </a:prstGeom>
-        </p:spPr>
-      </p:pic>
-      <p:sp>
-        <p:nvSpPr>
-          <p:cNvPr id="17" name="직사각형 16"/>
-          <p:cNvSpPr/>
-          <p:nvPr/>
-        </p:nvSpPr>
-        <p:spPr>
-          <a:xfrm>
-            <a:off x="4922804" y="2428089"/>
-            <a:ext cx="1224136" cy="216024"/>
-          </a:xfrm>
-          <a:prstGeom prst="rect">
-            <a:avLst/>
-          </a:prstGeom>
-        </p:spPr>
-        <p:style>
-          <a:lnRef idx="2">
-            <a:schemeClr val="accent1">
-              <a:shade val="50000"/>
-            </a:schemeClr>
-          </a:lnRef>
-          <a:fillRef idx="1">
-            <a:schemeClr val="accent1"/>
-          </a:fillRef>
-          <a:effectRef idx="0">
-            <a:schemeClr val="accent1"/>
-          </a:effectRef>
-          <a:fontRef idx="minor">
-            <a:schemeClr val="lt1"/>
-          </a:fontRef>
-        </p:style>
-        <p:txBody>
-          <a:bodyPr rtlCol="0" anchor="ctr"/>
-          <a:lstStyle/>
-          <a:p>
-            <a:pPr algn="ctr"/>
-            <a:endParaRPr lang="ko-KR" altLang="en-US"/>
-          </a:p>
-        </p:txBody>
-      </p:sp>
-      <p:sp>
-        <p:nvSpPr>
-          <p:cNvPr id="18" name="직사각형 17"/>
-          <p:cNvSpPr/>
-          <p:nvPr/>
-        </p:nvSpPr>
-        <p:spPr>
-          <a:xfrm>
-            <a:off x="4950512" y="2681212"/>
-            <a:ext cx="1224136" cy="216024"/>
-          </a:xfrm>
-          <a:prstGeom prst="rect">
-            <a:avLst/>
-          </a:prstGeom>
-        </p:spPr>
-        <p:style>
-          <a:lnRef idx="2">
-            <a:schemeClr val="accent1">
-              <a:shade val="50000"/>
-            </a:schemeClr>
-          </a:lnRef>
-          <a:fillRef idx="1">
-            <a:schemeClr val="accent1"/>
-          </a:fillRef>
-          <a:effectRef idx="0">
-            <a:schemeClr val="accent1"/>
-          </a:effectRef>
-          <a:fontRef idx="minor">
-            <a:schemeClr val="lt1"/>
-          </a:fontRef>
-        </p:style>
-        <p:txBody>
-          <a:bodyPr rtlCol="0" anchor="ctr"/>
-          <a:lstStyle/>
-          <a:p>
-            <a:pPr algn="ctr"/>
-            <a:endParaRPr lang="ko-KR" altLang="en-US"/>
-          </a:p>
-        </p:txBody>
-      </p:sp>
-      <p:sp>
-        <p:nvSpPr>
-          <p:cNvPr id="19" name="직사각형 18"/>
-          <p:cNvSpPr/>
-          <p:nvPr/>
-        </p:nvSpPr>
-        <p:spPr>
-          <a:xfrm>
-            <a:off x="4932040" y="3823949"/>
-            <a:ext cx="1224136" cy="216024"/>
-          </a:xfrm>
-          <a:prstGeom prst="rect">
-            <a:avLst/>
-          </a:prstGeom>
-        </p:spPr>
-        <p:style>
-          <a:lnRef idx="2">
-            <a:schemeClr val="accent1">
-              <a:shade val="50000"/>
-            </a:schemeClr>
-          </a:lnRef>
-          <a:fillRef idx="1">
-            <a:schemeClr val="accent1"/>
-          </a:fillRef>
-          <a:effectRef idx="0">
-            <a:schemeClr val="accent1"/>
-          </a:effectRef>
-          <a:fontRef idx="minor">
-            <a:schemeClr val="lt1"/>
-          </a:fontRef>
-        </p:style>
-        <p:txBody>
-          <a:bodyPr rtlCol="0" anchor="ctr"/>
-          <a:lstStyle/>
-          <a:p>
-            <a:pPr algn="ctr"/>
-            <a:endParaRPr lang="ko-KR" altLang="en-US"/>
-          </a:p>
-        </p:txBody>
-      </p:sp>
-      <p:sp>
-        <p:nvSpPr>
-          <p:cNvPr id="20" name="직사각형 19"/>
-          <p:cNvSpPr/>
-          <p:nvPr/>
-        </p:nvSpPr>
-        <p:spPr>
-          <a:xfrm>
-            <a:off x="4959748" y="4077072"/>
-            <a:ext cx="1224136" cy="216024"/>
-          </a:xfrm>
-          <a:prstGeom prst="rect">
-            <a:avLst/>
-          </a:prstGeom>
-        </p:spPr>
-        <p:style>
-          <a:lnRef idx="2">
-            <a:schemeClr val="accent1">
-              <a:shade val="50000"/>
-            </a:schemeClr>
-          </a:lnRef>
-          <a:fillRef idx="1">
-            <a:schemeClr val="accent1"/>
-          </a:fillRef>
-          <a:effectRef idx="0">
-            <a:schemeClr val="accent1"/>
-          </a:effectRef>
-          <a:fontRef idx="minor">
-            <a:schemeClr val="lt1"/>
-          </a:fontRef>
-        </p:style>
-        <p:txBody>
-          <a:bodyPr rtlCol="0" anchor="ctr"/>
-          <a:lstStyle/>
-          <a:p>
-            <a:pPr algn="ctr"/>
-            <a:endParaRPr lang="ko-KR" altLang="en-US"/>
-          </a:p>
-        </p:txBody>
-      </p:sp>
-      <p:sp>
-        <p:nvSpPr>
-          <p:cNvPr id="21" name="직사각형 20"/>
-          <p:cNvSpPr/>
-          <p:nvPr/>
-        </p:nvSpPr>
-        <p:spPr>
-          <a:xfrm>
-            <a:off x="4932040" y="5192101"/>
-            <a:ext cx="1224136" cy="216024"/>
-          </a:xfrm>
-          <a:prstGeom prst="rect">
-            <a:avLst/>
-          </a:prstGeom>
-        </p:spPr>
-        <p:style>
-          <a:lnRef idx="2">
-            <a:schemeClr val="accent1">
-              <a:shade val="50000"/>
-            </a:schemeClr>
-          </a:lnRef>
-          <a:fillRef idx="1">
-            <a:schemeClr val="accent1"/>
-          </a:fillRef>
-          <a:effectRef idx="0">
-            <a:schemeClr val="accent1"/>
-          </a:effectRef>
-          <a:fontRef idx="minor">
-            <a:schemeClr val="lt1"/>
-          </a:fontRef>
-        </p:style>
-        <p:txBody>
-          <a:bodyPr rtlCol="0" anchor="ctr"/>
-          <a:lstStyle/>
-          <a:p>
-            <a:pPr algn="ctr"/>
-            <a:endParaRPr lang="ko-KR" altLang="en-US"/>
-          </a:p>
-        </p:txBody>
-      </p:sp>
-      <p:sp>
-        <p:nvSpPr>
-          <p:cNvPr id="22" name="직사각형 21"/>
-          <p:cNvSpPr/>
-          <p:nvPr/>
-        </p:nvSpPr>
-        <p:spPr>
-          <a:xfrm>
-            <a:off x="4959748" y="5445224"/>
-            <a:ext cx="1224136" cy="216024"/>
-          </a:xfrm>
-          <a:prstGeom prst="rect">
-            <a:avLst/>
-          </a:prstGeom>
-        </p:spPr>
-        <p:style>
-          <a:lnRef idx="2">
-            <a:schemeClr val="accent1">
-              <a:shade val="50000"/>
-            </a:schemeClr>
-          </a:lnRef>
-          <a:fillRef idx="1">
-            <a:schemeClr val="accent1"/>
-          </a:fillRef>
-          <a:effectRef idx="0">
-            <a:schemeClr val="accent1"/>
-          </a:effectRef>
-          <a:fontRef idx="minor">
-            <a:schemeClr val="lt1"/>
-          </a:fontRef>
-        </p:style>
-        <p:txBody>
-          <a:bodyPr rtlCol="0" anchor="ctr"/>
-          <a:lstStyle/>
-          <a:p>
-            <a:pPr algn="ctr"/>
-            <a:endParaRPr lang="ko-KR" altLang="en-US"/>
-          </a:p>
-        </p:txBody>
-      </p:sp>
-      <p:sp>
-        <p:nvSpPr>
-          <p:cNvPr id="23" name="TextBox 22"/>
+              <a:rPr lang="en-US" altLang="ko-KR" sz="2800" dirty="0" smtClean="0"/>
+              <a:t>Example0_ if</a:t>
+            </a:r>
+            <a:r>
+              <a:rPr lang="ko-KR" altLang="en-US" sz="2800" dirty="0" smtClean="0"/>
+              <a:t>문을 사용해서 </a:t>
+            </a:r>
+            <a:r>
+              <a:rPr lang="ko-KR" altLang="en-US" sz="2800" dirty="0" err="1" smtClean="0"/>
+              <a:t>입력값을</a:t>
+            </a:r>
+            <a:r>
+              <a:rPr lang="ko-KR" altLang="en-US" sz="2800" dirty="0" smtClean="0"/>
+              <a:t> 알아보자</a:t>
+            </a:r>
+            <a:r>
+              <a:rPr lang="en-US" altLang="ko-KR" sz="2800" dirty="0" smtClean="0"/>
+              <a:t>.(</a:t>
+            </a:r>
+            <a:r>
+              <a:rPr lang="en-US" altLang="ko-KR" sz="2800" dirty="0" err="1" smtClean="0"/>
+              <a:t>a~e</a:t>
+            </a:r>
+            <a:r>
+              <a:rPr lang="en-US" altLang="ko-KR" sz="2800" dirty="0" smtClean="0"/>
+              <a:t>)</a:t>
+            </a:r>
+          </a:p>
+          <a:p>
+            <a:pPr algn="l"/>
+            <a:r>
+              <a:rPr lang="en-US" altLang="ko-KR" sz="2800" dirty="0"/>
+              <a:t>	</a:t>
+            </a:r>
+            <a:r>
+              <a:rPr lang="ko-KR" altLang="en-US" sz="2800" dirty="0" smtClean="0"/>
+              <a:t>단</a:t>
+            </a:r>
+            <a:r>
+              <a:rPr lang="en-US" altLang="ko-KR" sz="2800" dirty="0" smtClean="0"/>
+              <a:t>, </a:t>
+            </a:r>
+            <a:r>
+              <a:rPr lang="en-US" altLang="ko-KR" sz="2800" dirty="0" err="1" smtClean="0"/>
+              <a:t>printf</a:t>
+            </a:r>
+            <a:r>
+              <a:rPr lang="en-US" altLang="ko-KR" sz="2800" dirty="0" smtClean="0"/>
+              <a:t>()</a:t>
+            </a:r>
+            <a:r>
+              <a:rPr lang="ko-KR" altLang="en-US" sz="2800" dirty="0" smtClean="0"/>
+              <a:t>문에서 서식문자는 </a:t>
+            </a:r>
+            <a:r>
+              <a:rPr lang="ko-KR" altLang="en-US" sz="2800" dirty="0" err="1" smtClean="0"/>
+              <a:t>사용하지말자</a:t>
+            </a:r>
+            <a:r>
+              <a:rPr lang="en-US" altLang="ko-KR" sz="2800" dirty="0" smtClean="0"/>
+              <a:t>.</a:t>
+            </a:r>
+          </a:p>
+        </p:txBody>
+      </p:sp>
+      <p:sp>
+        <p:nvSpPr>
+          <p:cNvPr id="4" name="TextBox 3"/>
           <p:cNvSpPr txBox="1"/>
           <p:nvPr/>
         </p:nvSpPr>
         <p:spPr>
           <a:xfrm>
-            <a:off x="6516216" y="908720"/>
-            <a:ext cx="1271111" cy="584775"/>
-          </a:xfrm>
-          <a:prstGeom prst="rect">
-            <a:avLst/>
-          </a:prstGeom>
-          <a:noFill/>
-        </p:spPr>
-        <p:txBody>
-          <a:bodyPr wrap="square" rtlCol="0">
-            <a:spAutoFit/>
-          </a:bodyPr>
-          <a:lstStyle/>
-          <a:p>
-            <a:r>
-              <a:rPr lang="en-US" altLang="ko-KR" sz="3200" dirty="0">
-                <a:solidFill>
-                  <a:srgbClr val="FFFFFF"/>
-                </a:solidFill>
-              </a:rPr>
-              <a:t>Main()</a:t>
-            </a:r>
-            <a:r>
-              <a:rPr lang="ko-KR" altLang="en-US" sz="3200" dirty="0">
-                <a:solidFill>
-                  <a:srgbClr val="FFFFFF"/>
-                </a:solidFill>
-              </a:rPr>
-              <a:t> </a:t>
-            </a:r>
-            <a:endParaRPr lang="en-US" altLang="ko-KR" sz="3200" dirty="0">
-              <a:solidFill>
-                <a:srgbClr val="FFFFFF"/>
-              </a:solidFill>
-            </a:endParaRPr>
-          </a:p>
-        </p:txBody>
-      </p:sp>
-      <p:pic>
-        <p:nvPicPr>
-          <p:cNvPr id="8" name="그림 7"/>
-          <p:cNvPicPr>
-            <a:picLocks noChangeAspect="1"/>
-          </p:cNvPicPr>
-          <p:nvPr/>
-        </p:nvPicPr>
-        <p:blipFill>
-          <a:blip r:embed="rId3"/>
-          <a:stretch>
-            <a:fillRect/>
-          </a:stretch>
-        </p:blipFill>
-        <p:spPr>
-          <a:xfrm>
-            <a:off x="179512" y="1592072"/>
-            <a:ext cx="3274565" cy="2701024"/>
-          </a:xfrm>
-          <a:prstGeom prst="rect">
-            <a:avLst/>
-          </a:prstGeom>
-        </p:spPr>
-      </p:pic>
-      <p:sp>
-        <p:nvSpPr>
-          <p:cNvPr id="24" name="TextBox 23"/>
-          <p:cNvSpPr txBox="1"/>
-          <p:nvPr/>
-        </p:nvSpPr>
-        <p:spPr>
-          <a:xfrm>
-            <a:off x="107504" y="980728"/>
+            <a:off x="278062" y="1451615"/>
             <a:ext cx="1271111" cy="584775"/>
           </a:xfrm>
           <a:prstGeom prst="rect">
@@ -3950,1403 +3676,9 @@
           </a:p>
         </p:txBody>
       </p:sp>
-    </p:spTree>
-    <p:extLst>
-      <p:ext uri="{BB962C8B-B14F-4D97-AF65-F5344CB8AC3E}">
-        <p14:creationId xmlns:p14="http://schemas.microsoft.com/office/powerpoint/2010/main" val="1878198730"/>
-      </p:ext>
-    </p:extLst>
-  </p:cSld>
-  <p:clrMapOvr>
-    <a:masterClrMapping/>
-  </p:clrMapOvr>
-  <p:timing>
-    <p:tnLst>
-      <p:par>
-        <p:cTn id="1" dur="indefinite" restart="never" nodeType="tmRoot"/>
-      </p:par>
-    </p:tnLst>
-  </p:timing>
-</p:sld>
-</file>
-
-<file path=ppt/slides/slide10.xml><?xml version="1.0" encoding="utf-8"?>
-<p:sld xmlns:a="http://schemas.openxmlformats.org/drawingml/2006/main" xmlns:r="http://schemas.openxmlformats.org/officeDocument/2006/relationships" xmlns:p="http://schemas.openxmlformats.org/presentationml/2006/main">
-  <p:cSld>
-    <p:spTree>
-      <p:nvGrpSpPr>
-        <p:cNvPr id="1" name=""/>
-        <p:cNvGrpSpPr/>
-        <p:nvPr/>
-      </p:nvGrpSpPr>
-      <p:grpSpPr>
-        <a:xfrm>
-          <a:off x="0" y="0"/>
-          <a:ext cx="0" cy="0"/>
-          <a:chOff x="0" y="0"/>
-          <a:chExt cx="0" cy="0"/>
-        </a:xfrm>
-      </p:grpSpPr>
-      <p:sp>
-        <p:nvSpPr>
-          <p:cNvPr id="9" name="부제목 2"/>
-          <p:cNvSpPr>
-            <a:spLocks noGrp="1"/>
-          </p:cNvSpPr>
-          <p:nvPr>
-            <p:ph type="subTitle" idx="1"/>
-          </p:nvPr>
-        </p:nvSpPr>
-        <p:spPr>
-          <a:xfrm>
-            <a:off x="1" y="131886"/>
-            <a:ext cx="7669091" cy="606671"/>
-          </a:xfrm>
-        </p:spPr>
-        <p:txBody>
-          <a:bodyPr>
-            <a:normAutofit fontScale="92500" lnSpcReduction="20000"/>
-          </a:bodyPr>
-          <a:lstStyle/>
-          <a:p>
-            <a:pPr algn="l"/>
-            <a:r>
-              <a:rPr lang="ko-KR" altLang="en-US" sz="4400" dirty="0" smtClean="0"/>
-              <a:t>답</a:t>
-            </a:r>
-            <a:endParaRPr lang="en-US" altLang="ko-KR" sz="4400" dirty="0"/>
-          </a:p>
-        </p:txBody>
-      </p:sp>
       <p:pic>
         <p:nvPicPr>
-          <p:cNvPr id="2" name="그림 1"/>
-          <p:cNvPicPr>
-            <a:picLocks noChangeAspect="1"/>
-          </p:cNvPicPr>
-          <p:nvPr/>
-        </p:nvPicPr>
-        <p:blipFill>
-          <a:blip r:embed="rId2"/>
-          <a:stretch>
-            <a:fillRect/>
-          </a:stretch>
-        </p:blipFill>
-        <p:spPr>
-          <a:xfrm>
-            <a:off x="1403648" y="435221"/>
-            <a:ext cx="5955591" cy="5990901"/>
-          </a:xfrm>
-          <a:prstGeom prst="rect">
-            <a:avLst/>
-          </a:prstGeom>
-        </p:spPr>
-      </p:pic>
-    </p:spTree>
-    <p:extLst>
-      <p:ext uri="{BB962C8B-B14F-4D97-AF65-F5344CB8AC3E}">
-        <p14:creationId xmlns:p14="http://schemas.microsoft.com/office/powerpoint/2010/main" val="2509740582"/>
-      </p:ext>
-    </p:extLst>
-  </p:cSld>
-  <p:clrMapOvr>
-    <a:masterClrMapping/>
-  </p:clrMapOvr>
-  <p:timing>
-    <p:tnLst>
-      <p:par>
-        <p:cTn id="1" dur="indefinite" restart="never" nodeType="tmRoot"/>
-      </p:par>
-    </p:tnLst>
-  </p:timing>
-</p:sld>
-</file>
-
-<file path=ppt/slides/slide11.xml><?xml version="1.0" encoding="utf-8"?>
-<p:sld xmlns:a="http://schemas.openxmlformats.org/drawingml/2006/main" xmlns:r="http://schemas.openxmlformats.org/officeDocument/2006/relationships" xmlns:p="http://schemas.openxmlformats.org/presentationml/2006/main">
-  <p:cSld>
-    <p:spTree>
-      <p:nvGrpSpPr>
-        <p:cNvPr id="1" name=""/>
-        <p:cNvGrpSpPr/>
-        <p:nvPr/>
-      </p:nvGrpSpPr>
-      <p:grpSpPr>
-        <a:xfrm>
-          <a:off x="0" y="0"/>
-          <a:ext cx="0" cy="0"/>
-          <a:chOff x="0" y="0"/>
-          <a:chExt cx="0" cy="0"/>
-        </a:xfrm>
-      </p:grpSpPr>
-      <p:sp>
-        <p:nvSpPr>
-          <p:cNvPr id="9" name="부제목 2"/>
-          <p:cNvSpPr>
-            <a:spLocks noGrp="1"/>
-          </p:cNvSpPr>
-          <p:nvPr>
-            <p:ph type="subTitle" idx="1"/>
-          </p:nvPr>
-        </p:nvSpPr>
-        <p:spPr>
-          <a:xfrm>
-            <a:off x="1" y="131886"/>
-            <a:ext cx="7669091" cy="606671"/>
-          </a:xfrm>
-        </p:spPr>
-        <p:txBody>
-          <a:bodyPr>
-            <a:normAutofit fontScale="92500" lnSpcReduction="20000"/>
-          </a:bodyPr>
-          <a:lstStyle/>
-          <a:p>
-            <a:pPr algn="l"/>
-            <a:r>
-              <a:rPr lang="ko-KR" altLang="en-US" sz="4400" dirty="0" smtClean="0"/>
-              <a:t>중첩 </a:t>
-            </a:r>
-            <a:r>
-              <a:rPr lang="ko-KR" altLang="en-US" sz="4400" dirty="0" err="1" smtClean="0"/>
-              <a:t>반복문이란</a:t>
-            </a:r>
-            <a:endParaRPr lang="en-US" altLang="ko-KR" sz="4400" dirty="0"/>
-          </a:p>
-        </p:txBody>
-      </p:sp>
-      <p:sp>
-        <p:nvSpPr>
-          <p:cNvPr id="3" name="TextBox 2"/>
-          <p:cNvSpPr txBox="1"/>
-          <p:nvPr/>
-        </p:nvSpPr>
-        <p:spPr>
-          <a:xfrm>
-            <a:off x="2411760" y="1484784"/>
-            <a:ext cx="4824536" cy="584775"/>
-          </a:xfrm>
-          <a:prstGeom prst="rect">
-            <a:avLst/>
-          </a:prstGeom>
-          <a:noFill/>
-        </p:spPr>
-        <p:txBody>
-          <a:bodyPr wrap="square" rtlCol="0">
-            <a:spAutoFit/>
-          </a:bodyPr>
-          <a:lstStyle/>
-          <a:p>
-            <a:r>
-              <a:rPr lang="en-US" altLang="ko-KR" sz="3200" dirty="0" smtClean="0"/>
-              <a:t>For(j=0</a:t>
-            </a:r>
-            <a:r>
-              <a:rPr lang="ko-KR" altLang="en-US" sz="3200" dirty="0" smtClean="0"/>
-              <a:t> </a:t>
-            </a:r>
-            <a:r>
-              <a:rPr lang="en-US" altLang="ko-KR" sz="3200" dirty="0" smtClean="0"/>
-              <a:t>; j&lt;7</a:t>
-            </a:r>
-            <a:r>
-              <a:rPr lang="ko-KR" altLang="en-US" sz="3200" dirty="0" smtClean="0"/>
-              <a:t> </a:t>
-            </a:r>
-            <a:r>
-              <a:rPr lang="en-US" altLang="ko-KR" sz="3200" dirty="0" smtClean="0"/>
-              <a:t>; </a:t>
-            </a:r>
-            <a:r>
-              <a:rPr lang="en-US" altLang="ko-KR" sz="3200" dirty="0" err="1" smtClean="0"/>
-              <a:t>j++</a:t>
-            </a:r>
-            <a:r>
-              <a:rPr lang="en-US" altLang="ko-KR" sz="3200" dirty="0" smtClean="0"/>
-              <a:t>) {</a:t>
-            </a:r>
-            <a:endParaRPr lang="ko-KR" altLang="en-US" sz="3200" dirty="0"/>
-          </a:p>
-        </p:txBody>
-      </p:sp>
-      <p:sp>
-        <p:nvSpPr>
-          <p:cNvPr id="4" name="TextBox 3"/>
-          <p:cNvSpPr txBox="1"/>
-          <p:nvPr/>
-        </p:nvSpPr>
-        <p:spPr>
-          <a:xfrm>
-            <a:off x="2429698" y="3471664"/>
-            <a:ext cx="4824536" cy="584775"/>
-          </a:xfrm>
-          <a:prstGeom prst="rect">
-            <a:avLst/>
-          </a:prstGeom>
-          <a:noFill/>
-        </p:spPr>
-        <p:txBody>
-          <a:bodyPr wrap="square" rtlCol="0">
-            <a:spAutoFit/>
-          </a:bodyPr>
-          <a:lstStyle/>
-          <a:p>
-            <a:r>
-              <a:rPr lang="en-US" altLang="ko-KR" sz="3200" dirty="0" smtClean="0"/>
-              <a:t>}</a:t>
-            </a:r>
-            <a:endParaRPr lang="ko-KR" altLang="en-US" sz="3200" dirty="0"/>
-          </a:p>
-        </p:txBody>
-      </p:sp>
-      <p:sp>
-        <p:nvSpPr>
-          <p:cNvPr id="5" name="TextBox 4"/>
-          <p:cNvSpPr txBox="1"/>
-          <p:nvPr/>
-        </p:nvSpPr>
-        <p:spPr>
-          <a:xfrm>
-            <a:off x="1601734" y="873492"/>
-            <a:ext cx="4824536" cy="584775"/>
-          </a:xfrm>
-          <a:prstGeom prst="rect">
-            <a:avLst/>
-          </a:prstGeom>
-          <a:noFill/>
-        </p:spPr>
-        <p:txBody>
-          <a:bodyPr wrap="square" rtlCol="0">
-            <a:spAutoFit/>
-          </a:bodyPr>
-          <a:lstStyle/>
-          <a:p>
-            <a:r>
-              <a:rPr lang="en-US" altLang="ko-KR" sz="3200" dirty="0" smtClean="0"/>
-              <a:t>For(</a:t>
-            </a:r>
-            <a:r>
-              <a:rPr lang="en-US" altLang="ko-KR" sz="3200" dirty="0" err="1" smtClean="0"/>
-              <a:t>i</a:t>
-            </a:r>
-            <a:r>
-              <a:rPr lang="en-US" altLang="ko-KR" sz="3200" dirty="0" smtClean="0"/>
-              <a:t>=0</a:t>
-            </a:r>
-            <a:r>
-              <a:rPr lang="ko-KR" altLang="en-US" sz="3200" dirty="0" smtClean="0"/>
-              <a:t> </a:t>
-            </a:r>
-            <a:r>
-              <a:rPr lang="en-US" altLang="ko-KR" sz="3200" dirty="0" smtClean="0"/>
-              <a:t>; </a:t>
-            </a:r>
-            <a:r>
-              <a:rPr lang="en-US" altLang="ko-KR" sz="3200" dirty="0" err="1" smtClean="0"/>
-              <a:t>i</a:t>
-            </a:r>
-            <a:r>
-              <a:rPr lang="en-US" altLang="ko-KR" sz="3200" dirty="0" smtClean="0"/>
-              <a:t>&lt;5</a:t>
-            </a:r>
-            <a:r>
-              <a:rPr lang="ko-KR" altLang="en-US" sz="3200" dirty="0" smtClean="0"/>
-              <a:t> </a:t>
-            </a:r>
-            <a:r>
-              <a:rPr lang="en-US" altLang="ko-KR" sz="3200" dirty="0" smtClean="0"/>
-              <a:t>; </a:t>
-            </a:r>
-            <a:r>
-              <a:rPr lang="en-US" altLang="ko-KR" sz="3200" dirty="0" err="1" smtClean="0"/>
-              <a:t>i</a:t>
-            </a:r>
-            <a:r>
-              <a:rPr lang="en-US" altLang="ko-KR" sz="3200" dirty="0" smtClean="0"/>
-              <a:t>++) {</a:t>
-            </a:r>
-            <a:endParaRPr lang="ko-KR" altLang="en-US" sz="3200" dirty="0"/>
-          </a:p>
-        </p:txBody>
-      </p:sp>
-      <p:sp>
-        <p:nvSpPr>
-          <p:cNvPr id="6" name="TextBox 5"/>
-          <p:cNvSpPr txBox="1"/>
-          <p:nvPr/>
-        </p:nvSpPr>
-        <p:spPr>
-          <a:xfrm>
-            <a:off x="1763688" y="4253628"/>
-            <a:ext cx="4824536" cy="584775"/>
-          </a:xfrm>
-          <a:prstGeom prst="rect">
-            <a:avLst/>
-          </a:prstGeom>
-          <a:noFill/>
-        </p:spPr>
-        <p:txBody>
-          <a:bodyPr wrap="square" rtlCol="0">
-            <a:spAutoFit/>
-          </a:bodyPr>
-          <a:lstStyle/>
-          <a:p>
-            <a:r>
-              <a:rPr lang="en-US" altLang="ko-KR" sz="3200" dirty="0" smtClean="0"/>
-              <a:t>}</a:t>
-            </a:r>
-            <a:endParaRPr lang="ko-KR" altLang="en-US" sz="3200" dirty="0"/>
-          </a:p>
-        </p:txBody>
-      </p:sp>
-      <p:sp>
-        <p:nvSpPr>
-          <p:cNvPr id="7" name="TextBox 6"/>
-          <p:cNvSpPr txBox="1"/>
-          <p:nvPr/>
-        </p:nvSpPr>
-        <p:spPr>
-          <a:xfrm>
-            <a:off x="2699792" y="2523398"/>
-            <a:ext cx="4824536" cy="584775"/>
-          </a:xfrm>
-          <a:prstGeom prst="rect">
-            <a:avLst/>
-          </a:prstGeom>
-          <a:noFill/>
-        </p:spPr>
-        <p:txBody>
-          <a:bodyPr wrap="square" rtlCol="0">
-            <a:spAutoFit/>
-          </a:bodyPr>
-          <a:lstStyle/>
-          <a:p>
-            <a:r>
-              <a:rPr lang="en-US" altLang="ko-KR" sz="3200" dirty="0" smtClean="0"/>
-              <a:t>======</a:t>
-            </a:r>
-            <a:r>
-              <a:rPr lang="ko-KR" altLang="en-US" sz="3200" dirty="0" smtClean="0"/>
-              <a:t>문장</a:t>
-            </a:r>
-            <a:r>
-              <a:rPr lang="en-US" altLang="ko-KR" sz="3200" dirty="0" smtClean="0"/>
-              <a:t>======</a:t>
-            </a:r>
-            <a:endParaRPr lang="ko-KR" altLang="en-US" sz="3200" dirty="0"/>
-          </a:p>
-        </p:txBody>
-      </p:sp>
-    </p:spTree>
-    <p:extLst>
-      <p:ext uri="{BB962C8B-B14F-4D97-AF65-F5344CB8AC3E}">
-        <p14:creationId xmlns:p14="http://schemas.microsoft.com/office/powerpoint/2010/main" val="1047637436"/>
-      </p:ext>
-    </p:extLst>
-  </p:cSld>
-  <p:clrMapOvr>
-    <a:masterClrMapping/>
-  </p:clrMapOvr>
-  <p:timing>
-    <p:tnLst>
-      <p:par>
-        <p:cTn id="1" dur="indefinite" restart="never" nodeType="tmRoot">
-          <p:childTnLst>
-            <p:seq concurrent="1" nextAc="seek">
-              <p:cTn id="2" dur="indefinite" nodeType="mainSeq">
-                <p:childTnLst>
-                  <p:par>
-                    <p:cTn id="3" fill="hold">
-                      <p:stCondLst>
-                        <p:cond delay="indefinite"/>
-                      </p:stCondLst>
-                      <p:childTnLst>
-                        <p:par>
-                          <p:cTn id="4" fill="hold">
-                            <p:stCondLst>
-                              <p:cond delay="0"/>
-                            </p:stCondLst>
-                            <p:childTnLst>
-                              <p:par>
-                                <p:cTn id="5" presetID="1" presetClass="exit" presetSubtype="0" fill="hold" grpId="0" nodeType="clickEffect">
-                                  <p:stCondLst>
-                                    <p:cond delay="0"/>
-                                  </p:stCondLst>
-                                  <p:childTnLst>
-                                    <p:set>
-                                      <p:cBhvr>
-                                        <p:cTn id="6" dur="1" fill="hold">
-                                          <p:stCondLst>
-                                            <p:cond delay="0"/>
-                                          </p:stCondLst>
-                                        </p:cTn>
-                                        <p:tgtEl>
-                                          <p:spTgt spid="5"/>
-                                        </p:tgtEl>
-                                        <p:attrNameLst>
-                                          <p:attrName>style.visibility</p:attrName>
-                                        </p:attrNameLst>
-                                      </p:cBhvr>
-                                      <p:to>
-                                        <p:strVal val="hidden"/>
-                                      </p:to>
-                                    </p:set>
-                                  </p:childTnLst>
-                                </p:cTn>
-                              </p:par>
-                              <p:par>
-                                <p:cTn id="7" presetID="1" presetClass="exit" presetSubtype="0" fill="hold" grpId="0" nodeType="withEffect">
-                                  <p:stCondLst>
-                                    <p:cond delay="0"/>
-                                  </p:stCondLst>
-                                  <p:childTnLst>
-                                    <p:set>
-                                      <p:cBhvr>
-                                        <p:cTn id="8" dur="1" fill="hold">
-                                          <p:stCondLst>
-                                            <p:cond delay="0"/>
-                                          </p:stCondLst>
-                                        </p:cTn>
-                                        <p:tgtEl>
-                                          <p:spTgt spid="6"/>
-                                        </p:tgtEl>
-                                        <p:attrNameLst>
-                                          <p:attrName>style.visibility</p:attrName>
-                                        </p:attrNameLst>
-                                      </p:cBhvr>
-                                      <p:to>
-                                        <p:strVal val="hidden"/>
-                                      </p:to>
-                                    </p:set>
-                                  </p:childTnLst>
-                                </p:cTn>
-                              </p:par>
-                            </p:childTnLst>
-                          </p:cTn>
-                        </p:par>
-                      </p:childTnLst>
-                    </p:cTn>
-                  </p:par>
-                </p:childTnLst>
-              </p:cTn>
-              <p:prevCondLst>
-                <p:cond evt="onPrev" delay="0">
-                  <p:tgtEl>
-                    <p:sldTgt/>
-                  </p:tgtEl>
-                </p:cond>
-              </p:prevCondLst>
-              <p:nextCondLst>
-                <p:cond evt="onNext" delay="0">
-                  <p:tgtEl>
-                    <p:sldTgt/>
-                  </p:tgtEl>
-                </p:cond>
-              </p:nextCondLst>
-            </p:seq>
-          </p:childTnLst>
-        </p:cTn>
-      </p:par>
-    </p:tnLst>
-    <p:bldLst>
-      <p:bldP spid="5" grpId="0"/>
-      <p:bldP spid="6" grpId="0"/>
-    </p:bldLst>
-  </p:timing>
-</p:sld>
-</file>
-
-<file path=ppt/slides/slide12.xml><?xml version="1.0" encoding="utf-8"?>
-<p:sld xmlns:a="http://schemas.openxmlformats.org/drawingml/2006/main" xmlns:r="http://schemas.openxmlformats.org/officeDocument/2006/relationships" xmlns:p="http://schemas.openxmlformats.org/presentationml/2006/main">
-  <p:cSld>
-    <p:spTree>
-      <p:nvGrpSpPr>
-        <p:cNvPr id="1" name=""/>
-        <p:cNvGrpSpPr/>
-        <p:nvPr/>
-      </p:nvGrpSpPr>
-      <p:grpSpPr>
-        <a:xfrm>
-          <a:off x="0" y="0"/>
-          <a:ext cx="0" cy="0"/>
-          <a:chOff x="0" y="0"/>
-          <a:chExt cx="0" cy="0"/>
-        </a:xfrm>
-      </p:grpSpPr>
-      <p:sp>
-        <p:nvSpPr>
-          <p:cNvPr id="9" name="부제목 2"/>
-          <p:cNvSpPr>
-            <a:spLocks noGrp="1"/>
-          </p:cNvSpPr>
-          <p:nvPr>
-            <p:ph type="subTitle" idx="1"/>
-          </p:nvPr>
-        </p:nvSpPr>
-        <p:spPr>
-          <a:xfrm>
-            <a:off x="1" y="131886"/>
-            <a:ext cx="7669091" cy="606671"/>
-          </a:xfrm>
-        </p:spPr>
-        <p:txBody>
-          <a:bodyPr>
-            <a:normAutofit fontScale="92500" lnSpcReduction="20000"/>
-          </a:bodyPr>
-          <a:lstStyle/>
-          <a:p>
-            <a:pPr algn="l"/>
-            <a:r>
-              <a:rPr lang="ko-KR" altLang="en-US" sz="4400" dirty="0" smtClean="0"/>
-              <a:t>중첩 </a:t>
-            </a:r>
-            <a:r>
-              <a:rPr lang="ko-KR" altLang="en-US" sz="4400" dirty="0" err="1" smtClean="0"/>
-              <a:t>반복문이란</a:t>
-            </a:r>
-            <a:endParaRPr lang="en-US" altLang="ko-KR" sz="4400" dirty="0"/>
-          </a:p>
-        </p:txBody>
-      </p:sp>
-      <p:sp>
-        <p:nvSpPr>
-          <p:cNvPr id="3" name="TextBox 2"/>
-          <p:cNvSpPr txBox="1"/>
-          <p:nvPr/>
-        </p:nvSpPr>
-        <p:spPr>
-          <a:xfrm>
-            <a:off x="2411760" y="1484784"/>
-            <a:ext cx="4824536" cy="584775"/>
-          </a:xfrm>
-          <a:prstGeom prst="rect">
-            <a:avLst/>
-          </a:prstGeom>
-          <a:noFill/>
-        </p:spPr>
-        <p:txBody>
-          <a:bodyPr wrap="square" rtlCol="0">
-            <a:spAutoFit/>
-          </a:bodyPr>
-          <a:lstStyle/>
-          <a:p>
-            <a:r>
-              <a:rPr lang="en-US" altLang="ko-KR" sz="3200" dirty="0" smtClean="0"/>
-              <a:t>For(j=0</a:t>
-            </a:r>
-            <a:r>
-              <a:rPr lang="ko-KR" altLang="en-US" sz="3200" dirty="0" smtClean="0"/>
-              <a:t> </a:t>
-            </a:r>
-            <a:r>
-              <a:rPr lang="en-US" altLang="ko-KR" sz="3200" dirty="0" smtClean="0"/>
-              <a:t>; j&lt;7</a:t>
-            </a:r>
-            <a:r>
-              <a:rPr lang="ko-KR" altLang="en-US" sz="3200" dirty="0" smtClean="0"/>
-              <a:t> </a:t>
-            </a:r>
-            <a:r>
-              <a:rPr lang="en-US" altLang="ko-KR" sz="3200" dirty="0" smtClean="0"/>
-              <a:t>; </a:t>
-            </a:r>
-            <a:r>
-              <a:rPr lang="en-US" altLang="ko-KR" sz="3200" dirty="0" err="1" smtClean="0"/>
-              <a:t>j++</a:t>
-            </a:r>
-            <a:r>
-              <a:rPr lang="en-US" altLang="ko-KR" sz="3200" dirty="0" smtClean="0"/>
-              <a:t>) {</a:t>
-            </a:r>
-            <a:endParaRPr lang="ko-KR" altLang="en-US" sz="3200" dirty="0"/>
-          </a:p>
-        </p:txBody>
-      </p:sp>
-      <p:sp>
-        <p:nvSpPr>
-          <p:cNvPr id="4" name="TextBox 3"/>
-          <p:cNvSpPr txBox="1"/>
-          <p:nvPr/>
-        </p:nvSpPr>
-        <p:spPr>
-          <a:xfrm>
-            <a:off x="2429698" y="3471664"/>
-            <a:ext cx="4824536" cy="584775"/>
-          </a:xfrm>
-          <a:prstGeom prst="rect">
-            <a:avLst/>
-          </a:prstGeom>
-          <a:noFill/>
-        </p:spPr>
-        <p:txBody>
-          <a:bodyPr wrap="square" rtlCol="0">
-            <a:spAutoFit/>
-          </a:bodyPr>
-          <a:lstStyle/>
-          <a:p>
-            <a:r>
-              <a:rPr lang="en-US" altLang="ko-KR" sz="3200" dirty="0" smtClean="0"/>
-              <a:t>}</a:t>
-            </a:r>
-            <a:endParaRPr lang="ko-KR" altLang="en-US" sz="3200" dirty="0"/>
-          </a:p>
-        </p:txBody>
-      </p:sp>
-      <p:sp>
-        <p:nvSpPr>
-          <p:cNvPr id="5" name="TextBox 4"/>
-          <p:cNvSpPr txBox="1"/>
-          <p:nvPr/>
-        </p:nvSpPr>
-        <p:spPr>
-          <a:xfrm>
-            <a:off x="1601734" y="873492"/>
-            <a:ext cx="4824536" cy="584775"/>
-          </a:xfrm>
-          <a:prstGeom prst="rect">
-            <a:avLst/>
-          </a:prstGeom>
-          <a:noFill/>
-        </p:spPr>
-        <p:txBody>
-          <a:bodyPr wrap="square" rtlCol="0">
-            <a:spAutoFit/>
-          </a:bodyPr>
-          <a:lstStyle/>
-          <a:p>
-            <a:r>
-              <a:rPr lang="en-US" altLang="ko-KR" sz="3200" dirty="0" smtClean="0"/>
-              <a:t>For(</a:t>
-            </a:r>
-            <a:r>
-              <a:rPr lang="en-US" altLang="ko-KR" sz="3200" dirty="0" err="1" smtClean="0"/>
-              <a:t>i</a:t>
-            </a:r>
-            <a:r>
-              <a:rPr lang="en-US" altLang="ko-KR" sz="3200" dirty="0" smtClean="0"/>
-              <a:t>=0</a:t>
-            </a:r>
-            <a:r>
-              <a:rPr lang="ko-KR" altLang="en-US" sz="3200" dirty="0" smtClean="0"/>
-              <a:t> </a:t>
-            </a:r>
-            <a:r>
-              <a:rPr lang="en-US" altLang="ko-KR" sz="3200" dirty="0" smtClean="0"/>
-              <a:t>; </a:t>
-            </a:r>
-            <a:r>
-              <a:rPr lang="en-US" altLang="ko-KR" sz="3200" dirty="0" err="1" smtClean="0"/>
-              <a:t>i</a:t>
-            </a:r>
-            <a:r>
-              <a:rPr lang="en-US" altLang="ko-KR" sz="3200" dirty="0" smtClean="0"/>
-              <a:t>&lt;5</a:t>
-            </a:r>
-            <a:r>
-              <a:rPr lang="ko-KR" altLang="en-US" sz="3200" dirty="0" smtClean="0"/>
-              <a:t> </a:t>
-            </a:r>
-            <a:r>
-              <a:rPr lang="en-US" altLang="ko-KR" sz="3200" dirty="0" smtClean="0"/>
-              <a:t>; </a:t>
-            </a:r>
-            <a:r>
-              <a:rPr lang="en-US" altLang="ko-KR" sz="3200" dirty="0" err="1" smtClean="0"/>
-              <a:t>i</a:t>
-            </a:r>
-            <a:r>
-              <a:rPr lang="en-US" altLang="ko-KR" sz="3200" dirty="0" smtClean="0"/>
-              <a:t>++) {</a:t>
-            </a:r>
-            <a:endParaRPr lang="ko-KR" altLang="en-US" sz="3200" dirty="0"/>
-          </a:p>
-        </p:txBody>
-      </p:sp>
-      <p:sp>
-        <p:nvSpPr>
-          <p:cNvPr id="6" name="TextBox 5"/>
-          <p:cNvSpPr txBox="1"/>
-          <p:nvPr/>
-        </p:nvSpPr>
-        <p:spPr>
-          <a:xfrm>
-            <a:off x="1763688" y="4253628"/>
-            <a:ext cx="4824536" cy="584775"/>
-          </a:xfrm>
-          <a:prstGeom prst="rect">
-            <a:avLst/>
-          </a:prstGeom>
-          <a:noFill/>
-        </p:spPr>
-        <p:txBody>
-          <a:bodyPr wrap="square" rtlCol="0">
-            <a:spAutoFit/>
-          </a:bodyPr>
-          <a:lstStyle/>
-          <a:p>
-            <a:r>
-              <a:rPr lang="en-US" altLang="ko-KR" sz="3200" dirty="0" smtClean="0"/>
-              <a:t>}</a:t>
-            </a:r>
-            <a:endParaRPr lang="ko-KR" altLang="en-US" sz="3200" dirty="0"/>
-          </a:p>
-        </p:txBody>
-      </p:sp>
-      <p:sp>
-        <p:nvSpPr>
-          <p:cNvPr id="7" name="TextBox 6"/>
-          <p:cNvSpPr txBox="1"/>
-          <p:nvPr/>
-        </p:nvSpPr>
-        <p:spPr>
-          <a:xfrm>
-            <a:off x="2699792" y="2523398"/>
-            <a:ext cx="4824536" cy="584775"/>
-          </a:xfrm>
-          <a:prstGeom prst="rect">
-            <a:avLst/>
-          </a:prstGeom>
-          <a:noFill/>
-        </p:spPr>
-        <p:txBody>
-          <a:bodyPr wrap="square" rtlCol="0">
-            <a:spAutoFit/>
-          </a:bodyPr>
-          <a:lstStyle/>
-          <a:p>
-            <a:r>
-              <a:rPr lang="en-US" altLang="ko-KR" sz="3200" dirty="0" smtClean="0"/>
-              <a:t>======</a:t>
-            </a:r>
-            <a:r>
-              <a:rPr lang="ko-KR" altLang="en-US" sz="3200" dirty="0" smtClean="0"/>
-              <a:t>문장</a:t>
-            </a:r>
-            <a:r>
-              <a:rPr lang="en-US" altLang="ko-KR" sz="3200" dirty="0" smtClean="0"/>
-              <a:t>======</a:t>
-            </a:r>
-            <a:endParaRPr lang="ko-KR" altLang="en-US" sz="3200" dirty="0"/>
-          </a:p>
-        </p:txBody>
-      </p:sp>
-      <p:sp>
-        <p:nvSpPr>
-          <p:cNvPr id="2" name="직사각형 1"/>
-          <p:cNvSpPr/>
-          <p:nvPr/>
-        </p:nvSpPr>
-        <p:spPr>
-          <a:xfrm>
-            <a:off x="2195736" y="1458267"/>
-            <a:ext cx="4680520" cy="2795361"/>
-          </a:xfrm>
-          <a:prstGeom prst="rect">
-            <a:avLst/>
-          </a:prstGeom>
-          <a:noFill/>
-          <a:ln w="38100">
-            <a:solidFill>
-              <a:srgbClr val="FF0000"/>
-            </a:solidFill>
-          </a:ln>
-        </p:spPr>
-        <p:style>
-          <a:lnRef idx="2">
-            <a:schemeClr val="accent1">
-              <a:shade val="50000"/>
-            </a:schemeClr>
-          </a:lnRef>
-          <a:fillRef idx="1">
-            <a:schemeClr val="accent1"/>
-          </a:fillRef>
-          <a:effectRef idx="0">
-            <a:schemeClr val="accent1"/>
-          </a:effectRef>
-          <a:fontRef idx="minor">
-            <a:schemeClr val="lt1"/>
-          </a:fontRef>
-        </p:style>
-        <p:txBody>
-          <a:bodyPr rtlCol="0" anchor="ctr"/>
-          <a:lstStyle/>
-          <a:p>
-            <a:pPr algn="ctr"/>
-            <a:endParaRPr lang="ko-KR" altLang="en-US"/>
-          </a:p>
-        </p:txBody>
-      </p:sp>
-      <p:sp>
-        <p:nvSpPr>
-          <p:cNvPr id="8" name="직사각형 7"/>
-          <p:cNvSpPr/>
-          <p:nvPr/>
-        </p:nvSpPr>
-        <p:spPr>
-          <a:xfrm>
-            <a:off x="2195736" y="1458267"/>
-            <a:ext cx="4680520" cy="2795361"/>
-          </a:xfrm>
-          <a:prstGeom prst="rect">
-            <a:avLst/>
-          </a:prstGeom>
-        </p:spPr>
-        <p:style>
-          <a:lnRef idx="2">
-            <a:schemeClr val="accent1">
-              <a:shade val="50000"/>
-            </a:schemeClr>
-          </a:lnRef>
-          <a:fillRef idx="1">
-            <a:schemeClr val="accent1"/>
-          </a:fillRef>
-          <a:effectRef idx="0">
-            <a:schemeClr val="accent1"/>
-          </a:effectRef>
-          <a:fontRef idx="minor">
-            <a:schemeClr val="lt1"/>
-          </a:fontRef>
-        </p:style>
-        <p:txBody>
-          <a:bodyPr rtlCol="0" anchor="ctr"/>
-          <a:lstStyle/>
-          <a:p>
-            <a:pPr algn="ctr"/>
-            <a:endParaRPr lang="ko-KR" altLang="en-US"/>
-          </a:p>
-        </p:txBody>
-      </p:sp>
-      <p:sp>
-        <p:nvSpPr>
-          <p:cNvPr id="10" name="부제목 2"/>
-          <p:cNvSpPr txBox="1">
-            <a:spLocks/>
-          </p:cNvSpPr>
-          <p:nvPr/>
-        </p:nvSpPr>
-        <p:spPr>
-          <a:xfrm>
-            <a:off x="341410" y="5437072"/>
-            <a:ext cx="7669091" cy="606671"/>
-          </a:xfrm>
-          <a:prstGeom prst="rect">
-            <a:avLst/>
-          </a:prstGeom>
-          <a:noFill/>
-        </p:spPr>
-        <p:txBody>
-          <a:bodyPr vert="horz" lIns="91440" tIns="45720" rIns="91440" bIns="45720" rtlCol="0">
-            <a:normAutofit fontScale="92500" lnSpcReduction="20000"/>
-          </a:bodyPr>
-          <a:lstStyle>
-            <a:lvl1pPr marL="0" indent="0" algn="ctr" defTabSz="914400" rtl="0" eaLnBrk="1" latinLnBrk="1" hangingPunct="1">
-              <a:lnSpc>
-                <a:spcPct val="100000"/>
-              </a:lnSpc>
-              <a:spcBef>
-                <a:spcPts val="1000"/>
-              </a:spcBef>
-              <a:buClr>
-                <a:schemeClr val="accent2"/>
-              </a:buClr>
-              <a:buFont typeface="Arial" panose="020B0604020202020204" pitchFamily="34" charset="0"/>
-              <a:buNone/>
-              <a:defRPr sz="2000" kern="1200">
-                <a:solidFill>
-                  <a:schemeClr val="tx1">
-                    <a:lumMod val="75000"/>
-                    <a:lumOff val="25000"/>
-                  </a:schemeClr>
-                </a:solidFill>
-                <a:latin typeface="+mn-lt"/>
-                <a:ea typeface="+mn-ea"/>
-                <a:cs typeface="+mn-cs"/>
-              </a:defRPr>
-            </a:lvl1pPr>
-            <a:lvl2pPr marL="457200" indent="0" algn="ctr" defTabSz="914400" rtl="0" eaLnBrk="1" latinLnBrk="1" hangingPunct="1">
-              <a:lnSpc>
-                <a:spcPct val="100000"/>
-              </a:lnSpc>
-              <a:spcBef>
-                <a:spcPts val="1000"/>
-              </a:spcBef>
-              <a:buClr>
-                <a:schemeClr val="accent2"/>
-              </a:buClr>
-              <a:buFont typeface="Arial" panose="020B0604020202020204" pitchFamily="34" charset="0"/>
-              <a:buNone/>
-              <a:defRPr sz="2000" kern="1200">
-                <a:solidFill>
-                  <a:schemeClr val="tx1">
-                    <a:lumMod val="85000"/>
-                    <a:lumOff val="15000"/>
-                  </a:schemeClr>
-                </a:solidFill>
-                <a:latin typeface="+mn-lt"/>
-                <a:ea typeface="+mn-ea"/>
-                <a:cs typeface="+mn-cs"/>
-              </a:defRPr>
-            </a:lvl2pPr>
-            <a:lvl3pPr marL="914400" indent="0" algn="ctr" defTabSz="914400" rtl="0" eaLnBrk="1" latinLnBrk="1" hangingPunct="1">
-              <a:lnSpc>
-                <a:spcPct val="100000"/>
-              </a:lnSpc>
-              <a:spcBef>
-                <a:spcPts val="1000"/>
-              </a:spcBef>
-              <a:buClr>
-                <a:schemeClr val="accent2"/>
-              </a:buClr>
-              <a:buFont typeface="Arial" panose="020B0604020202020204" pitchFamily="34" charset="0"/>
-              <a:buNone/>
-              <a:defRPr sz="1800" kern="1200">
-                <a:solidFill>
-                  <a:schemeClr val="tx1">
-                    <a:lumMod val="85000"/>
-                    <a:lumOff val="15000"/>
-                  </a:schemeClr>
-                </a:solidFill>
-                <a:latin typeface="+mn-lt"/>
-                <a:ea typeface="+mn-ea"/>
-                <a:cs typeface="+mn-cs"/>
-              </a:defRPr>
-            </a:lvl3pPr>
-            <a:lvl4pPr marL="1371600" indent="0" algn="ctr" defTabSz="914400" rtl="0" eaLnBrk="1" latinLnBrk="1" hangingPunct="1">
-              <a:lnSpc>
-                <a:spcPct val="100000"/>
-              </a:lnSpc>
-              <a:spcBef>
-                <a:spcPts val="1000"/>
-              </a:spcBef>
-              <a:buClr>
-                <a:schemeClr val="accent2"/>
-              </a:buClr>
-              <a:buFont typeface="Arial" panose="020B0604020202020204" pitchFamily="34" charset="0"/>
-              <a:buNone/>
-              <a:defRPr sz="1600" kern="1200">
-                <a:solidFill>
-                  <a:schemeClr val="tx1">
-                    <a:lumMod val="85000"/>
-                    <a:lumOff val="15000"/>
-                  </a:schemeClr>
-                </a:solidFill>
-                <a:latin typeface="+mn-lt"/>
-                <a:ea typeface="+mn-ea"/>
-                <a:cs typeface="+mn-cs"/>
-              </a:defRPr>
-            </a:lvl4pPr>
-            <a:lvl5pPr marL="1828800" indent="0" algn="ctr" defTabSz="914400" rtl="0" eaLnBrk="1" latinLnBrk="1" hangingPunct="1">
-              <a:lnSpc>
-                <a:spcPct val="100000"/>
-              </a:lnSpc>
-              <a:spcBef>
-                <a:spcPts val="1000"/>
-              </a:spcBef>
-              <a:buClr>
-                <a:schemeClr val="accent2"/>
-              </a:buClr>
-              <a:buFont typeface="Arial" panose="020B0604020202020204" pitchFamily="34" charset="0"/>
-              <a:buNone/>
-              <a:defRPr sz="1600" kern="1200">
-                <a:solidFill>
-                  <a:schemeClr val="tx1">
-                    <a:lumMod val="85000"/>
-                    <a:lumOff val="15000"/>
-                  </a:schemeClr>
-                </a:solidFill>
-                <a:latin typeface="+mn-lt"/>
-                <a:ea typeface="+mn-ea"/>
-                <a:cs typeface="+mn-cs"/>
-              </a:defRPr>
-            </a:lvl5pPr>
-            <a:lvl6pPr marL="2286000" indent="0" algn="ctr" defTabSz="914400" rtl="0" eaLnBrk="1" latinLnBrk="1" hangingPunct="1">
-              <a:lnSpc>
-                <a:spcPct val="100000"/>
-              </a:lnSpc>
-              <a:spcBef>
-                <a:spcPts val="1000"/>
-              </a:spcBef>
-              <a:buClr>
-                <a:schemeClr val="accent2"/>
-              </a:buClr>
-              <a:buFont typeface="Arial" panose="020B0604020202020204" pitchFamily="34" charset="0"/>
-              <a:buNone/>
-              <a:defRPr sz="1600" kern="1200">
-                <a:solidFill>
-                  <a:schemeClr val="tx1"/>
-                </a:solidFill>
-                <a:latin typeface="+mn-lt"/>
-                <a:ea typeface="+mn-ea"/>
-                <a:cs typeface="+mn-cs"/>
-              </a:defRPr>
-            </a:lvl6pPr>
-            <a:lvl7pPr marL="2743200" indent="0" algn="ctr" defTabSz="914400" rtl="0" eaLnBrk="1" latinLnBrk="1" hangingPunct="1">
-              <a:lnSpc>
-                <a:spcPct val="100000"/>
-              </a:lnSpc>
-              <a:spcBef>
-                <a:spcPts val="1000"/>
-              </a:spcBef>
-              <a:buClr>
-                <a:schemeClr val="accent2"/>
-              </a:buClr>
-              <a:buFont typeface="Arial" panose="020B0604020202020204" pitchFamily="34" charset="0"/>
-              <a:buNone/>
-              <a:defRPr sz="1600" kern="1200">
-                <a:solidFill>
-                  <a:schemeClr val="tx1"/>
-                </a:solidFill>
-                <a:latin typeface="+mn-lt"/>
-                <a:ea typeface="+mn-ea"/>
-                <a:cs typeface="+mn-cs"/>
-              </a:defRPr>
-            </a:lvl7pPr>
-            <a:lvl8pPr marL="3200400" indent="0" algn="ctr" defTabSz="914400" rtl="0" eaLnBrk="1" latinLnBrk="1" hangingPunct="1">
-              <a:lnSpc>
-                <a:spcPct val="100000"/>
-              </a:lnSpc>
-              <a:spcBef>
-                <a:spcPts val="1000"/>
-              </a:spcBef>
-              <a:buClr>
-                <a:schemeClr val="accent2"/>
-              </a:buClr>
-              <a:buFont typeface="Arial" panose="020B0604020202020204" pitchFamily="34" charset="0"/>
-              <a:buNone/>
-              <a:defRPr sz="1600" kern="1200" baseline="0">
-                <a:solidFill>
-                  <a:schemeClr val="tx1"/>
-                </a:solidFill>
-                <a:latin typeface="+mn-lt"/>
-                <a:ea typeface="+mn-ea"/>
-                <a:cs typeface="+mn-cs"/>
-              </a:defRPr>
-            </a:lvl8pPr>
-            <a:lvl9pPr marL="3657600" indent="0" algn="ctr" defTabSz="914400" rtl="0" eaLnBrk="1" latinLnBrk="1" hangingPunct="1">
-              <a:lnSpc>
-                <a:spcPct val="100000"/>
-              </a:lnSpc>
-              <a:spcBef>
-                <a:spcPts val="1000"/>
-              </a:spcBef>
-              <a:buClr>
-                <a:schemeClr val="accent2"/>
-              </a:buClr>
-              <a:buFont typeface="Arial" panose="020B0604020202020204" pitchFamily="34" charset="0"/>
-              <a:buNone/>
-              <a:defRPr sz="1600" kern="1200" baseline="0">
-                <a:solidFill>
-                  <a:schemeClr val="tx1"/>
-                </a:solidFill>
-                <a:latin typeface="+mn-lt"/>
-                <a:ea typeface="+mn-ea"/>
-                <a:cs typeface="+mn-cs"/>
-              </a:defRPr>
-            </a:lvl9pPr>
-          </a:lstStyle>
-          <a:p>
-            <a:pPr algn="l"/>
-            <a:r>
-              <a:rPr lang="ko-KR" altLang="en-US" sz="4400" dirty="0" smtClean="0"/>
-              <a:t>즉</a:t>
-            </a:r>
-            <a:r>
-              <a:rPr lang="en-US" altLang="ko-KR" sz="4400" dirty="0" smtClean="0"/>
-              <a:t>, 7</a:t>
-            </a:r>
-            <a:r>
-              <a:rPr lang="ko-KR" altLang="en-US" sz="4400" dirty="0" smtClean="0"/>
-              <a:t>번씩 </a:t>
-            </a:r>
-            <a:r>
-              <a:rPr lang="en-US" altLang="ko-KR" sz="4400" dirty="0" smtClean="0"/>
-              <a:t>5</a:t>
-            </a:r>
-            <a:r>
-              <a:rPr lang="ko-KR" altLang="en-US" sz="4400" dirty="0" smtClean="0"/>
-              <a:t>번을 더 반복한다</a:t>
-            </a:r>
-            <a:r>
-              <a:rPr lang="en-US" altLang="ko-KR" sz="4400" dirty="0" smtClean="0"/>
-              <a:t>. (</a:t>
-            </a:r>
-            <a:r>
-              <a:rPr lang="ko-KR" altLang="en-US" sz="4400" dirty="0" smtClean="0"/>
-              <a:t>총 </a:t>
-            </a:r>
-            <a:r>
-              <a:rPr lang="en-US" altLang="ko-KR" sz="4400" dirty="0" smtClean="0"/>
-              <a:t>35</a:t>
-            </a:r>
-            <a:r>
-              <a:rPr lang="ko-KR" altLang="en-US" sz="4400" dirty="0" smtClean="0"/>
-              <a:t>번</a:t>
-            </a:r>
-            <a:r>
-              <a:rPr lang="en-US" altLang="ko-KR" sz="4400" dirty="0" smtClean="0"/>
-              <a:t>)</a:t>
-            </a:r>
-            <a:endParaRPr lang="en-US" altLang="ko-KR" sz="4400" dirty="0"/>
-          </a:p>
-        </p:txBody>
-      </p:sp>
-    </p:spTree>
-    <p:extLst>
-      <p:ext uri="{BB962C8B-B14F-4D97-AF65-F5344CB8AC3E}">
-        <p14:creationId xmlns:p14="http://schemas.microsoft.com/office/powerpoint/2010/main" val="1063548108"/>
-      </p:ext>
-    </p:extLst>
-  </p:cSld>
-  <p:clrMapOvr>
-    <a:masterClrMapping/>
-  </p:clrMapOvr>
-  <p:timing>
-    <p:tnLst>
-      <p:par>
-        <p:cTn id="1" dur="indefinite" restart="never" nodeType="tmRoot">
-          <p:childTnLst>
-            <p:seq concurrent="1" nextAc="seek">
-              <p:cTn id="2" dur="indefinite" nodeType="mainSeq">
-                <p:childTnLst>
-                  <p:par>
-                    <p:cTn id="3" fill="hold">
-                      <p:stCondLst>
-                        <p:cond delay="indefinite"/>
-                      </p:stCondLst>
-                      <p:childTnLst>
-                        <p:par>
-                          <p:cTn id="4" fill="hold">
-                            <p:stCondLst>
-                              <p:cond delay="0"/>
-                            </p:stCondLst>
-                            <p:childTnLst>
-                              <p:par>
-                                <p:cTn id="5" presetID="1" presetClass="exit" presetSubtype="0" fill="hold" grpId="0" nodeType="clickEffect">
-                                  <p:stCondLst>
-                                    <p:cond delay="0"/>
-                                  </p:stCondLst>
-                                  <p:childTnLst>
-                                    <p:set>
-                                      <p:cBhvr>
-                                        <p:cTn id="6" dur="1" fill="hold">
-                                          <p:stCondLst>
-                                            <p:cond delay="0"/>
-                                          </p:stCondLst>
-                                        </p:cTn>
-                                        <p:tgtEl>
-                                          <p:spTgt spid="8"/>
-                                        </p:tgtEl>
-                                        <p:attrNameLst>
-                                          <p:attrName>style.visibility</p:attrName>
-                                        </p:attrNameLst>
-                                      </p:cBhvr>
-                                      <p:to>
-                                        <p:strVal val="hidden"/>
-                                      </p:to>
-                                    </p:set>
-                                  </p:childTnLst>
-                                </p:cTn>
-                              </p:par>
-                            </p:childTnLst>
-                          </p:cTn>
-                        </p:par>
-                      </p:childTnLst>
-                    </p:cTn>
-                  </p:par>
-                  <p:par>
-                    <p:cTn id="7" fill="hold">
-                      <p:stCondLst>
-                        <p:cond delay="indefinite"/>
-                      </p:stCondLst>
-                      <p:childTnLst>
-                        <p:par>
-                          <p:cTn id="8" fill="hold">
-                            <p:stCondLst>
-                              <p:cond delay="0"/>
-                            </p:stCondLst>
-                            <p:childTnLst>
-                              <p:par>
-                                <p:cTn id="9" presetID="1" presetClass="entr" presetSubtype="0" fill="hold" grpId="0" nodeType="clickEffect">
-                                  <p:stCondLst>
-                                    <p:cond delay="0"/>
-                                  </p:stCondLst>
-                                  <p:childTnLst>
-                                    <p:set>
-                                      <p:cBhvr>
-                                        <p:cTn id="10" dur="1" fill="hold">
-                                          <p:stCondLst>
-                                            <p:cond delay="0"/>
-                                          </p:stCondLst>
-                                        </p:cTn>
-                                        <p:tgtEl>
-                                          <p:spTgt spid="10"/>
-                                        </p:tgtEl>
-                                        <p:attrNameLst>
-                                          <p:attrName>style.visibility</p:attrName>
-                                        </p:attrNameLst>
-                                      </p:cBhvr>
-                                      <p:to>
-                                        <p:strVal val="visible"/>
-                                      </p:to>
-                                    </p:set>
-                                  </p:childTnLst>
-                                </p:cTn>
-                              </p:par>
-                            </p:childTnLst>
-                          </p:cTn>
-                        </p:par>
-                      </p:childTnLst>
-                    </p:cTn>
-                  </p:par>
-                </p:childTnLst>
-              </p:cTn>
-              <p:prevCondLst>
-                <p:cond evt="onPrev" delay="0">
-                  <p:tgtEl>
-                    <p:sldTgt/>
-                  </p:tgtEl>
-                </p:cond>
-              </p:prevCondLst>
-              <p:nextCondLst>
-                <p:cond evt="onNext" delay="0">
-                  <p:tgtEl>
-                    <p:sldTgt/>
-                  </p:tgtEl>
-                </p:cond>
-              </p:nextCondLst>
-            </p:seq>
-          </p:childTnLst>
-        </p:cTn>
-      </p:par>
-    </p:tnLst>
-    <p:bldLst>
-      <p:bldP spid="8" grpId="0" animBg="1"/>
-      <p:bldP spid="10" grpId="0"/>
-    </p:bldLst>
-  </p:timing>
-</p:sld>
-</file>
-
-<file path=ppt/slides/slide13.xml><?xml version="1.0" encoding="utf-8"?>
-<p:sld xmlns:a="http://schemas.openxmlformats.org/drawingml/2006/main" xmlns:r="http://schemas.openxmlformats.org/officeDocument/2006/relationships" xmlns:p="http://schemas.openxmlformats.org/presentationml/2006/main">
-  <p:cSld>
-    <p:spTree>
-      <p:nvGrpSpPr>
-        <p:cNvPr id="1" name=""/>
-        <p:cNvGrpSpPr/>
-        <p:nvPr/>
-      </p:nvGrpSpPr>
-      <p:grpSpPr>
-        <a:xfrm>
-          <a:off x="0" y="0"/>
-          <a:ext cx="0" cy="0"/>
-          <a:chOff x="0" y="0"/>
-          <a:chExt cx="0" cy="0"/>
-        </a:xfrm>
-      </p:grpSpPr>
-      <p:sp>
-        <p:nvSpPr>
-          <p:cNvPr id="5" name="부제목 2"/>
-          <p:cNvSpPr>
-            <a:spLocks noGrp="1"/>
-          </p:cNvSpPr>
-          <p:nvPr>
-            <p:ph type="subTitle" idx="1"/>
-          </p:nvPr>
-        </p:nvSpPr>
-        <p:spPr>
-          <a:xfrm>
-            <a:off x="1" y="131886"/>
-            <a:ext cx="8820471" cy="1136874"/>
-          </a:xfrm>
-        </p:spPr>
-        <p:txBody>
-          <a:bodyPr>
-            <a:normAutofit/>
-          </a:bodyPr>
-          <a:lstStyle/>
-          <a:p>
-            <a:pPr algn="l"/>
-            <a:r>
-              <a:rPr lang="en-US" altLang="ko-KR" sz="3200" dirty="0" smtClean="0"/>
-              <a:t>Example02_2 –</a:t>
-            </a:r>
-            <a:r>
-              <a:rPr lang="ko-KR" altLang="en-US" sz="3200" dirty="0" smtClean="0"/>
-              <a:t>중첩 </a:t>
-            </a:r>
-            <a:r>
-              <a:rPr lang="ko-KR" altLang="en-US" sz="3200" dirty="0" err="1" smtClean="0"/>
-              <a:t>반복문을</a:t>
-            </a:r>
-            <a:r>
-              <a:rPr lang="ko-KR" altLang="en-US" sz="3200" dirty="0" smtClean="0"/>
-              <a:t> 써보자</a:t>
-            </a:r>
-            <a:r>
-              <a:rPr lang="en-US" altLang="ko-KR" sz="3200" dirty="0" smtClean="0"/>
-              <a:t>.(</a:t>
-            </a:r>
-            <a:r>
-              <a:rPr lang="ko-KR" altLang="en-US" sz="3200" dirty="0" smtClean="0"/>
-              <a:t>구구단 출력</a:t>
-            </a:r>
-            <a:r>
-              <a:rPr lang="en-US" altLang="ko-KR" sz="3200" dirty="0" smtClean="0"/>
-              <a:t>)</a:t>
-            </a:r>
-            <a:endParaRPr lang="en-US" altLang="ko-KR" sz="4400" dirty="0"/>
-          </a:p>
-        </p:txBody>
-      </p:sp>
-      <p:sp>
-        <p:nvSpPr>
-          <p:cNvPr id="14" name="TextBox 13"/>
-          <p:cNvSpPr txBox="1"/>
-          <p:nvPr/>
-        </p:nvSpPr>
-        <p:spPr>
-          <a:xfrm>
-            <a:off x="827584" y="1128313"/>
-            <a:ext cx="1271111" cy="584775"/>
-          </a:xfrm>
-          <a:prstGeom prst="rect">
-            <a:avLst/>
-          </a:prstGeom>
-          <a:noFill/>
-        </p:spPr>
-        <p:txBody>
-          <a:bodyPr wrap="square" rtlCol="0">
-            <a:spAutoFit/>
-          </a:bodyPr>
-          <a:lstStyle/>
-          <a:p>
-            <a:r>
-              <a:rPr lang="en-US" altLang="ko-KR" sz="3200" dirty="0">
-                <a:solidFill>
-                  <a:srgbClr val="FFFFFF"/>
-                </a:solidFill>
-              </a:rPr>
-              <a:t>Main()</a:t>
-            </a:r>
-            <a:r>
-              <a:rPr lang="ko-KR" altLang="en-US" sz="3200" dirty="0">
-                <a:solidFill>
-                  <a:srgbClr val="FFFFFF"/>
-                </a:solidFill>
-              </a:rPr>
-              <a:t> </a:t>
-            </a:r>
-            <a:endParaRPr lang="en-US" altLang="ko-KR" sz="3200" dirty="0">
-              <a:solidFill>
-                <a:srgbClr val="FFFFFF"/>
-              </a:solidFill>
-            </a:endParaRPr>
-          </a:p>
-        </p:txBody>
-      </p:sp>
-      <p:pic>
-        <p:nvPicPr>
-          <p:cNvPr id="6146" name="Picture 2"/>
+          <p:cNvPr id="1026" name="Picture 2"/>
           <p:cNvPicPr>
             <a:picLocks noChangeAspect="1" noChangeArrowheads="1"/>
           </p:cNvPicPr>
@@ -5367,8 +3699,8 @@
         </p:blipFill>
         <p:spPr bwMode="auto">
           <a:xfrm>
-            <a:off x="1187624" y="1731277"/>
-            <a:ext cx="6336704" cy="4878702"/>
+            <a:off x="1691680" y="2025260"/>
+            <a:ext cx="2766199" cy="770908"/>
           </a:xfrm>
           <a:prstGeom prst="rect">
             <a:avLst/>
@@ -5408,164 +3740,16 @@
           </a:extLst>
         </p:spPr>
       </p:pic>
-      <p:sp>
-        <p:nvSpPr>
-          <p:cNvPr id="2" name="직사각형 1"/>
-          <p:cNvSpPr/>
-          <p:nvPr/>
-        </p:nvSpPr>
-        <p:spPr>
-          <a:xfrm>
-            <a:off x="2411760" y="3573016"/>
-            <a:ext cx="2376264" cy="288032"/>
-          </a:xfrm>
-          <a:prstGeom prst="rect">
-            <a:avLst/>
-          </a:prstGeom>
-        </p:spPr>
-        <p:style>
-          <a:lnRef idx="2">
-            <a:schemeClr val="accent1">
-              <a:shade val="50000"/>
-            </a:schemeClr>
-          </a:lnRef>
-          <a:fillRef idx="1">
-            <a:schemeClr val="accent1"/>
-          </a:fillRef>
-          <a:effectRef idx="0">
-            <a:schemeClr val="accent1"/>
-          </a:effectRef>
-          <a:fontRef idx="minor">
-            <a:schemeClr val="lt1"/>
-          </a:fontRef>
-        </p:style>
-        <p:txBody>
-          <a:bodyPr rtlCol="0" anchor="ctr"/>
-          <a:lstStyle/>
-          <a:p>
-            <a:pPr algn="ctr"/>
-            <a:endParaRPr lang="ko-KR" altLang="en-US"/>
-          </a:p>
-        </p:txBody>
-      </p:sp>
-      <p:sp>
-        <p:nvSpPr>
-          <p:cNvPr id="13" name="직사각형 12"/>
-          <p:cNvSpPr/>
-          <p:nvPr/>
-        </p:nvSpPr>
-        <p:spPr>
-          <a:xfrm>
-            <a:off x="2915816" y="3842823"/>
-            <a:ext cx="2376264" cy="288032"/>
-          </a:xfrm>
-          <a:prstGeom prst="rect">
-            <a:avLst/>
-          </a:prstGeom>
-        </p:spPr>
-        <p:style>
-          <a:lnRef idx="2">
-            <a:schemeClr val="accent1">
-              <a:shade val="50000"/>
-            </a:schemeClr>
-          </a:lnRef>
-          <a:fillRef idx="1">
-            <a:schemeClr val="accent1"/>
-          </a:fillRef>
-          <a:effectRef idx="0">
-            <a:schemeClr val="accent1"/>
-          </a:effectRef>
-          <a:fontRef idx="minor">
-            <a:schemeClr val="lt1"/>
-          </a:fontRef>
-        </p:style>
-        <p:txBody>
-          <a:bodyPr rtlCol="0" anchor="ctr"/>
-          <a:lstStyle/>
-          <a:p>
-            <a:pPr algn="ctr"/>
-            <a:endParaRPr lang="ko-KR" altLang="en-US"/>
-          </a:p>
-        </p:txBody>
-      </p:sp>
-    </p:spTree>
-    <p:extLst>
-      <p:ext uri="{BB962C8B-B14F-4D97-AF65-F5344CB8AC3E}">
-        <p14:creationId xmlns:p14="http://schemas.microsoft.com/office/powerpoint/2010/main" val="1405271556"/>
-      </p:ext>
-    </p:extLst>
-  </p:cSld>
-  <p:clrMapOvr>
-    <a:masterClrMapping/>
-  </p:clrMapOvr>
-  <p:timing>
-    <p:tnLst>
-      <p:par>
-        <p:cTn id="1" dur="indefinite" restart="never" nodeType="tmRoot"/>
-      </p:par>
-    </p:tnLst>
-  </p:timing>
-</p:sld>
-</file>
-
-<file path=ppt/slides/slide14.xml><?xml version="1.0" encoding="utf-8"?>
-<p:sld xmlns:a="http://schemas.openxmlformats.org/drawingml/2006/main" xmlns:r="http://schemas.openxmlformats.org/officeDocument/2006/relationships" xmlns:p="http://schemas.openxmlformats.org/presentationml/2006/main">
-  <p:cSld>
-    <p:spTree>
-      <p:nvGrpSpPr>
-        <p:cNvPr id="1" name=""/>
-        <p:cNvGrpSpPr/>
-        <p:nvPr/>
-      </p:nvGrpSpPr>
-      <p:grpSpPr>
-        <a:xfrm>
-          <a:off x="0" y="0"/>
-          <a:ext cx="0" cy="0"/>
-          <a:chOff x="0" y="0"/>
-          <a:chExt cx="0" cy="0"/>
-        </a:xfrm>
-      </p:grpSpPr>
-      <p:sp>
-        <p:nvSpPr>
-          <p:cNvPr id="9" name="부제목 2"/>
-          <p:cNvSpPr>
-            <a:spLocks noGrp="1"/>
-          </p:cNvSpPr>
-          <p:nvPr>
-            <p:ph type="subTitle" idx="1"/>
-          </p:nvPr>
-        </p:nvSpPr>
-        <p:spPr>
-          <a:xfrm>
-            <a:off x="1" y="131886"/>
-            <a:ext cx="7669091" cy="606671"/>
-          </a:xfrm>
-        </p:spPr>
-        <p:txBody>
-          <a:bodyPr>
-            <a:normAutofit fontScale="92500" lnSpcReduction="20000"/>
-          </a:bodyPr>
-          <a:lstStyle/>
-          <a:p>
-            <a:pPr algn="l"/>
-            <a:r>
-              <a:rPr lang="ko-KR" altLang="en-US" sz="4400" dirty="0" smtClean="0"/>
-              <a:t>답</a:t>
-            </a:r>
-            <a:endParaRPr lang="en-US" altLang="ko-KR" sz="4400" dirty="0"/>
-          </a:p>
-        </p:txBody>
-      </p:sp>
       <p:pic>
         <p:nvPicPr>
-          <p:cNvPr id="4" name="Picture 2"/>
+          <p:cNvPr id="1027" name="Picture 3"/>
           <p:cNvPicPr>
             <a:picLocks noChangeAspect="1" noChangeArrowheads="1"/>
           </p:cNvPicPr>
           <p:nvPr/>
         </p:nvPicPr>
         <p:blipFill>
-          <a:blip r:embed="rId2">
+          <a:blip r:embed="rId3">
             <a:extLst>
               <a:ext uri="{28A0092B-C50C-407E-A947-70E740481C1C}">
                 <a14:useLocalDpi xmlns:a14="http://schemas.microsoft.com/office/drawing/2010/main" val="0"/>
@@ -5579,8 +3763,8 @@
         </p:blipFill>
         <p:spPr bwMode="auto">
           <a:xfrm>
-            <a:off x="899592" y="764704"/>
-            <a:ext cx="7416824" cy="5710299"/>
+            <a:off x="1726710" y="2998636"/>
+            <a:ext cx="2731169" cy="585026"/>
           </a:xfrm>
           <a:prstGeom prst="rect">
             <a:avLst/>
@@ -5620,10 +3804,138 @@
           </a:extLst>
         </p:spPr>
       </p:pic>
+      <p:pic>
+        <p:nvPicPr>
+          <p:cNvPr id="1028" name="Picture 4"/>
+          <p:cNvPicPr>
+            <a:picLocks noChangeAspect="1" noChangeArrowheads="1"/>
+          </p:cNvPicPr>
+          <p:nvPr/>
+        </p:nvPicPr>
+        <p:blipFill>
+          <a:blip r:embed="rId4">
+            <a:extLst>
+              <a:ext uri="{28A0092B-C50C-407E-A947-70E740481C1C}">
+                <a14:useLocalDpi xmlns:a14="http://schemas.microsoft.com/office/drawing/2010/main" val="0"/>
+              </a:ext>
+            </a:extLst>
+          </a:blip>
+          <a:srcRect/>
+          <a:stretch>
+            <a:fillRect/>
+          </a:stretch>
+        </p:blipFill>
+        <p:spPr bwMode="auto">
+          <a:xfrm>
+            <a:off x="1734916" y="4597848"/>
+            <a:ext cx="2665146" cy="719784"/>
+          </a:xfrm>
+          <a:prstGeom prst="rect">
+            <a:avLst/>
+          </a:prstGeom>
+          <a:noFill/>
+          <a:ln>
+            <a:noFill/>
+          </a:ln>
+          <a:effectLst/>
+          <a:extLst>
+            <a:ext uri="{909E8E84-426E-40DD-AFC4-6F175D3DCCD1}">
+              <a14:hiddenFill xmlns:a14="http://schemas.microsoft.com/office/drawing/2010/main">
+                <a:solidFill>
+                  <a:schemeClr val="accent1"/>
+                </a:solidFill>
+              </a14:hiddenFill>
+            </a:ext>
+            <a:ext uri="{91240B29-F687-4F45-9708-019B960494DF}">
+              <a14:hiddenLine xmlns:a14="http://schemas.microsoft.com/office/drawing/2010/main" w="9525">
+                <a:solidFill>
+                  <a:schemeClr val="tx1"/>
+                </a:solidFill>
+                <a:miter lim="800000"/>
+                <a:headEnd/>
+                <a:tailEnd/>
+              </a14:hiddenLine>
+            </a:ext>
+            <a:ext uri="{AF507438-7753-43E0-B8FC-AC1667EBCBE1}">
+              <a14:hiddenEffects xmlns:a14="http://schemas.microsoft.com/office/drawing/2010/main">
+                <a:effectLst>
+                  <a:outerShdw dist="35921" dir="2700000" algn="ctr" rotWithShape="0">
+                    <a:schemeClr val="bg2"/>
+                  </a:outerShdw>
+                </a:effectLst>
+              </a14:hiddenEffects>
+            </a:ext>
+          </a:extLst>
+        </p:spPr>
+      </p:pic>
+      <p:pic>
+        <p:nvPicPr>
+          <p:cNvPr id="1029" name="Picture 5"/>
+          <p:cNvPicPr>
+            <a:picLocks noChangeAspect="1" noChangeArrowheads="1"/>
+          </p:cNvPicPr>
+          <p:nvPr/>
+        </p:nvPicPr>
+        <p:blipFill>
+          <a:blip r:embed="rId5">
+            <a:extLst>
+              <a:ext uri="{28A0092B-C50C-407E-A947-70E740481C1C}">
+                <a14:useLocalDpi xmlns:a14="http://schemas.microsoft.com/office/drawing/2010/main" val="0"/>
+              </a:ext>
+            </a:extLst>
+          </a:blip>
+          <a:srcRect/>
+          <a:stretch>
+            <a:fillRect/>
+          </a:stretch>
+        </p:blipFill>
+        <p:spPr bwMode="auto">
+          <a:xfrm>
+            <a:off x="1726710" y="3661448"/>
+            <a:ext cx="2581750" cy="720080"/>
+          </a:xfrm>
+          <a:prstGeom prst="rect">
+            <a:avLst/>
+          </a:prstGeom>
+          <a:noFill/>
+          <a:ln>
+            <a:noFill/>
+          </a:ln>
+          <a:effectLst/>
+          <a:extLst>
+            <a:ext uri="{909E8E84-426E-40DD-AFC4-6F175D3DCCD1}">
+              <a14:hiddenFill xmlns:a14="http://schemas.microsoft.com/office/drawing/2010/main">
+                <a:solidFill>
+                  <a:schemeClr val="accent1"/>
+                </a:solidFill>
+              </a14:hiddenFill>
+            </a:ext>
+            <a:ext uri="{91240B29-F687-4F45-9708-019B960494DF}">
+              <a14:hiddenLine xmlns:a14="http://schemas.microsoft.com/office/drawing/2010/main" w="9525">
+                <a:solidFill>
+                  <a:schemeClr val="tx1"/>
+                </a:solidFill>
+                <a:miter lim="800000"/>
+                <a:headEnd/>
+                <a:tailEnd/>
+              </a14:hiddenLine>
+            </a:ext>
+            <a:ext uri="{AF507438-7753-43E0-B8FC-AC1667EBCBE1}">
+              <a14:hiddenEffects xmlns:a14="http://schemas.microsoft.com/office/drawing/2010/main">
+                <a:effectLst>
+                  <a:outerShdw dist="35921" dir="2700000" algn="ctr" rotWithShape="0">
+                    <a:schemeClr val="bg2"/>
+                  </a:outerShdw>
+                </a:effectLst>
+              </a14:hiddenEffects>
+            </a:ext>
+          </a:extLst>
+        </p:spPr>
+      </p:pic>
     </p:spTree>
     <p:extLst>
       <p:ext uri="{BB962C8B-B14F-4D97-AF65-F5344CB8AC3E}">
-        <p14:creationId xmlns:p14="http://schemas.microsoft.com/office/powerpoint/2010/main" val="752357360"/>
+        <p14:creationId xmlns:p14="http://schemas.microsoft.com/office/powerpoint/2010/main" val="1935801693"/>
       </p:ext>
     </p:extLst>
   </p:cSld>
@@ -5640,1329 +3952,7 @@
 </p:sld>
 </file>
 
-<file path=ppt/slides/slide15.xml><?xml version="1.0" encoding="utf-8"?>
-<p:sld xmlns:a="http://schemas.openxmlformats.org/drawingml/2006/main" xmlns:r="http://schemas.openxmlformats.org/officeDocument/2006/relationships" xmlns:p="http://schemas.openxmlformats.org/presentationml/2006/main">
-  <p:cSld>
-    <p:spTree>
-      <p:nvGrpSpPr>
-        <p:cNvPr id="1" name=""/>
-        <p:cNvGrpSpPr/>
-        <p:nvPr/>
-      </p:nvGrpSpPr>
-      <p:grpSpPr>
-        <a:xfrm>
-          <a:off x="0" y="0"/>
-          <a:ext cx="0" cy="0"/>
-          <a:chOff x="0" y="0"/>
-          <a:chExt cx="0" cy="0"/>
-        </a:xfrm>
-      </p:grpSpPr>
-      <p:sp>
-        <p:nvSpPr>
-          <p:cNvPr id="5" name="부제목 2"/>
-          <p:cNvSpPr>
-            <a:spLocks noGrp="1"/>
-          </p:cNvSpPr>
-          <p:nvPr>
-            <p:ph type="subTitle" idx="1"/>
-          </p:nvPr>
-        </p:nvSpPr>
-        <p:spPr>
-          <a:xfrm>
-            <a:off x="1" y="131886"/>
-            <a:ext cx="8820471" cy="1136874"/>
-          </a:xfrm>
-        </p:spPr>
-        <p:txBody>
-          <a:bodyPr>
-            <a:normAutofit/>
-          </a:bodyPr>
-          <a:lstStyle/>
-          <a:p>
-            <a:pPr algn="l"/>
-            <a:r>
-              <a:rPr lang="en-US" altLang="ko-KR" sz="3200" dirty="0" smtClean="0"/>
-              <a:t>Example03 </a:t>
-            </a:r>
-            <a:r>
-              <a:rPr lang="ko-KR" altLang="en-US" sz="3200" dirty="0" smtClean="0"/>
-              <a:t>별로 된 사각형 만들기</a:t>
-            </a:r>
-            <a:endParaRPr lang="en-US" altLang="ko-KR" sz="3200" dirty="0" smtClean="0"/>
-          </a:p>
-        </p:txBody>
-      </p:sp>
-      <p:sp>
-        <p:nvSpPr>
-          <p:cNvPr id="14" name="TextBox 13"/>
-          <p:cNvSpPr txBox="1"/>
-          <p:nvPr/>
-        </p:nvSpPr>
-        <p:spPr>
-          <a:xfrm>
-            <a:off x="3923928" y="835925"/>
-            <a:ext cx="1271111" cy="584775"/>
-          </a:xfrm>
-          <a:prstGeom prst="rect">
-            <a:avLst/>
-          </a:prstGeom>
-          <a:noFill/>
-        </p:spPr>
-        <p:txBody>
-          <a:bodyPr wrap="square" rtlCol="0">
-            <a:spAutoFit/>
-          </a:bodyPr>
-          <a:lstStyle/>
-          <a:p>
-            <a:r>
-              <a:rPr lang="en-US" altLang="ko-KR" sz="3200" dirty="0">
-                <a:solidFill>
-                  <a:srgbClr val="FFFFFF"/>
-                </a:solidFill>
-              </a:rPr>
-              <a:t>Main()</a:t>
-            </a:r>
-            <a:r>
-              <a:rPr lang="ko-KR" altLang="en-US" sz="3200" dirty="0">
-                <a:solidFill>
-                  <a:srgbClr val="FFFFFF"/>
-                </a:solidFill>
-              </a:rPr>
-              <a:t> </a:t>
-            </a:r>
-            <a:endParaRPr lang="en-US" altLang="ko-KR" sz="3200" dirty="0">
-              <a:solidFill>
-                <a:srgbClr val="FFFFFF"/>
-              </a:solidFill>
-            </a:endParaRPr>
-          </a:p>
-        </p:txBody>
-      </p:sp>
-      <p:sp>
-        <p:nvSpPr>
-          <p:cNvPr id="4" name="TextBox 3"/>
-          <p:cNvSpPr txBox="1"/>
-          <p:nvPr/>
-        </p:nvSpPr>
-        <p:spPr>
-          <a:xfrm>
-            <a:off x="154479" y="976372"/>
-            <a:ext cx="1271111" cy="584775"/>
-          </a:xfrm>
-          <a:prstGeom prst="rect">
-            <a:avLst/>
-          </a:prstGeom>
-          <a:noFill/>
-        </p:spPr>
-        <p:txBody>
-          <a:bodyPr wrap="square" rtlCol="0">
-            <a:spAutoFit/>
-          </a:bodyPr>
-          <a:lstStyle/>
-          <a:p>
-            <a:r>
-              <a:rPr lang="ko-KR" altLang="en-US" sz="3200" dirty="0" smtClean="0">
-                <a:solidFill>
-                  <a:srgbClr val="FFFFFF"/>
-                </a:solidFill>
-              </a:rPr>
-              <a:t>결과</a:t>
-            </a:r>
-            <a:endParaRPr lang="en-US" altLang="ko-KR" sz="3200" dirty="0">
-              <a:solidFill>
-                <a:srgbClr val="FFFFFF"/>
-              </a:solidFill>
-            </a:endParaRPr>
-          </a:p>
-        </p:txBody>
-      </p:sp>
-      <p:pic>
-        <p:nvPicPr>
-          <p:cNvPr id="3" name="그림 2"/>
-          <p:cNvPicPr>
-            <a:picLocks noChangeAspect="1"/>
-          </p:cNvPicPr>
-          <p:nvPr/>
-        </p:nvPicPr>
-        <p:blipFill>
-          <a:blip r:embed="rId2"/>
-          <a:stretch>
-            <a:fillRect/>
-          </a:stretch>
-        </p:blipFill>
-        <p:spPr>
-          <a:xfrm>
-            <a:off x="323528" y="1772816"/>
-            <a:ext cx="3336396" cy="1840770"/>
-          </a:xfrm>
-          <a:prstGeom prst="rect">
-            <a:avLst/>
-          </a:prstGeom>
-        </p:spPr>
-      </p:pic>
-      <p:pic>
-        <p:nvPicPr>
-          <p:cNvPr id="6" name="그림 5"/>
-          <p:cNvPicPr>
-            <a:picLocks noChangeAspect="1"/>
-          </p:cNvPicPr>
-          <p:nvPr/>
-        </p:nvPicPr>
-        <p:blipFill>
-          <a:blip r:embed="rId3"/>
-          <a:stretch>
-            <a:fillRect/>
-          </a:stretch>
-        </p:blipFill>
-        <p:spPr>
-          <a:xfrm>
-            <a:off x="3923928" y="1420700"/>
-            <a:ext cx="4104456" cy="5293964"/>
-          </a:xfrm>
-          <a:prstGeom prst="rect">
-            <a:avLst/>
-          </a:prstGeom>
-        </p:spPr>
-      </p:pic>
-      <p:sp>
-        <p:nvSpPr>
-          <p:cNvPr id="7" name="직사각형 6"/>
-          <p:cNvSpPr/>
-          <p:nvPr/>
-        </p:nvSpPr>
-        <p:spPr>
-          <a:xfrm>
-            <a:off x="4410236" y="4077072"/>
-            <a:ext cx="3474132" cy="1440160"/>
-          </a:xfrm>
-          <a:prstGeom prst="rect">
-            <a:avLst/>
-          </a:prstGeom>
-        </p:spPr>
-        <p:style>
-          <a:lnRef idx="2">
-            <a:schemeClr val="accent1">
-              <a:shade val="50000"/>
-            </a:schemeClr>
-          </a:lnRef>
-          <a:fillRef idx="1">
-            <a:schemeClr val="accent1"/>
-          </a:fillRef>
-          <a:effectRef idx="0">
-            <a:schemeClr val="accent1"/>
-          </a:effectRef>
-          <a:fontRef idx="minor">
-            <a:schemeClr val="lt1"/>
-          </a:fontRef>
-        </p:style>
-        <p:txBody>
-          <a:bodyPr rtlCol="0" anchor="ctr"/>
-          <a:lstStyle/>
-          <a:p>
-            <a:pPr algn="ctr"/>
-            <a:endParaRPr lang="ko-KR" altLang="en-US"/>
-          </a:p>
-        </p:txBody>
-      </p:sp>
-    </p:spTree>
-    <p:extLst>
-      <p:ext uri="{BB962C8B-B14F-4D97-AF65-F5344CB8AC3E}">
-        <p14:creationId xmlns:p14="http://schemas.microsoft.com/office/powerpoint/2010/main" val="3663797643"/>
-      </p:ext>
-    </p:extLst>
-  </p:cSld>
-  <p:clrMapOvr>
-    <a:masterClrMapping/>
-  </p:clrMapOvr>
-  <p:timing>
-    <p:tnLst>
-      <p:par>
-        <p:cTn id="1" dur="indefinite" restart="never" nodeType="tmRoot"/>
-      </p:par>
-    </p:tnLst>
-  </p:timing>
-</p:sld>
-</file>
-
-<file path=ppt/slides/slide16.xml><?xml version="1.0" encoding="utf-8"?>
-<p:sld xmlns:a="http://schemas.openxmlformats.org/drawingml/2006/main" xmlns:r="http://schemas.openxmlformats.org/officeDocument/2006/relationships" xmlns:p="http://schemas.openxmlformats.org/presentationml/2006/main">
-  <p:cSld>
-    <p:spTree>
-      <p:nvGrpSpPr>
-        <p:cNvPr id="1" name=""/>
-        <p:cNvGrpSpPr/>
-        <p:nvPr/>
-      </p:nvGrpSpPr>
-      <p:grpSpPr>
-        <a:xfrm>
-          <a:off x="0" y="0"/>
-          <a:ext cx="0" cy="0"/>
-          <a:chOff x="0" y="0"/>
-          <a:chExt cx="0" cy="0"/>
-        </a:xfrm>
-      </p:grpSpPr>
-      <p:sp>
-        <p:nvSpPr>
-          <p:cNvPr id="9" name="부제목 2"/>
-          <p:cNvSpPr>
-            <a:spLocks noGrp="1"/>
-          </p:cNvSpPr>
-          <p:nvPr>
-            <p:ph type="subTitle" idx="1"/>
-          </p:nvPr>
-        </p:nvSpPr>
-        <p:spPr>
-          <a:xfrm>
-            <a:off x="1" y="131886"/>
-            <a:ext cx="7669091" cy="606671"/>
-          </a:xfrm>
-        </p:spPr>
-        <p:txBody>
-          <a:bodyPr>
-            <a:normAutofit fontScale="92500" lnSpcReduction="20000"/>
-          </a:bodyPr>
-          <a:lstStyle/>
-          <a:p>
-            <a:pPr algn="l"/>
-            <a:r>
-              <a:rPr lang="ko-KR" altLang="en-US" sz="4400" dirty="0" smtClean="0"/>
-              <a:t>답</a:t>
-            </a:r>
-            <a:endParaRPr lang="en-US" altLang="ko-KR" sz="4400" dirty="0"/>
-          </a:p>
-        </p:txBody>
-      </p:sp>
-      <p:pic>
-        <p:nvPicPr>
-          <p:cNvPr id="3" name="그림 2"/>
-          <p:cNvPicPr>
-            <a:picLocks noChangeAspect="1"/>
-          </p:cNvPicPr>
-          <p:nvPr/>
-        </p:nvPicPr>
-        <p:blipFill>
-          <a:blip r:embed="rId2"/>
-          <a:stretch>
-            <a:fillRect/>
-          </a:stretch>
-        </p:blipFill>
-        <p:spPr>
-          <a:xfrm>
-            <a:off x="1619672" y="332656"/>
-            <a:ext cx="4752528" cy="6129853"/>
-          </a:xfrm>
-          <a:prstGeom prst="rect">
-            <a:avLst/>
-          </a:prstGeom>
-        </p:spPr>
-      </p:pic>
-    </p:spTree>
-    <p:extLst>
-      <p:ext uri="{BB962C8B-B14F-4D97-AF65-F5344CB8AC3E}">
-        <p14:creationId xmlns:p14="http://schemas.microsoft.com/office/powerpoint/2010/main" val="4234553890"/>
-      </p:ext>
-    </p:extLst>
-  </p:cSld>
-  <p:clrMapOvr>
-    <a:masterClrMapping/>
-  </p:clrMapOvr>
-  <p:timing>
-    <p:tnLst>
-      <p:par>
-        <p:cTn id="1" dur="indefinite" restart="never" nodeType="tmRoot"/>
-      </p:par>
-    </p:tnLst>
-  </p:timing>
-</p:sld>
-</file>
-
-<file path=ppt/slides/slide17.xml><?xml version="1.0" encoding="utf-8"?>
-<p:sld xmlns:a="http://schemas.openxmlformats.org/drawingml/2006/main" xmlns:r="http://schemas.openxmlformats.org/officeDocument/2006/relationships" xmlns:p="http://schemas.openxmlformats.org/presentationml/2006/main">
-  <p:cSld>
-    <p:spTree>
-      <p:nvGrpSpPr>
-        <p:cNvPr id="1" name=""/>
-        <p:cNvGrpSpPr/>
-        <p:nvPr/>
-      </p:nvGrpSpPr>
-      <p:grpSpPr>
-        <a:xfrm>
-          <a:off x="0" y="0"/>
-          <a:ext cx="0" cy="0"/>
-          <a:chOff x="0" y="0"/>
-          <a:chExt cx="0" cy="0"/>
-        </a:xfrm>
-      </p:grpSpPr>
-      <p:sp>
-        <p:nvSpPr>
-          <p:cNvPr id="5" name="부제목 2"/>
-          <p:cNvSpPr>
-            <a:spLocks noGrp="1"/>
-          </p:cNvSpPr>
-          <p:nvPr>
-            <p:ph type="subTitle" idx="1"/>
-          </p:nvPr>
-        </p:nvSpPr>
-        <p:spPr>
-          <a:xfrm>
-            <a:off x="1" y="131886"/>
-            <a:ext cx="8820471" cy="1136874"/>
-          </a:xfrm>
-        </p:spPr>
-        <p:txBody>
-          <a:bodyPr>
-            <a:normAutofit/>
-          </a:bodyPr>
-          <a:lstStyle/>
-          <a:p>
-            <a:pPr algn="l"/>
-            <a:r>
-              <a:rPr lang="en-US" altLang="ko-KR" sz="3200" dirty="0" smtClean="0"/>
-              <a:t>Example04 – </a:t>
-            </a:r>
-            <a:r>
-              <a:rPr lang="ko-KR" altLang="en-US" sz="3200" dirty="0" smtClean="0"/>
-              <a:t>소수들을 구하자</a:t>
-            </a:r>
-            <a:r>
-              <a:rPr lang="en-US" altLang="ko-KR" sz="3200" dirty="0" smtClean="0"/>
-              <a:t>.</a:t>
-            </a:r>
-          </a:p>
-        </p:txBody>
-      </p:sp>
-      <p:sp>
-        <p:nvSpPr>
-          <p:cNvPr id="4" name="TextBox 3"/>
-          <p:cNvSpPr txBox="1"/>
-          <p:nvPr/>
-        </p:nvSpPr>
-        <p:spPr>
-          <a:xfrm>
-            <a:off x="108536" y="784021"/>
-            <a:ext cx="1271111" cy="584775"/>
-          </a:xfrm>
-          <a:prstGeom prst="rect">
-            <a:avLst/>
-          </a:prstGeom>
-          <a:noFill/>
-        </p:spPr>
-        <p:txBody>
-          <a:bodyPr wrap="square" rtlCol="0">
-            <a:spAutoFit/>
-          </a:bodyPr>
-          <a:lstStyle/>
-          <a:p>
-            <a:r>
-              <a:rPr lang="ko-KR" altLang="en-US" sz="3200" dirty="0" smtClean="0">
-                <a:solidFill>
-                  <a:srgbClr val="FFFFFF"/>
-                </a:solidFill>
-              </a:rPr>
-              <a:t>결과</a:t>
-            </a:r>
-            <a:endParaRPr lang="en-US" altLang="ko-KR" sz="3200" dirty="0">
-              <a:solidFill>
-                <a:srgbClr val="FFFFFF"/>
-              </a:solidFill>
-            </a:endParaRPr>
-          </a:p>
-        </p:txBody>
-      </p:sp>
-      <p:pic>
-        <p:nvPicPr>
-          <p:cNvPr id="2" name="그림 1"/>
-          <p:cNvPicPr>
-            <a:picLocks noChangeAspect="1"/>
-          </p:cNvPicPr>
-          <p:nvPr/>
-        </p:nvPicPr>
-        <p:blipFill>
-          <a:blip r:embed="rId2"/>
-          <a:stretch>
-            <a:fillRect/>
-          </a:stretch>
-        </p:blipFill>
-        <p:spPr>
-          <a:xfrm>
-            <a:off x="4211960" y="917431"/>
-            <a:ext cx="4104456" cy="5468969"/>
-          </a:xfrm>
-          <a:prstGeom prst="rect">
-            <a:avLst/>
-          </a:prstGeom>
-        </p:spPr>
-      </p:pic>
-      <p:sp>
-        <p:nvSpPr>
-          <p:cNvPr id="3" name="직사각형 2"/>
-          <p:cNvSpPr/>
-          <p:nvPr/>
-        </p:nvSpPr>
-        <p:spPr>
-          <a:xfrm>
-            <a:off x="4572000" y="2996952"/>
-            <a:ext cx="3600400" cy="1944216"/>
-          </a:xfrm>
-          <a:prstGeom prst="rect">
-            <a:avLst/>
-          </a:prstGeom>
-        </p:spPr>
-        <p:style>
-          <a:lnRef idx="2">
-            <a:schemeClr val="accent1">
-              <a:shade val="50000"/>
-            </a:schemeClr>
-          </a:lnRef>
-          <a:fillRef idx="1">
-            <a:schemeClr val="accent1"/>
-          </a:fillRef>
-          <a:effectRef idx="0">
-            <a:schemeClr val="accent1"/>
-          </a:effectRef>
-          <a:fontRef idx="minor">
-            <a:schemeClr val="lt1"/>
-          </a:fontRef>
-        </p:style>
-        <p:txBody>
-          <a:bodyPr rtlCol="0" anchor="ctr"/>
-          <a:lstStyle/>
-          <a:p>
-            <a:pPr algn="ctr"/>
-            <a:endParaRPr lang="ko-KR" altLang="en-US"/>
-          </a:p>
-        </p:txBody>
-      </p:sp>
-      <p:sp>
-        <p:nvSpPr>
-          <p:cNvPr id="7" name="TextBox 6"/>
-          <p:cNvSpPr txBox="1"/>
-          <p:nvPr/>
-        </p:nvSpPr>
-        <p:spPr>
-          <a:xfrm>
-            <a:off x="6899507" y="884057"/>
-            <a:ext cx="1271111" cy="584775"/>
-          </a:xfrm>
-          <a:prstGeom prst="rect">
-            <a:avLst/>
-          </a:prstGeom>
-          <a:noFill/>
-        </p:spPr>
-        <p:txBody>
-          <a:bodyPr wrap="square" rtlCol="0">
-            <a:spAutoFit/>
-          </a:bodyPr>
-          <a:lstStyle/>
-          <a:p>
-            <a:r>
-              <a:rPr lang="en-US" altLang="ko-KR" sz="3200" dirty="0">
-                <a:solidFill>
-                  <a:srgbClr val="FFFFFF"/>
-                </a:solidFill>
-              </a:rPr>
-              <a:t>Main()</a:t>
-            </a:r>
-            <a:r>
-              <a:rPr lang="ko-KR" altLang="en-US" sz="3200" dirty="0">
-                <a:solidFill>
-                  <a:srgbClr val="FFFFFF"/>
-                </a:solidFill>
-              </a:rPr>
-              <a:t> </a:t>
-            </a:r>
-            <a:endParaRPr lang="en-US" altLang="ko-KR" sz="3200" dirty="0">
-              <a:solidFill>
-                <a:srgbClr val="FFFFFF"/>
-              </a:solidFill>
-            </a:endParaRPr>
-          </a:p>
-        </p:txBody>
-      </p:sp>
-      <p:pic>
-        <p:nvPicPr>
-          <p:cNvPr id="6" name="그림 5"/>
-          <p:cNvPicPr>
-            <a:picLocks noChangeAspect="1"/>
-          </p:cNvPicPr>
-          <p:nvPr/>
-        </p:nvPicPr>
-        <p:blipFill>
-          <a:blip r:embed="rId3"/>
-          <a:stretch>
-            <a:fillRect/>
-          </a:stretch>
-        </p:blipFill>
-        <p:spPr>
-          <a:xfrm>
-            <a:off x="236647" y="1473220"/>
-            <a:ext cx="3736054" cy="731644"/>
-          </a:xfrm>
-          <a:prstGeom prst="rect">
-            <a:avLst/>
-          </a:prstGeom>
-        </p:spPr>
-      </p:pic>
-      <p:pic>
-        <p:nvPicPr>
-          <p:cNvPr id="8" name="그림 7"/>
-          <p:cNvPicPr>
-            <a:picLocks noChangeAspect="1"/>
-          </p:cNvPicPr>
-          <p:nvPr/>
-        </p:nvPicPr>
-        <p:blipFill>
-          <a:blip r:embed="rId4"/>
-          <a:stretch>
-            <a:fillRect/>
-          </a:stretch>
-        </p:blipFill>
-        <p:spPr>
-          <a:xfrm>
-            <a:off x="236646" y="2768351"/>
-            <a:ext cx="3327241" cy="1093887"/>
-          </a:xfrm>
-          <a:prstGeom prst="rect">
-            <a:avLst/>
-          </a:prstGeom>
-        </p:spPr>
-      </p:pic>
-    </p:spTree>
-    <p:extLst>
-      <p:ext uri="{BB962C8B-B14F-4D97-AF65-F5344CB8AC3E}">
-        <p14:creationId xmlns:p14="http://schemas.microsoft.com/office/powerpoint/2010/main" val="705564936"/>
-      </p:ext>
-    </p:extLst>
-  </p:cSld>
-  <p:clrMapOvr>
-    <a:masterClrMapping/>
-  </p:clrMapOvr>
-  <p:timing>
-    <p:tnLst>
-      <p:par>
-        <p:cTn id="1" dur="indefinite" restart="never" nodeType="tmRoot"/>
-      </p:par>
-    </p:tnLst>
-  </p:timing>
-</p:sld>
-</file>
-
-<file path=ppt/slides/slide18.xml><?xml version="1.0" encoding="utf-8"?>
-<p:sld xmlns:a="http://schemas.openxmlformats.org/drawingml/2006/main" xmlns:r="http://schemas.openxmlformats.org/officeDocument/2006/relationships" xmlns:p="http://schemas.openxmlformats.org/presentationml/2006/main">
-  <p:cSld>
-    <p:spTree>
-      <p:nvGrpSpPr>
-        <p:cNvPr id="1" name=""/>
-        <p:cNvGrpSpPr/>
-        <p:nvPr/>
-      </p:nvGrpSpPr>
-      <p:grpSpPr>
-        <a:xfrm>
-          <a:off x="0" y="0"/>
-          <a:ext cx="0" cy="0"/>
-          <a:chOff x="0" y="0"/>
-          <a:chExt cx="0" cy="0"/>
-        </a:xfrm>
-      </p:grpSpPr>
-      <p:sp>
-        <p:nvSpPr>
-          <p:cNvPr id="9" name="부제목 2"/>
-          <p:cNvSpPr>
-            <a:spLocks noGrp="1"/>
-          </p:cNvSpPr>
-          <p:nvPr>
-            <p:ph type="subTitle" idx="1"/>
-          </p:nvPr>
-        </p:nvSpPr>
-        <p:spPr>
-          <a:xfrm>
-            <a:off x="1" y="131886"/>
-            <a:ext cx="7669091" cy="606671"/>
-          </a:xfrm>
-        </p:spPr>
-        <p:txBody>
-          <a:bodyPr>
-            <a:normAutofit fontScale="92500" lnSpcReduction="20000"/>
-          </a:bodyPr>
-          <a:lstStyle/>
-          <a:p>
-            <a:pPr algn="l"/>
-            <a:r>
-              <a:rPr lang="ko-KR" altLang="en-US" sz="4400" dirty="0" smtClean="0"/>
-              <a:t>답</a:t>
-            </a:r>
-            <a:endParaRPr lang="en-US" altLang="ko-KR" sz="4400" dirty="0"/>
-          </a:p>
-        </p:txBody>
-      </p:sp>
-      <p:pic>
-        <p:nvPicPr>
-          <p:cNvPr id="3" name="그림 2"/>
-          <p:cNvPicPr>
-            <a:picLocks noChangeAspect="1"/>
-          </p:cNvPicPr>
-          <p:nvPr/>
-        </p:nvPicPr>
-        <p:blipFill>
-          <a:blip r:embed="rId2"/>
-          <a:stretch>
-            <a:fillRect/>
-          </a:stretch>
-        </p:blipFill>
-        <p:spPr>
-          <a:xfrm>
-            <a:off x="1907704" y="260648"/>
-            <a:ext cx="4824536" cy="6428437"/>
-          </a:xfrm>
-          <a:prstGeom prst="rect">
-            <a:avLst/>
-          </a:prstGeom>
-        </p:spPr>
-      </p:pic>
-    </p:spTree>
-    <p:extLst>
-      <p:ext uri="{BB962C8B-B14F-4D97-AF65-F5344CB8AC3E}">
-        <p14:creationId xmlns:p14="http://schemas.microsoft.com/office/powerpoint/2010/main" val="4204757314"/>
-      </p:ext>
-    </p:extLst>
-  </p:cSld>
-  <p:clrMapOvr>
-    <a:masterClrMapping/>
-  </p:clrMapOvr>
-  <p:timing>
-    <p:tnLst>
-      <p:par>
-        <p:cTn id="1" dur="indefinite" restart="never" nodeType="tmRoot"/>
-      </p:par>
-    </p:tnLst>
-  </p:timing>
-</p:sld>
-</file>
-
-<file path=ppt/slides/slide19.xml><?xml version="1.0" encoding="utf-8"?>
-<p:sld xmlns:a="http://schemas.openxmlformats.org/drawingml/2006/main" xmlns:r="http://schemas.openxmlformats.org/officeDocument/2006/relationships" xmlns:p="http://schemas.openxmlformats.org/presentationml/2006/main">
-  <p:cSld>
-    <p:spTree>
-      <p:nvGrpSpPr>
-        <p:cNvPr id="1" name=""/>
-        <p:cNvGrpSpPr/>
-        <p:nvPr/>
-      </p:nvGrpSpPr>
-      <p:grpSpPr>
-        <a:xfrm>
-          <a:off x="0" y="0"/>
-          <a:ext cx="0" cy="0"/>
-          <a:chOff x="0" y="0"/>
-          <a:chExt cx="0" cy="0"/>
-        </a:xfrm>
-      </p:grpSpPr>
-      <p:sp>
-        <p:nvSpPr>
-          <p:cNvPr id="5" name="부제목 2"/>
-          <p:cNvSpPr>
-            <a:spLocks noGrp="1"/>
-          </p:cNvSpPr>
-          <p:nvPr>
-            <p:ph type="subTitle" idx="1"/>
-          </p:nvPr>
-        </p:nvSpPr>
-        <p:spPr>
-          <a:xfrm>
-            <a:off x="1" y="131886"/>
-            <a:ext cx="8820471" cy="1136874"/>
-          </a:xfrm>
-        </p:spPr>
-        <p:txBody>
-          <a:bodyPr>
-            <a:normAutofit/>
-          </a:bodyPr>
-          <a:lstStyle/>
-          <a:p>
-            <a:pPr algn="l"/>
-            <a:r>
-              <a:rPr lang="en-US" altLang="ko-KR" sz="3200" dirty="0" smtClean="0"/>
-              <a:t>Example0</a:t>
-            </a:r>
-          </a:p>
-        </p:txBody>
-      </p:sp>
-      <p:sp>
-        <p:nvSpPr>
-          <p:cNvPr id="14" name="TextBox 13"/>
-          <p:cNvSpPr txBox="1"/>
-          <p:nvPr/>
-        </p:nvSpPr>
-        <p:spPr>
-          <a:xfrm>
-            <a:off x="827584" y="1128313"/>
-            <a:ext cx="1271111" cy="584775"/>
-          </a:xfrm>
-          <a:prstGeom prst="rect">
-            <a:avLst/>
-          </a:prstGeom>
-          <a:noFill/>
-        </p:spPr>
-        <p:txBody>
-          <a:bodyPr wrap="square" rtlCol="0">
-            <a:spAutoFit/>
-          </a:bodyPr>
-          <a:lstStyle/>
-          <a:p>
-            <a:r>
-              <a:rPr lang="en-US" altLang="ko-KR" sz="3200" dirty="0">
-                <a:solidFill>
-                  <a:srgbClr val="FFFFFF"/>
-                </a:solidFill>
-              </a:rPr>
-              <a:t>Main()</a:t>
-            </a:r>
-            <a:r>
-              <a:rPr lang="ko-KR" altLang="en-US" sz="3200" dirty="0">
-                <a:solidFill>
-                  <a:srgbClr val="FFFFFF"/>
-                </a:solidFill>
-              </a:rPr>
-              <a:t> </a:t>
-            </a:r>
-            <a:endParaRPr lang="en-US" altLang="ko-KR" sz="3200" dirty="0">
-              <a:solidFill>
-                <a:srgbClr val="FFFFFF"/>
-              </a:solidFill>
-            </a:endParaRPr>
-          </a:p>
-        </p:txBody>
-      </p:sp>
-      <p:sp>
-        <p:nvSpPr>
-          <p:cNvPr id="4" name="TextBox 3"/>
-          <p:cNvSpPr txBox="1"/>
-          <p:nvPr/>
-        </p:nvSpPr>
-        <p:spPr>
-          <a:xfrm>
-            <a:off x="3347864" y="1198537"/>
-            <a:ext cx="1271111" cy="584775"/>
-          </a:xfrm>
-          <a:prstGeom prst="rect">
-            <a:avLst/>
-          </a:prstGeom>
-          <a:noFill/>
-        </p:spPr>
-        <p:txBody>
-          <a:bodyPr wrap="square" rtlCol="0">
-            <a:spAutoFit/>
-          </a:bodyPr>
-          <a:lstStyle/>
-          <a:p>
-            <a:r>
-              <a:rPr lang="ko-KR" altLang="en-US" sz="3200" dirty="0" smtClean="0">
-                <a:solidFill>
-                  <a:srgbClr val="FFFFFF"/>
-                </a:solidFill>
-              </a:rPr>
-              <a:t>결과</a:t>
-            </a:r>
-            <a:endParaRPr lang="en-US" altLang="ko-KR" sz="3200" dirty="0">
-              <a:solidFill>
-                <a:srgbClr val="FFFFFF"/>
-              </a:solidFill>
-            </a:endParaRPr>
-          </a:p>
-        </p:txBody>
-      </p:sp>
-    </p:spTree>
-    <p:extLst>
-      <p:ext uri="{BB962C8B-B14F-4D97-AF65-F5344CB8AC3E}">
-        <p14:creationId xmlns:p14="http://schemas.microsoft.com/office/powerpoint/2010/main" val="787396218"/>
-      </p:ext>
-    </p:extLst>
-  </p:cSld>
-  <p:clrMapOvr>
-    <a:masterClrMapping/>
-  </p:clrMapOvr>
-  <p:timing>
-    <p:tnLst>
-      <p:par>
-        <p:cTn id="1" dur="indefinite" restart="never" nodeType="tmRoot"/>
-      </p:par>
-    </p:tnLst>
-  </p:timing>
-</p:sld>
-</file>
-
-<file path=ppt/slides/slide2.xml><?xml version="1.0" encoding="utf-8"?>
-<p:sld xmlns:a="http://schemas.openxmlformats.org/drawingml/2006/main" xmlns:r="http://schemas.openxmlformats.org/officeDocument/2006/relationships" xmlns:p="http://schemas.openxmlformats.org/presentationml/2006/main">
-  <p:cSld>
-    <p:spTree>
-      <p:nvGrpSpPr>
-        <p:cNvPr id="1" name=""/>
-        <p:cNvGrpSpPr/>
-        <p:nvPr/>
-      </p:nvGrpSpPr>
-      <p:grpSpPr>
-        <a:xfrm>
-          <a:off x="0" y="0"/>
-          <a:ext cx="0" cy="0"/>
-          <a:chOff x="0" y="0"/>
-          <a:chExt cx="0" cy="0"/>
-        </a:xfrm>
-      </p:grpSpPr>
-      <p:sp>
-        <p:nvSpPr>
-          <p:cNvPr id="9" name="부제목 2"/>
-          <p:cNvSpPr>
-            <a:spLocks noGrp="1"/>
-          </p:cNvSpPr>
-          <p:nvPr>
-            <p:ph type="subTitle" idx="1"/>
-          </p:nvPr>
-        </p:nvSpPr>
-        <p:spPr>
-          <a:xfrm>
-            <a:off x="1" y="131886"/>
-            <a:ext cx="7669091" cy="606671"/>
-          </a:xfrm>
-        </p:spPr>
-        <p:txBody>
-          <a:bodyPr>
-            <a:normAutofit fontScale="92500" lnSpcReduction="20000"/>
-          </a:bodyPr>
-          <a:lstStyle/>
-          <a:p>
-            <a:pPr algn="l"/>
-            <a:r>
-              <a:rPr lang="ko-KR" altLang="en-US" sz="4400" dirty="0" smtClean="0"/>
-              <a:t>답</a:t>
-            </a:r>
-            <a:endParaRPr lang="en-US" altLang="ko-KR" sz="4400" dirty="0"/>
-          </a:p>
-        </p:txBody>
-      </p:sp>
-      <p:pic>
-        <p:nvPicPr>
-          <p:cNvPr id="5" name="그림 4"/>
-          <p:cNvPicPr>
-            <a:picLocks noChangeAspect="1"/>
-          </p:cNvPicPr>
-          <p:nvPr/>
-        </p:nvPicPr>
-        <p:blipFill>
-          <a:blip r:embed="rId2"/>
-          <a:stretch>
-            <a:fillRect/>
-          </a:stretch>
-        </p:blipFill>
-        <p:spPr>
-          <a:xfrm>
-            <a:off x="1691680" y="332656"/>
-            <a:ext cx="5184576" cy="6262422"/>
-          </a:xfrm>
-          <a:prstGeom prst="rect">
-            <a:avLst/>
-          </a:prstGeom>
-        </p:spPr>
-      </p:pic>
-    </p:spTree>
-    <p:extLst>
-      <p:ext uri="{BB962C8B-B14F-4D97-AF65-F5344CB8AC3E}">
-        <p14:creationId xmlns:p14="http://schemas.microsoft.com/office/powerpoint/2010/main" val="2221595427"/>
-      </p:ext>
-    </p:extLst>
-  </p:cSld>
-  <p:clrMapOvr>
-    <a:masterClrMapping/>
-  </p:clrMapOvr>
-  <p:timing>
-    <p:tnLst>
-      <p:par>
-        <p:cTn id="1" dur="indefinite" restart="never" nodeType="tmRoot"/>
-      </p:par>
-    </p:tnLst>
-  </p:timing>
-</p:sld>
-</file>
-
-<file path=ppt/slides/slide20.xml><?xml version="1.0" encoding="utf-8"?>
-<p:sld xmlns:a="http://schemas.openxmlformats.org/drawingml/2006/main" xmlns:r="http://schemas.openxmlformats.org/officeDocument/2006/relationships" xmlns:p="http://schemas.openxmlformats.org/presentationml/2006/main">
-  <p:cSld>
-    <p:spTree>
-      <p:nvGrpSpPr>
-        <p:cNvPr id="1" name=""/>
-        <p:cNvGrpSpPr/>
-        <p:nvPr/>
-      </p:nvGrpSpPr>
-      <p:grpSpPr>
-        <a:xfrm>
-          <a:off x="0" y="0"/>
-          <a:ext cx="0" cy="0"/>
-          <a:chOff x="0" y="0"/>
-          <a:chExt cx="0" cy="0"/>
-        </a:xfrm>
-      </p:grpSpPr>
-      <p:sp>
-        <p:nvSpPr>
-          <p:cNvPr id="9" name="부제목 2"/>
-          <p:cNvSpPr>
-            <a:spLocks noGrp="1"/>
-          </p:cNvSpPr>
-          <p:nvPr>
-            <p:ph type="subTitle" idx="1"/>
-          </p:nvPr>
-        </p:nvSpPr>
-        <p:spPr>
-          <a:xfrm>
-            <a:off x="1" y="131886"/>
-            <a:ext cx="7669091" cy="606671"/>
-          </a:xfrm>
-        </p:spPr>
-        <p:txBody>
-          <a:bodyPr>
-            <a:normAutofit fontScale="92500" lnSpcReduction="20000"/>
-          </a:bodyPr>
-          <a:lstStyle/>
-          <a:p>
-            <a:pPr algn="l"/>
-            <a:r>
-              <a:rPr lang="ko-KR" altLang="en-US" sz="4400" dirty="0" smtClean="0"/>
-              <a:t>답</a:t>
-            </a:r>
-            <a:endParaRPr lang="en-US" altLang="ko-KR" sz="4400" dirty="0"/>
-          </a:p>
-        </p:txBody>
-      </p:sp>
-    </p:spTree>
-    <p:extLst>
-      <p:ext uri="{BB962C8B-B14F-4D97-AF65-F5344CB8AC3E}">
-        <p14:creationId xmlns:p14="http://schemas.microsoft.com/office/powerpoint/2010/main" val="1130439582"/>
-      </p:ext>
-    </p:extLst>
-  </p:cSld>
-  <p:clrMapOvr>
-    <a:masterClrMapping/>
-  </p:clrMapOvr>
-  <p:timing>
-    <p:tnLst>
-      <p:par>
-        <p:cTn id="1" dur="indefinite" restart="never" nodeType="tmRoot"/>
-      </p:par>
-    </p:tnLst>
-  </p:timing>
-</p:sld>
-</file>
-
-<file path=ppt/slides/slide3.xml><?xml version="1.0" encoding="utf-8"?>
-<p:sld xmlns:a="http://schemas.openxmlformats.org/drawingml/2006/main" xmlns:r="http://schemas.openxmlformats.org/officeDocument/2006/relationships" xmlns:p="http://schemas.openxmlformats.org/presentationml/2006/main">
-  <p:cSld>
-    <p:spTree>
-      <p:nvGrpSpPr>
-        <p:cNvPr id="1" name=""/>
-        <p:cNvGrpSpPr/>
-        <p:nvPr/>
-      </p:nvGrpSpPr>
-      <p:grpSpPr>
-        <a:xfrm>
-          <a:off x="0" y="0"/>
-          <a:ext cx="0" cy="0"/>
-          <a:chOff x="0" y="0"/>
-          <a:chExt cx="0" cy="0"/>
-        </a:xfrm>
-      </p:grpSpPr>
-      <p:pic>
-        <p:nvPicPr>
-          <p:cNvPr id="3" name="그림 2"/>
-          <p:cNvPicPr>
-            <a:picLocks noChangeAspect="1"/>
-          </p:cNvPicPr>
-          <p:nvPr/>
-        </p:nvPicPr>
-        <p:blipFill>
-          <a:blip r:embed="rId2"/>
-          <a:stretch>
-            <a:fillRect/>
-          </a:stretch>
-        </p:blipFill>
-        <p:spPr>
-          <a:xfrm>
-            <a:off x="395536" y="908720"/>
-            <a:ext cx="3228975" cy="1066800"/>
-          </a:xfrm>
-          <a:prstGeom prst="rect">
-            <a:avLst/>
-          </a:prstGeom>
-        </p:spPr>
-      </p:pic>
-      <p:sp>
-        <p:nvSpPr>
-          <p:cNvPr id="6" name="부제목 2"/>
-          <p:cNvSpPr>
-            <a:spLocks noGrp="1"/>
-          </p:cNvSpPr>
-          <p:nvPr>
-            <p:ph type="subTitle" idx="1"/>
-          </p:nvPr>
-        </p:nvSpPr>
-        <p:spPr>
-          <a:xfrm>
-            <a:off x="1" y="131886"/>
-            <a:ext cx="8820471" cy="1136874"/>
-          </a:xfrm>
-        </p:spPr>
-        <p:txBody>
-          <a:bodyPr>
-            <a:normAutofit/>
-          </a:bodyPr>
-          <a:lstStyle/>
-          <a:p>
-            <a:pPr algn="l"/>
-            <a:r>
-              <a:rPr lang="ko-KR" altLang="en-US" sz="3200" dirty="0" err="1" smtClean="0"/>
-              <a:t>반복문</a:t>
-            </a:r>
-            <a:r>
-              <a:rPr lang="ko-KR" altLang="en-US" sz="3200" dirty="0" smtClean="0"/>
-              <a:t> 이란</a:t>
-            </a:r>
-            <a:r>
-              <a:rPr lang="en-US" altLang="ko-KR" sz="3200" dirty="0" smtClean="0"/>
-              <a:t>??</a:t>
-            </a:r>
-            <a:endParaRPr lang="en-US" altLang="ko-KR" sz="4400" dirty="0"/>
-          </a:p>
-        </p:txBody>
-      </p:sp>
-      <p:pic>
-        <p:nvPicPr>
-          <p:cNvPr id="7" name="그림 6"/>
-          <p:cNvPicPr>
-            <a:picLocks noChangeAspect="1"/>
-          </p:cNvPicPr>
-          <p:nvPr/>
-        </p:nvPicPr>
-        <p:blipFill>
-          <a:blip r:embed="rId2"/>
-          <a:stretch>
-            <a:fillRect/>
-          </a:stretch>
-        </p:blipFill>
-        <p:spPr>
-          <a:xfrm>
-            <a:off x="395535" y="1945362"/>
-            <a:ext cx="3228975" cy="1066800"/>
-          </a:xfrm>
-          <a:prstGeom prst="rect">
-            <a:avLst/>
-          </a:prstGeom>
-        </p:spPr>
-      </p:pic>
-      <p:pic>
-        <p:nvPicPr>
-          <p:cNvPr id="8" name="그림 7"/>
-          <p:cNvPicPr>
-            <a:picLocks noChangeAspect="1"/>
-          </p:cNvPicPr>
-          <p:nvPr/>
-        </p:nvPicPr>
-        <p:blipFill>
-          <a:blip r:embed="rId2"/>
-          <a:stretch>
-            <a:fillRect/>
-          </a:stretch>
-        </p:blipFill>
-        <p:spPr>
-          <a:xfrm>
-            <a:off x="395534" y="2998047"/>
-            <a:ext cx="3228975" cy="1066800"/>
-          </a:xfrm>
-          <a:prstGeom prst="rect">
-            <a:avLst/>
-          </a:prstGeom>
-        </p:spPr>
-      </p:pic>
-      <p:pic>
-        <p:nvPicPr>
-          <p:cNvPr id="10" name="그림 9"/>
-          <p:cNvPicPr>
-            <a:picLocks noChangeAspect="1"/>
-          </p:cNvPicPr>
-          <p:nvPr/>
-        </p:nvPicPr>
-        <p:blipFill>
-          <a:blip r:embed="rId2"/>
-          <a:stretch>
-            <a:fillRect/>
-          </a:stretch>
-        </p:blipFill>
-        <p:spPr>
-          <a:xfrm>
-            <a:off x="395533" y="4064847"/>
-            <a:ext cx="3228975" cy="1066800"/>
-          </a:xfrm>
-          <a:prstGeom prst="rect">
-            <a:avLst/>
-          </a:prstGeom>
-        </p:spPr>
-      </p:pic>
-      <p:pic>
-        <p:nvPicPr>
-          <p:cNvPr id="11" name="그림 10"/>
-          <p:cNvPicPr>
-            <a:picLocks noChangeAspect="1"/>
-          </p:cNvPicPr>
-          <p:nvPr/>
-        </p:nvPicPr>
-        <p:blipFill>
-          <a:blip r:embed="rId2"/>
-          <a:stretch>
-            <a:fillRect/>
-          </a:stretch>
-        </p:blipFill>
-        <p:spPr>
-          <a:xfrm>
-            <a:off x="395532" y="5058603"/>
-            <a:ext cx="3228975" cy="1066800"/>
-          </a:xfrm>
-          <a:prstGeom prst="rect">
-            <a:avLst/>
-          </a:prstGeom>
-        </p:spPr>
-      </p:pic>
-      <p:sp>
-        <p:nvSpPr>
-          <p:cNvPr id="4" name="TextBox 3"/>
-          <p:cNvSpPr txBox="1"/>
-          <p:nvPr/>
-        </p:nvSpPr>
-        <p:spPr>
-          <a:xfrm>
-            <a:off x="4338038" y="857345"/>
-            <a:ext cx="4824536" cy="584775"/>
-          </a:xfrm>
-          <a:prstGeom prst="rect">
-            <a:avLst/>
-          </a:prstGeom>
-          <a:noFill/>
-        </p:spPr>
-        <p:txBody>
-          <a:bodyPr wrap="square" rtlCol="0">
-            <a:spAutoFit/>
-          </a:bodyPr>
-          <a:lstStyle/>
-          <a:p>
-            <a:r>
-              <a:rPr lang="en-US" altLang="ko-KR" sz="3200" dirty="0" smtClean="0"/>
-              <a:t>For(</a:t>
-            </a:r>
-            <a:r>
-              <a:rPr lang="ko-KR" altLang="en-US" sz="3200" dirty="0" err="1" smtClean="0"/>
-              <a:t>시작값</a:t>
-            </a:r>
-            <a:r>
-              <a:rPr lang="ko-KR" altLang="en-US" sz="3200" dirty="0" smtClean="0"/>
-              <a:t> </a:t>
-            </a:r>
-            <a:r>
-              <a:rPr lang="en-US" altLang="ko-KR" sz="3200" dirty="0" smtClean="0"/>
-              <a:t>; </a:t>
-            </a:r>
-            <a:r>
-              <a:rPr lang="ko-KR" altLang="en-US" sz="3200" dirty="0" err="1" smtClean="0"/>
-              <a:t>조건문</a:t>
-            </a:r>
-            <a:r>
-              <a:rPr lang="ko-KR" altLang="en-US" sz="3200" dirty="0" smtClean="0"/>
-              <a:t> </a:t>
-            </a:r>
-            <a:r>
-              <a:rPr lang="en-US" altLang="ko-KR" sz="3200" dirty="0" smtClean="0"/>
-              <a:t>; </a:t>
-            </a:r>
-            <a:r>
-              <a:rPr lang="ko-KR" altLang="en-US" sz="3200" dirty="0" err="1" smtClean="0"/>
-              <a:t>증감값</a:t>
-            </a:r>
-            <a:r>
-              <a:rPr lang="en-US" altLang="ko-KR" sz="3200" dirty="0" smtClean="0"/>
-              <a:t>) {</a:t>
-            </a:r>
-            <a:endParaRPr lang="ko-KR" altLang="en-US" sz="3200" dirty="0"/>
-          </a:p>
-        </p:txBody>
-      </p:sp>
-      <p:pic>
-        <p:nvPicPr>
-          <p:cNvPr id="12" name="그림 11"/>
-          <p:cNvPicPr>
-            <a:picLocks noChangeAspect="1"/>
-          </p:cNvPicPr>
-          <p:nvPr/>
-        </p:nvPicPr>
-        <p:blipFill>
-          <a:blip r:embed="rId2"/>
-          <a:stretch>
-            <a:fillRect/>
-          </a:stretch>
-        </p:blipFill>
-        <p:spPr>
-          <a:xfrm>
-            <a:off x="5220072" y="1634179"/>
-            <a:ext cx="3228975" cy="1066800"/>
-          </a:xfrm>
-          <a:prstGeom prst="rect">
-            <a:avLst/>
-          </a:prstGeom>
-        </p:spPr>
-      </p:pic>
-      <p:sp>
-        <p:nvSpPr>
-          <p:cNvPr id="13" name="TextBox 12"/>
-          <p:cNvSpPr txBox="1"/>
-          <p:nvPr/>
-        </p:nvSpPr>
-        <p:spPr>
-          <a:xfrm>
-            <a:off x="4355976" y="2844225"/>
-            <a:ext cx="4824536" cy="584775"/>
-          </a:xfrm>
-          <a:prstGeom prst="rect">
-            <a:avLst/>
-          </a:prstGeom>
-          <a:noFill/>
-        </p:spPr>
-        <p:txBody>
-          <a:bodyPr wrap="square" rtlCol="0">
-            <a:spAutoFit/>
-          </a:bodyPr>
-          <a:lstStyle/>
-          <a:p>
-            <a:r>
-              <a:rPr lang="en-US" altLang="ko-KR" sz="3200" dirty="0" smtClean="0"/>
-              <a:t>}</a:t>
-            </a:r>
-            <a:endParaRPr lang="ko-KR" altLang="en-US" sz="3200" dirty="0"/>
-          </a:p>
-        </p:txBody>
-      </p:sp>
-    </p:spTree>
-    <p:extLst>
-      <p:ext uri="{BB962C8B-B14F-4D97-AF65-F5344CB8AC3E}">
-        <p14:creationId xmlns:p14="http://schemas.microsoft.com/office/powerpoint/2010/main" val="4234510014"/>
-      </p:ext>
-    </p:extLst>
-  </p:cSld>
-  <p:clrMapOvr>
-    <a:masterClrMapping/>
-  </p:clrMapOvr>
-  <p:timing>
-    <p:tnLst>
-      <p:par>
-        <p:cTn id="1" dur="indefinite" restart="never" nodeType="tmRoot"/>
-      </p:par>
-    </p:tnLst>
-  </p:timing>
-</p:sld>
-</file>
-
-<file path=ppt/slides/slide4.xml><?xml version="1.0" encoding="utf-8"?>
+<file path=ppt/slides/slide10.xml><?xml version="1.0" encoding="utf-8"?>
 <p:sld xmlns:a="http://schemas.openxmlformats.org/drawingml/2006/main" xmlns:r="http://schemas.openxmlformats.org/officeDocument/2006/relationships" xmlns:p="http://schemas.openxmlformats.org/presentationml/2006/main">
   <p:cSld>
     <p:spTree>
@@ -7411,7 +4401,7 @@
 </p:sld>
 </file>
 
-<file path=ppt/slides/slide5.xml><?xml version="1.0" encoding="utf-8"?>
+<file path=ppt/slides/slide11.xml><?xml version="1.0" encoding="utf-8"?>
 <p:sld xmlns:a="http://schemas.openxmlformats.org/drawingml/2006/main" xmlns:r="http://schemas.openxmlformats.org/officeDocument/2006/relationships" xmlns:p="http://schemas.openxmlformats.org/presentationml/2006/main">
   <p:cSld>
     <p:spTree>
@@ -7936,7 +4926,7 @@
 </p:sld>
 </file>
 
-<file path=ppt/slides/slide6.xml><?xml version="1.0" encoding="utf-8"?>
+<file path=ppt/slides/slide12.xml><?xml version="1.0" encoding="utf-8"?>
 <p:sld xmlns:a="http://schemas.openxmlformats.org/drawingml/2006/main" xmlns:r="http://schemas.openxmlformats.org/officeDocument/2006/relationships" xmlns:p="http://schemas.openxmlformats.org/presentationml/2006/main">
   <p:cSld>
     <p:spTree>
@@ -8304,6 +5294,4584 @@
 </p:sld>
 </file>
 
+<file path=ppt/slides/slide13.xml><?xml version="1.0" encoding="utf-8"?>
+<p:sld xmlns:a="http://schemas.openxmlformats.org/drawingml/2006/main" xmlns:r="http://schemas.openxmlformats.org/officeDocument/2006/relationships" xmlns:p="http://schemas.openxmlformats.org/presentationml/2006/main">
+  <p:cSld>
+    <p:spTree>
+      <p:nvGrpSpPr>
+        <p:cNvPr id="1" name=""/>
+        <p:cNvGrpSpPr/>
+        <p:nvPr/>
+      </p:nvGrpSpPr>
+      <p:grpSpPr>
+        <a:xfrm>
+          <a:off x="0" y="0"/>
+          <a:ext cx="0" cy="0"/>
+          <a:chOff x="0" y="0"/>
+          <a:chExt cx="0" cy="0"/>
+        </a:xfrm>
+      </p:grpSpPr>
+      <p:sp>
+        <p:nvSpPr>
+          <p:cNvPr id="5" name="부제목 2"/>
+          <p:cNvSpPr>
+            <a:spLocks noGrp="1"/>
+          </p:cNvSpPr>
+          <p:nvPr>
+            <p:ph type="subTitle" idx="1"/>
+          </p:nvPr>
+        </p:nvSpPr>
+        <p:spPr>
+          <a:xfrm>
+            <a:off x="1" y="131886"/>
+            <a:ext cx="8820471" cy="1136874"/>
+          </a:xfrm>
+        </p:spPr>
+        <p:txBody>
+          <a:bodyPr>
+            <a:normAutofit/>
+          </a:bodyPr>
+          <a:lstStyle/>
+          <a:p>
+            <a:pPr algn="l"/>
+            <a:r>
+              <a:rPr lang="en-US" altLang="ko-KR" sz="3200" dirty="0" smtClean="0"/>
+              <a:t>Example01_2 –</a:t>
+            </a:r>
+            <a:r>
+              <a:rPr lang="ko-KR" altLang="en-US" sz="3200" dirty="0" smtClean="0"/>
+              <a:t>최댓값을 구하자 </a:t>
+            </a:r>
+            <a:r>
+              <a:rPr lang="en-US" altLang="ko-KR" sz="3200" dirty="0" smtClean="0"/>
+              <a:t>(feat.</a:t>
+            </a:r>
+            <a:r>
+              <a:rPr lang="ko-KR" altLang="en-US" sz="3200" dirty="0" err="1" smtClean="0"/>
+              <a:t>반복문</a:t>
+            </a:r>
+            <a:r>
+              <a:rPr lang="en-US" altLang="ko-KR" sz="3200" dirty="0" smtClean="0"/>
+              <a:t>)</a:t>
+            </a:r>
+          </a:p>
+        </p:txBody>
+      </p:sp>
+      <p:sp>
+        <p:nvSpPr>
+          <p:cNvPr id="14" name="TextBox 13"/>
+          <p:cNvSpPr txBox="1"/>
+          <p:nvPr/>
+        </p:nvSpPr>
+        <p:spPr>
+          <a:xfrm>
+            <a:off x="827584" y="1128313"/>
+            <a:ext cx="1271111" cy="584775"/>
+          </a:xfrm>
+          <a:prstGeom prst="rect">
+            <a:avLst/>
+          </a:prstGeom>
+          <a:noFill/>
+        </p:spPr>
+        <p:txBody>
+          <a:bodyPr wrap="square" rtlCol="0">
+            <a:spAutoFit/>
+          </a:bodyPr>
+          <a:lstStyle/>
+          <a:p>
+            <a:r>
+              <a:rPr lang="ko-KR" altLang="en-US" sz="3200" dirty="0" smtClean="0">
+                <a:solidFill>
+                  <a:srgbClr val="FFFFFF"/>
+                </a:solidFill>
+              </a:rPr>
+              <a:t>결과</a:t>
+            </a:r>
+            <a:endParaRPr lang="en-US" altLang="ko-KR" sz="3200" dirty="0">
+              <a:solidFill>
+                <a:srgbClr val="FFFFFF"/>
+              </a:solidFill>
+            </a:endParaRPr>
+          </a:p>
+        </p:txBody>
+      </p:sp>
+      <p:pic>
+        <p:nvPicPr>
+          <p:cNvPr id="3" name="그림 2"/>
+          <p:cNvPicPr>
+            <a:picLocks noChangeAspect="1"/>
+          </p:cNvPicPr>
+          <p:nvPr/>
+        </p:nvPicPr>
+        <p:blipFill>
+          <a:blip r:embed="rId2"/>
+          <a:stretch>
+            <a:fillRect/>
+          </a:stretch>
+        </p:blipFill>
+        <p:spPr>
+          <a:xfrm>
+            <a:off x="2071978" y="1484784"/>
+            <a:ext cx="4777561" cy="4444698"/>
+          </a:xfrm>
+          <a:prstGeom prst="rect">
+            <a:avLst/>
+          </a:prstGeom>
+        </p:spPr>
+      </p:pic>
+    </p:spTree>
+    <p:extLst>
+      <p:ext uri="{BB962C8B-B14F-4D97-AF65-F5344CB8AC3E}">
+        <p14:creationId xmlns:p14="http://schemas.microsoft.com/office/powerpoint/2010/main" val="1200531362"/>
+      </p:ext>
+    </p:extLst>
+  </p:cSld>
+  <p:clrMapOvr>
+    <a:masterClrMapping/>
+  </p:clrMapOvr>
+  <p:timing>
+    <p:tnLst>
+      <p:par>
+        <p:cTn id="1" dur="indefinite" restart="never" nodeType="tmRoot"/>
+      </p:par>
+    </p:tnLst>
+  </p:timing>
+</p:sld>
+</file>
+
+<file path=ppt/slides/slide14.xml><?xml version="1.0" encoding="utf-8"?>
+<p:sld xmlns:a="http://schemas.openxmlformats.org/drawingml/2006/main" xmlns:r="http://schemas.openxmlformats.org/officeDocument/2006/relationships" xmlns:p="http://schemas.openxmlformats.org/presentationml/2006/main">
+  <p:cSld>
+    <p:spTree>
+      <p:nvGrpSpPr>
+        <p:cNvPr id="1" name=""/>
+        <p:cNvGrpSpPr/>
+        <p:nvPr/>
+      </p:nvGrpSpPr>
+      <p:grpSpPr>
+        <a:xfrm>
+          <a:off x="0" y="0"/>
+          <a:ext cx="0" cy="0"/>
+          <a:chOff x="0" y="0"/>
+          <a:chExt cx="0" cy="0"/>
+        </a:xfrm>
+      </p:grpSpPr>
+      <p:sp>
+        <p:nvSpPr>
+          <p:cNvPr id="9" name="부제목 2"/>
+          <p:cNvSpPr>
+            <a:spLocks noGrp="1"/>
+          </p:cNvSpPr>
+          <p:nvPr>
+            <p:ph type="subTitle" idx="1"/>
+          </p:nvPr>
+        </p:nvSpPr>
+        <p:spPr>
+          <a:xfrm>
+            <a:off x="1" y="131886"/>
+            <a:ext cx="7669091" cy="606671"/>
+          </a:xfrm>
+        </p:spPr>
+        <p:txBody>
+          <a:bodyPr>
+            <a:normAutofit fontScale="92500" lnSpcReduction="20000"/>
+          </a:bodyPr>
+          <a:lstStyle/>
+          <a:p>
+            <a:pPr algn="l"/>
+            <a:r>
+              <a:rPr lang="ko-KR" altLang="en-US" sz="4400" dirty="0" smtClean="0"/>
+              <a:t>답</a:t>
+            </a:r>
+            <a:endParaRPr lang="en-US" altLang="ko-KR" sz="4400" dirty="0"/>
+          </a:p>
+        </p:txBody>
+      </p:sp>
+      <p:pic>
+        <p:nvPicPr>
+          <p:cNvPr id="2" name="그림 1"/>
+          <p:cNvPicPr>
+            <a:picLocks noChangeAspect="1"/>
+          </p:cNvPicPr>
+          <p:nvPr/>
+        </p:nvPicPr>
+        <p:blipFill>
+          <a:blip r:embed="rId2"/>
+          <a:stretch>
+            <a:fillRect/>
+          </a:stretch>
+        </p:blipFill>
+        <p:spPr>
+          <a:xfrm>
+            <a:off x="971600" y="704277"/>
+            <a:ext cx="6480720" cy="5449380"/>
+          </a:xfrm>
+          <a:prstGeom prst="rect">
+            <a:avLst/>
+          </a:prstGeom>
+        </p:spPr>
+      </p:pic>
+    </p:spTree>
+    <p:extLst>
+      <p:ext uri="{BB962C8B-B14F-4D97-AF65-F5344CB8AC3E}">
+        <p14:creationId xmlns:p14="http://schemas.microsoft.com/office/powerpoint/2010/main" val="427492521"/>
+      </p:ext>
+    </p:extLst>
+  </p:cSld>
+  <p:clrMapOvr>
+    <a:masterClrMapping/>
+  </p:clrMapOvr>
+  <p:timing>
+    <p:tnLst>
+      <p:par>
+        <p:cTn id="1" dur="indefinite" restart="never" nodeType="tmRoot"/>
+      </p:par>
+    </p:tnLst>
+  </p:timing>
+</p:sld>
+</file>
+
+<file path=ppt/slides/slide15.xml><?xml version="1.0" encoding="utf-8"?>
+<p:sld xmlns:a="http://schemas.openxmlformats.org/drawingml/2006/main" xmlns:r="http://schemas.openxmlformats.org/officeDocument/2006/relationships" xmlns:p="http://schemas.openxmlformats.org/presentationml/2006/main">
+  <p:cSld>
+    <p:spTree>
+      <p:nvGrpSpPr>
+        <p:cNvPr id="1" name=""/>
+        <p:cNvGrpSpPr/>
+        <p:nvPr/>
+      </p:nvGrpSpPr>
+      <p:grpSpPr>
+        <a:xfrm>
+          <a:off x="0" y="0"/>
+          <a:ext cx="0" cy="0"/>
+          <a:chOff x="0" y="0"/>
+          <a:chExt cx="0" cy="0"/>
+        </a:xfrm>
+      </p:grpSpPr>
+      <p:sp>
+        <p:nvSpPr>
+          <p:cNvPr id="5" name="부제목 2"/>
+          <p:cNvSpPr>
+            <a:spLocks noGrp="1"/>
+          </p:cNvSpPr>
+          <p:nvPr>
+            <p:ph type="subTitle" idx="1"/>
+          </p:nvPr>
+        </p:nvSpPr>
+        <p:spPr>
+          <a:xfrm>
+            <a:off x="1" y="131886"/>
+            <a:ext cx="8820471" cy="1136874"/>
+          </a:xfrm>
+        </p:spPr>
+        <p:txBody>
+          <a:bodyPr>
+            <a:normAutofit/>
+          </a:bodyPr>
+          <a:lstStyle/>
+          <a:p>
+            <a:pPr algn="l"/>
+            <a:r>
+              <a:rPr lang="en-US" altLang="ko-KR" sz="3200" dirty="0" smtClean="0"/>
+              <a:t>Example02_1 – </a:t>
+            </a:r>
+            <a:r>
+              <a:rPr lang="ko-KR" altLang="en-US" sz="3200" dirty="0" smtClean="0"/>
+              <a:t>구구단을 외자</a:t>
+            </a:r>
+            <a:endParaRPr lang="en-US" altLang="ko-KR" sz="4400" dirty="0"/>
+          </a:p>
+        </p:txBody>
+      </p:sp>
+      <p:sp>
+        <p:nvSpPr>
+          <p:cNvPr id="14" name="TextBox 13"/>
+          <p:cNvSpPr txBox="1"/>
+          <p:nvPr/>
+        </p:nvSpPr>
+        <p:spPr>
+          <a:xfrm>
+            <a:off x="3707904" y="563042"/>
+            <a:ext cx="1008112" cy="400110"/>
+          </a:xfrm>
+          <a:prstGeom prst="rect">
+            <a:avLst/>
+          </a:prstGeom>
+          <a:noFill/>
+        </p:spPr>
+        <p:txBody>
+          <a:bodyPr wrap="square" rtlCol="0">
+            <a:spAutoFit/>
+          </a:bodyPr>
+          <a:lstStyle/>
+          <a:p>
+            <a:r>
+              <a:rPr lang="en-US" altLang="ko-KR" sz="2000" dirty="0">
+                <a:solidFill>
+                  <a:srgbClr val="FFFFFF"/>
+                </a:solidFill>
+              </a:rPr>
+              <a:t>Main()</a:t>
+            </a:r>
+            <a:r>
+              <a:rPr lang="ko-KR" altLang="en-US" sz="2000" dirty="0">
+                <a:solidFill>
+                  <a:srgbClr val="FFFFFF"/>
+                </a:solidFill>
+              </a:rPr>
+              <a:t> </a:t>
+            </a:r>
+            <a:endParaRPr lang="en-US" altLang="ko-KR" sz="2000" dirty="0">
+              <a:solidFill>
+                <a:srgbClr val="FFFFFF"/>
+              </a:solidFill>
+            </a:endParaRPr>
+          </a:p>
+        </p:txBody>
+      </p:sp>
+      <p:pic>
+        <p:nvPicPr>
+          <p:cNvPr id="2" name="그림 1"/>
+          <p:cNvPicPr>
+            <a:picLocks noChangeAspect="1"/>
+          </p:cNvPicPr>
+          <p:nvPr/>
+        </p:nvPicPr>
+        <p:blipFill>
+          <a:blip r:embed="rId2"/>
+          <a:stretch>
+            <a:fillRect/>
+          </a:stretch>
+        </p:blipFill>
+        <p:spPr>
+          <a:xfrm>
+            <a:off x="465101" y="1288752"/>
+            <a:ext cx="3001730" cy="671620"/>
+          </a:xfrm>
+          <a:prstGeom prst="rect">
+            <a:avLst/>
+          </a:prstGeom>
+        </p:spPr>
+      </p:pic>
+      <p:pic>
+        <p:nvPicPr>
+          <p:cNvPr id="3" name="그림 2"/>
+          <p:cNvPicPr>
+            <a:picLocks noChangeAspect="1"/>
+          </p:cNvPicPr>
+          <p:nvPr/>
+        </p:nvPicPr>
+        <p:blipFill>
+          <a:blip r:embed="rId3"/>
+          <a:stretch>
+            <a:fillRect/>
+          </a:stretch>
+        </p:blipFill>
+        <p:spPr>
+          <a:xfrm>
+            <a:off x="469936" y="2276872"/>
+            <a:ext cx="2954395" cy="3528392"/>
+          </a:xfrm>
+          <a:prstGeom prst="rect">
+            <a:avLst/>
+          </a:prstGeom>
+        </p:spPr>
+      </p:pic>
+      <p:pic>
+        <p:nvPicPr>
+          <p:cNvPr id="6" name="그림 5"/>
+          <p:cNvPicPr>
+            <a:picLocks noChangeAspect="1"/>
+          </p:cNvPicPr>
+          <p:nvPr/>
+        </p:nvPicPr>
+        <p:blipFill>
+          <a:blip r:embed="rId4"/>
+          <a:stretch>
+            <a:fillRect/>
+          </a:stretch>
+        </p:blipFill>
+        <p:spPr>
+          <a:xfrm>
+            <a:off x="3707904" y="1052736"/>
+            <a:ext cx="4819650" cy="4848225"/>
+          </a:xfrm>
+          <a:prstGeom prst="rect">
+            <a:avLst/>
+          </a:prstGeom>
+        </p:spPr>
+      </p:pic>
+      <p:sp>
+        <p:nvSpPr>
+          <p:cNvPr id="27" name="TextBox 26"/>
+          <p:cNvSpPr txBox="1"/>
+          <p:nvPr/>
+        </p:nvSpPr>
+        <p:spPr>
+          <a:xfrm>
+            <a:off x="474017" y="846074"/>
+            <a:ext cx="1008112" cy="400110"/>
+          </a:xfrm>
+          <a:prstGeom prst="rect">
+            <a:avLst/>
+          </a:prstGeom>
+          <a:noFill/>
+        </p:spPr>
+        <p:txBody>
+          <a:bodyPr wrap="square" rtlCol="0">
+            <a:spAutoFit/>
+          </a:bodyPr>
+          <a:lstStyle/>
+          <a:p>
+            <a:r>
+              <a:rPr lang="ko-KR" altLang="en-US" sz="2000" dirty="0" smtClean="0">
+                <a:solidFill>
+                  <a:srgbClr val="FFFFFF"/>
+                </a:solidFill>
+              </a:rPr>
+              <a:t>결과</a:t>
+            </a:r>
+            <a:endParaRPr lang="en-US" altLang="ko-KR" sz="2000" dirty="0">
+              <a:solidFill>
+                <a:srgbClr val="FFFFFF"/>
+              </a:solidFill>
+            </a:endParaRPr>
+          </a:p>
+        </p:txBody>
+      </p:sp>
+      <p:sp>
+        <p:nvSpPr>
+          <p:cNvPr id="9" name="직사각형 8"/>
+          <p:cNvSpPr/>
+          <p:nvPr/>
+        </p:nvSpPr>
+        <p:spPr>
+          <a:xfrm>
+            <a:off x="4427984" y="2780928"/>
+            <a:ext cx="2016224" cy="216024"/>
+          </a:xfrm>
+          <a:prstGeom prst="rect">
+            <a:avLst/>
+          </a:prstGeom>
+        </p:spPr>
+        <p:style>
+          <a:lnRef idx="2">
+            <a:schemeClr val="accent1">
+              <a:shade val="50000"/>
+            </a:schemeClr>
+          </a:lnRef>
+          <a:fillRef idx="1">
+            <a:schemeClr val="accent1"/>
+          </a:fillRef>
+          <a:effectRef idx="0">
+            <a:schemeClr val="accent1"/>
+          </a:effectRef>
+          <a:fontRef idx="minor">
+            <a:schemeClr val="lt1"/>
+          </a:fontRef>
+        </p:style>
+        <p:txBody>
+          <a:bodyPr rtlCol="0" anchor="ctr"/>
+          <a:lstStyle/>
+          <a:p>
+            <a:pPr algn="ctr"/>
+            <a:endParaRPr lang="ko-KR" altLang="en-US"/>
+          </a:p>
+        </p:txBody>
+      </p:sp>
+      <p:cxnSp>
+        <p:nvCxnSpPr>
+          <p:cNvPr id="13" name="직선 화살표 연결선 12"/>
+          <p:cNvCxnSpPr>
+            <a:stCxn id="2" idx="3"/>
+          </p:cNvCxnSpPr>
+          <p:nvPr/>
+        </p:nvCxnSpPr>
+        <p:spPr>
+          <a:xfrm>
+            <a:off x="3466831" y="1624562"/>
+            <a:ext cx="961153" cy="1300382"/>
+          </a:xfrm>
+          <a:prstGeom prst="straightConnector1">
+            <a:avLst/>
+          </a:prstGeom>
+          <a:ln w="28575">
+            <a:solidFill>
+              <a:srgbClr val="FF0000"/>
+            </a:solidFill>
+            <a:tailEnd type="triangle"/>
+          </a:ln>
+        </p:spPr>
+        <p:style>
+          <a:lnRef idx="1">
+            <a:schemeClr val="accent1"/>
+          </a:lnRef>
+          <a:fillRef idx="0">
+            <a:schemeClr val="accent1"/>
+          </a:fillRef>
+          <a:effectRef idx="0">
+            <a:schemeClr val="accent1"/>
+          </a:effectRef>
+          <a:fontRef idx="minor">
+            <a:schemeClr val="tx1"/>
+          </a:fontRef>
+        </p:style>
+      </p:cxnSp>
+      <p:sp>
+        <p:nvSpPr>
+          <p:cNvPr id="15" name="직사각형 14"/>
+          <p:cNvSpPr/>
+          <p:nvPr/>
+        </p:nvSpPr>
+        <p:spPr>
+          <a:xfrm>
+            <a:off x="4355976" y="3068960"/>
+            <a:ext cx="4099570" cy="576064"/>
+          </a:xfrm>
+          <a:prstGeom prst="rect">
+            <a:avLst/>
+          </a:prstGeom>
+        </p:spPr>
+        <p:style>
+          <a:lnRef idx="2">
+            <a:schemeClr val="accent1">
+              <a:shade val="50000"/>
+            </a:schemeClr>
+          </a:lnRef>
+          <a:fillRef idx="1">
+            <a:schemeClr val="accent1"/>
+          </a:fillRef>
+          <a:effectRef idx="0">
+            <a:schemeClr val="accent1"/>
+          </a:effectRef>
+          <a:fontRef idx="minor">
+            <a:schemeClr val="lt1"/>
+          </a:fontRef>
+        </p:style>
+        <p:txBody>
+          <a:bodyPr rtlCol="0" anchor="ctr"/>
+          <a:lstStyle/>
+          <a:p>
+            <a:pPr algn="ctr"/>
+            <a:endParaRPr lang="ko-KR" altLang="en-US"/>
+          </a:p>
+        </p:txBody>
+      </p:sp>
+      <p:cxnSp>
+        <p:nvCxnSpPr>
+          <p:cNvPr id="18" name="직선 화살표 연결선 17"/>
+          <p:cNvCxnSpPr>
+            <a:stCxn id="3" idx="3"/>
+          </p:cNvCxnSpPr>
+          <p:nvPr/>
+        </p:nvCxnSpPr>
+        <p:spPr>
+          <a:xfrm flipV="1">
+            <a:off x="3424331" y="3356992"/>
+            <a:ext cx="931645" cy="684076"/>
+          </a:xfrm>
+          <a:prstGeom prst="straightConnector1">
+            <a:avLst/>
+          </a:prstGeom>
+          <a:ln w="28575">
+            <a:solidFill>
+              <a:srgbClr val="FF0000"/>
+            </a:solidFill>
+            <a:tailEnd type="triangle"/>
+          </a:ln>
+        </p:spPr>
+        <p:style>
+          <a:lnRef idx="1">
+            <a:schemeClr val="accent1"/>
+          </a:lnRef>
+          <a:fillRef idx="0">
+            <a:schemeClr val="accent1"/>
+          </a:fillRef>
+          <a:effectRef idx="0">
+            <a:schemeClr val="accent1"/>
+          </a:effectRef>
+          <a:fontRef idx="minor">
+            <a:schemeClr val="tx1"/>
+          </a:fontRef>
+        </p:style>
+      </p:cxnSp>
+    </p:spTree>
+    <p:extLst>
+      <p:ext uri="{BB962C8B-B14F-4D97-AF65-F5344CB8AC3E}">
+        <p14:creationId xmlns:p14="http://schemas.microsoft.com/office/powerpoint/2010/main" val="3500156104"/>
+      </p:ext>
+    </p:extLst>
+  </p:cSld>
+  <p:clrMapOvr>
+    <a:masterClrMapping/>
+  </p:clrMapOvr>
+  <p:timing>
+    <p:tnLst>
+      <p:par>
+        <p:cTn id="1" dur="indefinite" restart="never" nodeType="tmRoot"/>
+      </p:par>
+    </p:tnLst>
+  </p:timing>
+</p:sld>
+</file>
+
+<file path=ppt/slides/slide16.xml><?xml version="1.0" encoding="utf-8"?>
+<p:sld xmlns:a="http://schemas.openxmlformats.org/drawingml/2006/main" xmlns:r="http://schemas.openxmlformats.org/officeDocument/2006/relationships" xmlns:p="http://schemas.openxmlformats.org/presentationml/2006/main">
+  <p:cSld>
+    <p:spTree>
+      <p:nvGrpSpPr>
+        <p:cNvPr id="1" name=""/>
+        <p:cNvGrpSpPr/>
+        <p:nvPr/>
+      </p:nvGrpSpPr>
+      <p:grpSpPr>
+        <a:xfrm>
+          <a:off x="0" y="0"/>
+          <a:ext cx="0" cy="0"/>
+          <a:chOff x="0" y="0"/>
+          <a:chExt cx="0" cy="0"/>
+        </a:xfrm>
+      </p:grpSpPr>
+      <p:sp>
+        <p:nvSpPr>
+          <p:cNvPr id="9" name="부제목 2"/>
+          <p:cNvSpPr>
+            <a:spLocks noGrp="1"/>
+          </p:cNvSpPr>
+          <p:nvPr>
+            <p:ph type="subTitle" idx="1"/>
+          </p:nvPr>
+        </p:nvSpPr>
+        <p:spPr>
+          <a:xfrm>
+            <a:off x="1" y="131886"/>
+            <a:ext cx="7669091" cy="606671"/>
+          </a:xfrm>
+        </p:spPr>
+        <p:txBody>
+          <a:bodyPr>
+            <a:normAutofit fontScale="92500" lnSpcReduction="20000"/>
+          </a:bodyPr>
+          <a:lstStyle/>
+          <a:p>
+            <a:pPr algn="l"/>
+            <a:r>
+              <a:rPr lang="ko-KR" altLang="en-US" sz="4400" dirty="0" smtClean="0"/>
+              <a:t>답</a:t>
+            </a:r>
+            <a:endParaRPr lang="en-US" altLang="ko-KR" sz="4400" dirty="0"/>
+          </a:p>
+        </p:txBody>
+      </p:sp>
+      <p:pic>
+        <p:nvPicPr>
+          <p:cNvPr id="2" name="그림 1"/>
+          <p:cNvPicPr>
+            <a:picLocks noChangeAspect="1"/>
+          </p:cNvPicPr>
+          <p:nvPr/>
+        </p:nvPicPr>
+        <p:blipFill>
+          <a:blip r:embed="rId2"/>
+          <a:stretch>
+            <a:fillRect/>
+          </a:stretch>
+        </p:blipFill>
+        <p:spPr>
+          <a:xfrm>
+            <a:off x="1403648" y="435221"/>
+            <a:ext cx="5955591" cy="5990901"/>
+          </a:xfrm>
+          <a:prstGeom prst="rect">
+            <a:avLst/>
+          </a:prstGeom>
+        </p:spPr>
+      </p:pic>
+    </p:spTree>
+    <p:extLst>
+      <p:ext uri="{BB962C8B-B14F-4D97-AF65-F5344CB8AC3E}">
+        <p14:creationId xmlns:p14="http://schemas.microsoft.com/office/powerpoint/2010/main" val="2509740582"/>
+      </p:ext>
+    </p:extLst>
+  </p:cSld>
+  <p:clrMapOvr>
+    <a:masterClrMapping/>
+  </p:clrMapOvr>
+  <p:timing>
+    <p:tnLst>
+      <p:par>
+        <p:cTn id="1" dur="indefinite" restart="never" nodeType="tmRoot"/>
+      </p:par>
+    </p:tnLst>
+  </p:timing>
+</p:sld>
+</file>
+
+<file path=ppt/slides/slide17.xml><?xml version="1.0" encoding="utf-8"?>
+<p:sld xmlns:a="http://schemas.openxmlformats.org/drawingml/2006/main" xmlns:r="http://schemas.openxmlformats.org/officeDocument/2006/relationships" xmlns:p="http://schemas.openxmlformats.org/presentationml/2006/main">
+  <p:cSld>
+    <p:spTree>
+      <p:nvGrpSpPr>
+        <p:cNvPr id="1" name=""/>
+        <p:cNvGrpSpPr/>
+        <p:nvPr/>
+      </p:nvGrpSpPr>
+      <p:grpSpPr>
+        <a:xfrm>
+          <a:off x="0" y="0"/>
+          <a:ext cx="0" cy="0"/>
+          <a:chOff x="0" y="0"/>
+          <a:chExt cx="0" cy="0"/>
+        </a:xfrm>
+      </p:grpSpPr>
+      <p:sp>
+        <p:nvSpPr>
+          <p:cNvPr id="9" name="부제목 2"/>
+          <p:cNvSpPr>
+            <a:spLocks noGrp="1"/>
+          </p:cNvSpPr>
+          <p:nvPr>
+            <p:ph type="subTitle" idx="1"/>
+          </p:nvPr>
+        </p:nvSpPr>
+        <p:spPr>
+          <a:xfrm>
+            <a:off x="1" y="131886"/>
+            <a:ext cx="7669091" cy="606671"/>
+          </a:xfrm>
+        </p:spPr>
+        <p:txBody>
+          <a:bodyPr>
+            <a:normAutofit fontScale="92500" lnSpcReduction="20000"/>
+          </a:bodyPr>
+          <a:lstStyle/>
+          <a:p>
+            <a:pPr algn="l"/>
+            <a:r>
+              <a:rPr lang="ko-KR" altLang="en-US" sz="4400" dirty="0" smtClean="0"/>
+              <a:t>중첩 </a:t>
+            </a:r>
+            <a:r>
+              <a:rPr lang="ko-KR" altLang="en-US" sz="4400" dirty="0" err="1" smtClean="0"/>
+              <a:t>반복문이란</a:t>
+            </a:r>
+            <a:endParaRPr lang="en-US" altLang="ko-KR" sz="4400" dirty="0"/>
+          </a:p>
+        </p:txBody>
+      </p:sp>
+      <p:sp>
+        <p:nvSpPr>
+          <p:cNvPr id="3" name="TextBox 2"/>
+          <p:cNvSpPr txBox="1"/>
+          <p:nvPr/>
+        </p:nvSpPr>
+        <p:spPr>
+          <a:xfrm>
+            <a:off x="2411760" y="1484784"/>
+            <a:ext cx="4824536" cy="584775"/>
+          </a:xfrm>
+          <a:prstGeom prst="rect">
+            <a:avLst/>
+          </a:prstGeom>
+          <a:noFill/>
+        </p:spPr>
+        <p:txBody>
+          <a:bodyPr wrap="square" rtlCol="0">
+            <a:spAutoFit/>
+          </a:bodyPr>
+          <a:lstStyle/>
+          <a:p>
+            <a:r>
+              <a:rPr lang="en-US" altLang="ko-KR" sz="3200" dirty="0" smtClean="0"/>
+              <a:t>For(j=0</a:t>
+            </a:r>
+            <a:r>
+              <a:rPr lang="ko-KR" altLang="en-US" sz="3200" dirty="0" smtClean="0"/>
+              <a:t> </a:t>
+            </a:r>
+            <a:r>
+              <a:rPr lang="en-US" altLang="ko-KR" sz="3200" dirty="0" smtClean="0"/>
+              <a:t>; j&lt;7</a:t>
+            </a:r>
+            <a:r>
+              <a:rPr lang="ko-KR" altLang="en-US" sz="3200" dirty="0" smtClean="0"/>
+              <a:t> </a:t>
+            </a:r>
+            <a:r>
+              <a:rPr lang="en-US" altLang="ko-KR" sz="3200" dirty="0" smtClean="0"/>
+              <a:t>; </a:t>
+            </a:r>
+            <a:r>
+              <a:rPr lang="en-US" altLang="ko-KR" sz="3200" dirty="0" err="1" smtClean="0"/>
+              <a:t>j++</a:t>
+            </a:r>
+            <a:r>
+              <a:rPr lang="en-US" altLang="ko-KR" sz="3200" dirty="0" smtClean="0"/>
+              <a:t>) {</a:t>
+            </a:r>
+            <a:endParaRPr lang="ko-KR" altLang="en-US" sz="3200" dirty="0"/>
+          </a:p>
+        </p:txBody>
+      </p:sp>
+      <p:sp>
+        <p:nvSpPr>
+          <p:cNvPr id="4" name="TextBox 3"/>
+          <p:cNvSpPr txBox="1"/>
+          <p:nvPr/>
+        </p:nvSpPr>
+        <p:spPr>
+          <a:xfrm>
+            <a:off x="2429698" y="3471664"/>
+            <a:ext cx="4824536" cy="584775"/>
+          </a:xfrm>
+          <a:prstGeom prst="rect">
+            <a:avLst/>
+          </a:prstGeom>
+          <a:noFill/>
+        </p:spPr>
+        <p:txBody>
+          <a:bodyPr wrap="square" rtlCol="0">
+            <a:spAutoFit/>
+          </a:bodyPr>
+          <a:lstStyle/>
+          <a:p>
+            <a:r>
+              <a:rPr lang="en-US" altLang="ko-KR" sz="3200" dirty="0" smtClean="0"/>
+              <a:t>}</a:t>
+            </a:r>
+            <a:endParaRPr lang="ko-KR" altLang="en-US" sz="3200" dirty="0"/>
+          </a:p>
+        </p:txBody>
+      </p:sp>
+      <p:sp>
+        <p:nvSpPr>
+          <p:cNvPr id="5" name="TextBox 4"/>
+          <p:cNvSpPr txBox="1"/>
+          <p:nvPr/>
+        </p:nvSpPr>
+        <p:spPr>
+          <a:xfrm>
+            <a:off x="1601734" y="873492"/>
+            <a:ext cx="4824536" cy="584775"/>
+          </a:xfrm>
+          <a:prstGeom prst="rect">
+            <a:avLst/>
+          </a:prstGeom>
+          <a:noFill/>
+        </p:spPr>
+        <p:txBody>
+          <a:bodyPr wrap="square" rtlCol="0">
+            <a:spAutoFit/>
+          </a:bodyPr>
+          <a:lstStyle/>
+          <a:p>
+            <a:r>
+              <a:rPr lang="en-US" altLang="ko-KR" sz="3200" dirty="0" smtClean="0"/>
+              <a:t>For(</a:t>
+            </a:r>
+            <a:r>
+              <a:rPr lang="en-US" altLang="ko-KR" sz="3200" dirty="0" err="1" smtClean="0"/>
+              <a:t>i</a:t>
+            </a:r>
+            <a:r>
+              <a:rPr lang="en-US" altLang="ko-KR" sz="3200" dirty="0" smtClean="0"/>
+              <a:t>=0</a:t>
+            </a:r>
+            <a:r>
+              <a:rPr lang="ko-KR" altLang="en-US" sz="3200" dirty="0" smtClean="0"/>
+              <a:t> </a:t>
+            </a:r>
+            <a:r>
+              <a:rPr lang="en-US" altLang="ko-KR" sz="3200" dirty="0" smtClean="0"/>
+              <a:t>; </a:t>
+            </a:r>
+            <a:r>
+              <a:rPr lang="en-US" altLang="ko-KR" sz="3200" dirty="0" err="1" smtClean="0"/>
+              <a:t>i</a:t>
+            </a:r>
+            <a:r>
+              <a:rPr lang="en-US" altLang="ko-KR" sz="3200" dirty="0" smtClean="0"/>
+              <a:t>&lt;5</a:t>
+            </a:r>
+            <a:r>
+              <a:rPr lang="ko-KR" altLang="en-US" sz="3200" dirty="0" smtClean="0"/>
+              <a:t> </a:t>
+            </a:r>
+            <a:r>
+              <a:rPr lang="en-US" altLang="ko-KR" sz="3200" dirty="0" smtClean="0"/>
+              <a:t>; </a:t>
+            </a:r>
+            <a:r>
+              <a:rPr lang="en-US" altLang="ko-KR" sz="3200" dirty="0" err="1" smtClean="0"/>
+              <a:t>i</a:t>
+            </a:r>
+            <a:r>
+              <a:rPr lang="en-US" altLang="ko-KR" sz="3200" dirty="0" smtClean="0"/>
+              <a:t>++) {</a:t>
+            </a:r>
+            <a:endParaRPr lang="ko-KR" altLang="en-US" sz="3200" dirty="0"/>
+          </a:p>
+        </p:txBody>
+      </p:sp>
+      <p:sp>
+        <p:nvSpPr>
+          <p:cNvPr id="6" name="TextBox 5"/>
+          <p:cNvSpPr txBox="1"/>
+          <p:nvPr/>
+        </p:nvSpPr>
+        <p:spPr>
+          <a:xfrm>
+            <a:off x="1763688" y="4253628"/>
+            <a:ext cx="4824536" cy="584775"/>
+          </a:xfrm>
+          <a:prstGeom prst="rect">
+            <a:avLst/>
+          </a:prstGeom>
+          <a:noFill/>
+        </p:spPr>
+        <p:txBody>
+          <a:bodyPr wrap="square" rtlCol="0">
+            <a:spAutoFit/>
+          </a:bodyPr>
+          <a:lstStyle/>
+          <a:p>
+            <a:r>
+              <a:rPr lang="en-US" altLang="ko-KR" sz="3200" dirty="0" smtClean="0"/>
+              <a:t>}</a:t>
+            </a:r>
+            <a:endParaRPr lang="ko-KR" altLang="en-US" sz="3200" dirty="0"/>
+          </a:p>
+        </p:txBody>
+      </p:sp>
+      <p:sp>
+        <p:nvSpPr>
+          <p:cNvPr id="7" name="TextBox 6"/>
+          <p:cNvSpPr txBox="1"/>
+          <p:nvPr/>
+        </p:nvSpPr>
+        <p:spPr>
+          <a:xfrm>
+            <a:off x="2699792" y="2523398"/>
+            <a:ext cx="4824536" cy="584775"/>
+          </a:xfrm>
+          <a:prstGeom prst="rect">
+            <a:avLst/>
+          </a:prstGeom>
+          <a:noFill/>
+        </p:spPr>
+        <p:txBody>
+          <a:bodyPr wrap="square" rtlCol="0">
+            <a:spAutoFit/>
+          </a:bodyPr>
+          <a:lstStyle/>
+          <a:p>
+            <a:r>
+              <a:rPr lang="en-US" altLang="ko-KR" sz="3200" dirty="0" smtClean="0"/>
+              <a:t>======</a:t>
+            </a:r>
+            <a:r>
+              <a:rPr lang="ko-KR" altLang="en-US" sz="3200" dirty="0" smtClean="0"/>
+              <a:t>문장</a:t>
+            </a:r>
+            <a:r>
+              <a:rPr lang="en-US" altLang="ko-KR" sz="3200" dirty="0" smtClean="0"/>
+              <a:t>======</a:t>
+            </a:r>
+            <a:endParaRPr lang="ko-KR" altLang="en-US" sz="3200" dirty="0"/>
+          </a:p>
+        </p:txBody>
+      </p:sp>
+    </p:spTree>
+    <p:extLst>
+      <p:ext uri="{BB962C8B-B14F-4D97-AF65-F5344CB8AC3E}">
+        <p14:creationId xmlns:p14="http://schemas.microsoft.com/office/powerpoint/2010/main" val="1047637436"/>
+      </p:ext>
+    </p:extLst>
+  </p:cSld>
+  <p:clrMapOvr>
+    <a:masterClrMapping/>
+  </p:clrMapOvr>
+  <p:timing>
+    <p:tnLst>
+      <p:par>
+        <p:cTn id="1" dur="indefinite" restart="never" nodeType="tmRoot">
+          <p:childTnLst>
+            <p:seq concurrent="1" nextAc="seek">
+              <p:cTn id="2" dur="indefinite" nodeType="mainSeq">
+                <p:childTnLst>
+                  <p:par>
+                    <p:cTn id="3" fill="hold">
+                      <p:stCondLst>
+                        <p:cond delay="indefinite"/>
+                      </p:stCondLst>
+                      <p:childTnLst>
+                        <p:par>
+                          <p:cTn id="4" fill="hold">
+                            <p:stCondLst>
+                              <p:cond delay="0"/>
+                            </p:stCondLst>
+                            <p:childTnLst>
+                              <p:par>
+                                <p:cTn id="5" presetID="1" presetClass="exit" presetSubtype="0" fill="hold" grpId="0" nodeType="clickEffect">
+                                  <p:stCondLst>
+                                    <p:cond delay="0"/>
+                                  </p:stCondLst>
+                                  <p:childTnLst>
+                                    <p:set>
+                                      <p:cBhvr>
+                                        <p:cTn id="6" dur="1" fill="hold">
+                                          <p:stCondLst>
+                                            <p:cond delay="0"/>
+                                          </p:stCondLst>
+                                        </p:cTn>
+                                        <p:tgtEl>
+                                          <p:spTgt spid="5"/>
+                                        </p:tgtEl>
+                                        <p:attrNameLst>
+                                          <p:attrName>style.visibility</p:attrName>
+                                        </p:attrNameLst>
+                                      </p:cBhvr>
+                                      <p:to>
+                                        <p:strVal val="hidden"/>
+                                      </p:to>
+                                    </p:set>
+                                  </p:childTnLst>
+                                </p:cTn>
+                              </p:par>
+                              <p:par>
+                                <p:cTn id="7" presetID="1" presetClass="exit" presetSubtype="0" fill="hold" grpId="0" nodeType="withEffect">
+                                  <p:stCondLst>
+                                    <p:cond delay="0"/>
+                                  </p:stCondLst>
+                                  <p:childTnLst>
+                                    <p:set>
+                                      <p:cBhvr>
+                                        <p:cTn id="8" dur="1" fill="hold">
+                                          <p:stCondLst>
+                                            <p:cond delay="0"/>
+                                          </p:stCondLst>
+                                        </p:cTn>
+                                        <p:tgtEl>
+                                          <p:spTgt spid="6"/>
+                                        </p:tgtEl>
+                                        <p:attrNameLst>
+                                          <p:attrName>style.visibility</p:attrName>
+                                        </p:attrNameLst>
+                                      </p:cBhvr>
+                                      <p:to>
+                                        <p:strVal val="hidden"/>
+                                      </p:to>
+                                    </p:set>
+                                  </p:childTnLst>
+                                </p:cTn>
+                              </p:par>
+                            </p:childTnLst>
+                          </p:cTn>
+                        </p:par>
+                      </p:childTnLst>
+                    </p:cTn>
+                  </p:par>
+                </p:childTnLst>
+              </p:cTn>
+              <p:prevCondLst>
+                <p:cond evt="onPrev" delay="0">
+                  <p:tgtEl>
+                    <p:sldTgt/>
+                  </p:tgtEl>
+                </p:cond>
+              </p:prevCondLst>
+              <p:nextCondLst>
+                <p:cond evt="onNext" delay="0">
+                  <p:tgtEl>
+                    <p:sldTgt/>
+                  </p:tgtEl>
+                </p:cond>
+              </p:nextCondLst>
+            </p:seq>
+          </p:childTnLst>
+        </p:cTn>
+      </p:par>
+    </p:tnLst>
+    <p:bldLst>
+      <p:bldP spid="5" grpId="0"/>
+      <p:bldP spid="6" grpId="0"/>
+    </p:bldLst>
+  </p:timing>
+</p:sld>
+</file>
+
+<file path=ppt/slides/slide18.xml><?xml version="1.0" encoding="utf-8"?>
+<p:sld xmlns:a="http://schemas.openxmlformats.org/drawingml/2006/main" xmlns:r="http://schemas.openxmlformats.org/officeDocument/2006/relationships" xmlns:p="http://schemas.openxmlformats.org/presentationml/2006/main">
+  <p:cSld>
+    <p:spTree>
+      <p:nvGrpSpPr>
+        <p:cNvPr id="1" name=""/>
+        <p:cNvGrpSpPr/>
+        <p:nvPr/>
+      </p:nvGrpSpPr>
+      <p:grpSpPr>
+        <a:xfrm>
+          <a:off x="0" y="0"/>
+          <a:ext cx="0" cy="0"/>
+          <a:chOff x="0" y="0"/>
+          <a:chExt cx="0" cy="0"/>
+        </a:xfrm>
+      </p:grpSpPr>
+      <p:sp>
+        <p:nvSpPr>
+          <p:cNvPr id="9" name="부제목 2"/>
+          <p:cNvSpPr>
+            <a:spLocks noGrp="1"/>
+          </p:cNvSpPr>
+          <p:nvPr>
+            <p:ph type="subTitle" idx="1"/>
+          </p:nvPr>
+        </p:nvSpPr>
+        <p:spPr>
+          <a:xfrm>
+            <a:off x="1" y="131886"/>
+            <a:ext cx="7669091" cy="606671"/>
+          </a:xfrm>
+        </p:spPr>
+        <p:txBody>
+          <a:bodyPr>
+            <a:normAutofit fontScale="92500" lnSpcReduction="20000"/>
+          </a:bodyPr>
+          <a:lstStyle/>
+          <a:p>
+            <a:pPr algn="l"/>
+            <a:r>
+              <a:rPr lang="ko-KR" altLang="en-US" sz="4400" dirty="0" smtClean="0"/>
+              <a:t>중첩 </a:t>
+            </a:r>
+            <a:r>
+              <a:rPr lang="ko-KR" altLang="en-US" sz="4400" dirty="0" err="1" smtClean="0"/>
+              <a:t>반복문이란</a:t>
+            </a:r>
+            <a:endParaRPr lang="en-US" altLang="ko-KR" sz="4400" dirty="0"/>
+          </a:p>
+        </p:txBody>
+      </p:sp>
+      <p:sp>
+        <p:nvSpPr>
+          <p:cNvPr id="3" name="TextBox 2"/>
+          <p:cNvSpPr txBox="1"/>
+          <p:nvPr/>
+        </p:nvSpPr>
+        <p:spPr>
+          <a:xfrm>
+            <a:off x="2411760" y="1484784"/>
+            <a:ext cx="4824536" cy="584775"/>
+          </a:xfrm>
+          <a:prstGeom prst="rect">
+            <a:avLst/>
+          </a:prstGeom>
+          <a:noFill/>
+        </p:spPr>
+        <p:txBody>
+          <a:bodyPr wrap="square" rtlCol="0">
+            <a:spAutoFit/>
+          </a:bodyPr>
+          <a:lstStyle/>
+          <a:p>
+            <a:r>
+              <a:rPr lang="en-US" altLang="ko-KR" sz="3200" dirty="0" smtClean="0"/>
+              <a:t>For(j=0</a:t>
+            </a:r>
+            <a:r>
+              <a:rPr lang="ko-KR" altLang="en-US" sz="3200" dirty="0" smtClean="0"/>
+              <a:t> </a:t>
+            </a:r>
+            <a:r>
+              <a:rPr lang="en-US" altLang="ko-KR" sz="3200" dirty="0" smtClean="0"/>
+              <a:t>; j&lt;7</a:t>
+            </a:r>
+            <a:r>
+              <a:rPr lang="ko-KR" altLang="en-US" sz="3200" dirty="0" smtClean="0"/>
+              <a:t> </a:t>
+            </a:r>
+            <a:r>
+              <a:rPr lang="en-US" altLang="ko-KR" sz="3200" dirty="0" smtClean="0"/>
+              <a:t>; </a:t>
+            </a:r>
+            <a:r>
+              <a:rPr lang="en-US" altLang="ko-KR" sz="3200" dirty="0" err="1" smtClean="0"/>
+              <a:t>j++</a:t>
+            </a:r>
+            <a:r>
+              <a:rPr lang="en-US" altLang="ko-KR" sz="3200" dirty="0" smtClean="0"/>
+              <a:t>) {</a:t>
+            </a:r>
+            <a:endParaRPr lang="ko-KR" altLang="en-US" sz="3200" dirty="0"/>
+          </a:p>
+        </p:txBody>
+      </p:sp>
+      <p:sp>
+        <p:nvSpPr>
+          <p:cNvPr id="4" name="TextBox 3"/>
+          <p:cNvSpPr txBox="1"/>
+          <p:nvPr/>
+        </p:nvSpPr>
+        <p:spPr>
+          <a:xfrm>
+            <a:off x="2429698" y="3471664"/>
+            <a:ext cx="4824536" cy="584775"/>
+          </a:xfrm>
+          <a:prstGeom prst="rect">
+            <a:avLst/>
+          </a:prstGeom>
+          <a:noFill/>
+        </p:spPr>
+        <p:txBody>
+          <a:bodyPr wrap="square" rtlCol="0">
+            <a:spAutoFit/>
+          </a:bodyPr>
+          <a:lstStyle/>
+          <a:p>
+            <a:r>
+              <a:rPr lang="en-US" altLang="ko-KR" sz="3200" dirty="0" smtClean="0"/>
+              <a:t>}</a:t>
+            </a:r>
+            <a:endParaRPr lang="ko-KR" altLang="en-US" sz="3200" dirty="0"/>
+          </a:p>
+        </p:txBody>
+      </p:sp>
+      <p:sp>
+        <p:nvSpPr>
+          <p:cNvPr id="5" name="TextBox 4"/>
+          <p:cNvSpPr txBox="1"/>
+          <p:nvPr/>
+        </p:nvSpPr>
+        <p:spPr>
+          <a:xfrm>
+            <a:off x="1601734" y="873492"/>
+            <a:ext cx="4824536" cy="584775"/>
+          </a:xfrm>
+          <a:prstGeom prst="rect">
+            <a:avLst/>
+          </a:prstGeom>
+          <a:noFill/>
+        </p:spPr>
+        <p:txBody>
+          <a:bodyPr wrap="square" rtlCol="0">
+            <a:spAutoFit/>
+          </a:bodyPr>
+          <a:lstStyle/>
+          <a:p>
+            <a:r>
+              <a:rPr lang="en-US" altLang="ko-KR" sz="3200" dirty="0" smtClean="0"/>
+              <a:t>For(</a:t>
+            </a:r>
+            <a:r>
+              <a:rPr lang="en-US" altLang="ko-KR" sz="3200" dirty="0" err="1" smtClean="0"/>
+              <a:t>i</a:t>
+            </a:r>
+            <a:r>
+              <a:rPr lang="en-US" altLang="ko-KR" sz="3200" dirty="0" smtClean="0"/>
+              <a:t>=0</a:t>
+            </a:r>
+            <a:r>
+              <a:rPr lang="ko-KR" altLang="en-US" sz="3200" dirty="0" smtClean="0"/>
+              <a:t> </a:t>
+            </a:r>
+            <a:r>
+              <a:rPr lang="en-US" altLang="ko-KR" sz="3200" dirty="0" smtClean="0"/>
+              <a:t>; </a:t>
+            </a:r>
+            <a:r>
+              <a:rPr lang="en-US" altLang="ko-KR" sz="3200" dirty="0" err="1" smtClean="0"/>
+              <a:t>i</a:t>
+            </a:r>
+            <a:r>
+              <a:rPr lang="en-US" altLang="ko-KR" sz="3200" dirty="0" smtClean="0"/>
+              <a:t>&lt;5</a:t>
+            </a:r>
+            <a:r>
+              <a:rPr lang="ko-KR" altLang="en-US" sz="3200" dirty="0" smtClean="0"/>
+              <a:t> </a:t>
+            </a:r>
+            <a:r>
+              <a:rPr lang="en-US" altLang="ko-KR" sz="3200" dirty="0" smtClean="0"/>
+              <a:t>; </a:t>
+            </a:r>
+            <a:r>
+              <a:rPr lang="en-US" altLang="ko-KR" sz="3200" dirty="0" err="1" smtClean="0"/>
+              <a:t>i</a:t>
+            </a:r>
+            <a:r>
+              <a:rPr lang="en-US" altLang="ko-KR" sz="3200" dirty="0" smtClean="0"/>
+              <a:t>++) {</a:t>
+            </a:r>
+            <a:endParaRPr lang="ko-KR" altLang="en-US" sz="3200" dirty="0"/>
+          </a:p>
+        </p:txBody>
+      </p:sp>
+      <p:sp>
+        <p:nvSpPr>
+          <p:cNvPr id="6" name="TextBox 5"/>
+          <p:cNvSpPr txBox="1"/>
+          <p:nvPr/>
+        </p:nvSpPr>
+        <p:spPr>
+          <a:xfrm>
+            <a:off x="1763688" y="4253628"/>
+            <a:ext cx="4824536" cy="584775"/>
+          </a:xfrm>
+          <a:prstGeom prst="rect">
+            <a:avLst/>
+          </a:prstGeom>
+          <a:noFill/>
+        </p:spPr>
+        <p:txBody>
+          <a:bodyPr wrap="square" rtlCol="0">
+            <a:spAutoFit/>
+          </a:bodyPr>
+          <a:lstStyle/>
+          <a:p>
+            <a:r>
+              <a:rPr lang="en-US" altLang="ko-KR" sz="3200" dirty="0" smtClean="0"/>
+              <a:t>}</a:t>
+            </a:r>
+            <a:endParaRPr lang="ko-KR" altLang="en-US" sz="3200" dirty="0"/>
+          </a:p>
+        </p:txBody>
+      </p:sp>
+      <p:sp>
+        <p:nvSpPr>
+          <p:cNvPr id="7" name="TextBox 6"/>
+          <p:cNvSpPr txBox="1"/>
+          <p:nvPr/>
+        </p:nvSpPr>
+        <p:spPr>
+          <a:xfrm>
+            <a:off x="2699792" y="2523398"/>
+            <a:ext cx="4824536" cy="584775"/>
+          </a:xfrm>
+          <a:prstGeom prst="rect">
+            <a:avLst/>
+          </a:prstGeom>
+          <a:noFill/>
+        </p:spPr>
+        <p:txBody>
+          <a:bodyPr wrap="square" rtlCol="0">
+            <a:spAutoFit/>
+          </a:bodyPr>
+          <a:lstStyle/>
+          <a:p>
+            <a:r>
+              <a:rPr lang="en-US" altLang="ko-KR" sz="3200" dirty="0" smtClean="0"/>
+              <a:t>======</a:t>
+            </a:r>
+            <a:r>
+              <a:rPr lang="ko-KR" altLang="en-US" sz="3200" dirty="0" smtClean="0"/>
+              <a:t>문장</a:t>
+            </a:r>
+            <a:r>
+              <a:rPr lang="en-US" altLang="ko-KR" sz="3200" dirty="0" smtClean="0"/>
+              <a:t>======</a:t>
+            </a:r>
+            <a:endParaRPr lang="ko-KR" altLang="en-US" sz="3200" dirty="0"/>
+          </a:p>
+        </p:txBody>
+      </p:sp>
+      <p:sp>
+        <p:nvSpPr>
+          <p:cNvPr id="2" name="직사각형 1"/>
+          <p:cNvSpPr/>
+          <p:nvPr/>
+        </p:nvSpPr>
+        <p:spPr>
+          <a:xfrm>
+            <a:off x="2195736" y="1458267"/>
+            <a:ext cx="4680520" cy="2795361"/>
+          </a:xfrm>
+          <a:prstGeom prst="rect">
+            <a:avLst/>
+          </a:prstGeom>
+          <a:noFill/>
+          <a:ln w="38100">
+            <a:solidFill>
+              <a:srgbClr val="FF0000"/>
+            </a:solidFill>
+          </a:ln>
+        </p:spPr>
+        <p:style>
+          <a:lnRef idx="2">
+            <a:schemeClr val="accent1">
+              <a:shade val="50000"/>
+            </a:schemeClr>
+          </a:lnRef>
+          <a:fillRef idx="1">
+            <a:schemeClr val="accent1"/>
+          </a:fillRef>
+          <a:effectRef idx="0">
+            <a:schemeClr val="accent1"/>
+          </a:effectRef>
+          <a:fontRef idx="minor">
+            <a:schemeClr val="lt1"/>
+          </a:fontRef>
+        </p:style>
+        <p:txBody>
+          <a:bodyPr rtlCol="0" anchor="ctr"/>
+          <a:lstStyle/>
+          <a:p>
+            <a:pPr algn="ctr"/>
+            <a:endParaRPr lang="ko-KR" altLang="en-US"/>
+          </a:p>
+        </p:txBody>
+      </p:sp>
+      <p:sp>
+        <p:nvSpPr>
+          <p:cNvPr id="8" name="직사각형 7"/>
+          <p:cNvSpPr/>
+          <p:nvPr/>
+        </p:nvSpPr>
+        <p:spPr>
+          <a:xfrm>
+            <a:off x="2195736" y="1458267"/>
+            <a:ext cx="4680520" cy="2795361"/>
+          </a:xfrm>
+          <a:prstGeom prst="rect">
+            <a:avLst/>
+          </a:prstGeom>
+        </p:spPr>
+        <p:style>
+          <a:lnRef idx="2">
+            <a:schemeClr val="accent1">
+              <a:shade val="50000"/>
+            </a:schemeClr>
+          </a:lnRef>
+          <a:fillRef idx="1">
+            <a:schemeClr val="accent1"/>
+          </a:fillRef>
+          <a:effectRef idx="0">
+            <a:schemeClr val="accent1"/>
+          </a:effectRef>
+          <a:fontRef idx="minor">
+            <a:schemeClr val="lt1"/>
+          </a:fontRef>
+        </p:style>
+        <p:txBody>
+          <a:bodyPr rtlCol="0" anchor="ctr"/>
+          <a:lstStyle/>
+          <a:p>
+            <a:pPr algn="ctr"/>
+            <a:endParaRPr lang="ko-KR" altLang="en-US"/>
+          </a:p>
+        </p:txBody>
+      </p:sp>
+      <p:sp>
+        <p:nvSpPr>
+          <p:cNvPr id="10" name="부제목 2"/>
+          <p:cNvSpPr txBox="1">
+            <a:spLocks/>
+          </p:cNvSpPr>
+          <p:nvPr/>
+        </p:nvSpPr>
+        <p:spPr>
+          <a:xfrm>
+            <a:off x="341410" y="5437072"/>
+            <a:ext cx="7669091" cy="606671"/>
+          </a:xfrm>
+          <a:prstGeom prst="rect">
+            <a:avLst/>
+          </a:prstGeom>
+          <a:noFill/>
+        </p:spPr>
+        <p:txBody>
+          <a:bodyPr vert="horz" lIns="91440" tIns="45720" rIns="91440" bIns="45720" rtlCol="0">
+            <a:normAutofit fontScale="85000" lnSpcReduction="10000"/>
+          </a:bodyPr>
+          <a:lstStyle>
+            <a:lvl1pPr marL="0" indent="0" algn="ctr" defTabSz="914400" rtl="0" eaLnBrk="1" latinLnBrk="1" hangingPunct="1">
+              <a:lnSpc>
+                <a:spcPct val="100000"/>
+              </a:lnSpc>
+              <a:spcBef>
+                <a:spcPts val="1000"/>
+              </a:spcBef>
+              <a:buClr>
+                <a:schemeClr val="accent2"/>
+              </a:buClr>
+              <a:buFont typeface="Arial" panose="020B0604020202020204" pitchFamily="34" charset="0"/>
+              <a:buNone/>
+              <a:defRPr sz="2000" kern="1200">
+                <a:solidFill>
+                  <a:schemeClr val="tx1">
+                    <a:lumMod val="75000"/>
+                    <a:lumOff val="25000"/>
+                  </a:schemeClr>
+                </a:solidFill>
+                <a:latin typeface="+mn-lt"/>
+                <a:ea typeface="+mn-ea"/>
+                <a:cs typeface="+mn-cs"/>
+              </a:defRPr>
+            </a:lvl1pPr>
+            <a:lvl2pPr marL="457200" indent="0" algn="ctr" defTabSz="914400" rtl="0" eaLnBrk="1" latinLnBrk="1" hangingPunct="1">
+              <a:lnSpc>
+                <a:spcPct val="100000"/>
+              </a:lnSpc>
+              <a:spcBef>
+                <a:spcPts val="1000"/>
+              </a:spcBef>
+              <a:buClr>
+                <a:schemeClr val="accent2"/>
+              </a:buClr>
+              <a:buFont typeface="Arial" panose="020B0604020202020204" pitchFamily="34" charset="0"/>
+              <a:buNone/>
+              <a:defRPr sz="2000" kern="1200">
+                <a:solidFill>
+                  <a:schemeClr val="tx1">
+                    <a:lumMod val="85000"/>
+                    <a:lumOff val="15000"/>
+                  </a:schemeClr>
+                </a:solidFill>
+                <a:latin typeface="+mn-lt"/>
+                <a:ea typeface="+mn-ea"/>
+                <a:cs typeface="+mn-cs"/>
+              </a:defRPr>
+            </a:lvl2pPr>
+            <a:lvl3pPr marL="914400" indent="0" algn="ctr" defTabSz="914400" rtl="0" eaLnBrk="1" latinLnBrk="1" hangingPunct="1">
+              <a:lnSpc>
+                <a:spcPct val="100000"/>
+              </a:lnSpc>
+              <a:spcBef>
+                <a:spcPts val="1000"/>
+              </a:spcBef>
+              <a:buClr>
+                <a:schemeClr val="accent2"/>
+              </a:buClr>
+              <a:buFont typeface="Arial" panose="020B0604020202020204" pitchFamily="34" charset="0"/>
+              <a:buNone/>
+              <a:defRPr sz="1800" kern="1200">
+                <a:solidFill>
+                  <a:schemeClr val="tx1">
+                    <a:lumMod val="85000"/>
+                    <a:lumOff val="15000"/>
+                  </a:schemeClr>
+                </a:solidFill>
+                <a:latin typeface="+mn-lt"/>
+                <a:ea typeface="+mn-ea"/>
+                <a:cs typeface="+mn-cs"/>
+              </a:defRPr>
+            </a:lvl3pPr>
+            <a:lvl4pPr marL="1371600" indent="0" algn="ctr" defTabSz="914400" rtl="0" eaLnBrk="1" latinLnBrk="1" hangingPunct="1">
+              <a:lnSpc>
+                <a:spcPct val="100000"/>
+              </a:lnSpc>
+              <a:spcBef>
+                <a:spcPts val="1000"/>
+              </a:spcBef>
+              <a:buClr>
+                <a:schemeClr val="accent2"/>
+              </a:buClr>
+              <a:buFont typeface="Arial" panose="020B0604020202020204" pitchFamily="34" charset="0"/>
+              <a:buNone/>
+              <a:defRPr sz="1600" kern="1200">
+                <a:solidFill>
+                  <a:schemeClr val="tx1">
+                    <a:lumMod val="85000"/>
+                    <a:lumOff val="15000"/>
+                  </a:schemeClr>
+                </a:solidFill>
+                <a:latin typeface="+mn-lt"/>
+                <a:ea typeface="+mn-ea"/>
+                <a:cs typeface="+mn-cs"/>
+              </a:defRPr>
+            </a:lvl4pPr>
+            <a:lvl5pPr marL="1828800" indent="0" algn="ctr" defTabSz="914400" rtl="0" eaLnBrk="1" latinLnBrk="1" hangingPunct="1">
+              <a:lnSpc>
+                <a:spcPct val="100000"/>
+              </a:lnSpc>
+              <a:spcBef>
+                <a:spcPts val="1000"/>
+              </a:spcBef>
+              <a:buClr>
+                <a:schemeClr val="accent2"/>
+              </a:buClr>
+              <a:buFont typeface="Arial" panose="020B0604020202020204" pitchFamily="34" charset="0"/>
+              <a:buNone/>
+              <a:defRPr sz="1600" kern="1200">
+                <a:solidFill>
+                  <a:schemeClr val="tx1">
+                    <a:lumMod val="85000"/>
+                    <a:lumOff val="15000"/>
+                  </a:schemeClr>
+                </a:solidFill>
+                <a:latin typeface="+mn-lt"/>
+                <a:ea typeface="+mn-ea"/>
+                <a:cs typeface="+mn-cs"/>
+              </a:defRPr>
+            </a:lvl5pPr>
+            <a:lvl6pPr marL="2286000" indent="0" algn="ctr" defTabSz="914400" rtl="0" eaLnBrk="1" latinLnBrk="1" hangingPunct="1">
+              <a:lnSpc>
+                <a:spcPct val="100000"/>
+              </a:lnSpc>
+              <a:spcBef>
+                <a:spcPts val="1000"/>
+              </a:spcBef>
+              <a:buClr>
+                <a:schemeClr val="accent2"/>
+              </a:buClr>
+              <a:buFont typeface="Arial" panose="020B0604020202020204" pitchFamily="34" charset="0"/>
+              <a:buNone/>
+              <a:defRPr sz="1600" kern="1200">
+                <a:solidFill>
+                  <a:schemeClr val="tx1"/>
+                </a:solidFill>
+                <a:latin typeface="+mn-lt"/>
+                <a:ea typeface="+mn-ea"/>
+                <a:cs typeface="+mn-cs"/>
+              </a:defRPr>
+            </a:lvl6pPr>
+            <a:lvl7pPr marL="2743200" indent="0" algn="ctr" defTabSz="914400" rtl="0" eaLnBrk="1" latinLnBrk="1" hangingPunct="1">
+              <a:lnSpc>
+                <a:spcPct val="100000"/>
+              </a:lnSpc>
+              <a:spcBef>
+                <a:spcPts val="1000"/>
+              </a:spcBef>
+              <a:buClr>
+                <a:schemeClr val="accent2"/>
+              </a:buClr>
+              <a:buFont typeface="Arial" panose="020B0604020202020204" pitchFamily="34" charset="0"/>
+              <a:buNone/>
+              <a:defRPr sz="1600" kern="1200">
+                <a:solidFill>
+                  <a:schemeClr val="tx1"/>
+                </a:solidFill>
+                <a:latin typeface="+mn-lt"/>
+                <a:ea typeface="+mn-ea"/>
+                <a:cs typeface="+mn-cs"/>
+              </a:defRPr>
+            </a:lvl7pPr>
+            <a:lvl8pPr marL="3200400" indent="0" algn="ctr" defTabSz="914400" rtl="0" eaLnBrk="1" latinLnBrk="1" hangingPunct="1">
+              <a:lnSpc>
+                <a:spcPct val="100000"/>
+              </a:lnSpc>
+              <a:spcBef>
+                <a:spcPts val="1000"/>
+              </a:spcBef>
+              <a:buClr>
+                <a:schemeClr val="accent2"/>
+              </a:buClr>
+              <a:buFont typeface="Arial" panose="020B0604020202020204" pitchFamily="34" charset="0"/>
+              <a:buNone/>
+              <a:defRPr sz="1600" kern="1200" baseline="0">
+                <a:solidFill>
+                  <a:schemeClr val="tx1"/>
+                </a:solidFill>
+                <a:latin typeface="+mn-lt"/>
+                <a:ea typeface="+mn-ea"/>
+                <a:cs typeface="+mn-cs"/>
+              </a:defRPr>
+            </a:lvl8pPr>
+            <a:lvl9pPr marL="3657600" indent="0" algn="ctr" defTabSz="914400" rtl="0" eaLnBrk="1" latinLnBrk="1" hangingPunct="1">
+              <a:lnSpc>
+                <a:spcPct val="100000"/>
+              </a:lnSpc>
+              <a:spcBef>
+                <a:spcPts val="1000"/>
+              </a:spcBef>
+              <a:buClr>
+                <a:schemeClr val="accent2"/>
+              </a:buClr>
+              <a:buFont typeface="Arial" panose="020B0604020202020204" pitchFamily="34" charset="0"/>
+              <a:buNone/>
+              <a:defRPr sz="1600" kern="1200" baseline="0">
+                <a:solidFill>
+                  <a:schemeClr val="tx1"/>
+                </a:solidFill>
+                <a:latin typeface="+mn-lt"/>
+                <a:ea typeface="+mn-ea"/>
+                <a:cs typeface="+mn-cs"/>
+              </a:defRPr>
+            </a:lvl9pPr>
+          </a:lstStyle>
+          <a:p>
+            <a:pPr algn="l"/>
+            <a:r>
+              <a:rPr lang="ko-KR" altLang="en-US" sz="4400" dirty="0" smtClean="0"/>
+              <a:t>즉</a:t>
+            </a:r>
+            <a:r>
+              <a:rPr lang="en-US" altLang="ko-KR" sz="4400" dirty="0" smtClean="0"/>
+              <a:t>, 7</a:t>
+            </a:r>
+            <a:r>
+              <a:rPr lang="ko-KR" altLang="en-US" sz="4400" dirty="0" smtClean="0"/>
+              <a:t>번씩 </a:t>
+            </a:r>
+            <a:r>
+              <a:rPr lang="en-US" altLang="ko-KR" sz="4400" dirty="0" smtClean="0"/>
+              <a:t>5</a:t>
+            </a:r>
+            <a:r>
+              <a:rPr lang="ko-KR" altLang="en-US" sz="4400" dirty="0" smtClean="0"/>
+              <a:t>번을 더 반복한다</a:t>
+            </a:r>
+            <a:r>
+              <a:rPr lang="en-US" altLang="ko-KR" sz="4400" dirty="0" smtClean="0"/>
+              <a:t>. (</a:t>
+            </a:r>
+            <a:r>
+              <a:rPr lang="ko-KR" altLang="en-US" sz="4400" dirty="0" smtClean="0"/>
+              <a:t>총 </a:t>
+            </a:r>
+            <a:r>
+              <a:rPr lang="en-US" altLang="ko-KR" sz="4400" dirty="0" smtClean="0"/>
+              <a:t>35</a:t>
+            </a:r>
+            <a:r>
+              <a:rPr lang="ko-KR" altLang="en-US" sz="4400" dirty="0" smtClean="0"/>
+              <a:t>번</a:t>
+            </a:r>
+            <a:r>
+              <a:rPr lang="en-US" altLang="ko-KR" sz="4400" dirty="0" smtClean="0"/>
+              <a:t>)</a:t>
+            </a:r>
+            <a:endParaRPr lang="en-US" altLang="ko-KR" sz="4400" dirty="0"/>
+          </a:p>
+        </p:txBody>
+      </p:sp>
+    </p:spTree>
+    <p:extLst>
+      <p:ext uri="{BB962C8B-B14F-4D97-AF65-F5344CB8AC3E}">
+        <p14:creationId xmlns:p14="http://schemas.microsoft.com/office/powerpoint/2010/main" val="1063548108"/>
+      </p:ext>
+    </p:extLst>
+  </p:cSld>
+  <p:clrMapOvr>
+    <a:masterClrMapping/>
+  </p:clrMapOvr>
+  <p:timing>
+    <p:tnLst>
+      <p:par>
+        <p:cTn id="1" dur="indefinite" restart="never" nodeType="tmRoot">
+          <p:childTnLst>
+            <p:seq concurrent="1" nextAc="seek">
+              <p:cTn id="2" dur="indefinite" nodeType="mainSeq">
+                <p:childTnLst>
+                  <p:par>
+                    <p:cTn id="3" fill="hold">
+                      <p:stCondLst>
+                        <p:cond delay="indefinite"/>
+                      </p:stCondLst>
+                      <p:childTnLst>
+                        <p:par>
+                          <p:cTn id="4" fill="hold">
+                            <p:stCondLst>
+                              <p:cond delay="0"/>
+                            </p:stCondLst>
+                            <p:childTnLst>
+                              <p:par>
+                                <p:cTn id="5" presetID="1" presetClass="exit" presetSubtype="0" fill="hold" grpId="0" nodeType="clickEffect">
+                                  <p:stCondLst>
+                                    <p:cond delay="0"/>
+                                  </p:stCondLst>
+                                  <p:childTnLst>
+                                    <p:set>
+                                      <p:cBhvr>
+                                        <p:cTn id="6" dur="1" fill="hold">
+                                          <p:stCondLst>
+                                            <p:cond delay="0"/>
+                                          </p:stCondLst>
+                                        </p:cTn>
+                                        <p:tgtEl>
+                                          <p:spTgt spid="8"/>
+                                        </p:tgtEl>
+                                        <p:attrNameLst>
+                                          <p:attrName>style.visibility</p:attrName>
+                                        </p:attrNameLst>
+                                      </p:cBhvr>
+                                      <p:to>
+                                        <p:strVal val="hidden"/>
+                                      </p:to>
+                                    </p:set>
+                                  </p:childTnLst>
+                                </p:cTn>
+                              </p:par>
+                            </p:childTnLst>
+                          </p:cTn>
+                        </p:par>
+                      </p:childTnLst>
+                    </p:cTn>
+                  </p:par>
+                  <p:par>
+                    <p:cTn id="7" fill="hold">
+                      <p:stCondLst>
+                        <p:cond delay="indefinite"/>
+                      </p:stCondLst>
+                      <p:childTnLst>
+                        <p:par>
+                          <p:cTn id="8" fill="hold">
+                            <p:stCondLst>
+                              <p:cond delay="0"/>
+                            </p:stCondLst>
+                            <p:childTnLst>
+                              <p:par>
+                                <p:cTn id="9" presetID="1" presetClass="entr" presetSubtype="0" fill="hold" grpId="0" nodeType="clickEffect">
+                                  <p:stCondLst>
+                                    <p:cond delay="0"/>
+                                  </p:stCondLst>
+                                  <p:childTnLst>
+                                    <p:set>
+                                      <p:cBhvr>
+                                        <p:cTn id="10" dur="1" fill="hold">
+                                          <p:stCondLst>
+                                            <p:cond delay="0"/>
+                                          </p:stCondLst>
+                                        </p:cTn>
+                                        <p:tgtEl>
+                                          <p:spTgt spid="10"/>
+                                        </p:tgtEl>
+                                        <p:attrNameLst>
+                                          <p:attrName>style.visibility</p:attrName>
+                                        </p:attrNameLst>
+                                      </p:cBhvr>
+                                      <p:to>
+                                        <p:strVal val="visible"/>
+                                      </p:to>
+                                    </p:set>
+                                  </p:childTnLst>
+                                </p:cTn>
+                              </p:par>
+                            </p:childTnLst>
+                          </p:cTn>
+                        </p:par>
+                      </p:childTnLst>
+                    </p:cTn>
+                  </p:par>
+                </p:childTnLst>
+              </p:cTn>
+              <p:prevCondLst>
+                <p:cond evt="onPrev" delay="0">
+                  <p:tgtEl>
+                    <p:sldTgt/>
+                  </p:tgtEl>
+                </p:cond>
+              </p:prevCondLst>
+              <p:nextCondLst>
+                <p:cond evt="onNext" delay="0">
+                  <p:tgtEl>
+                    <p:sldTgt/>
+                  </p:tgtEl>
+                </p:cond>
+              </p:nextCondLst>
+            </p:seq>
+          </p:childTnLst>
+        </p:cTn>
+      </p:par>
+    </p:tnLst>
+    <p:bldLst>
+      <p:bldP spid="8" grpId="0" animBg="1"/>
+      <p:bldP spid="10" grpId="0"/>
+    </p:bldLst>
+  </p:timing>
+</p:sld>
+</file>
+
+<file path=ppt/slides/slide19.xml><?xml version="1.0" encoding="utf-8"?>
+<p:sld xmlns:a="http://schemas.openxmlformats.org/drawingml/2006/main" xmlns:r="http://schemas.openxmlformats.org/officeDocument/2006/relationships" xmlns:p="http://schemas.openxmlformats.org/presentationml/2006/main">
+  <p:cSld>
+    <p:spTree>
+      <p:nvGrpSpPr>
+        <p:cNvPr id="1" name=""/>
+        <p:cNvGrpSpPr/>
+        <p:nvPr/>
+      </p:nvGrpSpPr>
+      <p:grpSpPr>
+        <a:xfrm>
+          <a:off x="0" y="0"/>
+          <a:ext cx="0" cy="0"/>
+          <a:chOff x="0" y="0"/>
+          <a:chExt cx="0" cy="0"/>
+        </a:xfrm>
+      </p:grpSpPr>
+      <p:sp>
+        <p:nvSpPr>
+          <p:cNvPr id="5" name="부제목 2"/>
+          <p:cNvSpPr>
+            <a:spLocks noGrp="1"/>
+          </p:cNvSpPr>
+          <p:nvPr>
+            <p:ph type="subTitle" idx="1"/>
+          </p:nvPr>
+        </p:nvSpPr>
+        <p:spPr>
+          <a:xfrm>
+            <a:off x="1" y="131886"/>
+            <a:ext cx="8820471" cy="1136874"/>
+          </a:xfrm>
+        </p:spPr>
+        <p:txBody>
+          <a:bodyPr>
+            <a:normAutofit/>
+          </a:bodyPr>
+          <a:lstStyle/>
+          <a:p>
+            <a:pPr algn="l"/>
+            <a:r>
+              <a:rPr lang="en-US" altLang="ko-KR" sz="3200" dirty="0" smtClean="0"/>
+              <a:t>Example02_2 –</a:t>
+            </a:r>
+            <a:r>
+              <a:rPr lang="ko-KR" altLang="en-US" sz="3200" dirty="0" smtClean="0"/>
+              <a:t>중첩 </a:t>
+            </a:r>
+            <a:r>
+              <a:rPr lang="ko-KR" altLang="en-US" sz="3200" dirty="0" err="1" smtClean="0"/>
+              <a:t>반복문을</a:t>
+            </a:r>
+            <a:r>
+              <a:rPr lang="ko-KR" altLang="en-US" sz="3200" dirty="0" smtClean="0"/>
+              <a:t> 써보자</a:t>
+            </a:r>
+            <a:r>
+              <a:rPr lang="en-US" altLang="ko-KR" sz="3200" dirty="0" smtClean="0"/>
+              <a:t>.(</a:t>
+            </a:r>
+            <a:r>
+              <a:rPr lang="ko-KR" altLang="en-US" sz="3200" dirty="0" smtClean="0"/>
+              <a:t>구구단 출력</a:t>
+            </a:r>
+            <a:r>
+              <a:rPr lang="en-US" altLang="ko-KR" sz="3200" dirty="0" smtClean="0"/>
+              <a:t>)</a:t>
+            </a:r>
+            <a:endParaRPr lang="en-US" altLang="ko-KR" sz="4400" dirty="0"/>
+          </a:p>
+        </p:txBody>
+      </p:sp>
+      <p:sp>
+        <p:nvSpPr>
+          <p:cNvPr id="14" name="TextBox 13"/>
+          <p:cNvSpPr txBox="1"/>
+          <p:nvPr/>
+        </p:nvSpPr>
+        <p:spPr>
+          <a:xfrm>
+            <a:off x="827584" y="1128313"/>
+            <a:ext cx="1271111" cy="584775"/>
+          </a:xfrm>
+          <a:prstGeom prst="rect">
+            <a:avLst/>
+          </a:prstGeom>
+          <a:noFill/>
+        </p:spPr>
+        <p:txBody>
+          <a:bodyPr wrap="square" rtlCol="0">
+            <a:spAutoFit/>
+          </a:bodyPr>
+          <a:lstStyle/>
+          <a:p>
+            <a:r>
+              <a:rPr lang="en-US" altLang="ko-KR" sz="3200" dirty="0">
+                <a:solidFill>
+                  <a:srgbClr val="FFFFFF"/>
+                </a:solidFill>
+              </a:rPr>
+              <a:t>Main()</a:t>
+            </a:r>
+            <a:r>
+              <a:rPr lang="ko-KR" altLang="en-US" sz="3200" dirty="0">
+                <a:solidFill>
+                  <a:srgbClr val="FFFFFF"/>
+                </a:solidFill>
+              </a:rPr>
+              <a:t> </a:t>
+            </a:r>
+            <a:endParaRPr lang="en-US" altLang="ko-KR" sz="3200" dirty="0">
+              <a:solidFill>
+                <a:srgbClr val="FFFFFF"/>
+              </a:solidFill>
+            </a:endParaRPr>
+          </a:p>
+        </p:txBody>
+      </p:sp>
+      <p:pic>
+        <p:nvPicPr>
+          <p:cNvPr id="6146" name="Picture 2"/>
+          <p:cNvPicPr>
+            <a:picLocks noChangeAspect="1" noChangeArrowheads="1"/>
+          </p:cNvPicPr>
+          <p:nvPr/>
+        </p:nvPicPr>
+        <p:blipFill>
+          <a:blip r:embed="rId2">
+            <a:extLst>
+              <a:ext uri="{28A0092B-C50C-407E-A947-70E740481C1C}">
+                <a14:useLocalDpi xmlns:a14="http://schemas.microsoft.com/office/drawing/2010/main" val="0"/>
+              </a:ext>
+            </a:extLst>
+          </a:blip>
+          <a:srcRect/>
+          <a:stretch>
+            <a:fillRect/>
+          </a:stretch>
+        </p:blipFill>
+        <p:spPr bwMode="auto">
+          <a:xfrm>
+            <a:off x="1187624" y="1731277"/>
+            <a:ext cx="6336704" cy="4878702"/>
+          </a:xfrm>
+          <a:prstGeom prst="rect">
+            <a:avLst/>
+          </a:prstGeom>
+          <a:noFill/>
+          <a:ln>
+            <a:noFill/>
+          </a:ln>
+          <a:effectLst/>
+          <a:extLst>
+            <a:ext uri="{909E8E84-426E-40DD-AFC4-6F175D3DCCD1}">
+              <a14:hiddenFill xmlns:a14="http://schemas.microsoft.com/office/drawing/2010/main">
+                <a:solidFill>
+                  <a:schemeClr val="accent1"/>
+                </a:solidFill>
+              </a14:hiddenFill>
+            </a:ext>
+            <a:ext uri="{91240B29-F687-4F45-9708-019B960494DF}">
+              <a14:hiddenLine xmlns:a14="http://schemas.microsoft.com/office/drawing/2010/main" w="9525">
+                <a:solidFill>
+                  <a:schemeClr val="tx1"/>
+                </a:solidFill>
+                <a:miter lim="800000"/>
+                <a:headEnd/>
+                <a:tailEnd/>
+              </a14:hiddenLine>
+            </a:ext>
+            <a:ext uri="{AF507438-7753-43E0-B8FC-AC1667EBCBE1}">
+              <a14:hiddenEffects xmlns:a14="http://schemas.microsoft.com/office/drawing/2010/main">
+                <a:effectLst>
+                  <a:outerShdw dist="35921" dir="2700000" algn="ctr" rotWithShape="0">
+                    <a:schemeClr val="bg2"/>
+                  </a:outerShdw>
+                </a:effectLst>
+              </a14:hiddenEffects>
+            </a:ext>
+          </a:extLst>
+        </p:spPr>
+      </p:pic>
+      <p:sp>
+        <p:nvSpPr>
+          <p:cNvPr id="2" name="직사각형 1"/>
+          <p:cNvSpPr/>
+          <p:nvPr/>
+        </p:nvSpPr>
+        <p:spPr>
+          <a:xfrm>
+            <a:off x="2411760" y="3573016"/>
+            <a:ext cx="2376264" cy="288032"/>
+          </a:xfrm>
+          <a:prstGeom prst="rect">
+            <a:avLst/>
+          </a:prstGeom>
+        </p:spPr>
+        <p:style>
+          <a:lnRef idx="2">
+            <a:schemeClr val="accent1">
+              <a:shade val="50000"/>
+            </a:schemeClr>
+          </a:lnRef>
+          <a:fillRef idx="1">
+            <a:schemeClr val="accent1"/>
+          </a:fillRef>
+          <a:effectRef idx="0">
+            <a:schemeClr val="accent1"/>
+          </a:effectRef>
+          <a:fontRef idx="minor">
+            <a:schemeClr val="lt1"/>
+          </a:fontRef>
+        </p:style>
+        <p:txBody>
+          <a:bodyPr rtlCol="0" anchor="ctr"/>
+          <a:lstStyle/>
+          <a:p>
+            <a:pPr algn="ctr"/>
+            <a:endParaRPr lang="ko-KR" altLang="en-US"/>
+          </a:p>
+        </p:txBody>
+      </p:sp>
+      <p:sp>
+        <p:nvSpPr>
+          <p:cNvPr id="13" name="직사각형 12"/>
+          <p:cNvSpPr/>
+          <p:nvPr/>
+        </p:nvSpPr>
+        <p:spPr>
+          <a:xfrm>
+            <a:off x="2915816" y="3842823"/>
+            <a:ext cx="2376264" cy="288032"/>
+          </a:xfrm>
+          <a:prstGeom prst="rect">
+            <a:avLst/>
+          </a:prstGeom>
+        </p:spPr>
+        <p:style>
+          <a:lnRef idx="2">
+            <a:schemeClr val="accent1">
+              <a:shade val="50000"/>
+            </a:schemeClr>
+          </a:lnRef>
+          <a:fillRef idx="1">
+            <a:schemeClr val="accent1"/>
+          </a:fillRef>
+          <a:effectRef idx="0">
+            <a:schemeClr val="accent1"/>
+          </a:effectRef>
+          <a:fontRef idx="minor">
+            <a:schemeClr val="lt1"/>
+          </a:fontRef>
+        </p:style>
+        <p:txBody>
+          <a:bodyPr rtlCol="0" anchor="ctr"/>
+          <a:lstStyle/>
+          <a:p>
+            <a:pPr algn="ctr"/>
+            <a:endParaRPr lang="ko-KR" altLang="en-US"/>
+          </a:p>
+        </p:txBody>
+      </p:sp>
+    </p:spTree>
+    <p:extLst>
+      <p:ext uri="{BB962C8B-B14F-4D97-AF65-F5344CB8AC3E}">
+        <p14:creationId xmlns:p14="http://schemas.microsoft.com/office/powerpoint/2010/main" val="1405271556"/>
+      </p:ext>
+    </p:extLst>
+  </p:cSld>
+  <p:clrMapOvr>
+    <a:masterClrMapping/>
+  </p:clrMapOvr>
+  <p:timing>
+    <p:tnLst>
+      <p:par>
+        <p:cTn id="1" dur="indefinite" restart="never" nodeType="tmRoot"/>
+      </p:par>
+    </p:tnLst>
+  </p:timing>
+</p:sld>
+</file>
+
+<file path=ppt/slides/slide2.xml><?xml version="1.0" encoding="utf-8"?>
+<p:sld xmlns:a="http://schemas.openxmlformats.org/drawingml/2006/main" xmlns:r="http://schemas.openxmlformats.org/officeDocument/2006/relationships" xmlns:p="http://schemas.openxmlformats.org/presentationml/2006/main">
+  <p:cSld>
+    <p:spTree>
+      <p:nvGrpSpPr>
+        <p:cNvPr id="1" name=""/>
+        <p:cNvGrpSpPr/>
+        <p:nvPr/>
+      </p:nvGrpSpPr>
+      <p:grpSpPr>
+        <a:xfrm>
+          <a:off x="0" y="0"/>
+          <a:ext cx="0" cy="0"/>
+          <a:chOff x="0" y="0"/>
+          <a:chExt cx="0" cy="0"/>
+        </a:xfrm>
+      </p:grpSpPr>
+      <p:sp>
+        <p:nvSpPr>
+          <p:cNvPr id="9" name="부제목 2"/>
+          <p:cNvSpPr>
+            <a:spLocks noGrp="1"/>
+          </p:cNvSpPr>
+          <p:nvPr>
+            <p:ph type="subTitle" idx="1"/>
+          </p:nvPr>
+        </p:nvSpPr>
+        <p:spPr>
+          <a:xfrm>
+            <a:off x="1" y="131886"/>
+            <a:ext cx="7669091" cy="606671"/>
+          </a:xfrm>
+        </p:spPr>
+        <p:txBody>
+          <a:bodyPr>
+            <a:normAutofit fontScale="92500" lnSpcReduction="20000"/>
+          </a:bodyPr>
+          <a:lstStyle/>
+          <a:p>
+            <a:pPr algn="l"/>
+            <a:r>
+              <a:rPr lang="ko-KR" altLang="en-US" sz="4400" dirty="0" smtClean="0"/>
+              <a:t>답</a:t>
+            </a:r>
+            <a:endParaRPr lang="en-US" altLang="ko-KR" sz="4400" dirty="0"/>
+          </a:p>
+        </p:txBody>
+      </p:sp>
+      <p:pic>
+        <p:nvPicPr>
+          <p:cNvPr id="2050" name="Picture 2"/>
+          <p:cNvPicPr>
+            <a:picLocks noChangeAspect="1" noChangeArrowheads="1"/>
+          </p:cNvPicPr>
+          <p:nvPr/>
+        </p:nvPicPr>
+        <p:blipFill>
+          <a:blip r:embed="rId2">
+            <a:extLst>
+              <a:ext uri="{28A0092B-C50C-407E-A947-70E740481C1C}">
+                <a14:useLocalDpi xmlns:a14="http://schemas.microsoft.com/office/drawing/2010/main" val="0"/>
+              </a:ext>
+            </a:extLst>
+          </a:blip>
+          <a:srcRect/>
+          <a:stretch>
+            <a:fillRect/>
+          </a:stretch>
+        </p:blipFill>
+        <p:spPr bwMode="auto">
+          <a:xfrm>
+            <a:off x="2267744" y="122633"/>
+            <a:ext cx="3600400" cy="6291847"/>
+          </a:xfrm>
+          <a:prstGeom prst="rect">
+            <a:avLst/>
+          </a:prstGeom>
+          <a:noFill/>
+          <a:ln>
+            <a:noFill/>
+          </a:ln>
+          <a:effectLst/>
+          <a:extLst>
+            <a:ext uri="{909E8E84-426E-40DD-AFC4-6F175D3DCCD1}">
+              <a14:hiddenFill xmlns:a14="http://schemas.microsoft.com/office/drawing/2010/main">
+                <a:solidFill>
+                  <a:schemeClr val="accent1"/>
+                </a:solidFill>
+              </a14:hiddenFill>
+            </a:ext>
+            <a:ext uri="{91240B29-F687-4F45-9708-019B960494DF}">
+              <a14:hiddenLine xmlns:a14="http://schemas.microsoft.com/office/drawing/2010/main" w="9525">
+                <a:solidFill>
+                  <a:schemeClr val="tx1"/>
+                </a:solidFill>
+                <a:miter lim="800000"/>
+                <a:headEnd/>
+                <a:tailEnd/>
+              </a14:hiddenLine>
+            </a:ext>
+            <a:ext uri="{AF507438-7753-43E0-B8FC-AC1667EBCBE1}">
+              <a14:hiddenEffects xmlns:a14="http://schemas.microsoft.com/office/drawing/2010/main">
+                <a:effectLst>
+                  <a:outerShdw dist="35921" dir="2700000" algn="ctr" rotWithShape="0">
+                    <a:schemeClr val="bg2"/>
+                  </a:outerShdw>
+                </a:effectLst>
+              </a14:hiddenEffects>
+            </a:ext>
+          </a:extLst>
+        </p:spPr>
+      </p:pic>
+    </p:spTree>
+    <p:extLst>
+      <p:ext uri="{BB962C8B-B14F-4D97-AF65-F5344CB8AC3E}">
+        <p14:creationId xmlns:p14="http://schemas.microsoft.com/office/powerpoint/2010/main" val="136718779"/>
+      </p:ext>
+    </p:extLst>
+  </p:cSld>
+  <p:clrMapOvr>
+    <a:masterClrMapping/>
+  </p:clrMapOvr>
+  <p:timing>
+    <p:tnLst>
+      <p:par>
+        <p:cTn id="1" dur="indefinite" restart="never" nodeType="tmRoot"/>
+      </p:par>
+    </p:tnLst>
+  </p:timing>
+</p:sld>
+</file>
+
+<file path=ppt/slides/slide20.xml><?xml version="1.0" encoding="utf-8"?>
+<p:sld xmlns:a="http://schemas.openxmlformats.org/drawingml/2006/main" xmlns:r="http://schemas.openxmlformats.org/officeDocument/2006/relationships" xmlns:p="http://schemas.openxmlformats.org/presentationml/2006/main">
+  <p:cSld>
+    <p:spTree>
+      <p:nvGrpSpPr>
+        <p:cNvPr id="1" name=""/>
+        <p:cNvGrpSpPr/>
+        <p:nvPr/>
+      </p:nvGrpSpPr>
+      <p:grpSpPr>
+        <a:xfrm>
+          <a:off x="0" y="0"/>
+          <a:ext cx="0" cy="0"/>
+          <a:chOff x="0" y="0"/>
+          <a:chExt cx="0" cy="0"/>
+        </a:xfrm>
+      </p:grpSpPr>
+      <p:sp>
+        <p:nvSpPr>
+          <p:cNvPr id="9" name="부제목 2"/>
+          <p:cNvSpPr>
+            <a:spLocks noGrp="1"/>
+          </p:cNvSpPr>
+          <p:nvPr>
+            <p:ph type="subTitle" idx="1"/>
+          </p:nvPr>
+        </p:nvSpPr>
+        <p:spPr>
+          <a:xfrm>
+            <a:off x="1" y="131886"/>
+            <a:ext cx="7669091" cy="606671"/>
+          </a:xfrm>
+        </p:spPr>
+        <p:txBody>
+          <a:bodyPr>
+            <a:normAutofit fontScale="92500" lnSpcReduction="20000"/>
+          </a:bodyPr>
+          <a:lstStyle/>
+          <a:p>
+            <a:pPr algn="l"/>
+            <a:r>
+              <a:rPr lang="ko-KR" altLang="en-US" sz="4400" dirty="0" smtClean="0"/>
+              <a:t>답</a:t>
+            </a:r>
+            <a:endParaRPr lang="en-US" altLang="ko-KR" sz="4400" dirty="0"/>
+          </a:p>
+        </p:txBody>
+      </p:sp>
+      <p:pic>
+        <p:nvPicPr>
+          <p:cNvPr id="4" name="Picture 2"/>
+          <p:cNvPicPr>
+            <a:picLocks noChangeAspect="1" noChangeArrowheads="1"/>
+          </p:cNvPicPr>
+          <p:nvPr/>
+        </p:nvPicPr>
+        <p:blipFill>
+          <a:blip r:embed="rId2">
+            <a:extLst>
+              <a:ext uri="{28A0092B-C50C-407E-A947-70E740481C1C}">
+                <a14:useLocalDpi xmlns:a14="http://schemas.microsoft.com/office/drawing/2010/main" val="0"/>
+              </a:ext>
+            </a:extLst>
+          </a:blip>
+          <a:srcRect/>
+          <a:stretch>
+            <a:fillRect/>
+          </a:stretch>
+        </p:blipFill>
+        <p:spPr bwMode="auto">
+          <a:xfrm>
+            <a:off x="899592" y="764704"/>
+            <a:ext cx="7416824" cy="5710299"/>
+          </a:xfrm>
+          <a:prstGeom prst="rect">
+            <a:avLst/>
+          </a:prstGeom>
+          <a:noFill/>
+          <a:ln>
+            <a:noFill/>
+          </a:ln>
+          <a:effectLst/>
+          <a:extLst>
+            <a:ext uri="{909E8E84-426E-40DD-AFC4-6F175D3DCCD1}">
+              <a14:hiddenFill xmlns:a14="http://schemas.microsoft.com/office/drawing/2010/main">
+                <a:solidFill>
+                  <a:schemeClr val="accent1"/>
+                </a:solidFill>
+              </a14:hiddenFill>
+            </a:ext>
+            <a:ext uri="{91240B29-F687-4F45-9708-019B960494DF}">
+              <a14:hiddenLine xmlns:a14="http://schemas.microsoft.com/office/drawing/2010/main" w="9525">
+                <a:solidFill>
+                  <a:schemeClr val="tx1"/>
+                </a:solidFill>
+                <a:miter lim="800000"/>
+                <a:headEnd/>
+                <a:tailEnd/>
+              </a14:hiddenLine>
+            </a:ext>
+            <a:ext uri="{AF507438-7753-43E0-B8FC-AC1667EBCBE1}">
+              <a14:hiddenEffects xmlns:a14="http://schemas.microsoft.com/office/drawing/2010/main">
+                <a:effectLst>
+                  <a:outerShdw dist="35921" dir="2700000" algn="ctr" rotWithShape="0">
+                    <a:schemeClr val="bg2"/>
+                  </a:outerShdw>
+                </a:effectLst>
+              </a14:hiddenEffects>
+            </a:ext>
+          </a:extLst>
+        </p:spPr>
+      </p:pic>
+    </p:spTree>
+    <p:extLst>
+      <p:ext uri="{BB962C8B-B14F-4D97-AF65-F5344CB8AC3E}">
+        <p14:creationId xmlns:p14="http://schemas.microsoft.com/office/powerpoint/2010/main" val="752357360"/>
+      </p:ext>
+    </p:extLst>
+  </p:cSld>
+  <p:clrMapOvr>
+    <a:masterClrMapping/>
+  </p:clrMapOvr>
+  <p:timing>
+    <p:tnLst>
+      <p:par>
+        <p:cTn id="1" dur="indefinite" restart="never" nodeType="tmRoot"/>
+      </p:par>
+    </p:tnLst>
+  </p:timing>
+</p:sld>
+</file>
+
+<file path=ppt/slides/slide21.xml><?xml version="1.0" encoding="utf-8"?>
+<p:sld xmlns:a="http://schemas.openxmlformats.org/drawingml/2006/main" xmlns:r="http://schemas.openxmlformats.org/officeDocument/2006/relationships" xmlns:p="http://schemas.openxmlformats.org/presentationml/2006/main">
+  <p:cSld>
+    <p:spTree>
+      <p:nvGrpSpPr>
+        <p:cNvPr id="1" name=""/>
+        <p:cNvGrpSpPr/>
+        <p:nvPr/>
+      </p:nvGrpSpPr>
+      <p:grpSpPr>
+        <a:xfrm>
+          <a:off x="0" y="0"/>
+          <a:ext cx="0" cy="0"/>
+          <a:chOff x="0" y="0"/>
+          <a:chExt cx="0" cy="0"/>
+        </a:xfrm>
+      </p:grpSpPr>
+      <p:sp>
+        <p:nvSpPr>
+          <p:cNvPr id="5" name="부제목 2"/>
+          <p:cNvSpPr>
+            <a:spLocks noGrp="1"/>
+          </p:cNvSpPr>
+          <p:nvPr>
+            <p:ph type="subTitle" idx="1"/>
+          </p:nvPr>
+        </p:nvSpPr>
+        <p:spPr>
+          <a:xfrm>
+            <a:off x="1" y="131886"/>
+            <a:ext cx="8820471" cy="1136874"/>
+          </a:xfrm>
+        </p:spPr>
+        <p:txBody>
+          <a:bodyPr>
+            <a:normAutofit/>
+          </a:bodyPr>
+          <a:lstStyle/>
+          <a:p>
+            <a:pPr algn="l"/>
+            <a:r>
+              <a:rPr lang="en-US" altLang="ko-KR" sz="3200" dirty="0" smtClean="0"/>
+              <a:t>Example03 </a:t>
+            </a:r>
+            <a:r>
+              <a:rPr lang="ko-KR" altLang="en-US" sz="3200" dirty="0" smtClean="0"/>
+              <a:t>별로 된 사각형 만들기</a:t>
+            </a:r>
+            <a:endParaRPr lang="en-US" altLang="ko-KR" sz="3200" dirty="0" smtClean="0"/>
+          </a:p>
+        </p:txBody>
+      </p:sp>
+      <p:sp>
+        <p:nvSpPr>
+          <p:cNvPr id="14" name="TextBox 13"/>
+          <p:cNvSpPr txBox="1"/>
+          <p:nvPr/>
+        </p:nvSpPr>
+        <p:spPr>
+          <a:xfrm>
+            <a:off x="3923928" y="835925"/>
+            <a:ext cx="1271111" cy="584775"/>
+          </a:xfrm>
+          <a:prstGeom prst="rect">
+            <a:avLst/>
+          </a:prstGeom>
+          <a:noFill/>
+        </p:spPr>
+        <p:txBody>
+          <a:bodyPr wrap="square" rtlCol="0">
+            <a:spAutoFit/>
+          </a:bodyPr>
+          <a:lstStyle/>
+          <a:p>
+            <a:r>
+              <a:rPr lang="en-US" altLang="ko-KR" sz="3200" dirty="0">
+                <a:solidFill>
+                  <a:srgbClr val="FFFFFF"/>
+                </a:solidFill>
+              </a:rPr>
+              <a:t>Main()</a:t>
+            </a:r>
+            <a:r>
+              <a:rPr lang="ko-KR" altLang="en-US" sz="3200" dirty="0">
+                <a:solidFill>
+                  <a:srgbClr val="FFFFFF"/>
+                </a:solidFill>
+              </a:rPr>
+              <a:t> </a:t>
+            </a:r>
+            <a:endParaRPr lang="en-US" altLang="ko-KR" sz="3200" dirty="0">
+              <a:solidFill>
+                <a:srgbClr val="FFFFFF"/>
+              </a:solidFill>
+            </a:endParaRPr>
+          </a:p>
+        </p:txBody>
+      </p:sp>
+      <p:sp>
+        <p:nvSpPr>
+          <p:cNvPr id="4" name="TextBox 3"/>
+          <p:cNvSpPr txBox="1"/>
+          <p:nvPr/>
+        </p:nvSpPr>
+        <p:spPr>
+          <a:xfrm>
+            <a:off x="154479" y="976372"/>
+            <a:ext cx="1271111" cy="584775"/>
+          </a:xfrm>
+          <a:prstGeom prst="rect">
+            <a:avLst/>
+          </a:prstGeom>
+          <a:noFill/>
+        </p:spPr>
+        <p:txBody>
+          <a:bodyPr wrap="square" rtlCol="0">
+            <a:spAutoFit/>
+          </a:bodyPr>
+          <a:lstStyle/>
+          <a:p>
+            <a:r>
+              <a:rPr lang="ko-KR" altLang="en-US" sz="3200" dirty="0" smtClean="0">
+                <a:solidFill>
+                  <a:srgbClr val="FFFFFF"/>
+                </a:solidFill>
+              </a:rPr>
+              <a:t>결과</a:t>
+            </a:r>
+            <a:endParaRPr lang="en-US" altLang="ko-KR" sz="3200" dirty="0">
+              <a:solidFill>
+                <a:srgbClr val="FFFFFF"/>
+              </a:solidFill>
+            </a:endParaRPr>
+          </a:p>
+        </p:txBody>
+      </p:sp>
+      <p:pic>
+        <p:nvPicPr>
+          <p:cNvPr id="3" name="그림 2"/>
+          <p:cNvPicPr>
+            <a:picLocks noChangeAspect="1"/>
+          </p:cNvPicPr>
+          <p:nvPr/>
+        </p:nvPicPr>
+        <p:blipFill>
+          <a:blip r:embed="rId2"/>
+          <a:stretch>
+            <a:fillRect/>
+          </a:stretch>
+        </p:blipFill>
+        <p:spPr>
+          <a:xfrm>
+            <a:off x="323528" y="1772816"/>
+            <a:ext cx="3336396" cy="1840770"/>
+          </a:xfrm>
+          <a:prstGeom prst="rect">
+            <a:avLst/>
+          </a:prstGeom>
+        </p:spPr>
+      </p:pic>
+      <p:pic>
+        <p:nvPicPr>
+          <p:cNvPr id="6" name="그림 5"/>
+          <p:cNvPicPr>
+            <a:picLocks noChangeAspect="1"/>
+          </p:cNvPicPr>
+          <p:nvPr/>
+        </p:nvPicPr>
+        <p:blipFill>
+          <a:blip r:embed="rId3"/>
+          <a:stretch>
+            <a:fillRect/>
+          </a:stretch>
+        </p:blipFill>
+        <p:spPr>
+          <a:xfrm>
+            <a:off x="3923928" y="1420700"/>
+            <a:ext cx="4104456" cy="5293964"/>
+          </a:xfrm>
+          <a:prstGeom prst="rect">
+            <a:avLst/>
+          </a:prstGeom>
+        </p:spPr>
+      </p:pic>
+      <p:sp>
+        <p:nvSpPr>
+          <p:cNvPr id="7" name="직사각형 6"/>
+          <p:cNvSpPr/>
+          <p:nvPr/>
+        </p:nvSpPr>
+        <p:spPr>
+          <a:xfrm>
+            <a:off x="4410236" y="4077072"/>
+            <a:ext cx="3474132" cy="1440160"/>
+          </a:xfrm>
+          <a:prstGeom prst="rect">
+            <a:avLst/>
+          </a:prstGeom>
+        </p:spPr>
+        <p:style>
+          <a:lnRef idx="2">
+            <a:schemeClr val="accent1">
+              <a:shade val="50000"/>
+            </a:schemeClr>
+          </a:lnRef>
+          <a:fillRef idx="1">
+            <a:schemeClr val="accent1"/>
+          </a:fillRef>
+          <a:effectRef idx="0">
+            <a:schemeClr val="accent1"/>
+          </a:effectRef>
+          <a:fontRef idx="minor">
+            <a:schemeClr val="lt1"/>
+          </a:fontRef>
+        </p:style>
+        <p:txBody>
+          <a:bodyPr rtlCol="0" anchor="ctr"/>
+          <a:lstStyle/>
+          <a:p>
+            <a:pPr algn="ctr"/>
+            <a:endParaRPr lang="ko-KR" altLang="en-US"/>
+          </a:p>
+        </p:txBody>
+      </p:sp>
+    </p:spTree>
+    <p:extLst>
+      <p:ext uri="{BB962C8B-B14F-4D97-AF65-F5344CB8AC3E}">
+        <p14:creationId xmlns:p14="http://schemas.microsoft.com/office/powerpoint/2010/main" val="3663797643"/>
+      </p:ext>
+    </p:extLst>
+  </p:cSld>
+  <p:clrMapOvr>
+    <a:masterClrMapping/>
+  </p:clrMapOvr>
+  <p:timing>
+    <p:tnLst>
+      <p:par>
+        <p:cTn id="1" dur="indefinite" restart="never" nodeType="tmRoot"/>
+      </p:par>
+    </p:tnLst>
+  </p:timing>
+</p:sld>
+</file>
+
+<file path=ppt/slides/slide22.xml><?xml version="1.0" encoding="utf-8"?>
+<p:sld xmlns:a="http://schemas.openxmlformats.org/drawingml/2006/main" xmlns:r="http://schemas.openxmlformats.org/officeDocument/2006/relationships" xmlns:p="http://schemas.openxmlformats.org/presentationml/2006/main">
+  <p:cSld>
+    <p:spTree>
+      <p:nvGrpSpPr>
+        <p:cNvPr id="1" name=""/>
+        <p:cNvGrpSpPr/>
+        <p:nvPr/>
+      </p:nvGrpSpPr>
+      <p:grpSpPr>
+        <a:xfrm>
+          <a:off x="0" y="0"/>
+          <a:ext cx="0" cy="0"/>
+          <a:chOff x="0" y="0"/>
+          <a:chExt cx="0" cy="0"/>
+        </a:xfrm>
+      </p:grpSpPr>
+      <p:sp>
+        <p:nvSpPr>
+          <p:cNvPr id="9" name="부제목 2"/>
+          <p:cNvSpPr>
+            <a:spLocks noGrp="1"/>
+          </p:cNvSpPr>
+          <p:nvPr>
+            <p:ph type="subTitle" idx="1"/>
+          </p:nvPr>
+        </p:nvSpPr>
+        <p:spPr>
+          <a:xfrm>
+            <a:off x="1" y="131886"/>
+            <a:ext cx="7669091" cy="606671"/>
+          </a:xfrm>
+        </p:spPr>
+        <p:txBody>
+          <a:bodyPr>
+            <a:normAutofit fontScale="92500" lnSpcReduction="20000"/>
+          </a:bodyPr>
+          <a:lstStyle/>
+          <a:p>
+            <a:pPr algn="l"/>
+            <a:r>
+              <a:rPr lang="ko-KR" altLang="en-US" sz="4400" dirty="0" smtClean="0"/>
+              <a:t>답</a:t>
+            </a:r>
+            <a:endParaRPr lang="en-US" altLang="ko-KR" sz="4400" dirty="0"/>
+          </a:p>
+        </p:txBody>
+      </p:sp>
+      <p:pic>
+        <p:nvPicPr>
+          <p:cNvPr id="3" name="그림 2"/>
+          <p:cNvPicPr>
+            <a:picLocks noChangeAspect="1"/>
+          </p:cNvPicPr>
+          <p:nvPr/>
+        </p:nvPicPr>
+        <p:blipFill>
+          <a:blip r:embed="rId2"/>
+          <a:stretch>
+            <a:fillRect/>
+          </a:stretch>
+        </p:blipFill>
+        <p:spPr>
+          <a:xfrm>
+            <a:off x="1619672" y="332656"/>
+            <a:ext cx="4752528" cy="6129853"/>
+          </a:xfrm>
+          <a:prstGeom prst="rect">
+            <a:avLst/>
+          </a:prstGeom>
+        </p:spPr>
+      </p:pic>
+    </p:spTree>
+    <p:extLst>
+      <p:ext uri="{BB962C8B-B14F-4D97-AF65-F5344CB8AC3E}">
+        <p14:creationId xmlns:p14="http://schemas.microsoft.com/office/powerpoint/2010/main" val="4234553890"/>
+      </p:ext>
+    </p:extLst>
+  </p:cSld>
+  <p:clrMapOvr>
+    <a:masterClrMapping/>
+  </p:clrMapOvr>
+  <p:timing>
+    <p:tnLst>
+      <p:par>
+        <p:cTn id="1" dur="indefinite" restart="never" nodeType="tmRoot"/>
+      </p:par>
+    </p:tnLst>
+  </p:timing>
+</p:sld>
+</file>
+
+<file path=ppt/slides/slide23.xml><?xml version="1.0" encoding="utf-8"?>
+<p:sld xmlns:a="http://schemas.openxmlformats.org/drawingml/2006/main" xmlns:r="http://schemas.openxmlformats.org/officeDocument/2006/relationships" xmlns:p="http://schemas.openxmlformats.org/presentationml/2006/main">
+  <p:cSld>
+    <p:spTree>
+      <p:nvGrpSpPr>
+        <p:cNvPr id="1" name=""/>
+        <p:cNvGrpSpPr/>
+        <p:nvPr/>
+      </p:nvGrpSpPr>
+      <p:grpSpPr>
+        <a:xfrm>
+          <a:off x="0" y="0"/>
+          <a:ext cx="0" cy="0"/>
+          <a:chOff x="0" y="0"/>
+          <a:chExt cx="0" cy="0"/>
+        </a:xfrm>
+      </p:grpSpPr>
+      <p:sp>
+        <p:nvSpPr>
+          <p:cNvPr id="5" name="부제목 2"/>
+          <p:cNvSpPr>
+            <a:spLocks noGrp="1"/>
+          </p:cNvSpPr>
+          <p:nvPr>
+            <p:ph type="subTitle" idx="1"/>
+          </p:nvPr>
+        </p:nvSpPr>
+        <p:spPr>
+          <a:xfrm>
+            <a:off x="1" y="131886"/>
+            <a:ext cx="8820471" cy="1136874"/>
+          </a:xfrm>
+        </p:spPr>
+        <p:txBody>
+          <a:bodyPr>
+            <a:normAutofit/>
+          </a:bodyPr>
+          <a:lstStyle/>
+          <a:p>
+            <a:pPr algn="l"/>
+            <a:r>
+              <a:rPr lang="en-US" altLang="ko-KR" sz="3200" dirty="0" smtClean="0"/>
+              <a:t>Example04 – </a:t>
+            </a:r>
+            <a:r>
+              <a:rPr lang="ko-KR" altLang="en-US" sz="3200" dirty="0" smtClean="0"/>
+              <a:t>소수들을 구하자</a:t>
+            </a:r>
+            <a:r>
+              <a:rPr lang="en-US" altLang="ko-KR" sz="3200" dirty="0" smtClean="0"/>
+              <a:t>.</a:t>
+            </a:r>
+          </a:p>
+        </p:txBody>
+      </p:sp>
+      <p:sp>
+        <p:nvSpPr>
+          <p:cNvPr id="4" name="TextBox 3"/>
+          <p:cNvSpPr txBox="1"/>
+          <p:nvPr/>
+        </p:nvSpPr>
+        <p:spPr>
+          <a:xfrm>
+            <a:off x="108536" y="784021"/>
+            <a:ext cx="1271111" cy="584775"/>
+          </a:xfrm>
+          <a:prstGeom prst="rect">
+            <a:avLst/>
+          </a:prstGeom>
+          <a:noFill/>
+        </p:spPr>
+        <p:txBody>
+          <a:bodyPr wrap="square" rtlCol="0">
+            <a:spAutoFit/>
+          </a:bodyPr>
+          <a:lstStyle/>
+          <a:p>
+            <a:r>
+              <a:rPr lang="ko-KR" altLang="en-US" sz="3200" dirty="0" smtClean="0">
+                <a:solidFill>
+                  <a:srgbClr val="FFFFFF"/>
+                </a:solidFill>
+              </a:rPr>
+              <a:t>결과</a:t>
+            </a:r>
+            <a:endParaRPr lang="en-US" altLang="ko-KR" sz="3200" dirty="0">
+              <a:solidFill>
+                <a:srgbClr val="FFFFFF"/>
+              </a:solidFill>
+            </a:endParaRPr>
+          </a:p>
+        </p:txBody>
+      </p:sp>
+      <p:pic>
+        <p:nvPicPr>
+          <p:cNvPr id="2" name="그림 1"/>
+          <p:cNvPicPr>
+            <a:picLocks noChangeAspect="1"/>
+          </p:cNvPicPr>
+          <p:nvPr/>
+        </p:nvPicPr>
+        <p:blipFill>
+          <a:blip r:embed="rId2"/>
+          <a:stretch>
+            <a:fillRect/>
+          </a:stretch>
+        </p:blipFill>
+        <p:spPr>
+          <a:xfrm>
+            <a:off x="4211960" y="917431"/>
+            <a:ext cx="4104456" cy="5468969"/>
+          </a:xfrm>
+          <a:prstGeom prst="rect">
+            <a:avLst/>
+          </a:prstGeom>
+        </p:spPr>
+      </p:pic>
+      <p:sp>
+        <p:nvSpPr>
+          <p:cNvPr id="3" name="직사각형 2"/>
+          <p:cNvSpPr/>
+          <p:nvPr/>
+        </p:nvSpPr>
+        <p:spPr>
+          <a:xfrm>
+            <a:off x="4572000" y="2996952"/>
+            <a:ext cx="3600400" cy="1944216"/>
+          </a:xfrm>
+          <a:prstGeom prst="rect">
+            <a:avLst/>
+          </a:prstGeom>
+        </p:spPr>
+        <p:style>
+          <a:lnRef idx="2">
+            <a:schemeClr val="accent1">
+              <a:shade val="50000"/>
+            </a:schemeClr>
+          </a:lnRef>
+          <a:fillRef idx="1">
+            <a:schemeClr val="accent1"/>
+          </a:fillRef>
+          <a:effectRef idx="0">
+            <a:schemeClr val="accent1"/>
+          </a:effectRef>
+          <a:fontRef idx="minor">
+            <a:schemeClr val="lt1"/>
+          </a:fontRef>
+        </p:style>
+        <p:txBody>
+          <a:bodyPr rtlCol="0" anchor="ctr"/>
+          <a:lstStyle/>
+          <a:p>
+            <a:pPr algn="ctr"/>
+            <a:endParaRPr lang="ko-KR" altLang="en-US"/>
+          </a:p>
+        </p:txBody>
+      </p:sp>
+      <p:sp>
+        <p:nvSpPr>
+          <p:cNvPr id="7" name="TextBox 6"/>
+          <p:cNvSpPr txBox="1"/>
+          <p:nvPr/>
+        </p:nvSpPr>
+        <p:spPr>
+          <a:xfrm>
+            <a:off x="6899507" y="884057"/>
+            <a:ext cx="1271111" cy="584775"/>
+          </a:xfrm>
+          <a:prstGeom prst="rect">
+            <a:avLst/>
+          </a:prstGeom>
+          <a:noFill/>
+        </p:spPr>
+        <p:txBody>
+          <a:bodyPr wrap="square" rtlCol="0">
+            <a:spAutoFit/>
+          </a:bodyPr>
+          <a:lstStyle/>
+          <a:p>
+            <a:r>
+              <a:rPr lang="en-US" altLang="ko-KR" sz="3200" dirty="0">
+                <a:solidFill>
+                  <a:srgbClr val="FFFFFF"/>
+                </a:solidFill>
+              </a:rPr>
+              <a:t>Main()</a:t>
+            </a:r>
+            <a:r>
+              <a:rPr lang="ko-KR" altLang="en-US" sz="3200" dirty="0">
+                <a:solidFill>
+                  <a:srgbClr val="FFFFFF"/>
+                </a:solidFill>
+              </a:rPr>
+              <a:t> </a:t>
+            </a:r>
+            <a:endParaRPr lang="en-US" altLang="ko-KR" sz="3200" dirty="0">
+              <a:solidFill>
+                <a:srgbClr val="FFFFFF"/>
+              </a:solidFill>
+            </a:endParaRPr>
+          </a:p>
+        </p:txBody>
+      </p:sp>
+      <p:pic>
+        <p:nvPicPr>
+          <p:cNvPr id="6" name="그림 5"/>
+          <p:cNvPicPr>
+            <a:picLocks noChangeAspect="1"/>
+          </p:cNvPicPr>
+          <p:nvPr/>
+        </p:nvPicPr>
+        <p:blipFill>
+          <a:blip r:embed="rId3"/>
+          <a:stretch>
+            <a:fillRect/>
+          </a:stretch>
+        </p:blipFill>
+        <p:spPr>
+          <a:xfrm>
+            <a:off x="236647" y="1473220"/>
+            <a:ext cx="3736054" cy="731644"/>
+          </a:xfrm>
+          <a:prstGeom prst="rect">
+            <a:avLst/>
+          </a:prstGeom>
+        </p:spPr>
+      </p:pic>
+      <p:pic>
+        <p:nvPicPr>
+          <p:cNvPr id="8" name="그림 7"/>
+          <p:cNvPicPr>
+            <a:picLocks noChangeAspect="1"/>
+          </p:cNvPicPr>
+          <p:nvPr/>
+        </p:nvPicPr>
+        <p:blipFill>
+          <a:blip r:embed="rId4"/>
+          <a:stretch>
+            <a:fillRect/>
+          </a:stretch>
+        </p:blipFill>
+        <p:spPr>
+          <a:xfrm>
+            <a:off x="236646" y="2768351"/>
+            <a:ext cx="3327241" cy="1093887"/>
+          </a:xfrm>
+          <a:prstGeom prst="rect">
+            <a:avLst/>
+          </a:prstGeom>
+        </p:spPr>
+      </p:pic>
+    </p:spTree>
+    <p:extLst>
+      <p:ext uri="{BB962C8B-B14F-4D97-AF65-F5344CB8AC3E}">
+        <p14:creationId xmlns:p14="http://schemas.microsoft.com/office/powerpoint/2010/main" val="705564936"/>
+      </p:ext>
+    </p:extLst>
+  </p:cSld>
+  <p:clrMapOvr>
+    <a:masterClrMapping/>
+  </p:clrMapOvr>
+  <p:timing>
+    <p:tnLst>
+      <p:par>
+        <p:cTn id="1" dur="indefinite" restart="never" nodeType="tmRoot"/>
+      </p:par>
+    </p:tnLst>
+  </p:timing>
+</p:sld>
+</file>
+
+<file path=ppt/slides/slide24.xml><?xml version="1.0" encoding="utf-8"?>
+<p:sld xmlns:a="http://schemas.openxmlformats.org/drawingml/2006/main" xmlns:r="http://schemas.openxmlformats.org/officeDocument/2006/relationships" xmlns:p="http://schemas.openxmlformats.org/presentationml/2006/main">
+  <p:cSld>
+    <p:spTree>
+      <p:nvGrpSpPr>
+        <p:cNvPr id="1" name=""/>
+        <p:cNvGrpSpPr/>
+        <p:nvPr/>
+      </p:nvGrpSpPr>
+      <p:grpSpPr>
+        <a:xfrm>
+          <a:off x="0" y="0"/>
+          <a:ext cx="0" cy="0"/>
+          <a:chOff x="0" y="0"/>
+          <a:chExt cx="0" cy="0"/>
+        </a:xfrm>
+      </p:grpSpPr>
+      <p:sp>
+        <p:nvSpPr>
+          <p:cNvPr id="9" name="부제목 2"/>
+          <p:cNvSpPr>
+            <a:spLocks noGrp="1"/>
+          </p:cNvSpPr>
+          <p:nvPr>
+            <p:ph type="subTitle" idx="1"/>
+          </p:nvPr>
+        </p:nvSpPr>
+        <p:spPr>
+          <a:xfrm>
+            <a:off x="1" y="131886"/>
+            <a:ext cx="7669091" cy="606671"/>
+          </a:xfrm>
+        </p:spPr>
+        <p:txBody>
+          <a:bodyPr>
+            <a:normAutofit fontScale="92500" lnSpcReduction="20000"/>
+          </a:bodyPr>
+          <a:lstStyle/>
+          <a:p>
+            <a:pPr algn="l"/>
+            <a:r>
+              <a:rPr lang="ko-KR" altLang="en-US" sz="4400" dirty="0" smtClean="0"/>
+              <a:t>답</a:t>
+            </a:r>
+            <a:endParaRPr lang="en-US" altLang="ko-KR" sz="4400" dirty="0"/>
+          </a:p>
+        </p:txBody>
+      </p:sp>
+      <p:pic>
+        <p:nvPicPr>
+          <p:cNvPr id="3" name="그림 2"/>
+          <p:cNvPicPr>
+            <a:picLocks noChangeAspect="1"/>
+          </p:cNvPicPr>
+          <p:nvPr/>
+        </p:nvPicPr>
+        <p:blipFill>
+          <a:blip r:embed="rId2"/>
+          <a:stretch>
+            <a:fillRect/>
+          </a:stretch>
+        </p:blipFill>
+        <p:spPr>
+          <a:xfrm>
+            <a:off x="1907704" y="260648"/>
+            <a:ext cx="4824536" cy="6428437"/>
+          </a:xfrm>
+          <a:prstGeom prst="rect">
+            <a:avLst/>
+          </a:prstGeom>
+        </p:spPr>
+      </p:pic>
+    </p:spTree>
+    <p:extLst>
+      <p:ext uri="{BB962C8B-B14F-4D97-AF65-F5344CB8AC3E}">
+        <p14:creationId xmlns:p14="http://schemas.microsoft.com/office/powerpoint/2010/main" val="4204757314"/>
+      </p:ext>
+    </p:extLst>
+  </p:cSld>
+  <p:clrMapOvr>
+    <a:masterClrMapping/>
+  </p:clrMapOvr>
+  <p:timing>
+    <p:tnLst>
+      <p:par>
+        <p:cTn id="1" dur="indefinite" restart="never" nodeType="tmRoot"/>
+      </p:par>
+    </p:tnLst>
+  </p:timing>
+</p:sld>
+</file>
+
+<file path=ppt/slides/slide25.xml><?xml version="1.0" encoding="utf-8"?>
+<p:sld xmlns:a="http://schemas.openxmlformats.org/drawingml/2006/main" xmlns:r="http://schemas.openxmlformats.org/officeDocument/2006/relationships" xmlns:p="http://schemas.openxmlformats.org/presentationml/2006/main">
+  <p:cSld>
+    <p:spTree>
+      <p:nvGrpSpPr>
+        <p:cNvPr id="1" name=""/>
+        <p:cNvGrpSpPr/>
+        <p:nvPr/>
+      </p:nvGrpSpPr>
+      <p:grpSpPr>
+        <a:xfrm>
+          <a:off x="0" y="0"/>
+          <a:ext cx="0" cy="0"/>
+          <a:chOff x="0" y="0"/>
+          <a:chExt cx="0" cy="0"/>
+        </a:xfrm>
+      </p:grpSpPr>
+      <p:sp>
+        <p:nvSpPr>
+          <p:cNvPr id="5" name="부제목 2"/>
+          <p:cNvSpPr>
+            <a:spLocks noGrp="1"/>
+          </p:cNvSpPr>
+          <p:nvPr>
+            <p:ph type="subTitle" idx="1"/>
+          </p:nvPr>
+        </p:nvSpPr>
+        <p:spPr>
+          <a:xfrm>
+            <a:off x="1" y="131886"/>
+            <a:ext cx="8820471" cy="1136874"/>
+          </a:xfrm>
+        </p:spPr>
+        <p:txBody>
+          <a:bodyPr>
+            <a:normAutofit/>
+          </a:bodyPr>
+          <a:lstStyle/>
+          <a:p>
+            <a:pPr algn="l"/>
+            <a:r>
+              <a:rPr lang="en-US" altLang="ko-KR" sz="3200" dirty="0" smtClean="0"/>
+              <a:t>Example0</a:t>
+            </a:r>
+          </a:p>
+        </p:txBody>
+      </p:sp>
+      <p:sp>
+        <p:nvSpPr>
+          <p:cNvPr id="14" name="TextBox 13"/>
+          <p:cNvSpPr txBox="1"/>
+          <p:nvPr/>
+        </p:nvSpPr>
+        <p:spPr>
+          <a:xfrm>
+            <a:off x="827584" y="1128313"/>
+            <a:ext cx="1271111" cy="584775"/>
+          </a:xfrm>
+          <a:prstGeom prst="rect">
+            <a:avLst/>
+          </a:prstGeom>
+          <a:noFill/>
+        </p:spPr>
+        <p:txBody>
+          <a:bodyPr wrap="square" rtlCol="0">
+            <a:spAutoFit/>
+          </a:bodyPr>
+          <a:lstStyle/>
+          <a:p>
+            <a:r>
+              <a:rPr lang="en-US" altLang="ko-KR" sz="3200" dirty="0">
+                <a:solidFill>
+                  <a:srgbClr val="FFFFFF"/>
+                </a:solidFill>
+              </a:rPr>
+              <a:t>Main()</a:t>
+            </a:r>
+            <a:r>
+              <a:rPr lang="ko-KR" altLang="en-US" sz="3200" dirty="0">
+                <a:solidFill>
+                  <a:srgbClr val="FFFFFF"/>
+                </a:solidFill>
+              </a:rPr>
+              <a:t> </a:t>
+            </a:r>
+            <a:endParaRPr lang="en-US" altLang="ko-KR" sz="3200" dirty="0">
+              <a:solidFill>
+                <a:srgbClr val="FFFFFF"/>
+              </a:solidFill>
+            </a:endParaRPr>
+          </a:p>
+        </p:txBody>
+      </p:sp>
+      <p:sp>
+        <p:nvSpPr>
+          <p:cNvPr id="4" name="TextBox 3"/>
+          <p:cNvSpPr txBox="1"/>
+          <p:nvPr/>
+        </p:nvSpPr>
+        <p:spPr>
+          <a:xfrm>
+            <a:off x="3347864" y="1198537"/>
+            <a:ext cx="1271111" cy="584775"/>
+          </a:xfrm>
+          <a:prstGeom prst="rect">
+            <a:avLst/>
+          </a:prstGeom>
+          <a:noFill/>
+        </p:spPr>
+        <p:txBody>
+          <a:bodyPr wrap="square" rtlCol="0">
+            <a:spAutoFit/>
+          </a:bodyPr>
+          <a:lstStyle/>
+          <a:p>
+            <a:r>
+              <a:rPr lang="ko-KR" altLang="en-US" sz="3200" dirty="0" smtClean="0">
+                <a:solidFill>
+                  <a:srgbClr val="FFFFFF"/>
+                </a:solidFill>
+              </a:rPr>
+              <a:t>결과</a:t>
+            </a:r>
+            <a:endParaRPr lang="en-US" altLang="ko-KR" sz="3200" dirty="0">
+              <a:solidFill>
+                <a:srgbClr val="FFFFFF"/>
+              </a:solidFill>
+            </a:endParaRPr>
+          </a:p>
+        </p:txBody>
+      </p:sp>
+    </p:spTree>
+    <p:extLst>
+      <p:ext uri="{BB962C8B-B14F-4D97-AF65-F5344CB8AC3E}">
+        <p14:creationId xmlns:p14="http://schemas.microsoft.com/office/powerpoint/2010/main" val="787396218"/>
+      </p:ext>
+    </p:extLst>
+  </p:cSld>
+  <p:clrMapOvr>
+    <a:masterClrMapping/>
+  </p:clrMapOvr>
+  <p:timing>
+    <p:tnLst>
+      <p:par>
+        <p:cTn id="1" dur="indefinite" restart="never" nodeType="tmRoot"/>
+      </p:par>
+    </p:tnLst>
+  </p:timing>
+</p:sld>
+</file>
+
+<file path=ppt/slides/slide26.xml><?xml version="1.0" encoding="utf-8"?>
+<p:sld xmlns:a="http://schemas.openxmlformats.org/drawingml/2006/main" xmlns:r="http://schemas.openxmlformats.org/officeDocument/2006/relationships" xmlns:p="http://schemas.openxmlformats.org/presentationml/2006/main">
+  <p:cSld>
+    <p:spTree>
+      <p:nvGrpSpPr>
+        <p:cNvPr id="1" name=""/>
+        <p:cNvGrpSpPr/>
+        <p:nvPr/>
+      </p:nvGrpSpPr>
+      <p:grpSpPr>
+        <a:xfrm>
+          <a:off x="0" y="0"/>
+          <a:ext cx="0" cy="0"/>
+          <a:chOff x="0" y="0"/>
+          <a:chExt cx="0" cy="0"/>
+        </a:xfrm>
+      </p:grpSpPr>
+      <p:sp>
+        <p:nvSpPr>
+          <p:cNvPr id="9" name="부제목 2"/>
+          <p:cNvSpPr>
+            <a:spLocks noGrp="1"/>
+          </p:cNvSpPr>
+          <p:nvPr>
+            <p:ph type="subTitle" idx="1"/>
+          </p:nvPr>
+        </p:nvSpPr>
+        <p:spPr>
+          <a:xfrm>
+            <a:off x="1" y="131886"/>
+            <a:ext cx="7669091" cy="606671"/>
+          </a:xfrm>
+        </p:spPr>
+        <p:txBody>
+          <a:bodyPr>
+            <a:normAutofit fontScale="92500" lnSpcReduction="20000"/>
+          </a:bodyPr>
+          <a:lstStyle/>
+          <a:p>
+            <a:pPr algn="l"/>
+            <a:r>
+              <a:rPr lang="ko-KR" altLang="en-US" sz="4400" dirty="0" smtClean="0"/>
+              <a:t>답</a:t>
+            </a:r>
+            <a:endParaRPr lang="en-US" altLang="ko-KR" sz="4400" dirty="0"/>
+          </a:p>
+        </p:txBody>
+      </p:sp>
+    </p:spTree>
+    <p:extLst>
+      <p:ext uri="{BB962C8B-B14F-4D97-AF65-F5344CB8AC3E}">
+        <p14:creationId xmlns:p14="http://schemas.microsoft.com/office/powerpoint/2010/main" val="1130439582"/>
+      </p:ext>
+    </p:extLst>
+  </p:cSld>
+  <p:clrMapOvr>
+    <a:masterClrMapping/>
+  </p:clrMapOvr>
+  <p:timing>
+    <p:tnLst>
+      <p:par>
+        <p:cTn id="1" dur="indefinite" restart="never" nodeType="tmRoot"/>
+      </p:par>
+    </p:tnLst>
+  </p:timing>
+</p:sld>
+</file>
+
+<file path=ppt/slides/slide3.xml><?xml version="1.0" encoding="utf-8"?>
+<p:sld xmlns:a="http://schemas.openxmlformats.org/drawingml/2006/main" xmlns:r="http://schemas.openxmlformats.org/officeDocument/2006/relationships" xmlns:p="http://schemas.openxmlformats.org/presentationml/2006/main">
+  <p:cSld>
+    <p:spTree>
+      <p:nvGrpSpPr>
+        <p:cNvPr id="1" name=""/>
+        <p:cNvGrpSpPr/>
+        <p:nvPr/>
+      </p:nvGrpSpPr>
+      <p:grpSpPr>
+        <a:xfrm>
+          <a:off x="0" y="0"/>
+          <a:ext cx="0" cy="0"/>
+          <a:chOff x="0" y="0"/>
+          <a:chExt cx="0" cy="0"/>
+        </a:xfrm>
+      </p:grpSpPr>
+      <p:sp>
+        <p:nvSpPr>
+          <p:cNvPr id="5" name="부제목 2"/>
+          <p:cNvSpPr>
+            <a:spLocks noGrp="1"/>
+          </p:cNvSpPr>
+          <p:nvPr>
+            <p:ph type="subTitle" idx="1"/>
+          </p:nvPr>
+        </p:nvSpPr>
+        <p:spPr>
+          <a:xfrm>
+            <a:off x="1" y="131886"/>
+            <a:ext cx="8820471" cy="1136874"/>
+          </a:xfrm>
+        </p:spPr>
+        <p:txBody>
+          <a:bodyPr>
+            <a:normAutofit/>
+          </a:bodyPr>
+          <a:lstStyle/>
+          <a:p>
+            <a:pPr algn="l"/>
+            <a:r>
+              <a:rPr lang="en-US" altLang="ko-KR" sz="3200" dirty="0" smtClean="0"/>
+              <a:t>Example0_switch</a:t>
+            </a:r>
+            <a:r>
+              <a:rPr lang="ko-KR" altLang="en-US" sz="3200" dirty="0" smtClean="0"/>
+              <a:t>문을 사용해보자</a:t>
+            </a:r>
+            <a:r>
+              <a:rPr lang="en-US" altLang="ko-KR" sz="3200" dirty="0" smtClean="0"/>
+              <a:t>.</a:t>
+            </a:r>
+          </a:p>
+        </p:txBody>
+      </p:sp>
+      <p:sp>
+        <p:nvSpPr>
+          <p:cNvPr id="4" name="TextBox 3"/>
+          <p:cNvSpPr txBox="1"/>
+          <p:nvPr/>
+        </p:nvSpPr>
+        <p:spPr>
+          <a:xfrm>
+            <a:off x="384939" y="906149"/>
+            <a:ext cx="1271111" cy="584775"/>
+          </a:xfrm>
+          <a:prstGeom prst="rect">
+            <a:avLst/>
+          </a:prstGeom>
+          <a:noFill/>
+        </p:spPr>
+        <p:txBody>
+          <a:bodyPr wrap="square" rtlCol="0">
+            <a:spAutoFit/>
+          </a:bodyPr>
+          <a:lstStyle/>
+          <a:p>
+            <a:r>
+              <a:rPr lang="ko-KR" altLang="en-US" sz="3200" dirty="0" smtClean="0">
+                <a:solidFill>
+                  <a:srgbClr val="FFFFFF"/>
+                </a:solidFill>
+              </a:rPr>
+              <a:t>결과</a:t>
+            </a:r>
+            <a:endParaRPr lang="en-US" altLang="ko-KR" sz="3200" dirty="0">
+              <a:solidFill>
+                <a:srgbClr val="FFFFFF"/>
+              </a:solidFill>
+            </a:endParaRPr>
+          </a:p>
+        </p:txBody>
+      </p:sp>
+      <p:pic>
+        <p:nvPicPr>
+          <p:cNvPr id="6" name="Picture 2"/>
+          <p:cNvPicPr>
+            <a:picLocks noChangeAspect="1" noChangeArrowheads="1"/>
+          </p:cNvPicPr>
+          <p:nvPr/>
+        </p:nvPicPr>
+        <p:blipFill>
+          <a:blip r:embed="rId2">
+            <a:extLst>
+              <a:ext uri="{28A0092B-C50C-407E-A947-70E740481C1C}">
+                <a14:useLocalDpi xmlns:a14="http://schemas.microsoft.com/office/drawing/2010/main" val="0"/>
+              </a:ext>
+            </a:extLst>
+          </a:blip>
+          <a:srcRect/>
+          <a:stretch>
+            <a:fillRect/>
+          </a:stretch>
+        </p:blipFill>
+        <p:spPr bwMode="auto">
+          <a:xfrm>
+            <a:off x="2925360" y="1507573"/>
+            <a:ext cx="2766199" cy="770908"/>
+          </a:xfrm>
+          <a:prstGeom prst="rect">
+            <a:avLst/>
+          </a:prstGeom>
+          <a:noFill/>
+          <a:ln>
+            <a:noFill/>
+          </a:ln>
+          <a:effectLst/>
+          <a:extLst>
+            <a:ext uri="{909E8E84-426E-40DD-AFC4-6F175D3DCCD1}">
+              <a14:hiddenFill xmlns:a14="http://schemas.microsoft.com/office/drawing/2010/main">
+                <a:solidFill>
+                  <a:schemeClr val="accent1"/>
+                </a:solidFill>
+              </a14:hiddenFill>
+            </a:ext>
+            <a:ext uri="{91240B29-F687-4F45-9708-019B960494DF}">
+              <a14:hiddenLine xmlns:a14="http://schemas.microsoft.com/office/drawing/2010/main" w="9525">
+                <a:solidFill>
+                  <a:schemeClr val="tx1"/>
+                </a:solidFill>
+                <a:miter lim="800000"/>
+                <a:headEnd/>
+                <a:tailEnd/>
+              </a14:hiddenLine>
+            </a:ext>
+            <a:ext uri="{AF507438-7753-43E0-B8FC-AC1667EBCBE1}">
+              <a14:hiddenEffects xmlns:a14="http://schemas.microsoft.com/office/drawing/2010/main">
+                <a:effectLst>
+                  <a:outerShdw dist="35921" dir="2700000" algn="ctr" rotWithShape="0">
+                    <a:schemeClr val="bg2"/>
+                  </a:outerShdw>
+                </a:effectLst>
+              </a14:hiddenEffects>
+            </a:ext>
+          </a:extLst>
+        </p:spPr>
+      </p:pic>
+      <p:pic>
+        <p:nvPicPr>
+          <p:cNvPr id="7" name="Picture 3"/>
+          <p:cNvPicPr>
+            <a:picLocks noChangeAspect="1" noChangeArrowheads="1"/>
+          </p:cNvPicPr>
+          <p:nvPr/>
+        </p:nvPicPr>
+        <p:blipFill>
+          <a:blip r:embed="rId3">
+            <a:extLst>
+              <a:ext uri="{28A0092B-C50C-407E-A947-70E740481C1C}">
+                <a14:useLocalDpi xmlns:a14="http://schemas.microsoft.com/office/drawing/2010/main" val="0"/>
+              </a:ext>
+            </a:extLst>
+          </a:blip>
+          <a:srcRect/>
+          <a:stretch>
+            <a:fillRect/>
+          </a:stretch>
+        </p:blipFill>
+        <p:spPr bwMode="auto">
+          <a:xfrm>
+            <a:off x="2960390" y="2480949"/>
+            <a:ext cx="2731169" cy="585026"/>
+          </a:xfrm>
+          <a:prstGeom prst="rect">
+            <a:avLst/>
+          </a:prstGeom>
+          <a:noFill/>
+          <a:ln>
+            <a:noFill/>
+          </a:ln>
+          <a:effectLst/>
+          <a:extLst>
+            <a:ext uri="{909E8E84-426E-40DD-AFC4-6F175D3DCCD1}">
+              <a14:hiddenFill xmlns:a14="http://schemas.microsoft.com/office/drawing/2010/main">
+                <a:solidFill>
+                  <a:schemeClr val="accent1"/>
+                </a:solidFill>
+              </a14:hiddenFill>
+            </a:ext>
+            <a:ext uri="{91240B29-F687-4F45-9708-019B960494DF}">
+              <a14:hiddenLine xmlns:a14="http://schemas.microsoft.com/office/drawing/2010/main" w="9525">
+                <a:solidFill>
+                  <a:schemeClr val="tx1"/>
+                </a:solidFill>
+                <a:miter lim="800000"/>
+                <a:headEnd/>
+                <a:tailEnd/>
+              </a14:hiddenLine>
+            </a:ext>
+            <a:ext uri="{AF507438-7753-43E0-B8FC-AC1667EBCBE1}">
+              <a14:hiddenEffects xmlns:a14="http://schemas.microsoft.com/office/drawing/2010/main">
+                <a:effectLst>
+                  <a:outerShdw dist="35921" dir="2700000" algn="ctr" rotWithShape="0">
+                    <a:schemeClr val="bg2"/>
+                  </a:outerShdw>
+                </a:effectLst>
+              </a14:hiddenEffects>
+            </a:ext>
+          </a:extLst>
+        </p:spPr>
+      </p:pic>
+      <p:pic>
+        <p:nvPicPr>
+          <p:cNvPr id="8" name="Picture 4"/>
+          <p:cNvPicPr>
+            <a:picLocks noChangeAspect="1" noChangeArrowheads="1"/>
+          </p:cNvPicPr>
+          <p:nvPr/>
+        </p:nvPicPr>
+        <p:blipFill>
+          <a:blip r:embed="rId4">
+            <a:extLst>
+              <a:ext uri="{28A0092B-C50C-407E-A947-70E740481C1C}">
+                <a14:useLocalDpi xmlns:a14="http://schemas.microsoft.com/office/drawing/2010/main" val="0"/>
+              </a:ext>
+            </a:extLst>
+          </a:blip>
+          <a:srcRect/>
+          <a:stretch>
+            <a:fillRect/>
+          </a:stretch>
+        </p:blipFill>
+        <p:spPr bwMode="auto">
+          <a:xfrm>
+            <a:off x="2968596" y="4080161"/>
+            <a:ext cx="2665146" cy="719784"/>
+          </a:xfrm>
+          <a:prstGeom prst="rect">
+            <a:avLst/>
+          </a:prstGeom>
+          <a:noFill/>
+          <a:ln>
+            <a:noFill/>
+          </a:ln>
+          <a:effectLst/>
+          <a:extLst>
+            <a:ext uri="{909E8E84-426E-40DD-AFC4-6F175D3DCCD1}">
+              <a14:hiddenFill xmlns:a14="http://schemas.microsoft.com/office/drawing/2010/main">
+                <a:solidFill>
+                  <a:schemeClr val="accent1"/>
+                </a:solidFill>
+              </a14:hiddenFill>
+            </a:ext>
+            <a:ext uri="{91240B29-F687-4F45-9708-019B960494DF}">
+              <a14:hiddenLine xmlns:a14="http://schemas.microsoft.com/office/drawing/2010/main" w="9525">
+                <a:solidFill>
+                  <a:schemeClr val="tx1"/>
+                </a:solidFill>
+                <a:miter lim="800000"/>
+                <a:headEnd/>
+                <a:tailEnd/>
+              </a14:hiddenLine>
+            </a:ext>
+            <a:ext uri="{AF507438-7753-43E0-B8FC-AC1667EBCBE1}">
+              <a14:hiddenEffects xmlns:a14="http://schemas.microsoft.com/office/drawing/2010/main">
+                <a:effectLst>
+                  <a:outerShdw dist="35921" dir="2700000" algn="ctr" rotWithShape="0">
+                    <a:schemeClr val="bg2"/>
+                  </a:outerShdw>
+                </a:effectLst>
+              </a14:hiddenEffects>
+            </a:ext>
+          </a:extLst>
+        </p:spPr>
+      </p:pic>
+      <p:pic>
+        <p:nvPicPr>
+          <p:cNvPr id="9" name="Picture 5"/>
+          <p:cNvPicPr>
+            <a:picLocks noChangeAspect="1" noChangeArrowheads="1"/>
+          </p:cNvPicPr>
+          <p:nvPr/>
+        </p:nvPicPr>
+        <p:blipFill>
+          <a:blip r:embed="rId5">
+            <a:extLst>
+              <a:ext uri="{28A0092B-C50C-407E-A947-70E740481C1C}">
+                <a14:useLocalDpi xmlns:a14="http://schemas.microsoft.com/office/drawing/2010/main" val="0"/>
+              </a:ext>
+            </a:extLst>
+          </a:blip>
+          <a:srcRect/>
+          <a:stretch>
+            <a:fillRect/>
+          </a:stretch>
+        </p:blipFill>
+        <p:spPr bwMode="auto">
+          <a:xfrm>
+            <a:off x="2960390" y="3143761"/>
+            <a:ext cx="2581750" cy="720080"/>
+          </a:xfrm>
+          <a:prstGeom prst="rect">
+            <a:avLst/>
+          </a:prstGeom>
+          <a:noFill/>
+          <a:ln>
+            <a:noFill/>
+          </a:ln>
+          <a:effectLst/>
+          <a:extLst>
+            <a:ext uri="{909E8E84-426E-40DD-AFC4-6F175D3DCCD1}">
+              <a14:hiddenFill xmlns:a14="http://schemas.microsoft.com/office/drawing/2010/main">
+                <a:solidFill>
+                  <a:schemeClr val="accent1"/>
+                </a:solidFill>
+              </a14:hiddenFill>
+            </a:ext>
+            <a:ext uri="{91240B29-F687-4F45-9708-019B960494DF}">
+              <a14:hiddenLine xmlns:a14="http://schemas.microsoft.com/office/drawing/2010/main" w="9525">
+                <a:solidFill>
+                  <a:schemeClr val="tx1"/>
+                </a:solidFill>
+                <a:miter lim="800000"/>
+                <a:headEnd/>
+                <a:tailEnd/>
+              </a14:hiddenLine>
+            </a:ext>
+            <a:ext uri="{AF507438-7753-43E0-B8FC-AC1667EBCBE1}">
+              <a14:hiddenEffects xmlns:a14="http://schemas.microsoft.com/office/drawing/2010/main">
+                <a:effectLst>
+                  <a:outerShdw dist="35921" dir="2700000" algn="ctr" rotWithShape="0">
+                    <a:schemeClr val="bg2"/>
+                  </a:outerShdw>
+                </a:effectLst>
+              </a14:hiddenEffects>
+            </a:ext>
+          </a:extLst>
+        </p:spPr>
+      </p:pic>
+    </p:spTree>
+    <p:extLst>
+      <p:ext uri="{BB962C8B-B14F-4D97-AF65-F5344CB8AC3E}">
+        <p14:creationId xmlns:p14="http://schemas.microsoft.com/office/powerpoint/2010/main" val="1935801693"/>
+      </p:ext>
+    </p:extLst>
+  </p:cSld>
+  <p:clrMapOvr>
+    <a:masterClrMapping/>
+  </p:clrMapOvr>
+  <p:timing>
+    <p:tnLst>
+      <p:par>
+        <p:cTn id="1" dur="indefinite" restart="never" nodeType="tmRoot"/>
+      </p:par>
+    </p:tnLst>
+  </p:timing>
+</p:sld>
+</file>
+
+<file path=ppt/slides/slide4.xml><?xml version="1.0" encoding="utf-8"?>
+<p:sld xmlns:a="http://schemas.openxmlformats.org/drawingml/2006/main" xmlns:r="http://schemas.openxmlformats.org/officeDocument/2006/relationships" xmlns:p="http://schemas.openxmlformats.org/presentationml/2006/main">
+  <p:cSld>
+    <p:spTree>
+      <p:nvGrpSpPr>
+        <p:cNvPr id="1" name=""/>
+        <p:cNvGrpSpPr/>
+        <p:nvPr/>
+      </p:nvGrpSpPr>
+      <p:grpSpPr>
+        <a:xfrm>
+          <a:off x="0" y="0"/>
+          <a:ext cx="0" cy="0"/>
+          <a:chOff x="0" y="0"/>
+          <a:chExt cx="0" cy="0"/>
+        </a:xfrm>
+      </p:grpSpPr>
+      <p:sp>
+        <p:nvSpPr>
+          <p:cNvPr id="9" name="부제목 2"/>
+          <p:cNvSpPr>
+            <a:spLocks noGrp="1"/>
+          </p:cNvSpPr>
+          <p:nvPr>
+            <p:ph type="subTitle" idx="1"/>
+          </p:nvPr>
+        </p:nvSpPr>
+        <p:spPr>
+          <a:xfrm>
+            <a:off x="1" y="131886"/>
+            <a:ext cx="7669091" cy="606671"/>
+          </a:xfrm>
+        </p:spPr>
+        <p:txBody>
+          <a:bodyPr>
+            <a:normAutofit fontScale="92500" lnSpcReduction="20000"/>
+          </a:bodyPr>
+          <a:lstStyle/>
+          <a:p>
+            <a:pPr algn="l"/>
+            <a:r>
+              <a:rPr lang="ko-KR" altLang="en-US" sz="4400" dirty="0" smtClean="0"/>
+              <a:t>답</a:t>
+            </a:r>
+            <a:endParaRPr lang="en-US" altLang="ko-KR" sz="4400" dirty="0"/>
+          </a:p>
+        </p:txBody>
+      </p:sp>
+      <p:pic>
+        <p:nvPicPr>
+          <p:cNvPr id="4098" name="Picture 2"/>
+          <p:cNvPicPr>
+            <a:picLocks noChangeAspect="1" noChangeArrowheads="1"/>
+          </p:cNvPicPr>
+          <p:nvPr/>
+        </p:nvPicPr>
+        <p:blipFill>
+          <a:blip r:embed="rId2">
+            <a:extLst>
+              <a:ext uri="{28A0092B-C50C-407E-A947-70E740481C1C}">
+                <a14:useLocalDpi xmlns:a14="http://schemas.microsoft.com/office/drawing/2010/main" val="0"/>
+              </a:ext>
+            </a:extLst>
+          </a:blip>
+          <a:srcRect/>
+          <a:stretch>
+            <a:fillRect/>
+          </a:stretch>
+        </p:blipFill>
+        <p:spPr bwMode="auto">
+          <a:xfrm>
+            <a:off x="2267744" y="163983"/>
+            <a:ext cx="3384376" cy="6500151"/>
+          </a:xfrm>
+          <a:prstGeom prst="rect">
+            <a:avLst/>
+          </a:prstGeom>
+          <a:noFill/>
+          <a:ln>
+            <a:noFill/>
+          </a:ln>
+          <a:effectLst/>
+          <a:extLst>
+            <a:ext uri="{909E8E84-426E-40DD-AFC4-6F175D3DCCD1}">
+              <a14:hiddenFill xmlns:a14="http://schemas.microsoft.com/office/drawing/2010/main">
+                <a:solidFill>
+                  <a:schemeClr val="accent1"/>
+                </a:solidFill>
+              </a14:hiddenFill>
+            </a:ext>
+            <a:ext uri="{91240B29-F687-4F45-9708-019B960494DF}">
+              <a14:hiddenLine xmlns:a14="http://schemas.microsoft.com/office/drawing/2010/main" w="9525">
+                <a:solidFill>
+                  <a:schemeClr val="tx1"/>
+                </a:solidFill>
+                <a:miter lim="800000"/>
+                <a:headEnd/>
+                <a:tailEnd/>
+              </a14:hiddenLine>
+            </a:ext>
+            <a:ext uri="{AF507438-7753-43E0-B8FC-AC1667EBCBE1}">
+              <a14:hiddenEffects xmlns:a14="http://schemas.microsoft.com/office/drawing/2010/main">
+                <a:effectLst>
+                  <a:outerShdw dist="35921" dir="2700000" algn="ctr" rotWithShape="0">
+                    <a:schemeClr val="bg2"/>
+                  </a:outerShdw>
+                </a:effectLst>
+              </a14:hiddenEffects>
+            </a:ext>
+          </a:extLst>
+        </p:spPr>
+      </p:pic>
+      <p:sp>
+        <p:nvSpPr>
+          <p:cNvPr id="2" name="TextBox 1"/>
+          <p:cNvSpPr txBox="1"/>
+          <p:nvPr/>
+        </p:nvSpPr>
+        <p:spPr>
+          <a:xfrm>
+            <a:off x="3707904" y="620688"/>
+            <a:ext cx="6264696" cy="584775"/>
+          </a:xfrm>
+          <a:prstGeom prst="rect">
+            <a:avLst/>
+          </a:prstGeom>
+          <a:noFill/>
+        </p:spPr>
+        <p:txBody>
+          <a:bodyPr wrap="square" rtlCol="0">
+            <a:spAutoFit/>
+          </a:bodyPr>
+          <a:lstStyle/>
+          <a:p>
+            <a:r>
+              <a:rPr lang="en-US" altLang="ko-KR" sz="3200" dirty="0" smtClean="0"/>
+              <a:t>Break</a:t>
+            </a:r>
+            <a:r>
+              <a:rPr lang="ko-KR" altLang="en-US" sz="3200" dirty="0" smtClean="0"/>
+              <a:t>문을 빼보면</a:t>
+            </a:r>
+            <a:r>
+              <a:rPr lang="en-US" altLang="ko-KR" sz="3200" dirty="0" smtClean="0"/>
+              <a:t>???</a:t>
+            </a:r>
+            <a:endParaRPr lang="ko-KR" altLang="en-US" sz="3200" dirty="0"/>
+          </a:p>
+        </p:txBody>
+      </p:sp>
+    </p:spTree>
+    <p:extLst>
+      <p:ext uri="{BB962C8B-B14F-4D97-AF65-F5344CB8AC3E}">
+        <p14:creationId xmlns:p14="http://schemas.microsoft.com/office/powerpoint/2010/main" val="136718779"/>
+      </p:ext>
+    </p:extLst>
+  </p:cSld>
+  <p:clrMapOvr>
+    <a:masterClrMapping/>
+  </p:clrMapOvr>
+  <p:timing>
+    <p:tnLst>
+      <p:par>
+        <p:cTn id="1" dur="indefinite" restart="never" nodeType="tmRoot">
+          <p:childTnLst>
+            <p:seq concurrent="1" nextAc="seek">
+              <p:cTn id="2" dur="indefinite" nodeType="mainSeq">
+                <p:childTnLst>
+                  <p:par>
+                    <p:cTn id="3" fill="hold">
+                      <p:stCondLst>
+                        <p:cond delay="indefinite"/>
+                      </p:stCondLst>
+                      <p:childTnLst>
+                        <p:par>
+                          <p:cTn id="4" fill="hold">
+                            <p:stCondLst>
+                              <p:cond delay="0"/>
+                            </p:stCondLst>
+                            <p:childTnLst>
+                              <p:par>
+                                <p:cTn id="5" presetID="1" presetClass="entr" presetSubtype="0" fill="hold" grpId="0" nodeType="clickEffect">
+                                  <p:stCondLst>
+                                    <p:cond delay="0"/>
+                                  </p:stCondLst>
+                                  <p:childTnLst>
+                                    <p:set>
+                                      <p:cBhvr>
+                                        <p:cTn id="6" dur="1" fill="hold">
+                                          <p:stCondLst>
+                                            <p:cond delay="0"/>
+                                          </p:stCondLst>
+                                        </p:cTn>
+                                        <p:tgtEl>
+                                          <p:spTgt spid="2"/>
+                                        </p:tgtEl>
+                                        <p:attrNameLst>
+                                          <p:attrName>style.visibility</p:attrName>
+                                        </p:attrNameLst>
+                                      </p:cBhvr>
+                                      <p:to>
+                                        <p:strVal val="visible"/>
+                                      </p:to>
+                                    </p:set>
+                                  </p:childTnLst>
+                                </p:cTn>
+                              </p:par>
+                            </p:childTnLst>
+                          </p:cTn>
+                        </p:par>
+                      </p:childTnLst>
+                    </p:cTn>
+                  </p:par>
+                </p:childTnLst>
+              </p:cTn>
+              <p:prevCondLst>
+                <p:cond evt="onPrev" delay="0">
+                  <p:tgtEl>
+                    <p:sldTgt/>
+                  </p:tgtEl>
+                </p:cond>
+              </p:prevCondLst>
+              <p:nextCondLst>
+                <p:cond evt="onNext" delay="0">
+                  <p:tgtEl>
+                    <p:sldTgt/>
+                  </p:tgtEl>
+                </p:cond>
+              </p:nextCondLst>
+            </p:seq>
+          </p:childTnLst>
+        </p:cTn>
+      </p:par>
+    </p:tnLst>
+    <p:bldLst>
+      <p:bldP spid="2" grpId="0"/>
+    </p:bldLst>
+  </p:timing>
+</p:sld>
+</file>
+
+<file path=ppt/slides/slide5.xml><?xml version="1.0" encoding="utf-8"?>
+<p:sld xmlns:a="http://schemas.openxmlformats.org/drawingml/2006/main" xmlns:r="http://schemas.openxmlformats.org/officeDocument/2006/relationships" xmlns:p="http://schemas.openxmlformats.org/presentationml/2006/main">
+  <p:cSld>
+    <p:spTree>
+      <p:nvGrpSpPr>
+        <p:cNvPr id="1" name=""/>
+        <p:cNvGrpSpPr/>
+        <p:nvPr/>
+      </p:nvGrpSpPr>
+      <p:grpSpPr>
+        <a:xfrm>
+          <a:off x="0" y="0"/>
+          <a:ext cx="0" cy="0"/>
+          <a:chOff x="0" y="0"/>
+          <a:chExt cx="0" cy="0"/>
+        </a:xfrm>
+      </p:grpSpPr>
+      <p:sp>
+        <p:nvSpPr>
+          <p:cNvPr id="5" name="부제목 2"/>
+          <p:cNvSpPr>
+            <a:spLocks noGrp="1"/>
+          </p:cNvSpPr>
+          <p:nvPr>
+            <p:ph type="subTitle" idx="1"/>
+          </p:nvPr>
+        </p:nvSpPr>
+        <p:spPr>
+          <a:xfrm>
+            <a:off x="1" y="131886"/>
+            <a:ext cx="8820471" cy="1136874"/>
+          </a:xfrm>
+        </p:spPr>
+        <p:txBody>
+          <a:bodyPr>
+            <a:normAutofit/>
+          </a:bodyPr>
+          <a:lstStyle/>
+          <a:p>
+            <a:pPr algn="l"/>
+            <a:r>
+              <a:rPr lang="en-US" altLang="ko-KR" sz="2800" dirty="0" smtClean="0"/>
+              <a:t>Example0_</a:t>
+            </a:r>
+            <a:r>
+              <a:rPr lang="ko-KR" altLang="en-US" sz="2800" dirty="0" err="1" smtClean="0"/>
+              <a:t>반복문</a:t>
+            </a:r>
+            <a:r>
+              <a:rPr lang="ko-KR" altLang="en-US" sz="2800" dirty="0" smtClean="0"/>
+              <a:t> </a:t>
+            </a:r>
+            <a:r>
+              <a:rPr lang="ko-KR" altLang="en-US" sz="2800" dirty="0" err="1"/>
+              <a:t>사용하지않고</a:t>
+            </a:r>
+            <a:r>
+              <a:rPr lang="ko-KR" altLang="en-US" sz="2800" dirty="0"/>
+              <a:t> 숫자 더하기</a:t>
+            </a:r>
+            <a:r>
+              <a:rPr lang="en-US" altLang="ko-KR" sz="2800" dirty="0"/>
+              <a:t>(</a:t>
+            </a:r>
+            <a:r>
+              <a:rPr lang="en-US" altLang="ko-KR" sz="2800" dirty="0" err="1"/>
+              <a:t>feat.switch</a:t>
+            </a:r>
+            <a:r>
+              <a:rPr lang="en-US" altLang="ko-KR" sz="2800" dirty="0" smtClean="0"/>
+              <a:t>)</a:t>
+            </a:r>
+          </a:p>
+          <a:p>
+            <a:pPr algn="l"/>
+            <a:r>
+              <a:rPr lang="en-US" altLang="ko-KR" sz="2800" dirty="0"/>
+              <a:t> </a:t>
+            </a:r>
+            <a:r>
+              <a:rPr lang="en-US" altLang="ko-KR" sz="2800" dirty="0" smtClean="0"/>
+              <a:t>          </a:t>
+            </a:r>
+            <a:r>
+              <a:rPr lang="ko-KR" altLang="en-US" sz="2800" dirty="0" smtClean="0"/>
+              <a:t>조건 </a:t>
+            </a:r>
+            <a:r>
+              <a:rPr lang="en-US" altLang="ko-KR" sz="2800" dirty="0" smtClean="0"/>
+              <a:t>: 1~5</a:t>
+            </a:r>
+            <a:r>
+              <a:rPr lang="ko-KR" altLang="en-US" sz="2800" dirty="0" smtClean="0"/>
+              <a:t>까지</a:t>
+            </a:r>
+            <a:endParaRPr lang="en-US" altLang="ko-KR" sz="2800" dirty="0"/>
+          </a:p>
+          <a:p>
+            <a:pPr algn="l"/>
+            <a:endParaRPr lang="en-US" altLang="ko-KR" sz="3200" dirty="0" smtClean="0"/>
+          </a:p>
+        </p:txBody>
+      </p:sp>
+      <p:sp>
+        <p:nvSpPr>
+          <p:cNvPr id="4" name="TextBox 3"/>
+          <p:cNvSpPr txBox="1"/>
+          <p:nvPr/>
+        </p:nvSpPr>
+        <p:spPr>
+          <a:xfrm>
+            <a:off x="395536" y="906149"/>
+            <a:ext cx="1271111" cy="584775"/>
+          </a:xfrm>
+          <a:prstGeom prst="rect">
+            <a:avLst/>
+          </a:prstGeom>
+          <a:noFill/>
+        </p:spPr>
+        <p:txBody>
+          <a:bodyPr wrap="square" rtlCol="0">
+            <a:spAutoFit/>
+          </a:bodyPr>
+          <a:lstStyle/>
+          <a:p>
+            <a:r>
+              <a:rPr lang="ko-KR" altLang="en-US" sz="3200" dirty="0" smtClean="0">
+                <a:solidFill>
+                  <a:srgbClr val="FFFFFF"/>
+                </a:solidFill>
+              </a:rPr>
+              <a:t>결과</a:t>
+            </a:r>
+            <a:endParaRPr lang="en-US" altLang="ko-KR" sz="3200" dirty="0">
+              <a:solidFill>
+                <a:srgbClr val="FFFFFF"/>
+              </a:solidFill>
+            </a:endParaRPr>
+          </a:p>
+        </p:txBody>
+      </p:sp>
+      <p:pic>
+        <p:nvPicPr>
+          <p:cNvPr id="6146" name="Picture 2"/>
+          <p:cNvPicPr>
+            <a:picLocks noChangeAspect="1" noChangeArrowheads="1"/>
+          </p:cNvPicPr>
+          <p:nvPr/>
+        </p:nvPicPr>
+        <p:blipFill>
+          <a:blip r:embed="rId2">
+            <a:extLst>
+              <a:ext uri="{28A0092B-C50C-407E-A947-70E740481C1C}">
+                <a14:useLocalDpi xmlns:a14="http://schemas.microsoft.com/office/drawing/2010/main" val="0"/>
+              </a:ext>
+            </a:extLst>
+          </a:blip>
+          <a:srcRect/>
+          <a:stretch>
+            <a:fillRect/>
+          </a:stretch>
+        </p:blipFill>
+        <p:spPr bwMode="auto">
+          <a:xfrm>
+            <a:off x="827584" y="1490924"/>
+            <a:ext cx="2723340" cy="476849"/>
+          </a:xfrm>
+          <a:prstGeom prst="rect">
+            <a:avLst/>
+          </a:prstGeom>
+          <a:noFill/>
+          <a:ln>
+            <a:noFill/>
+          </a:ln>
+          <a:effectLst/>
+          <a:extLst>
+            <a:ext uri="{909E8E84-426E-40DD-AFC4-6F175D3DCCD1}">
+              <a14:hiddenFill xmlns:a14="http://schemas.microsoft.com/office/drawing/2010/main">
+                <a:solidFill>
+                  <a:schemeClr val="accent1"/>
+                </a:solidFill>
+              </a14:hiddenFill>
+            </a:ext>
+            <a:ext uri="{91240B29-F687-4F45-9708-019B960494DF}">
+              <a14:hiddenLine xmlns:a14="http://schemas.microsoft.com/office/drawing/2010/main" w="9525">
+                <a:solidFill>
+                  <a:schemeClr val="tx1"/>
+                </a:solidFill>
+                <a:miter lim="800000"/>
+                <a:headEnd/>
+                <a:tailEnd/>
+              </a14:hiddenLine>
+            </a:ext>
+            <a:ext uri="{AF507438-7753-43E0-B8FC-AC1667EBCBE1}">
+              <a14:hiddenEffects xmlns:a14="http://schemas.microsoft.com/office/drawing/2010/main">
+                <a:effectLst>
+                  <a:outerShdw dist="35921" dir="2700000" algn="ctr" rotWithShape="0">
+                    <a:schemeClr val="bg2"/>
+                  </a:outerShdw>
+                </a:effectLst>
+              </a14:hiddenEffects>
+            </a:ext>
+          </a:extLst>
+        </p:spPr>
+      </p:pic>
+      <p:pic>
+        <p:nvPicPr>
+          <p:cNvPr id="6147" name="Picture 3"/>
+          <p:cNvPicPr>
+            <a:picLocks noChangeAspect="1" noChangeArrowheads="1"/>
+          </p:cNvPicPr>
+          <p:nvPr/>
+        </p:nvPicPr>
+        <p:blipFill>
+          <a:blip r:embed="rId3">
+            <a:extLst>
+              <a:ext uri="{28A0092B-C50C-407E-A947-70E740481C1C}">
+                <a14:useLocalDpi xmlns:a14="http://schemas.microsoft.com/office/drawing/2010/main" val="0"/>
+              </a:ext>
+            </a:extLst>
+          </a:blip>
+          <a:srcRect/>
+          <a:stretch>
+            <a:fillRect/>
+          </a:stretch>
+        </p:blipFill>
+        <p:spPr bwMode="auto">
+          <a:xfrm>
+            <a:off x="844690" y="2060848"/>
+            <a:ext cx="2689127" cy="854684"/>
+          </a:xfrm>
+          <a:prstGeom prst="rect">
+            <a:avLst/>
+          </a:prstGeom>
+          <a:noFill/>
+          <a:ln>
+            <a:noFill/>
+          </a:ln>
+          <a:effectLst/>
+          <a:extLst>
+            <a:ext uri="{909E8E84-426E-40DD-AFC4-6F175D3DCCD1}">
+              <a14:hiddenFill xmlns:a14="http://schemas.microsoft.com/office/drawing/2010/main">
+                <a:solidFill>
+                  <a:schemeClr val="accent1"/>
+                </a:solidFill>
+              </a14:hiddenFill>
+            </a:ext>
+            <a:ext uri="{91240B29-F687-4F45-9708-019B960494DF}">
+              <a14:hiddenLine xmlns:a14="http://schemas.microsoft.com/office/drawing/2010/main" w="9525">
+                <a:solidFill>
+                  <a:schemeClr val="tx1"/>
+                </a:solidFill>
+                <a:miter lim="800000"/>
+                <a:headEnd/>
+                <a:tailEnd/>
+              </a14:hiddenLine>
+            </a:ext>
+            <a:ext uri="{AF507438-7753-43E0-B8FC-AC1667EBCBE1}">
+              <a14:hiddenEffects xmlns:a14="http://schemas.microsoft.com/office/drawing/2010/main">
+                <a:effectLst>
+                  <a:outerShdw dist="35921" dir="2700000" algn="ctr" rotWithShape="0">
+                    <a:schemeClr val="bg2"/>
+                  </a:outerShdw>
+                </a:effectLst>
+              </a14:hiddenEffects>
+            </a:ext>
+          </a:extLst>
+        </p:spPr>
+      </p:pic>
+      <p:pic>
+        <p:nvPicPr>
+          <p:cNvPr id="6148" name="Picture 4"/>
+          <p:cNvPicPr>
+            <a:picLocks noChangeAspect="1" noChangeArrowheads="1"/>
+          </p:cNvPicPr>
+          <p:nvPr/>
+        </p:nvPicPr>
+        <p:blipFill>
+          <a:blip r:embed="rId4">
+            <a:extLst>
+              <a:ext uri="{28A0092B-C50C-407E-A947-70E740481C1C}">
+                <a14:useLocalDpi xmlns:a14="http://schemas.microsoft.com/office/drawing/2010/main" val="0"/>
+              </a:ext>
+            </a:extLst>
+          </a:blip>
+          <a:srcRect/>
+          <a:stretch>
+            <a:fillRect/>
+          </a:stretch>
+        </p:blipFill>
+        <p:spPr bwMode="auto">
+          <a:xfrm>
+            <a:off x="847657" y="3000375"/>
+            <a:ext cx="2756591" cy="932681"/>
+          </a:xfrm>
+          <a:prstGeom prst="rect">
+            <a:avLst/>
+          </a:prstGeom>
+          <a:noFill/>
+          <a:ln>
+            <a:noFill/>
+          </a:ln>
+          <a:effectLst/>
+          <a:extLst>
+            <a:ext uri="{909E8E84-426E-40DD-AFC4-6F175D3DCCD1}">
+              <a14:hiddenFill xmlns:a14="http://schemas.microsoft.com/office/drawing/2010/main">
+                <a:solidFill>
+                  <a:schemeClr val="accent1"/>
+                </a:solidFill>
+              </a14:hiddenFill>
+            </a:ext>
+            <a:ext uri="{91240B29-F687-4F45-9708-019B960494DF}">
+              <a14:hiddenLine xmlns:a14="http://schemas.microsoft.com/office/drawing/2010/main" w="9525">
+                <a:solidFill>
+                  <a:schemeClr val="tx1"/>
+                </a:solidFill>
+                <a:miter lim="800000"/>
+                <a:headEnd/>
+                <a:tailEnd/>
+              </a14:hiddenLine>
+            </a:ext>
+            <a:ext uri="{AF507438-7753-43E0-B8FC-AC1667EBCBE1}">
+              <a14:hiddenEffects xmlns:a14="http://schemas.microsoft.com/office/drawing/2010/main">
+                <a:effectLst>
+                  <a:outerShdw dist="35921" dir="2700000" algn="ctr" rotWithShape="0">
+                    <a:schemeClr val="bg2"/>
+                  </a:outerShdw>
+                </a:effectLst>
+              </a14:hiddenEffects>
+            </a:ext>
+          </a:extLst>
+        </p:spPr>
+      </p:pic>
+      <p:pic>
+        <p:nvPicPr>
+          <p:cNvPr id="8" name="Picture 2"/>
+          <p:cNvPicPr>
+            <a:picLocks noChangeAspect="1" noChangeArrowheads="1"/>
+          </p:cNvPicPr>
+          <p:nvPr/>
+        </p:nvPicPr>
+        <p:blipFill rotWithShape="1">
+          <a:blip r:embed="rId5">
+            <a:extLst>
+              <a:ext uri="{28A0092B-C50C-407E-A947-70E740481C1C}">
+                <a14:useLocalDpi xmlns:a14="http://schemas.microsoft.com/office/drawing/2010/main" val="0"/>
+              </a:ext>
+            </a:extLst>
+          </a:blip>
+          <a:srcRect t="12694" b="14749"/>
+          <a:stretch/>
+        </p:blipFill>
+        <p:spPr bwMode="auto">
+          <a:xfrm>
+            <a:off x="3779912" y="906149"/>
+            <a:ext cx="4464496" cy="5665999"/>
+          </a:xfrm>
+          <a:prstGeom prst="rect">
+            <a:avLst/>
+          </a:prstGeom>
+          <a:noFill/>
+          <a:ln>
+            <a:noFill/>
+          </a:ln>
+          <a:effectLst/>
+          <a:extLst>
+            <a:ext uri="{909E8E84-426E-40DD-AFC4-6F175D3DCCD1}">
+              <a14:hiddenFill xmlns:a14="http://schemas.microsoft.com/office/drawing/2010/main">
+                <a:solidFill>
+                  <a:schemeClr val="accent1"/>
+                </a:solidFill>
+              </a14:hiddenFill>
+            </a:ext>
+            <a:ext uri="{91240B29-F687-4F45-9708-019B960494DF}">
+              <a14:hiddenLine xmlns:a14="http://schemas.microsoft.com/office/drawing/2010/main" w="9525">
+                <a:solidFill>
+                  <a:schemeClr val="tx1"/>
+                </a:solidFill>
+                <a:miter lim="800000"/>
+                <a:headEnd/>
+                <a:tailEnd/>
+              </a14:hiddenLine>
+            </a:ext>
+            <a:ext uri="{AF507438-7753-43E0-B8FC-AC1667EBCBE1}">
+              <a14:hiddenEffects xmlns:a14="http://schemas.microsoft.com/office/drawing/2010/main">
+                <a:effectLst>
+                  <a:outerShdw dist="35921" dir="2700000" algn="ctr" rotWithShape="0">
+                    <a:schemeClr val="bg2"/>
+                  </a:outerShdw>
+                </a:effectLst>
+              </a14:hiddenEffects>
+            </a:ext>
+          </a:extLst>
+        </p:spPr>
+      </p:pic>
+      <p:sp>
+        <p:nvSpPr>
+          <p:cNvPr id="2" name="직사각형 1"/>
+          <p:cNvSpPr/>
+          <p:nvPr/>
+        </p:nvSpPr>
+        <p:spPr>
+          <a:xfrm>
+            <a:off x="5148064" y="2420888"/>
+            <a:ext cx="504056" cy="144016"/>
+          </a:xfrm>
+          <a:prstGeom prst="rect">
+            <a:avLst/>
+          </a:prstGeom>
+        </p:spPr>
+        <p:style>
+          <a:lnRef idx="2">
+            <a:schemeClr val="accent1">
+              <a:shade val="50000"/>
+            </a:schemeClr>
+          </a:lnRef>
+          <a:fillRef idx="1">
+            <a:schemeClr val="accent1"/>
+          </a:fillRef>
+          <a:effectRef idx="0">
+            <a:schemeClr val="accent1"/>
+          </a:effectRef>
+          <a:fontRef idx="minor">
+            <a:schemeClr val="lt1"/>
+          </a:fontRef>
+        </p:style>
+        <p:txBody>
+          <a:bodyPr rtlCol="0" anchor="ctr"/>
+          <a:lstStyle/>
+          <a:p>
+            <a:pPr algn="ctr"/>
+            <a:endParaRPr lang="ko-KR" altLang="en-US"/>
+          </a:p>
+        </p:txBody>
+      </p:sp>
+      <p:sp>
+        <p:nvSpPr>
+          <p:cNvPr id="3" name="직사각형 2"/>
+          <p:cNvSpPr/>
+          <p:nvPr/>
+        </p:nvSpPr>
+        <p:spPr>
+          <a:xfrm>
+            <a:off x="4283968" y="2564904"/>
+            <a:ext cx="3600400" cy="3312368"/>
+          </a:xfrm>
+          <a:prstGeom prst="rect">
+            <a:avLst/>
+          </a:prstGeom>
+        </p:spPr>
+        <p:style>
+          <a:lnRef idx="2">
+            <a:schemeClr val="accent1">
+              <a:shade val="50000"/>
+            </a:schemeClr>
+          </a:lnRef>
+          <a:fillRef idx="1">
+            <a:schemeClr val="accent1"/>
+          </a:fillRef>
+          <a:effectRef idx="0">
+            <a:schemeClr val="accent1"/>
+          </a:effectRef>
+          <a:fontRef idx="minor">
+            <a:schemeClr val="lt1"/>
+          </a:fontRef>
+        </p:style>
+        <p:txBody>
+          <a:bodyPr rtlCol="0" anchor="ctr"/>
+          <a:lstStyle/>
+          <a:p>
+            <a:pPr algn="ctr"/>
+            <a:endParaRPr lang="ko-KR" altLang="en-US"/>
+          </a:p>
+        </p:txBody>
+      </p:sp>
+    </p:spTree>
+    <p:extLst>
+      <p:ext uri="{BB962C8B-B14F-4D97-AF65-F5344CB8AC3E}">
+        <p14:creationId xmlns:p14="http://schemas.microsoft.com/office/powerpoint/2010/main" val="1935801693"/>
+      </p:ext>
+    </p:extLst>
+  </p:cSld>
+  <p:clrMapOvr>
+    <a:masterClrMapping/>
+  </p:clrMapOvr>
+  <p:timing>
+    <p:tnLst>
+      <p:par>
+        <p:cTn id="1" dur="indefinite" restart="never" nodeType="tmRoot"/>
+      </p:par>
+    </p:tnLst>
+  </p:timing>
+</p:sld>
+</file>
+
+<file path=ppt/slides/slide6.xml><?xml version="1.0" encoding="utf-8"?>
+<p:sld xmlns:a="http://schemas.openxmlformats.org/drawingml/2006/main" xmlns:r="http://schemas.openxmlformats.org/officeDocument/2006/relationships" xmlns:p="http://schemas.openxmlformats.org/presentationml/2006/main">
+  <p:cSld>
+    <p:spTree>
+      <p:nvGrpSpPr>
+        <p:cNvPr id="1" name=""/>
+        <p:cNvGrpSpPr/>
+        <p:nvPr/>
+      </p:nvGrpSpPr>
+      <p:grpSpPr>
+        <a:xfrm>
+          <a:off x="0" y="0"/>
+          <a:ext cx="0" cy="0"/>
+          <a:chOff x="0" y="0"/>
+          <a:chExt cx="0" cy="0"/>
+        </a:xfrm>
+      </p:grpSpPr>
+      <p:sp>
+        <p:nvSpPr>
+          <p:cNvPr id="9" name="부제목 2"/>
+          <p:cNvSpPr>
+            <a:spLocks noGrp="1"/>
+          </p:cNvSpPr>
+          <p:nvPr>
+            <p:ph type="subTitle" idx="1"/>
+          </p:nvPr>
+        </p:nvSpPr>
+        <p:spPr>
+          <a:xfrm>
+            <a:off x="1" y="131886"/>
+            <a:ext cx="7669091" cy="606671"/>
+          </a:xfrm>
+        </p:spPr>
+        <p:txBody>
+          <a:bodyPr>
+            <a:normAutofit fontScale="92500" lnSpcReduction="20000"/>
+          </a:bodyPr>
+          <a:lstStyle/>
+          <a:p>
+            <a:pPr algn="l"/>
+            <a:r>
+              <a:rPr lang="ko-KR" altLang="en-US" sz="4400" dirty="0" smtClean="0"/>
+              <a:t>답</a:t>
+            </a:r>
+            <a:endParaRPr lang="en-US" altLang="ko-KR" sz="4400" dirty="0"/>
+          </a:p>
+        </p:txBody>
+      </p:sp>
+      <p:pic>
+        <p:nvPicPr>
+          <p:cNvPr id="5122" name="Picture 2"/>
+          <p:cNvPicPr>
+            <a:picLocks noChangeAspect="1" noChangeArrowheads="1"/>
+          </p:cNvPicPr>
+          <p:nvPr/>
+        </p:nvPicPr>
+        <p:blipFill>
+          <a:blip r:embed="rId2">
+            <a:extLst>
+              <a:ext uri="{28A0092B-C50C-407E-A947-70E740481C1C}">
+                <a14:useLocalDpi xmlns:a14="http://schemas.microsoft.com/office/drawing/2010/main" val="0"/>
+              </a:ext>
+            </a:extLst>
+          </a:blip>
+          <a:srcRect/>
+          <a:stretch>
+            <a:fillRect/>
+          </a:stretch>
+        </p:blipFill>
+        <p:spPr bwMode="auto">
+          <a:xfrm>
+            <a:off x="2123728" y="188639"/>
+            <a:ext cx="3720384" cy="6507561"/>
+          </a:xfrm>
+          <a:prstGeom prst="rect">
+            <a:avLst/>
+          </a:prstGeom>
+          <a:noFill/>
+          <a:ln>
+            <a:noFill/>
+          </a:ln>
+          <a:effectLst/>
+          <a:extLst>
+            <a:ext uri="{909E8E84-426E-40DD-AFC4-6F175D3DCCD1}">
+              <a14:hiddenFill xmlns:a14="http://schemas.microsoft.com/office/drawing/2010/main">
+                <a:solidFill>
+                  <a:schemeClr val="accent1"/>
+                </a:solidFill>
+              </a14:hiddenFill>
+            </a:ext>
+            <a:ext uri="{91240B29-F687-4F45-9708-019B960494DF}">
+              <a14:hiddenLine xmlns:a14="http://schemas.microsoft.com/office/drawing/2010/main" w="9525">
+                <a:solidFill>
+                  <a:schemeClr val="tx1"/>
+                </a:solidFill>
+                <a:miter lim="800000"/>
+                <a:headEnd/>
+                <a:tailEnd/>
+              </a14:hiddenLine>
+            </a:ext>
+            <a:ext uri="{AF507438-7753-43E0-B8FC-AC1667EBCBE1}">
+              <a14:hiddenEffects xmlns:a14="http://schemas.microsoft.com/office/drawing/2010/main">
+                <a:effectLst>
+                  <a:outerShdw dist="35921" dir="2700000" algn="ctr" rotWithShape="0">
+                    <a:schemeClr val="bg2"/>
+                  </a:outerShdw>
+                </a:effectLst>
+              </a14:hiddenEffects>
+            </a:ext>
+          </a:extLst>
+        </p:spPr>
+      </p:pic>
+    </p:spTree>
+    <p:extLst>
+      <p:ext uri="{BB962C8B-B14F-4D97-AF65-F5344CB8AC3E}">
+        <p14:creationId xmlns:p14="http://schemas.microsoft.com/office/powerpoint/2010/main" val="136718779"/>
+      </p:ext>
+    </p:extLst>
+  </p:cSld>
+  <p:clrMapOvr>
+    <a:masterClrMapping/>
+  </p:clrMapOvr>
+  <p:timing>
+    <p:tnLst>
+      <p:par>
+        <p:cTn id="1" dur="indefinite" restart="never" nodeType="tmRoot"/>
+      </p:par>
+    </p:tnLst>
+  </p:timing>
+</p:sld>
+</file>
+
 <file path=ppt/slides/slide7.xml><?xml version="1.0" encoding="utf-8"?>
 <p:sld xmlns:a="http://schemas.openxmlformats.org/drawingml/2006/main" xmlns:r="http://schemas.openxmlformats.org/officeDocument/2006/relationships" xmlns:p="http://schemas.openxmlformats.org/presentationml/2006/main">
   <p:cSld>
@@ -8346,68 +9914,19 @@
             <a:pPr algn="l"/>
             <a:r>
               <a:rPr lang="en-US" altLang="ko-KR" sz="3200" dirty="0" smtClean="0"/>
-              <a:t>Example01_2 –</a:t>
+              <a:t>Example01_1 – </a:t>
             </a:r>
             <a:r>
               <a:rPr lang="ko-KR" altLang="en-US" sz="3200" dirty="0" smtClean="0"/>
-              <a:t>최댓값을 구하자 </a:t>
-            </a:r>
-            <a:r>
-              <a:rPr lang="en-US" altLang="ko-KR" sz="3200" dirty="0" smtClean="0"/>
-              <a:t>(feat.</a:t>
-            </a:r>
-            <a:r>
-              <a:rPr lang="ko-KR" altLang="en-US" sz="3200" dirty="0" err="1" smtClean="0"/>
-              <a:t>반복문</a:t>
-            </a:r>
-            <a:r>
-              <a:rPr lang="en-US" altLang="ko-KR" sz="3200" dirty="0" smtClean="0"/>
-              <a:t>)</a:t>
-            </a:r>
-          </a:p>
-        </p:txBody>
-      </p:sp>
-      <p:sp>
-        <p:nvSpPr>
-          <p:cNvPr id="14" name="TextBox 13"/>
-          <p:cNvSpPr txBox="1"/>
-          <p:nvPr/>
-        </p:nvSpPr>
-        <p:spPr>
-          <a:xfrm>
-            <a:off x="827584" y="1128313"/>
-            <a:ext cx="1271111" cy="584775"/>
-          </a:xfrm>
-          <a:prstGeom prst="rect">
-            <a:avLst/>
-          </a:prstGeom>
-          <a:noFill/>
-        </p:spPr>
-        <p:txBody>
-          <a:bodyPr wrap="square" rtlCol="0">
-            <a:spAutoFit/>
-          </a:bodyPr>
-          <a:lstStyle/>
-          <a:p>
-            <a:r>
-              <a:rPr lang="ko-KR" altLang="en-US" sz="3200" dirty="0" smtClean="0">
-                <a:solidFill>
-                  <a:srgbClr val="FFFFFF"/>
-                </a:solidFill>
-              </a:rPr>
-              <a:t>결과</a:t>
-            </a:r>
-            <a:endParaRPr lang="en-US" altLang="ko-KR" sz="3200" dirty="0">
-              <a:solidFill>
-                <a:srgbClr val="FFFFFF"/>
-              </a:solidFill>
-            </a:endParaRPr>
+              <a:t>최댓값을 구하자</a:t>
+            </a:r>
+            <a:endParaRPr lang="en-US" altLang="ko-KR" sz="4400" dirty="0"/>
           </a:p>
         </p:txBody>
       </p:sp>
       <p:pic>
         <p:nvPicPr>
-          <p:cNvPr id="3" name="그림 2"/>
+          <p:cNvPr id="7" name="그림 6"/>
           <p:cNvPicPr>
             <a:picLocks noChangeAspect="1"/>
           </p:cNvPicPr>
@@ -8421,18 +9940,366 @@
         </p:blipFill>
         <p:spPr>
           <a:xfrm>
-            <a:off x="2071978" y="1484784"/>
-            <a:ext cx="4777561" cy="4444698"/>
+            <a:off x="4067944" y="952579"/>
+            <a:ext cx="4680520" cy="5653575"/>
           </a:xfrm>
           <a:prstGeom prst="rect">
             <a:avLst/>
           </a:prstGeom>
         </p:spPr>
       </p:pic>
+      <p:sp>
+        <p:nvSpPr>
+          <p:cNvPr id="17" name="직사각형 16"/>
+          <p:cNvSpPr/>
+          <p:nvPr/>
+        </p:nvSpPr>
+        <p:spPr>
+          <a:xfrm>
+            <a:off x="4922804" y="2428089"/>
+            <a:ext cx="1224136" cy="216024"/>
+          </a:xfrm>
+          <a:prstGeom prst="rect">
+            <a:avLst/>
+          </a:prstGeom>
+        </p:spPr>
+        <p:style>
+          <a:lnRef idx="2">
+            <a:schemeClr val="accent1">
+              <a:shade val="50000"/>
+            </a:schemeClr>
+          </a:lnRef>
+          <a:fillRef idx="1">
+            <a:schemeClr val="accent1"/>
+          </a:fillRef>
+          <a:effectRef idx="0">
+            <a:schemeClr val="accent1"/>
+          </a:effectRef>
+          <a:fontRef idx="minor">
+            <a:schemeClr val="lt1"/>
+          </a:fontRef>
+        </p:style>
+        <p:txBody>
+          <a:bodyPr rtlCol="0" anchor="ctr"/>
+          <a:lstStyle/>
+          <a:p>
+            <a:pPr algn="ctr"/>
+            <a:endParaRPr lang="ko-KR" altLang="en-US"/>
+          </a:p>
+        </p:txBody>
+      </p:sp>
+      <p:sp>
+        <p:nvSpPr>
+          <p:cNvPr id="18" name="직사각형 17"/>
+          <p:cNvSpPr/>
+          <p:nvPr/>
+        </p:nvSpPr>
+        <p:spPr>
+          <a:xfrm>
+            <a:off x="4950512" y="2681212"/>
+            <a:ext cx="1224136" cy="216024"/>
+          </a:xfrm>
+          <a:prstGeom prst="rect">
+            <a:avLst/>
+          </a:prstGeom>
+        </p:spPr>
+        <p:style>
+          <a:lnRef idx="2">
+            <a:schemeClr val="accent1">
+              <a:shade val="50000"/>
+            </a:schemeClr>
+          </a:lnRef>
+          <a:fillRef idx="1">
+            <a:schemeClr val="accent1"/>
+          </a:fillRef>
+          <a:effectRef idx="0">
+            <a:schemeClr val="accent1"/>
+          </a:effectRef>
+          <a:fontRef idx="minor">
+            <a:schemeClr val="lt1"/>
+          </a:fontRef>
+        </p:style>
+        <p:txBody>
+          <a:bodyPr rtlCol="0" anchor="ctr"/>
+          <a:lstStyle/>
+          <a:p>
+            <a:pPr algn="ctr"/>
+            <a:endParaRPr lang="ko-KR" altLang="en-US"/>
+          </a:p>
+        </p:txBody>
+      </p:sp>
+      <p:sp>
+        <p:nvSpPr>
+          <p:cNvPr id="19" name="직사각형 18"/>
+          <p:cNvSpPr/>
+          <p:nvPr/>
+        </p:nvSpPr>
+        <p:spPr>
+          <a:xfrm>
+            <a:off x="4932040" y="3823949"/>
+            <a:ext cx="1224136" cy="216024"/>
+          </a:xfrm>
+          <a:prstGeom prst="rect">
+            <a:avLst/>
+          </a:prstGeom>
+        </p:spPr>
+        <p:style>
+          <a:lnRef idx="2">
+            <a:schemeClr val="accent1">
+              <a:shade val="50000"/>
+            </a:schemeClr>
+          </a:lnRef>
+          <a:fillRef idx="1">
+            <a:schemeClr val="accent1"/>
+          </a:fillRef>
+          <a:effectRef idx="0">
+            <a:schemeClr val="accent1"/>
+          </a:effectRef>
+          <a:fontRef idx="minor">
+            <a:schemeClr val="lt1"/>
+          </a:fontRef>
+        </p:style>
+        <p:txBody>
+          <a:bodyPr rtlCol="0" anchor="ctr"/>
+          <a:lstStyle/>
+          <a:p>
+            <a:pPr algn="ctr"/>
+            <a:endParaRPr lang="ko-KR" altLang="en-US"/>
+          </a:p>
+        </p:txBody>
+      </p:sp>
+      <p:sp>
+        <p:nvSpPr>
+          <p:cNvPr id="20" name="직사각형 19"/>
+          <p:cNvSpPr/>
+          <p:nvPr/>
+        </p:nvSpPr>
+        <p:spPr>
+          <a:xfrm>
+            <a:off x="4959748" y="4077072"/>
+            <a:ext cx="1224136" cy="216024"/>
+          </a:xfrm>
+          <a:prstGeom prst="rect">
+            <a:avLst/>
+          </a:prstGeom>
+        </p:spPr>
+        <p:style>
+          <a:lnRef idx="2">
+            <a:schemeClr val="accent1">
+              <a:shade val="50000"/>
+            </a:schemeClr>
+          </a:lnRef>
+          <a:fillRef idx="1">
+            <a:schemeClr val="accent1"/>
+          </a:fillRef>
+          <a:effectRef idx="0">
+            <a:schemeClr val="accent1"/>
+          </a:effectRef>
+          <a:fontRef idx="minor">
+            <a:schemeClr val="lt1"/>
+          </a:fontRef>
+        </p:style>
+        <p:txBody>
+          <a:bodyPr rtlCol="0" anchor="ctr"/>
+          <a:lstStyle/>
+          <a:p>
+            <a:pPr algn="ctr"/>
+            <a:endParaRPr lang="ko-KR" altLang="en-US"/>
+          </a:p>
+        </p:txBody>
+      </p:sp>
+      <p:sp>
+        <p:nvSpPr>
+          <p:cNvPr id="21" name="직사각형 20"/>
+          <p:cNvSpPr/>
+          <p:nvPr/>
+        </p:nvSpPr>
+        <p:spPr>
+          <a:xfrm>
+            <a:off x="4932040" y="5192101"/>
+            <a:ext cx="1224136" cy="216024"/>
+          </a:xfrm>
+          <a:prstGeom prst="rect">
+            <a:avLst/>
+          </a:prstGeom>
+        </p:spPr>
+        <p:style>
+          <a:lnRef idx="2">
+            <a:schemeClr val="accent1">
+              <a:shade val="50000"/>
+            </a:schemeClr>
+          </a:lnRef>
+          <a:fillRef idx="1">
+            <a:schemeClr val="accent1"/>
+          </a:fillRef>
+          <a:effectRef idx="0">
+            <a:schemeClr val="accent1"/>
+          </a:effectRef>
+          <a:fontRef idx="minor">
+            <a:schemeClr val="lt1"/>
+          </a:fontRef>
+        </p:style>
+        <p:txBody>
+          <a:bodyPr rtlCol="0" anchor="ctr"/>
+          <a:lstStyle/>
+          <a:p>
+            <a:pPr algn="ctr"/>
+            <a:endParaRPr lang="ko-KR" altLang="en-US"/>
+          </a:p>
+        </p:txBody>
+      </p:sp>
+      <p:sp>
+        <p:nvSpPr>
+          <p:cNvPr id="22" name="직사각형 21"/>
+          <p:cNvSpPr/>
+          <p:nvPr/>
+        </p:nvSpPr>
+        <p:spPr>
+          <a:xfrm>
+            <a:off x="4959748" y="5445224"/>
+            <a:ext cx="1224136" cy="216024"/>
+          </a:xfrm>
+          <a:prstGeom prst="rect">
+            <a:avLst/>
+          </a:prstGeom>
+        </p:spPr>
+        <p:style>
+          <a:lnRef idx="2">
+            <a:schemeClr val="accent1">
+              <a:shade val="50000"/>
+            </a:schemeClr>
+          </a:lnRef>
+          <a:fillRef idx="1">
+            <a:schemeClr val="accent1"/>
+          </a:fillRef>
+          <a:effectRef idx="0">
+            <a:schemeClr val="accent1"/>
+          </a:effectRef>
+          <a:fontRef idx="minor">
+            <a:schemeClr val="lt1"/>
+          </a:fontRef>
+        </p:style>
+        <p:txBody>
+          <a:bodyPr rtlCol="0" anchor="ctr"/>
+          <a:lstStyle/>
+          <a:p>
+            <a:pPr algn="ctr"/>
+            <a:endParaRPr lang="ko-KR" altLang="en-US"/>
+          </a:p>
+        </p:txBody>
+      </p:sp>
+      <p:sp>
+        <p:nvSpPr>
+          <p:cNvPr id="23" name="TextBox 22"/>
+          <p:cNvSpPr txBox="1"/>
+          <p:nvPr/>
+        </p:nvSpPr>
+        <p:spPr>
+          <a:xfrm>
+            <a:off x="6516216" y="908720"/>
+            <a:ext cx="1271111" cy="584775"/>
+          </a:xfrm>
+          <a:prstGeom prst="rect">
+            <a:avLst/>
+          </a:prstGeom>
+          <a:noFill/>
+        </p:spPr>
+        <p:txBody>
+          <a:bodyPr wrap="square" rtlCol="0">
+            <a:spAutoFit/>
+          </a:bodyPr>
+          <a:lstStyle/>
+          <a:p>
+            <a:r>
+              <a:rPr lang="en-US" altLang="ko-KR" sz="3200" dirty="0">
+                <a:solidFill>
+                  <a:srgbClr val="FFFFFF"/>
+                </a:solidFill>
+              </a:rPr>
+              <a:t>Main()</a:t>
+            </a:r>
+            <a:r>
+              <a:rPr lang="ko-KR" altLang="en-US" sz="3200" dirty="0">
+                <a:solidFill>
+                  <a:srgbClr val="FFFFFF"/>
+                </a:solidFill>
+              </a:rPr>
+              <a:t> </a:t>
+            </a:r>
+            <a:endParaRPr lang="en-US" altLang="ko-KR" sz="3200" dirty="0">
+              <a:solidFill>
+                <a:srgbClr val="FFFFFF"/>
+              </a:solidFill>
+            </a:endParaRPr>
+          </a:p>
+        </p:txBody>
+      </p:sp>
+      <p:pic>
+        <p:nvPicPr>
+          <p:cNvPr id="8" name="그림 7"/>
+          <p:cNvPicPr>
+            <a:picLocks noChangeAspect="1"/>
+          </p:cNvPicPr>
+          <p:nvPr/>
+        </p:nvPicPr>
+        <p:blipFill>
+          <a:blip r:embed="rId3"/>
+          <a:stretch>
+            <a:fillRect/>
+          </a:stretch>
+        </p:blipFill>
+        <p:spPr>
+          <a:xfrm>
+            <a:off x="179512" y="1592072"/>
+            <a:ext cx="3274565" cy="2701024"/>
+          </a:xfrm>
+          <a:prstGeom prst="rect">
+            <a:avLst/>
+          </a:prstGeom>
+        </p:spPr>
+      </p:pic>
+      <p:sp>
+        <p:nvSpPr>
+          <p:cNvPr id="24" name="TextBox 23"/>
+          <p:cNvSpPr txBox="1"/>
+          <p:nvPr/>
+        </p:nvSpPr>
+        <p:spPr>
+          <a:xfrm>
+            <a:off x="107504" y="980728"/>
+            <a:ext cx="1271111" cy="584775"/>
+          </a:xfrm>
+          <a:prstGeom prst="rect">
+            <a:avLst/>
+          </a:prstGeom>
+          <a:noFill/>
+        </p:spPr>
+        <p:txBody>
+          <a:bodyPr wrap="square" rtlCol="0">
+            <a:spAutoFit/>
+          </a:bodyPr>
+          <a:lstStyle/>
+          <a:p>
+            <a:r>
+              <a:rPr lang="ko-KR" altLang="en-US" sz="3200" dirty="0" smtClean="0">
+                <a:solidFill>
+                  <a:srgbClr val="FFFFFF"/>
+                </a:solidFill>
+              </a:rPr>
+              <a:t>결과</a:t>
+            </a:r>
+            <a:endParaRPr lang="en-US" altLang="ko-KR" sz="3200" dirty="0">
+              <a:solidFill>
+                <a:srgbClr val="FFFFFF"/>
+              </a:solidFill>
+            </a:endParaRPr>
+          </a:p>
+        </p:txBody>
+      </p:sp>
     </p:spTree>
     <p:extLst>
       <p:ext uri="{BB962C8B-B14F-4D97-AF65-F5344CB8AC3E}">
-        <p14:creationId xmlns:p14="http://schemas.microsoft.com/office/powerpoint/2010/main" val="1200531362"/>
+        <p14:creationId xmlns:p14="http://schemas.microsoft.com/office/powerpoint/2010/main" val="1878198730"/>
       </p:ext>
     </p:extLst>
   </p:cSld>
@@ -8499,7 +10366,7 @@
       </p:sp>
       <p:pic>
         <p:nvPicPr>
-          <p:cNvPr id="2" name="그림 1"/>
+          <p:cNvPr id="5" name="그림 4"/>
           <p:cNvPicPr>
             <a:picLocks noChangeAspect="1"/>
           </p:cNvPicPr>
@@ -8513,8 +10380,8 @@
         </p:blipFill>
         <p:spPr>
           <a:xfrm>
-            <a:off x="971600" y="704277"/>
-            <a:ext cx="6480720" cy="5449380"/>
+            <a:off x="1691680" y="332656"/>
+            <a:ext cx="5184576" cy="6262422"/>
           </a:xfrm>
           <a:prstGeom prst="rect">
             <a:avLst/>
@@ -8524,7 +10391,7 @@
     </p:spTree>
     <p:extLst>
       <p:ext uri="{BB962C8B-B14F-4D97-AF65-F5344CB8AC3E}">
-        <p14:creationId xmlns:p14="http://schemas.microsoft.com/office/powerpoint/2010/main" val="427492521"/>
+        <p14:creationId xmlns:p14="http://schemas.microsoft.com/office/powerpoint/2010/main" val="2221595427"/>
       </p:ext>
     </p:extLst>
   </p:cSld>
@@ -8558,94 +10425,9 @@
           <a:chExt cx="0" cy="0"/>
         </a:xfrm>
       </p:grpSpPr>
-      <p:sp>
-        <p:nvSpPr>
-          <p:cNvPr id="5" name="부제목 2"/>
-          <p:cNvSpPr>
-            <a:spLocks noGrp="1"/>
-          </p:cNvSpPr>
-          <p:nvPr>
-            <p:ph type="subTitle" idx="1"/>
-          </p:nvPr>
-        </p:nvSpPr>
-        <p:spPr>
-          <a:xfrm>
-            <a:off x="1" y="131886"/>
-            <a:ext cx="8820471" cy="1136874"/>
-          </a:xfrm>
-        </p:spPr>
-        <p:txBody>
-          <a:bodyPr>
-            <a:normAutofit/>
-          </a:bodyPr>
-          <a:lstStyle/>
-          <a:p>
-            <a:pPr algn="l"/>
-            <a:r>
-              <a:rPr lang="en-US" altLang="ko-KR" sz="3200" dirty="0" smtClean="0"/>
-              <a:t>Example02_1 </a:t>
-            </a:r>
-            <a:r>
-              <a:rPr lang="en-US" altLang="ko-KR" sz="3200" dirty="0" smtClean="0"/>
-              <a:t>– </a:t>
-            </a:r>
-            <a:r>
-              <a:rPr lang="ko-KR" altLang="en-US" sz="3200" dirty="0" smtClean="0"/>
-              <a:t>구구단을 외자</a:t>
-            </a:r>
-            <a:endParaRPr lang="en-US" altLang="ko-KR" sz="4400" dirty="0"/>
-          </a:p>
-        </p:txBody>
-      </p:sp>
-      <p:sp>
-        <p:nvSpPr>
-          <p:cNvPr id="14" name="TextBox 13"/>
-          <p:cNvSpPr txBox="1"/>
-          <p:nvPr/>
-        </p:nvSpPr>
-        <p:spPr>
-          <a:xfrm>
-            <a:off x="3707904" y="563042"/>
-            <a:ext cx="1008112" cy="400110"/>
-          </a:xfrm>
-          <a:prstGeom prst="rect">
-            <a:avLst/>
-          </a:prstGeom>
-          <a:noFill/>
-        </p:spPr>
-        <p:txBody>
-          <a:bodyPr wrap="square" rtlCol="0">
-            <a:spAutoFit/>
-          </a:bodyPr>
-          <a:lstStyle/>
-          <a:p>
-            <a:r>
-              <a:rPr lang="en-US" altLang="ko-KR" sz="2000" dirty="0">
-                <a:solidFill>
-                  <a:srgbClr val="FFFFFF"/>
-                </a:solidFill>
-              </a:rPr>
-              <a:t>Main()</a:t>
-            </a:r>
-            <a:r>
-              <a:rPr lang="ko-KR" altLang="en-US" sz="2000" dirty="0">
-                <a:solidFill>
-                  <a:srgbClr val="FFFFFF"/>
-                </a:solidFill>
-              </a:rPr>
-              <a:t> </a:t>
-            </a:r>
-            <a:endParaRPr lang="en-US" altLang="ko-KR" sz="2000" dirty="0">
-              <a:solidFill>
-                <a:srgbClr val="FFFFFF"/>
-              </a:solidFill>
-            </a:endParaRPr>
-          </a:p>
-        </p:txBody>
-      </p:sp>
       <p:pic>
         <p:nvPicPr>
-          <p:cNvPr id="2" name="그림 1"/>
+          <p:cNvPr id="3" name="그림 2"/>
           <p:cNvPicPr>
             <a:picLocks noChangeAspect="1"/>
           </p:cNvPicPr>
@@ -8659,32 +10441,71 @@
         </p:blipFill>
         <p:spPr>
           <a:xfrm>
-            <a:off x="465101" y="1288752"/>
-            <a:ext cx="3001730" cy="671620"/>
+            <a:off x="395536" y="908720"/>
+            <a:ext cx="3228975" cy="1066800"/>
           </a:xfrm>
           <a:prstGeom prst="rect">
             <a:avLst/>
           </a:prstGeom>
         </p:spPr>
       </p:pic>
+      <p:sp>
+        <p:nvSpPr>
+          <p:cNvPr id="6" name="부제목 2"/>
+          <p:cNvSpPr>
+            <a:spLocks noGrp="1"/>
+          </p:cNvSpPr>
+          <p:nvPr>
+            <p:ph type="subTitle" idx="1"/>
+          </p:nvPr>
+        </p:nvSpPr>
+        <p:spPr>
+          <a:xfrm>
+            <a:off x="1" y="131886"/>
+            <a:ext cx="8820471" cy="1136874"/>
+          </a:xfrm>
+        </p:spPr>
+        <p:txBody>
+          <a:bodyPr>
+            <a:normAutofit/>
+          </a:bodyPr>
+          <a:lstStyle/>
+          <a:p>
+            <a:pPr algn="l"/>
+            <a:r>
+              <a:rPr lang="ko-KR" altLang="en-US" sz="3200" dirty="0" err="1" smtClean="0"/>
+              <a:t>반복문</a:t>
+            </a:r>
+            <a:r>
+              <a:rPr lang="ko-KR" altLang="en-US" sz="3200" dirty="0" smtClean="0"/>
+              <a:t> 이란</a:t>
+            </a:r>
+            <a:r>
+              <a:rPr lang="en-US" altLang="ko-KR" sz="3200" dirty="0" smtClean="0"/>
+              <a:t>??</a:t>
+            </a:r>
+            <a:endParaRPr lang="en-US" altLang="ko-KR" sz="4400" dirty="0"/>
+          </a:p>
+        </p:txBody>
+      </p:sp>
       <p:pic>
         <p:nvPicPr>
-          <p:cNvPr id="3" name="그림 2"/>
+          <p:cNvPr id="7" name="그림 6"/>
           <p:cNvPicPr>
             <a:picLocks noChangeAspect="1"/>
           </p:cNvPicPr>
           <p:nvPr/>
         </p:nvPicPr>
         <p:blipFill>
-          <a:blip r:embed="rId3"/>
+          <a:blip r:embed="rId2"/>
           <a:stretch>
             <a:fillRect/>
           </a:stretch>
         </p:blipFill>
         <p:spPr>
           <a:xfrm>
-            <a:off x="469936" y="2276872"/>
-            <a:ext cx="2954395" cy="3528392"/>
+            <a:off x="395535" y="1945362"/>
+            <a:ext cx="3228975" cy="1066800"/>
           </a:xfrm>
           <a:prstGeom prst="rect">
             <a:avLst/>
@@ -8693,38 +10514,86 @@
       </p:pic>
       <p:pic>
         <p:nvPicPr>
-          <p:cNvPr id="6" name="그림 5"/>
+          <p:cNvPr id="8" name="그림 7"/>
           <p:cNvPicPr>
             <a:picLocks noChangeAspect="1"/>
           </p:cNvPicPr>
           <p:nvPr/>
         </p:nvPicPr>
         <p:blipFill>
-          <a:blip r:embed="rId4"/>
+          <a:blip r:embed="rId2"/>
           <a:stretch>
             <a:fillRect/>
           </a:stretch>
         </p:blipFill>
         <p:spPr>
           <a:xfrm>
-            <a:off x="3707904" y="1052736"/>
-            <a:ext cx="4819650" cy="4848225"/>
+            <a:off x="395534" y="2998047"/>
+            <a:ext cx="3228975" cy="1066800"/>
           </a:xfrm>
           <a:prstGeom prst="rect">
             <a:avLst/>
           </a:prstGeom>
         </p:spPr>
       </p:pic>
-      <p:sp>
-        <p:nvSpPr>
-          <p:cNvPr id="27" name="TextBox 26"/>
+      <p:pic>
+        <p:nvPicPr>
+          <p:cNvPr id="10" name="그림 9"/>
+          <p:cNvPicPr>
+            <a:picLocks noChangeAspect="1"/>
+          </p:cNvPicPr>
+          <p:nvPr/>
+        </p:nvPicPr>
+        <p:blipFill>
+          <a:blip r:embed="rId2"/>
+          <a:stretch>
+            <a:fillRect/>
+          </a:stretch>
+        </p:blipFill>
+        <p:spPr>
+          <a:xfrm>
+            <a:off x="395533" y="4064847"/>
+            <a:ext cx="3228975" cy="1066800"/>
+          </a:xfrm>
+          <a:prstGeom prst="rect">
+            <a:avLst/>
+          </a:prstGeom>
+        </p:spPr>
+      </p:pic>
+      <p:pic>
+        <p:nvPicPr>
+          <p:cNvPr id="11" name="그림 10"/>
+          <p:cNvPicPr>
+            <a:picLocks noChangeAspect="1"/>
+          </p:cNvPicPr>
+          <p:nvPr/>
+        </p:nvPicPr>
+        <p:blipFill>
+          <a:blip r:embed="rId2"/>
+          <a:stretch>
+            <a:fillRect/>
+          </a:stretch>
+        </p:blipFill>
+        <p:spPr>
+          <a:xfrm>
+            <a:off x="395532" y="5058603"/>
+            <a:ext cx="3228975" cy="1066800"/>
+          </a:xfrm>
+          <a:prstGeom prst="rect">
+            <a:avLst/>
+          </a:prstGeom>
+        </p:spPr>
+      </p:pic>
+      <p:sp>
+        <p:nvSpPr>
+          <p:cNvPr id="4" name="TextBox 3"/>
           <p:cNvSpPr txBox="1"/>
           <p:nvPr/>
         </p:nvSpPr>
         <p:spPr>
           <a:xfrm>
-            <a:off x="474017" y="846074"/>
-            <a:ext cx="1008112" cy="400110"/>
+            <a:off x="4338038" y="857345"/>
+            <a:ext cx="4824536" cy="584775"/>
           </a:xfrm>
           <a:prstGeom prst="rect">
             <a:avLst/>
@@ -8738,181 +10607,103 @@
           <a:lstStyle/>
           <a:p>
             <a:r>
-              <a:rPr lang="ko-KR" altLang="en-US" sz="2000" dirty="0" smtClean="0">
-                <a:solidFill>
-                  <a:srgbClr val="FFFFFF"/>
-                </a:solidFill>
-              </a:rPr>
-              <a:t>결과</a:t>
-            </a:r>
-            <a:endParaRPr lang="en-US" altLang="ko-KR" sz="2000" dirty="0">
-              <a:solidFill>
-                <a:srgbClr val="FFFFFF"/>
-              </a:solidFill>
-            </a:endParaRPr>
-          </a:p>
-        </p:txBody>
-      </p:sp>
-      <p:sp>
-        <p:nvSpPr>
-          <p:cNvPr id="9" name="직사각형 8"/>
-          <p:cNvSpPr/>
+              <a:rPr lang="en-US" altLang="ko-KR" sz="3200" dirty="0" smtClean="0"/>
+              <a:t>For(</a:t>
+            </a:r>
+            <a:r>
+              <a:rPr lang="ko-KR" altLang="en-US" sz="3200" dirty="0" err="1" smtClean="0"/>
+              <a:t>시작값</a:t>
+            </a:r>
+            <a:r>
+              <a:rPr lang="ko-KR" altLang="en-US" sz="3200" dirty="0" smtClean="0"/>
+              <a:t> </a:t>
+            </a:r>
+            <a:r>
+              <a:rPr lang="en-US" altLang="ko-KR" sz="3200" dirty="0" smtClean="0"/>
+              <a:t>; </a:t>
+            </a:r>
+            <a:r>
+              <a:rPr lang="ko-KR" altLang="en-US" sz="3200" dirty="0" err="1" smtClean="0"/>
+              <a:t>조건문</a:t>
+            </a:r>
+            <a:r>
+              <a:rPr lang="ko-KR" altLang="en-US" sz="3200" dirty="0" smtClean="0"/>
+              <a:t> </a:t>
+            </a:r>
+            <a:r>
+              <a:rPr lang="en-US" altLang="ko-KR" sz="3200" dirty="0" smtClean="0"/>
+              <a:t>; </a:t>
+            </a:r>
+            <a:r>
+              <a:rPr lang="ko-KR" altLang="en-US" sz="3200" dirty="0" err="1" smtClean="0"/>
+              <a:t>증감값</a:t>
+            </a:r>
+            <a:r>
+              <a:rPr lang="en-US" altLang="ko-KR" sz="3200" dirty="0" smtClean="0"/>
+              <a:t>) {</a:t>
+            </a:r>
+            <a:endParaRPr lang="ko-KR" altLang="en-US" sz="3200" dirty="0"/>
+          </a:p>
+        </p:txBody>
+      </p:sp>
+      <p:pic>
+        <p:nvPicPr>
+          <p:cNvPr id="12" name="그림 11"/>
+          <p:cNvPicPr>
+            <a:picLocks noChangeAspect="1"/>
+          </p:cNvPicPr>
           <p:nvPr/>
-        </p:nvSpPr>
-        <p:spPr>
-          <a:xfrm>
-            <a:off x="4427984" y="2780928"/>
-            <a:ext cx="2016224" cy="216024"/>
+        </p:nvPicPr>
+        <p:blipFill>
+          <a:blip r:embed="rId2"/>
+          <a:stretch>
+            <a:fillRect/>
+          </a:stretch>
+        </p:blipFill>
+        <p:spPr>
+          <a:xfrm>
+            <a:off x="5220072" y="1634179"/>
+            <a:ext cx="3228975" cy="1066800"/>
           </a:xfrm>
           <a:prstGeom prst="rect">
             <a:avLst/>
           </a:prstGeom>
         </p:spPr>
-        <p:style>
-          <a:lnRef idx="2">
-            <a:schemeClr val="accent1">
-              <a:shade val="50000"/>
-            </a:schemeClr>
-          </a:lnRef>
-          <a:fillRef idx="1">
-            <a:schemeClr val="accent1"/>
-          </a:fillRef>
-          <a:effectRef idx="0">
-            <a:schemeClr val="accent1"/>
-          </a:effectRef>
-          <a:fontRef idx="minor">
-            <a:schemeClr val="lt1"/>
-          </a:fontRef>
-        </p:style>
-        <p:txBody>
-          <a:bodyPr rtlCol="0" anchor="ctr"/>
-          <a:lstStyle/>
-          <a:p>
-            <a:pPr algn="ctr"/>
-            <a:endParaRPr lang="ko-KR" altLang="en-US"/>
-          </a:p>
-        </p:txBody>
-      </p:sp>
-      <p:cxnSp>
-        <p:nvCxnSpPr>
-          <p:cNvPr id="13" name="직선 화살표 연결선 12"/>
-          <p:cNvCxnSpPr>
-            <a:stCxn id="2" idx="3"/>
-          </p:cNvCxnSpPr>
+      </p:pic>
+      <p:sp>
+        <p:nvSpPr>
+          <p:cNvPr id="13" name="TextBox 12"/>
+          <p:cNvSpPr txBox="1"/>
           <p:nvPr/>
-        </p:nvCxnSpPr>
-        <p:spPr>
-          <a:xfrm>
-            <a:off x="3466831" y="1624562"/>
-            <a:ext cx="961153" cy="1300382"/>
-          </a:xfrm>
-          <a:prstGeom prst="straightConnector1">
-            <a:avLst/>
-          </a:prstGeom>
-          <a:ln w="28575">
-            <a:solidFill>
-              <a:srgbClr val="FF0000"/>
-            </a:solidFill>
-            <a:tailEnd type="triangle"/>
-          </a:ln>
-        </p:spPr>
-        <p:style>
-          <a:lnRef idx="1">
-            <a:schemeClr val="accent1"/>
-          </a:lnRef>
-          <a:fillRef idx="0">
-            <a:schemeClr val="accent1"/>
-          </a:fillRef>
-          <a:effectRef idx="0">
-            <a:schemeClr val="accent1"/>
-          </a:effectRef>
-          <a:fontRef idx="minor">
-            <a:schemeClr val="tx1"/>
-          </a:fontRef>
-        </p:style>
-      </p:cxnSp>
-      <p:sp>
-        <p:nvSpPr>
-          <p:cNvPr id="15" name="직사각형 14"/>
-          <p:cNvSpPr/>
-          <p:nvPr/>
-        </p:nvSpPr>
-        <p:spPr>
-          <a:xfrm>
-            <a:off x="4355976" y="3068960"/>
-            <a:ext cx="4099570" cy="576064"/>
+        </p:nvSpPr>
+        <p:spPr>
+          <a:xfrm>
+            <a:off x="4355976" y="2844225"/>
+            <a:ext cx="4824536" cy="584775"/>
           </a:xfrm>
           <a:prstGeom prst="rect">
             <a:avLst/>
           </a:prstGeom>
-        </p:spPr>
-        <p:style>
-          <a:lnRef idx="2">
-            <a:schemeClr val="accent1">
-              <a:shade val="50000"/>
-            </a:schemeClr>
-          </a:lnRef>
-          <a:fillRef idx="1">
-            <a:schemeClr val="accent1"/>
-          </a:fillRef>
-          <a:effectRef idx="0">
-            <a:schemeClr val="accent1"/>
-          </a:effectRef>
-          <a:fontRef idx="minor">
-            <a:schemeClr val="lt1"/>
-          </a:fontRef>
-        </p:style>
-        <p:txBody>
-          <a:bodyPr rtlCol="0" anchor="ctr"/>
-          <a:lstStyle/>
-          <a:p>
-            <a:pPr algn="ctr"/>
-            <a:endParaRPr lang="ko-KR" altLang="en-US"/>
-          </a:p>
-        </p:txBody>
-      </p:sp>
-      <p:cxnSp>
-        <p:nvCxnSpPr>
-          <p:cNvPr id="18" name="직선 화살표 연결선 17"/>
-          <p:cNvCxnSpPr>
-            <a:stCxn id="3" idx="3"/>
-          </p:cNvCxnSpPr>
-          <p:nvPr/>
-        </p:nvCxnSpPr>
-        <p:spPr>
-          <a:xfrm flipV="1">
-            <a:off x="3424331" y="3356992"/>
-            <a:ext cx="931645" cy="684076"/>
-          </a:xfrm>
-          <a:prstGeom prst="straightConnector1">
-            <a:avLst/>
-          </a:prstGeom>
-          <a:ln w="28575">
-            <a:solidFill>
-              <a:srgbClr val="FF0000"/>
-            </a:solidFill>
-            <a:tailEnd type="triangle"/>
-          </a:ln>
-        </p:spPr>
-        <p:style>
-          <a:lnRef idx="1">
-            <a:schemeClr val="accent1"/>
-          </a:lnRef>
-          <a:fillRef idx="0">
-            <a:schemeClr val="accent1"/>
-          </a:fillRef>
-          <a:effectRef idx="0">
-            <a:schemeClr val="accent1"/>
-          </a:effectRef>
-          <a:fontRef idx="minor">
-            <a:schemeClr val="tx1"/>
-          </a:fontRef>
-        </p:style>
-      </p:cxnSp>
+          <a:noFill/>
+        </p:spPr>
+        <p:txBody>
+          <a:bodyPr wrap="square" rtlCol="0">
+            <a:spAutoFit/>
+          </a:bodyPr>
+          <a:lstStyle/>
+          <a:p>
+            <a:r>
+              <a:rPr lang="en-US" altLang="ko-KR" sz="3200" dirty="0" smtClean="0"/>
+              <a:t>}</a:t>
+            </a:r>
+            <a:endParaRPr lang="ko-KR" altLang="en-US" sz="3200" dirty="0"/>
+          </a:p>
+        </p:txBody>
+      </p:sp>
     </p:spTree>
     <p:extLst>
       <p:ext uri="{BB962C8B-B14F-4D97-AF65-F5344CB8AC3E}">
-        <p14:creationId xmlns:p14="http://schemas.microsoft.com/office/powerpoint/2010/main" val="3500156104"/>
+        <p14:creationId xmlns:p14="http://schemas.microsoft.com/office/powerpoint/2010/main" val="4234510014"/>
       </p:ext>
     </p:extLst>
   </p:cSld>
@@ -9183,7 +10974,7 @@
   <a:extraClrSchemeLst/>
   <a:extLst>
     <a:ext uri="{05A4C25C-085E-4340-85A3-A5531E510DB2}">
-      <thm15:themeFamily xmlns:thm15="http://schemas.microsoft.com/office/thememl/2012/main" name="Parcel" id="{8BEC4385-4EB9-4D53-BFB5-0EA123736B6D}" vid="{4DB32801-28C0-48B0-8C1D-A9A58613615A}"/>
+      <thm15:themeFamily xmlns="" xmlns:thm15="http://schemas.microsoft.com/office/thememl/2012/main" name="Parcel" id="{8BEC4385-4EB9-4D53-BFB5-0EA123736B6D}" vid="{4DB32801-28C0-48B0-8C1D-A9A58613615A}"/>
     </a:ext>
   </a:extLst>
 </a:theme>

--- a/2019_Mentoring/4_weeks/멘토링_4주차.pptx
+++ b/2019_Mentoring/4_weeks/멘토링_4주차.pptx
@@ -27,10 +27,14 @@
     <p:sldId id="291" r:id="rId21"/>
     <p:sldId id="298" r:id="rId22"/>
     <p:sldId id="299" r:id="rId23"/>
-    <p:sldId id="304" r:id="rId24"/>
-    <p:sldId id="305" r:id="rId25"/>
-    <p:sldId id="306" r:id="rId26"/>
-    <p:sldId id="307" r:id="rId27"/>
+    <p:sldId id="316" r:id="rId24"/>
+    <p:sldId id="317" r:id="rId25"/>
+    <p:sldId id="318" r:id="rId26"/>
+    <p:sldId id="319" r:id="rId27"/>
+    <p:sldId id="304" r:id="rId28"/>
+    <p:sldId id="305" r:id="rId29"/>
+    <p:sldId id="306" r:id="rId30"/>
+    <p:sldId id="307" r:id="rId31"/>
   </p:sldIdLst>
   <p:sldSz cx="9144000" cy="6858000" type="screen4x3"/>
   <p:notesSz cx="6858000" cy="9144000"/>
@@ -131,7 +135,7 @@
   </p:defaultTextStyle>
   <p:extLst>
     <p:ext uri="{EFAFB233-063F-42B5-8137-9DF3F51BA10A}">
-      <p15:sldGuideLst xmlns="" xmlns:p15="http://schemas.microsoft.com/office/powerpoint/2012/main">
+      <p15:sldGuideLst xmlns:p15="http://schemas.microsoft.com/office/powerpoint/2012/main" xmlns="">
         <p15:guide id="1" orient="horz" pos="2160">
           <p15:clr>
             <a:srgbClr val="A4A3A4"/>
@@ -318,7 +322,7 @@
                 </a:solidFill>
               </a:rPr>
               <a:pPr/>
-              <a:t>2019-05-07</a:t>
+              <a:t>2019-05-28</a:t>
             </a:fld>
             <a:endParaRPr lang="ko-KR" altLang="en-US">
               <a:solidFill>
@@ -508,7 +512,7 @@
                 </a:solidFill>
               </a:rPr>
               <a:pPr/>
-              <a:t>2019-05-07</a:t>
+              <a:t>2019-05-28</a:t>
             </a:fld>
             <a:endParaRPr lang="ko-KR" altLang="en-US">
               <a:solidFill>
@@ -708,7 +712,7 @@
                 </a:solidFill>
               </a:rPr>
               <a:pPr/>
-              <a:t>2019-05-07</a:t>
+              <a:t>2019-05-28</a:t>
             </a:fld>
             <a:endParaRPr lang="ko-KR" altLang="en-US">
               <a:solidFill>
@@ -898,7 +902,7 @@
                 </a:solidFill>
               </a:rPr>
               <a:pPr/>
-              <a:t>2019-05-07</a:t>
+              <a:t>2019-05-28</a:t>
             </a:fld>
             <a:endParaRPr lang="ko-KR" altLang="en-US">
               <a:solidFill>
@@ -1186,7 +1190,7 @@
                 </a:solidFill>
               </a:rPr>
               <a:pPr/>
-              <a:t>2019-05-07</a:t>
+              <a:t>2019-05-28</a:t>
             </a:fld>
             <a:endParaRPr lang="ko-KR" altLang="en-US">
               <a:solidFill>
@@ -1438,7 +1442,7 @@
                 </a:solidFill>
               </a:rPr>
               <a:pPr/>
-              <a:t>2019-05-07</a:t>
+              <a:t>2019-05-28</a:t>
             </a:fld>
             <a:endParaRPr lang="ko-KR" altLang="en-US">
               <a:solidFill>
@@ -1817,7 +1821,7 @@
                 </a:solidFill>
               </a:rPr>
               <a:pPr/>
-              <a:t>2019-05-07</a:t>
+              <a:t>2019-05-28</a:t>
             </a:fld>
             <a:endParaRPr lang="ko-KR" altLang="en-US">
               <a:solidFill>
@@ -1978,7 +1982,7 @@
                 </a:solidFill>
               </a:rPr>
               <a:pPr/>
-              <a:t>2019-05-07</a:t>
+              <a:t>2019-05-28</a:t>
             </a:fld>
             <a:endParaRPr lang="ko-KR" altLang="en-US">
               <a:solidFill>
@@ -2093,7 +2097,7 @@
                 </a:solidFill>
               </a:rPr>
               <a:pPr/>
-              <a:t>2019-05-07</a:t>
+              <a:t>2019-05-28</a:t>
             </a:fld>
             <a:endParaRPr lang="ko-KR" altLang="en-US">
               <a:solidFill>
@@ -2470,7 +2474,7 @@
                 </a:solidFill>
               </a:rPr>
               <a:pPr/>
-              <a:t>2019-05-07</a:t>
+              <a:t>2019-05-28</a:t>
             </a:fld>
             <a:endParaRPr lang="ko-KR" altLang="en-US">
               <a:solidFill>
@@ -2835,7 +2839,7 @@
             <a:fld id="{8F35366E-D432-43AC-B21B-98394E46B3B0}" type="datetimeFigureOut">
               <a:rPr lang="ko-KR" altLang="en-US" smtClean="0"/>
               <a:pPr/>
-              <a:t>2019-05-07</a:t>
+              <a:t>2019-05-28</a:t>
             </a:fld>
             <a:endParaRPr lang="ko-KR" altLang="en-US"/>
           </a:p>
@@ -3084,7 +3088,7 @@
                 </a:solidFill>
               </a:rPr>
               <a:pPr/>
-              <a:t>2019-05-07</a:t>
+              <a:t>2019-05-28</a:t>
             </a:fld>
             <a:endParaRPr lang="ko-KR" altLang="en-US">
               <a:solidFill>
@@ -8095,14 +8099,18 @@
             <a:pPr algn="l"/>
             <a:r>
               <a:rPr lang="en-US" altLang="ko-KR" sz="3200" dirty="0" smtClean="0"/>
-              <a:t>Example04 – </a:t>
-            </a:r>
-            <a:r>
-              <a:rPr lang="ko-KR" altLang="en-US" sz="3200" dirty="0" smtClean="0"/>
+              <a:t>Example04_1 </a:t>
+            </a:r>
+            <a:r>
+              <a:rPr lang="en-US" altLang="ko-KR" sz="3200" dirty="0"/>
+              <a:t>– </a:t>
+            </a:r>
+            <a:r>
+              <a:rPr lang="ko-KR" altLang="en-US" sz="3200" dirty="0"/>
               <a:t>소수들을 구하자</a:t>
             </a:r>
             <a:r>
-              <a:rPr lang="en-US" altLang="ko-KR" sz="3200" dirty="0" smtClean="0"/>
+              <a:rPr lang="en-US" altLang="ko-KR" sz="3200" dirty="0"/>
               <a:t>.</a:t>
             </a:r>
           </a:p>
@@ -8110,13 +8118,13 @@
       </p:sp>
       <p:sp>
         <p:nvSpPr>
-          <p:cNvPr id="4" name="TextBox 3"/>
+          <p:cNvPr id="14" name="TextBox 13"/>
           <p:cNvSpPr txBox="1"/>
           <p:nvPr/>
         </p:nvSpPr>
         <p:spPr>
           <a:xfrm>
-            <a:off x="108536" y="784021"/>
+            <a:off x="192028" y="903931"/>
             <a:ext cx="1271111" cy="584775"/>
           </a:xfrm>
           <a:prstGeom prst="rect">
@@ -8131,12 +8139,20 @@
           <a:lstStyle/>
           <a:p>
             <a:r>
-              <a:rPr lang="ko-KR" altLang="en-US" sz="3200" dirty="0" smtClean="0">
+              <a:rPr lang="en-US" altLang="ko-KR" sz="3200" dirty="0">
                 <a:solidFill>
                   <a:srgbClr val="FFFFFF"/>
                 </a:solidFill>
               </a:rPr>
-              <a:t>결과</a:t>
+              <a:t>Main()</a:t>
+            </a:r>
+            <a:r>
+              <a:rPr lang="ko-KR" altLang="en-US" sz="3200" dirty="0">
+                <a:solidFill>
+                  <a:srgbClr val="FFFFFF"/>
+                </a:solidFill>
+              </a:rPr>
+              <a:t> </a:t>
             </a:r>
             <a:endParaRPr lang="en-US" altLang="ko-KR" sz="3200" dirty="0">
               <a:solidFill>
@@ -8146,40 +8162,374 @@
           </a:p>
         </p:txBody>
       </p:sp>
+      <p:sp>
+        <p:nvSpPr>
+          <p:cNvPr id="4" name="TextBox 3"/>
+          <p:cNvSpPr txBox="1"/>
+          <p:nvPr/>
+        </p:nvSpPr>
+        <p:spPr>
+          <a:xfrm>
+            <a:off x="5220072" y="912898"/>
+            <a:ext cx="1271111" cy="584775"/>
+          </a:xfrm>
+          <a:prstGeom prst="rect">
+            <a:avLst/>
+          </a:prstGeom>
+          <a:noFill/>
+        </p:spPr>
+        <p:txBody>
+          <a:bodyPr wrap="square" rtlCol="0">
+            <a:spAutoFit/>
+          </a:bodyPr>
+          <a:lstStyle/>
+          <a:p>
+            <a:r>
+              <a:rPr lang="ko-KR" altLang="en-US" sz="3200" dirty="0" smtClean="0">
+                <a:solidFill>
+                  <a:srgbClr val="FFFFFF"/>
+                </a:solidFill>
+              </a:rPr>
+              <a:t>결과</a:t>
+            </a:r>
+            <a:endParaRPr lang="en-US" altLang="ko-KR" sz="3200" dirty="0">
+              <a:solidFill>
+                <a:srgbClr val="FFFFFF"/>
+              </a:solidFill>
+            </a:endParaRPr>
+          </a:p>
+        </p:txBody>
+      </p:sp>
       <p:pic>
         <p:nvPicPr>
-          <p:cNvPr id="2" name="그림 1"/>
+          <p:cNvPr id="1027" name="Picture 3"/>
           <p:cNvPicPr>
-            <a:picLocks noChangeAspect="1"/>
+            <a:picLocks noChangeAspect="1" noChangeArrowheads="1"/>
           </p:cNvPicPr>
           <p:nvPr/>
         </p:nvPicPr>
         <p:blipFill>
-          <a:blip r:embed="rId2"/>
+          <a:blip r:embed="rId2">
+            <a:extLst>
+              <a:ext uri="{28A0092B-C50C-407E-A947-70E740481C1C}">
+                <a14:useLocalDpi xmlns:a14="http://schemas.microsoft.com/office/drawing/2010/main" val="0"/>
+              </a:ext>
+            </a:extLst>
+          </a:blip>
+          <a:srcRect/>
           <a:stretch>
             <a:fillRect/>
           </a:stretch>
         </p:blipFill>
-        <p:spPr>
-          <a:xfrm>
-            <a:off x="4211960" y="917431"/>
-            <a:ext cx="4104456" cy="5468969"/>
+        <p:spPr bwMode="auto">
+          <a:xfrm>
+            <a:off x="5566395" y="1628800"/>
+            <a:ext cx="2626775" cy="923900"/>
           </a:xfrm>
           <a:prstGeom prst="rect">
             <a:avLst/>
           </a:prstGeom>
+          <a:noFill/>
+          <a:ln>
+            <a:noFill/>
+          </a:ln>
+          <a:effectLst/>
+          <a:extLst>
+            <a:ext uri="{909E8E84-426E-40DD-AFC4-6F175D3DCCD1}">
+              <a14:hiddenFill xmlns:a14="http://schemas.microsoft.com/office/drawing/2010/main">
+                <a:solidFill>
+                  <a:schemeClr val="accent1"/>
+                </a:solidFill>
+              </a14:hiddenFill>
+            </a:ext>
+            <a:ext uri="{91240B29-F687-4F45-9708-019B960494DF}">
+              <a14:hiddenLine xmlns:a14="http://schemas.microsoft.com/office/drawing/2010/main" w="9525">
+                <a:solidFill>
+                  <a:schemeClr val="tx1"/>
+                </a:solidFill>
+                <a:miter lim="800000"/>
+                <a:headEnd/>
+                <a:tailEnd/>
+              </a14:hiddenLine>
+            </a:ext>
+            <a:ext uri="{AF507438-7753-43E0-B8FC-AC1667EBCBE1}">
+              <a14:hiddenEffects xmlns:a14="http://schemas.microsoft.com/office/drawing/2010/main">
+                <a:effectLst>
+                  <a:outerShdw dist="35921" dir="2700000" algn="ctr" rotWithShape="0">
+                    <a:schemeClr val="bg2"/>
+                  </a:outerShdw>
+                </a:effectLst>
+              </a14:hiddenEffects>
+            </a:ext>
+          </a:extLst>
         </p:spPr>
       </p:pic>
-      <p:sp>
-        <p:nvSpPr>
-          <p:cNvPr id="3" name="직사각형 2"/>
+      <p:pic>
+        <p:nvPicPr>
+          <p:cNvPr id="1028" name="Picture 4"/>
+          <p:cNvPicPr>
+            <a:picLocks noChangeAspect="1" noChangeArrowheads="1"/>
+          </p:cNvPicPr>
+          <p:nvPr/>
+        </p:nvPicPr>
+        <p:blipFill>
+          <a:blip r:embed="rId3">
+            <a:extLst>
+              <a:ext uri="{28A0092B-C50C-407E-A947-70E740481C1C}">
+                <a14:useLocalDpi xmlns:a14="http://schemas.microsoft.com/office/drawing/2010/main" val="0"/>
+              </a:ext>
+            </a:extLst>
+          </a:blip>
+          <a:srcRect/>
+          <a:stretch>
+            <a:fillRect/>
+          </a:stretch>
+        </p:blipFill>
+        <p:spPr bwMode="auto">
+          <a:xfrm>
+            <a:off x="5624584" y="2780928"/>
+            <a:ext cx="2510396" cy="1008112"/>
+          </a:xfrm>
+          <a:prstGeom prst="rect">
+            <a:avLst/>
+          </a:prstGeom>
+          <a:noFill/>
+          <a:ln>
+            <a:noFill/>
+          </a:ln>
+          <a:effectLst/>
+          <a:extLst>
+            <a:ext uri="{909E8E84-426E-40DD-AFC4-6F175D3DCCD1}">
+              <a14:hiddenFill xmlns:a14="http://schemas.microsoft.com/office/drawing/2010/main">
+                <a:solidFill>
+                  <a:schemeClr val="accent1"/>
+                </a:solidFill>
+              </a14:hiddenFill>
+            </a:ext>
+            <a:ext uri="{91240B29-F687-4F45-9708-019B960494DF}">
+              <a14:hiddenLine xmlns:a14="http://schemas.microsoft.com/office/drawing/2010/main" w="9525">
+                <a:solidFill>
+                  <a:schemeClr val="tx1"/>
+                </a:solidFill>
+                <a:miter lim="800000"/>
+                <a:headEnd/>
+                <a:tailEnd/>
+              </a14:hiddenLine>
+            </a:ext>
+            <a:ext uri="{AF507438-7753-43E0-B8FC-AC1667EBCBE1}">
+              <a14:hiddenEffects xmlns:a14="http://schemas.microsoft.com/office/drawing/2010/main">
+                <a:effectLst>
+                  <a:outerShdw dist="35921" dir="2700000" algn="ctr" rotWithShape="0">
+                    <a:schemeClr val="bg2"/>
+                  </a:outerShdw>
+                </a:effectLst>
+              </a14:hiddenEffects>
+            </a:ext>
+          </a:extLst>
+        </p:spPr>
+      </p:pic>
+      <p:pic>
+        <p:nvPicPr>
+          <p:cNvPr id="1029" name="Picture 5"/>
+          <p:cNvPicPr>
+            <a:picLocks noChangeAspect="1" noChangeArrowheads="1"/>
+          </p:cNvPicPr>
+          <p:nvPr/>
+        </p:nvPicPr>
+        <p:blipFill>
+          <a:blip r:embed="rId4">
+            <a:extLst>
+              <a:ext uri="{28A0092B-C50C-407E-A947-70E740481C1C}">
+                <a14:useLocalDpi xmlns:a14="http://schemas.microsoft.com/office/drawing/2010/main" val="0"/>
+              </a:ext>
+            </a:extLst>
+          </a:blip>
+          <a:srcRect/>
+          <a:stretch>
+            <a:fillRect/>
+          </a:stretch>
+        </p:blipFill>
+        <p:spPr bwMode="auto">
+          <a:xfrm>
+            <a:off x="5624584" y="4005064"/>
+            <a:ext cx="2471461" cy="1080120"/>
+          </a:xfrm>
+          <a:prstGeom prst="rect">
+            <a:avLst/>
+          </a:prstGeom>
+          <a:noFill/>
+          <a:ln>
+            <a:noFill/>
+          </a:ln>
+          <a:effectLst/>
+          <a:extLst>
+            <a:ext uri="{909E8E84-426E-40DD-AFC4-6F175D3DCCD1}">
+              <a14:hiddenFill xmlns:a14="http://schemas.microsoft.com/office/drawing/2010/main">
+                <a:solidFill>
+                  <a:schemeClr val="accent1"/>
+                </a:solidFill>
+              </a14:hiddenFill>
+            </a:ext>
+            <a:ext uri="{91240B29-F687-4F45-9708-019B960494DF}">
+              <a14:hiddenLine xmlns:a14="http://schemas.microsoft.com/office/drawing/2010/main" w="9525">
+                <a:solidFill>
+                  <a:schemeClr val="tx1"/>
+                </a:solidFill>
+                <a:miter lim="800000"/>
+                <a:headEnd/>
+                <a:tailEnd/>
+              </a14:hiddenLine>
+            </a:ext>
+            <a:ext uri="{AF507438-7753-43E0-B8FC-AC1667EBCBE1}">
+              <a14:hiddenEffects xmlns:a14="http://schemas.microsoft.com/office/drawing/2010/main">
+                <a:effectLst>
+                  <a:outerShdw dist="35921" dir="2700000" algn="ctr" rotWithShape="0">
+                    <a:schemeClr val="bg2"/>
+                  </a:outerShdw>
+                </a:effectLst>
+              </a14:hiddenEffects>
+            </a:ext>
+          </a:extLst>
+        </p:spPr>
+      </p:pic>
+      <p:pic>
+        <p:nvPicPr>
+          <p:cNvPr id="1030" name="Picture 6"/>
+          <p:cNvPicPr>
+            <a:picLocks noChangeAspect="1" noChangeArrowheads="1"/>
+          </p:cNvPicPr>
+          <p:nvPr/>
+        </p:nvPicPr>
+        <p:blipFill>
+          <a:blip r:embed="rId5">
+            <a:extLst>
+              <a:ext uri="{28A0092B-C50C-407E-A947-70E740481C1C}">
+                <a14:useLocalDpi xmlns:a14="http://schemas.microsoft.com/office/drawing/2010/main" val="0"/>
+              </a:ext>
+            </a:extLst>
+          </a:blip>
+          <a:srcRect/>
+          <a:stretch>
+            <a:fillRect/>
+          </a:stretch>
+        </p:blipFill>
+        <p:spPr bwMode="auto">
+          <a:xfrm>
+            <a:off x="323526" y="1503460"/>
+            <a:ext cx="5073405" cy="5334416"/>
+          </a:xfrm>
+          <a:prstGeom prst="rect">
+            <a:avLst/>
+          </a:prstGeom>
+          <a:noFill/>
+          <a:ln>
+            <a:noFill/>
+          </a:ln>
+          <a:effectLst/>
+          <a:extLst>
+            <a:ext uri="{909E8E84-426E-40DD-AFC4-6F175D3DCCD1}">
+              <a14:hiddenFill xmlns:a14="http://schemas.microsoft.com/office/drawing/2010/main">
+                <a:solidFill>
+                  <a:schemeClr val="accent1"/>
+                </a:solidFill>
+              </a14:hiddenFill>
+            </a:ext>
+            <a:ext uri="{91240B29-F687-4F45-9708-019B960494DF}">
+              <a14:hiddenLine xmlns:a14="http://schemas.microsoft.com/office/drawing/2010/main" w="9525">
+                <a:solidFill>
+                  <a:schemeClr val="tx1"/>
+                </a:solidFill>
+                <a:miter lim="800000"/>
+                <a:headEnd/>
+                <a:tailEnd/>
+              </a14:hiddenLine>
+            </a:ext>
+            <a:ext uri="{AF507438-7753-43E0-B8FC-AC1667EBCBE1}">
+              <a14:hiddenEffects xmlns:a14="http://schemas.microsoft.com/office/drawing/2010/main">
+                <a:effectLst>
+                  <a:outerShdw dist="35921" dir="2700000" algn="ctr" rotWithShape="0">
+                    <a:schemeClr val="bg2"/>
+                  </a:outerShdw>
+                </a:effectLst>
+              </a14:hiddenEffects>
+            </a:ext>
+          </a:extLst>
+        </p:spPr>
+      </p:pic>
+      <p:pic>
+        <p:nvPicPr>
+          <p:cNvPr id="1031" name="Picture 7"/>
+          <p:cNvPicPr>
+            <a:picLocks noChangeAspect="1" noChangeArrowheads="1"/>
+          </p:cNvPicPr>
+          <p:nvPr/>
+        </p:nvPicPr>
+        <p:blipFill>
+          <a:blip r:embed="rId6">
+            <a:extLst>
+              <a:ext uri="{28A0092B-C50C-407E-A947-70E740481C1C}">
+                <a14:useLocalDpi xmlns:a14="http://schemas.microsoft.com/office/drawing/2010/main" val="0"/>
+              </a:ext>
+            </a:extLst>
+          </a:blip>
+          <a:srcRect/>
+          <a:stretch>
+            <a:fillRect/>
+          </a:stretch>
+        </p:blipFill>
+        <p:spPr bwMode="auto">
+          <a:xfrm>
+            <a:off x="5639927" y="5373216"/>
+            <a:ext cx="2524069" cy="1296144"/>
+          </a:xfrm>
+          <a:prstGeom prst="rect">
+            <a:avLst/>
+          </a:prstGeom>
+          <a:noFill/>
+          <a:ln>
+            <a:noFill/>
+          </a:ln>
+          <a:effectLst/>
+          <a:extLst>
+            <a:ext uri="{909E8E84-426E-40DD-AFC4-6F175D3DCCD1}">
+              <a14:hiddenFill xmlns:a14="http://schemas.microsoft.com/office/drawing/2010/main">
+                <a:solidFill>
+                  <a:schemeClr val="accent1"/>
+                </a:solidFill>
+              </a14:hiddenFill>
+            </a:ext>
+            <a:ext uri="{91240B29-F687-4F45-9708-019B960494DF}">
+              <a14:hiddenLine xmlns:a14="http://schemas.microsoft.com/office/drawing/2010/main" w="9525">
+                <a:solidFill>
+                  <a:schemeClr val="tx1"/>
+                </a:solidFill>
+                <a:miter lim="800000"/>
+                <a:headEnd/>
+                <a:tailEnd/>
+              </a14:hiddenLine>
+            </a:ext>
+            <a:ext uri="{AF507438-7753-43E0-B8FC-AC1667EBCBE1}">
+              <a14:hiddenEffects xmlns:a14="http://schemas.microsoft.com/office/drawing/2010/main">
+                <a:effectLst>
+                  <a:outerShdw dist="35921" dir="2700000" algn="ctr" rotWithShape="0">
+                    <a:schemeClr val="bg2"/>
+                  </a:outerShdw>
+                </a:effectLst>
+              </a14:hiddenEffects>
+            </a:ext>
+          </a:extLst>
+        </p:spPr>
+      </p:pic>
+      <p:sp>
+        <p:nvSpPr>
+          <p:cNvPr id="2" name="직사각형 1"/>
           <p:cNvSpPr/>
           <p:nvPr/>
         </p:nvSpPr>
         <p:spPr>
           <a:xfrm>
-            <a:off x="4572000" y="2996952"/>
-            <a:ext cx="3600400" cy="1944216"/>
+            <a:off x="827583" y="4170668"/>
+            <a:ext cx="2304257" cy="482468"/>
           </a:xfrm>
           <a:prstGeom prst="rect">
             <a:avLst/>
@@ -8212,102 +8562,48 @@
       </p:sp>
       <p:sp>
         <p:nvSpPr>
-          <p:cNvPr id="7" name="TextBox 6"/>
-          <p:cNvSpPr txBox="1"/>
-          <p:nvPr/>
-        </p:nvSpPr>
-        <p:spPr>
-          <a:xfrm>
-            <a:off x="6899507" y="884057"/>
-            <a:ext cx="1271111" cy="584775"/>
+          <p:cNvPr id="12" name="직사각형 11"/>
+          <p:cNvSpPr/>
+          <p:nvPr/>
+        </p:nvSpPr>
+        <p:spPr>
+          <a:xfrm>
+            <a:off x="1115617" y="4902576"/>
+            <a:ext cx="1080119" cy="482468"/>
           </a:xfrm>
           <a:prstGeom prst="rect">
             <a:avLst/>
           </a:prstGeom>
-          <a:noFill/>
-        </p:spPr>
-        <p:txBody>
-          <a:bodyPr wrap="square" rtlCol="0">
-            <a:spAutoFit/>
-          </a:bodyPr>
-          <a:lstStyle/>
-          <a:p>
-            <a:r>
-              <a:rPr lang="en-US" altLang="ko-KR" sz="3200" dirty="0">
-                <a:solidFill>
-                  <a:srgbClr val="FFFFFF"/>
-                </a:solidFill>
-              </a:rPr>
-              <a:t>Main()</a:t>
-            </a:r>
-            <a:r>
-              <a:rPr lang="ko-KR" altLang="en-US" sz="3200" dirty="0">
-                <a:solidFill>
-                  <a:srgbClr val="FFFFFF"/>
-                </a:solidFill>
-              </a:rPr>
-              <a:t> </a:t>
-            </a:r>
-            <a:endParaRPr lang="en-US" altLang="ko-KR" sz="3200" dirty="0">
-              <a:solidFill>
-                <a:srgbClr val="FFFFFF"/>
-              </a:solidFill>
-            </a:endParaRPr>
-          </a:p>
-        </p:txBody>
-      </p:sp>
-      <p:pic>
-        <p:nvPicPr>
-          <p:cNvPr id="6" name="그림 5"/>
-          <p:cNvPicPr>
-            <a:picLocks noChangeAspect="1"/>
-          </p:cNvPicPr>
-          <p:nvPr/>
-        </p:nvPicPr>
-        <p:blipFill>
-          <a:blip r:embed="rId3"/>
-          <a:stretch>
-            <a:fillRect/>
-          </a:stretch>
-        </p:blipFill>
-        <p:spPr>
-          <a:xfrm>
-            <a:off x="236647" y="1473220"/>
-            <a:ext cx="3736054" cy="731644"/>
-          </a:xfrm>
-          <a:prstGeom prst="rect">
-            <a:avLst/>
-          </a:prstGeom>
-        </p:spPr>
-      </p:pic>
-      <p:pic>
-        <p:nvPicPr>
-          <p:cNvPr id="8" name="그림 7"/>
-          <p:cNvPicPr>
-            <a:picLocks noChangeAspect="1"/>
-          </p:cNvPicPr>
-          <p:nvPr/>
-        </p:nvPicPr>
-        <p:blipFill>
-          <a:blip r:embed="rId4"/>
-          <a:stretch>
-            <a:fillRect/>
-          </a:stretch>
-        </p:blipFill>
-        <p:spPr>
-          <a:xfrm>
-            <a:off x="236646" y="2768351"/>
-            <a:ext cx="3327241" cy="1093887"/>
-          </a:xfrm>
-          <a:prstGeom prst="rect">
-            <a:avLst/>
-          </a:prstGeom>
-        </p:spPr>
-      </p:pic>
+        </p:spPr>
+        <p:style>
+          <a:lnRef idx="2">
+            <a:schemeClr val="accent1">
+              <a:shade val="50000"/>
+            </a:schemeClr>
+          </a:lnRef>
+          <a:fillRef idx="1">
+            <a:schemeClr val="accent1"/>
+          </a:fillRef>
+          <a:effectRef idx="0">
+            <a:schemeClr val="accent1"/>
+          </a:effectRef>
+          <a:fontRef idx="minor">
+            <a:schemeClr val="lt1"/>
+          </a:fontRef>
+        </p:style>
+        <p:txBody>
+          <a:bodyPr rtlCol="0" anchor="ctr"/>
+          <a:lstStyle/>
+          <a:p>
+            <a:pPr algn="ctr"/>
+            <a:endParaRPr lang="ko-KR" altLang="en-US"/>
+          </a:p>
+        </p:txBody>
+      </p:sp>
     </p:spTree>
     <p:extLst>
       <p:ext uri="{BB962C8B-B14F-4D97-AF65-F5344CB8AC3E}">
-        <p14:creationId xmlns:p14="http://schemas.microsoft.com/office/powerpoint/2010/main" val="705564936"/>
+        <p14:creationId xmlns:p14="http://schemas.microsoft.com/office/powerpoint/2010/main" val="3341819020"/>
       </p:ext>
     </p:extLst>
   </p:cSld>
@@ -8374,32 +8670,72 @@
       </p:sp>
       <p:pic>
         <p:nvPicPr>
-          <p:cNvPr id="3" name="그림 2"/>
+          <p:cNvPr id="3" name="Picture 6"/>
           <p:cNvPicPr>
-            <a:picLocks noChangeAspect="1"/>
+            <a:picLocks noChangeAspect="1" noChangeArrowheads="1"/>
           </p:cNvPicPr>
           <p:nvPr/>
         </p:nvPicPr>
         <p:blipFill>
-          <a:blip r:embed="rId2"/>
+          <a:blip r:embed="rId2">
+            <a:extLst>
+              <a:ext uri="{28A0092B-C50C-407E-A947-70E740481C1C}">
+                <a14:useLocalDpi xmlns:a14="http://schemas.microsoft.com/office/drawing/2010/main" val="0"/>
+              </a:ext>
+            </a:extLst>
+          </a:blip>
+          <a:srcRect/>
           <a:stretch>
             <a:fillRect/>
           </a:stretch>
         </p:blipFill>
-        <p:spPr>
-          <a:xfrm>
-            <a:off x="1907704" y="260648"/>
-            <a:ext cx="4824536" cy="6428437"/>
+        <p:spPr bwMode="auto">
+          <a:xfrm>
+            <a:off x="1907704" y="908720"/>
+            <a:ext cx="5073405" cy="5334416"/>
           </a:xfrm>
           <a:prstGeom prst="rect">
             <a:avLst/>
           </a:prstGeom>
+          <a:noFill/>
+          <a:ln>
+            <a:noFill/>
+          </a:ln>
+          <a:effectLst/>
+          <a:extLst>
+            <a:ext uri="{909E8E84-426E-40DD-AFC4-6F175D3DCCD1}">
+              <a14:hiddenFill xmlns:a14="http://schemas.microsoft.com/office/drawing/2010/main">
+                <a:solidFill>
+                  <a:schemeClr val="accent1"/>
+                </a:solidFill>
+              </a14:hiddenFill>
+            </a:ext>
+            <a:ext uri="{91240B29-F687-4F45-9708-019B960494DF}">
+              <a14:hiddenLine xmlns:a14="http://schemas.microsoft.com/office/drawing/2010/main" w="9525">
+                <a:solidFill>
+                  <a:schemeClr val="tx1"/>
+                </a:solidFill>
+                <a:miter lim="800000"/>
+                <a:headEnd/>
+                <a:tailEnd/>
+              </a14:hiddenLine>
+            </a:ext>
+            <a:ext uri="{AF507438-7753-43E0-B8FC-AC1667EBCBE1}">
+              <a14:hiddenEffects xmlns:a14="http://schemas.microsoft.com/office/drawing/2010/main">
+                <a:effectLst>
+                  <a:outerShdw dist="35921" dir="2700000" algn="ctr" rotWithShape="0">
+                    <a:schemeClr val="bg2"/>
+                  </a:outerShdw>
+                </a:effectLst>
+              </a14:hiddenEffects>
+            </a:ext>
+          </a:extLst>
         </p:spPr>
       </p:pic>
     </p:spTree>
     <p:extLst>
       <p:ext uri="{BB962C8B-B14F-4D97-AF65-F5344CB8AC3E}">
-        <p14:creationId xmlns:p14="http://schemas.microsoft.com/office/powerpoint/2010/main" val="4204757314"/>
+        <p14:creationId xmlns:p14="http://schemas.microsoft.com/office/powerpoint/2010/main" val="2748333656"/>
       </p:ext>
     </p:extLst>
   </p:cSld>
@@ -8458,7 +8794,19 @@
             <a:pPr algn="l"/>
             <a:r>
               <a:rPr lang="en-US" altLang="ko-KR" sz="3200" dirty="0" smtClean="0"/>
-              <a:t>Example0</a:t>
+              <a:t>Example04_2 </a:t>
+            </a:r>
+            <a:r>
+              <a:rPr lang="en-US" altLang="ko-KR" sz="3200" dirty="0"/>
+              <a:t>– </a:t>
+            </a:r>
+            <a:r>
+              <a:rPr lang="ko-KR" altLang="en-US" sz="3200" dirty="0"/>
+              <a:t>소수들을 구하자</a:t>
+            </a:r>
+            <a:r>
+              <a:rPr lang="en-US" altLang="ko-KR" sz="3200" dirty="0"/>
+              <a:t>.</a:t>
             </a:r>
           </a:p>
         </p:txBody>
@@ -8471,7 +8819,7 @@
         </p:nvSpPr>
         <p:spPr>
           <a:xfrm>
-            <a:off x="827584" y="1128313"/>
+            <a:off x="107504" y="692696"/>
             <a:ext cx="1271111" cy="584775"/>
           </a:xfrm>
           <a:prstGeom prst="rect">
@@ -8517,7 +8865,7 @@
         </p:nvSpPr>
         <p:spPr>
           <a:xfrm>
-            <a:off x="3347864" y="1198537"/>
+            <a:off x="5292080" y="731571"/>
             <a:ext cx="1271111" cy="584775"/>
           </a:xfrm>
           <a:prstGeom prst="rect">
@@ -8547,10 +8895,386 @@
           </a:p>
         </p:txBody>
       </p:sp>
+      <p:pic>
+        <p:nvPicPr>
+          <p:cNvPr id="2050" name="Picture 2"/>
+          <p:cNvPicPr>
+            <a:picLocks noChangeAspect="1" noChangeArrowheads="1"/>
+          </p:cNvPicPr>
+          <p:nvPr/>
+        </p:nvPicPr>
+        <p:blipFill>
+          <a:blip r:embed="rId2">
+            <a:extLst>
+              <a:ext uri="{28A0092B-C50C-407E-A947-70E740481C1C}">
+                <a14:useLocalDpi xmlns:a14="http://schemas.microsoft.com/office/drawing/2010/main" val="0"/>
+              </a:ext>
+            </a:extLst>
+          </a:blip>
+          <a:srcRect/>
+          <a:stretch>
+            <a:fillRect/>
+          </a:stretch>
+        </p:blipFill>
+        <p:spPr bwMode="auto">
+          <a:xfrm>
+            <a:off x="395536" y="1250435"/>
+            <a:ext cx="3960440" cy="5380518"/>
+          </a:xfrm>
+          <a:prstGeom prst="rect">
+            <a:avLst/>
+          </a:prstGeom>
+          <a:noFill/>
+          <a:ln>
+            <a:noFill/>
+          </a:ln>
+          <a:effectLst/>
+          <a:extLst>
+            <a:ext uri="{909E8E84-426E-40DD-AFC4-6F175D3DCCD1}">
+              <a14:hiddenFill xmlns:a14="http://schemas.microsoft.com/office/drawing/2010/main">
+                <a:solidFill>
+                  <a:schemeClr val="accent1"/>
+                </a:solidFill>
+              </a14:hiddenFill>
+            </a:ext>
+            <a:ext uri="{91240B29-F687-4F45-9708-019B960494DF}">
+              <a14:hiddenLine xmlns:a14="http://schemas.microsoft.com/office/drawing/2010/main" w="9525">
+                <a:solidFill>
+                  <a:schemeClr val="tx1"/>
+                </a:solidFill>
+                <a:miter lim="800000"/>
+                <a:headEnd/>
+                <a:tailEnd/>
+              </a14:hiddenLine>
+            </a:ext>
+            <a:ext uri="{AF507438-7753-43E0-B8FC-AC1667EBCBE1}">
+              <a14:hiddenEffects xmlns:a14="http://schemas.microsoft.com/office/drawing/2010/main">
+                <a:effectLst>
+                  <a:outerShdw dist="35921" dir="2700000" algn="ctr" rotWithShape="0">
+                    <a:schemeClr val="bg2"/>
+                  </a:outerShdw>
+                </a:effectLst>
+              </a14:hiddenEffects>
+            </a:ext>
+          </a:extLst>
+        </p:spPr>
+      </p:pic>
+      <p:pic>
+        <p:nvPicPr>
+          <p:cNvPr id="2051" name="Picture 3"/>
+          <p:cNvPicPr>
+            <a:picLocks noChangeAspect="1" noChangeArrowheads="1"/>
+          </p:cNvPicPr>
+          <p:nvPr/>
+        </p:nvPicPr>
+        <p:blipFill>
+          <a:blip r:embed="rId3">
+            <a:extLst>
+              <a:ext uri="{28A0092B-C50C-407E-A947-70E740481C1C}">
+                <a14:useLocalDpi xmlns:a14="http://schemas.microsoft.com/office/drawing/2010/main" val="0"/>
+              </a:ext>
+            </a:extLst>
+          </a:blip>
+          <a:srcRect/>
+          <a:stretch>
+            <a:fillRect/>
+          </a:stretch>
+        </p:blipFill>
+        <p:spPr bwMode="auto">
+          <a:xfrm>
+            <a:off x="4716016" y="1412776"/>
+            <a:ext cx="2763098" cy="720080"/>
+          </a:xfrm>
+          <a:prstGeom prst="rect">
+            <a:avLst/>
+          </a:prstGeom>
+          <a:noFill/>
+          <a:ln>
+            <a:noFill/>
+          </a:ln>
+          <a:effectLst/>
+          <a:extLst>
+            <a:ext uri="{909E8E84-426E-40DD-AFC4-6F175D3DCCD1}">
+              <a14:hiddenFill xmlns:a14="http://schemas.microsoft.com/office/drawing/2010/main">
+                <a:solidFill>
+                  <a:schemeClr val="accent1"/>
+                </a:solidFill>
+              </a14:hiddenFill>
+            </a:ext>
+            <a:ext uri="{91240B29-F687-4F45-9708-019B960494DF}">
+              <a14:hiddenLine xmlns:a14="http://schemas.microsoft.com/office/drawing/2010/main" w="9525">
+                <a:solidFill>
+                  <a:schemeClr val="tx1"/>
+                </a:solidFill>
+                <a:miter lim="800000"/>
+                <a:headEnd/>
+                <a:tailEnd/>
+              </a14:hiddenLine>
+            </a:ext>
+            <a:ext uri="{AF507438-7753-43E0-B8FC-AC1667EBCBE1}">
+              <a14:hiddenEffects xmlns:a14="http://schemas.microsoft.com/office/drawing/2010/main">
+                <a:effectLst>
+                  <a:outerShdw dist="35921" dir="2700000" algn="ctr" rotWithShape="0">
+                    <a:schemeClr val="bg2"/>
+                  </a:outerShdw>
+                </a:effectLst>
+              </a14:hiddenEffects>
+            </a:ext>
+          </a:extLst>
+        </p:spPr>
+      </p:pic>
+      <p:pic>
+        <p:nvPicPr>
+          <p:cNvPr id="2052" name="Picture 4"/>
+          <p:cNvPicPr>
+            <a:picLocks noChangeAspect="1" noChangeArrowheads="1"/>
+          </p:cNvPicPr>
+          <p:nvPr/>
+        </p:nvPicPr>
+        <p:blipFill>
+          <a:blip r:embed="rId4">
+            <a:extLst>
+              <a:ext uri="{28A0092B-C50C-407E-A947-70E740481C1C}">
+                <a14:useLocalDpi xmlns:a14="http://schemas.microsoft.com/office/drawing/2010/main" val="0"/>
+              </a:ext>
+            </a:extLst>
+          </a:blip>
+          <a:srcRect/>
+          <a:stretch>
+            <a:fillRect/>
+          </a:stretch>
+        </p:blipFill>
+        <p:spPr bwMode="auto">
+          <a:xfrm>
+            <a:off x="4728778" y="2840413"/>
+            <a:ext cx="3772111" cy="648072"/>
+          </a:xfrm>
+          <a:prstGeom prst="rect">
+            <a:avLst/>
+          </a:prstGeom>
+          <a:noFill/>
+          <a:ln>
+            <a:noFill/>
+          </a:ln>
+          <a:effectLst/>
+          <a:extLst>
+            <a:ext uri="{909E8E84-426E-40DD-AFC4-6F175D3DCCD1}">
+              <a14:hiddenFill xmlns:a14="http://schemas.microsoft.com/office/drawing/2010/main">
+                <a:solidFill>
+                  <a:schemeClr val="accent1"/>
+                </a:solidFill>
+              </a14:hiddenFill>
+            </a:ext>
+            <a:ext uri="{91240B29-F687-4F45-9708-019B960494DF}">
+              <a14:hiddenLine xmlns:a14="http://schemas.microsoft.com/office/drawing/2010/main" w="9525">
+                <a:solidFill>
+                  <a:schemeClr val="tx1"/>
+                </a:solidFill>
+                <a:miter lim="800000"/>
+                <a:headEnd/>
+                <a:tailEnd/>
+              </a14:hiddenLine>
+            </a:ext>
+            <a:ext uri="{AF507438-7753-43E0-B8FC-AC1667EBCBE1}">
+              <a14:hiddenEffects xmlns:a14="http://schemas.microsoft.com/office/drawing/2010/main">
+                <a:effectLst>
+                  <a:outerShdw dist="35921" dir="2700000" algn="ctr" rotWithShape="0">
+                    <a:schemeClr val="bg2"/>
+                  </a:outerShdw>
+                </a:effectLst>
+              </a14:hiddenEffects>
+            </a:ext>
+          </a:extLst>
+        </p:spPr>
+      </p:pic>
+      <p:pic>
+        <p:nvPicPr>
+          <p:cNvPr id="2053" name="Picture 5"/>
+          <p:cNvPicPr>
+            <a:picLocks noChangeAspect="1" noChangeArrowheads="1"/>
+          </p:cNvPicPr>
+          <p:nvPr/>
+        </p:nvPicPr>
+        <p:blipFill>
+          <a:blip r:embed="rId5">
+            <a:extLst>
+              <a:ext uri="{28A0092B-C50C-407E-A947-70E740481C1C}">
+                <a14:useLocalDpi xmlns:a14="http://schemas.microsoft.com/office/drawing/2010/main" val="0"/>
+              </a:ext>
+            </a:extLst>
+          </a:blip>
+          <a:srcRect/>
+          <a:stretch>
+            <a:fillRect/>
+          </a:stretch>
+        </p:blipFill>
+        <p:spPr bwMode="auto">
+          <a:xfrm>
+            <a:off x="4738721" y="4221088"/>
+            <a:ext cx="4315211" cy="648072"/>
+          </a:xfrm>
+          <a:prstGeom prst="rect">
+            <a:avLst/>
+          </a:prstGeom>
+          <a:noFill/>
+          <a:ln>
+            <a:noFill/>
+          </a:ln>
+          <a:effectLst/>
+          <a:extLst>
+            <a:ext uri="{909E8E84-426E-40DD-AFC4-6F175D3DCCD1}">
+              <a14:hiddenFill xmlns:a14="http://schemas.microsoft.com/office/drawing/2010/main">
+                <a:solidFill>
+                  <a:schemeClr val="accent1"/>
+                </a:solidFill>
+              </a14:hiddenFill>
+            </a:ext>
+            <a:ext uri="{91240B29-F687-4F45-9708-019B960494DF}">
+              <a14:hiddenLine xmlns:a14="http://schemas.microsoft.com/office/drawing/2010/main" w="9525">
+                <a:solidFill>
+                  <a:schemeClr val="tx1"/>
+                </a:solidFill>
+                <a:miter lim="800000"/>
+                <a:headEnd/>
+                <a:tailEnd/>
+              </a14:hiddenLine>
+            </a:ext>
+            <a:ext uri="{AF507438-7753-43E0-B8FC-AC1667EBCBE1}">
+              <a14:hiddenEffects xmlns:a14="http://schemas.microsoft.com/office/drawing/2010/main">
+                <a:effectLst>
+                  <a:outerShdw dist="35921" dir="2700000" algn="ctr" rotWithShape="0">
+                    <a:schemeClr val="bg2"/>
+                  </a:outerShdw>
+                </a:effectLst>
+              </a14:hiddenEffects>
+            </a:ext>
+          </a:extLst>
+        </p:spPr>
+      </p:pic>
+      <p:sp>
+        <p:nvSpPr>
+          <p:cNvPr id="2" name="직사각형 1"/>
+          <p:cNvSpPr/>
+          <p:nvPr/>
+        </p:nvSpPr>
+        <p:spPr>
+          <a:xfrm>
+            <a:off x="1378615" y="3534260"/>
+            <a:ext cx="1753225" cy="288032"/>
+          </a:xfrm>
+          <a:prstGeom prst="rect">
+            <a:avLst/>
+          </a:prstGeom>
+        </p:spPr>
+        <p:style>
+          <a:lnRef idx="2">
+            <a:schemeClr val="accent1">
+              <a:shade val="50000"/>
+            </a:schemeClr>
+          </a:lnRef>
+          <a:fillRef idx="1">
+            <a:schemeClr val="accent1"/>
+          </a:fillRef>
+          <a:effectRef idx="0">
+            <a:schemeClr val="accent1"/>
+          </a:effectRef>
+          <a:fontRef idx="minor">
+            <a:schemeClr val="lt1"/>
+          </a:fontRef>
+        </p:style>
+        <p:txBody>
+          <a:bodyPr rtlCol="0" anchor="ctr"/>
+          <a:lstStyle/>
+          <a:p>
+            <a:pPr algn="ctr"/>
+            <a:endParaRPr lang="ko-KR" altLang="en-US"/>
+          </a:p>
+        </p:txBody>
+      </p:sp>
+      <p:sp>
+        <p:nvSpPr>
+          <p:cNvPr id="10" name="직사각형 9"/>
+          <p:cNvSpPr/>
+          <p:nvPr/>
+        </p:nvSpPr>
+        <p:spPr>
+          <a:xfrm>
+            <a:off x="2627784" y="4561765"/>
+            <a:ext cx="864096" cy="236664"/>
+          </a:xfrm>
+          <a:prstGeom prst="rect">
+            <a:avLst/>
+          </a:prstGeom>
+        </p:spPr>
+        <p:style>
+          <a:lnRef idx="2">
+            <a:schemeClr val="accent1">
+              <a:shade val="50000"/>
+            </a:schemeClr>
+          </a:lnRef>
+          <a:fillRef idx="1">
+            <a:schemeClr val="accent1"/>
+          </a:fillRef>
+          <a:effectRef idx="0">
+            <a:schemeClr val="accent1"/>
+          </a:effectRef>
+          <a:fontRef idx="minor">
+            <a:schemeClr val="lt1"/>
+          </a:fontRef>
+        </p:style>
+        <p:txBody>
+          <a:bodyPr rtlCol="0" anchor="ctr"/>
+          <a:lstStyle/>
+          <a:p>
+            <a:pPr algn="ctr"/>
+            <a:endParaRPr lang="ko-KR" altLang="en-US"/>
+          </a:p>
+        </p:txBody>
+      </p:sp>
+      <p:sp>
+        <p:nvSpPr>
+          <p:cNvPr id="11" name="직사각형 10"/>
+          <p:cNvSpPr/>
+          <p:nvPr/>
+        </p:nvSpPr>
+        <p:spPr>
+          <a:xfrm>
+            <a:off x="1823178" y="4871145"/>
+            <a:ext cx="2316773" cy="236664"/>
+          </a:xfrm>
+          <a:prstGeom prst="rect">
+            <a:avLst/>
+          </a:prstGeom>
+        </p:spPr>
+        <p:style>
+          <a:lnRef idx="2">
+            <a:schemeClr val="accent1">
+              <a:shade val="50000"/>
+            </a:schemeClr>
+          </a:lnRef>
+          <a:fillRef idx="1">
+            <a:schemeClr val="accent1"/>
+          </a:fillRef>
+          <a:effectRef idx="0">
+            <a:schemeClr val="accent1"/>
+          </a:effectRef>
+          <a:fontRef idx="minor">
+            <a:schemeClr val="lt1"/>
+          </a:fontRef>
+        </p:style>
+        <p:txBody>
+          <a:bodyPr rtlCol="0" anchor="ctr"/>
+          <a:lstStyle/>
+          <a:p>
+            <a:pPr algn="ctr"/>
+            <a:endParaRPr lang="ko-KR" altLang="en-US"/>
+          </a:p>
+        </p:txBody>
+      </p:sp>
     </p:spTree>
     <p:extLst>
       <p:ext uri="{BB962C8B-B14F-4D97-AF65-F5344CB8AC3E}">
-        <p14:creationId xmlns:p14="http://schemas.microsoft.com/office/powerpoint/2010/main" val="787396218"/>
+        <p14:creationId xmlns:p14="http://schemas.microsoft.com/office/powerpoint/2010/main" val="3341819020"/>
       </p:ext>
     </p:extLst>
   </p:cSld>
@@ -8615,10 +9339,588 @@
           </a:p>
         </p:txBody>
       </p:sp>
+      <p:pic>
+        <p:nvPicPr>
+          <p:cNvPr id="3" name="Picture 2"/>
+          <p:cNvPicPr>
+            <a:picLocks noChangeAspect="1" noChangeArrowheads="1"/>
+          </p:cNvPicPr>
+          <p:nvPr/>
+        </p:nvPicPr>
+        <p:blipFill>
+          <a:blip r:embed="rId2">
+            <a:extLst>
+              <a:ext uri="{28A0092B-C50C-407E-A947-70E740481C1C}">
+                <a14:useLocalDpi xmlns:a14="http://schemas.microsoft.com/office/drawing/2010/main" val="0"/>
+              </a:ext>
+            </a:extLst>
+          </a:blip>
+          <a:srcRect/>
+          <a:stretch>
+            <a:fillRect/>
+          </a:stretch>
+        </p:blipFill>
+        <p:spPr bwMode="auto">
+          <a:xfrm>
+            <a:off x="1979712" y="836712"/>
+            <a:ext cx="3960440" cy="5380518"/>
+          </a:xfrm>
+          <a:prstGeom prst="rect">
+            <a:avLst/>
+          </a:prstGeom>
+          <a:noFill/>
+          <a:ln>
+            <a:noFill/>
+          </a:ln>
+          <a:effectLst/>
+          <a:extLst>
+            <a:ext uri="{909E8E84-426E-40DD-AFC4-6F175D3DCCD1}">
+              <a14:hiddenFill xmlns:a14="http://schemas.microsoft.com/office/drawing/2010/main">
+                <a:solidFill>
+                  <a:schemeClr val="accent1"/>
+                </a:solidFill>
+              </a14:hiddenFill>
+            </a:ext>
+            <a:ext uri="{91240B29-F687-4F45-9708-019B960494DF}">
+              <a14:hiddenLine xmlns:a14="http://schemas.microsoft.com/office/drawing/2010/main" w="9525">
+                <a:solidFill>
+                  <a:schemeClr val="tx1"/>
+                </a:solidFill>
+                <a:miter lim="800000"/>
+                <a:headEnd/>
+                <a:tailEnd/>
+              </a14:hiddenLine>
+            </a:ext>
+            <a:ext uri="{AF507438-7753-43E0-B8FC-AC1667EBCBE1}">
+              <a14:hiddenEffects xmlns:a14="http://schemas.microsoft.com/office/drawing/2010/main">
+                <a:effectLst>
+                  <a:outerShdw dist="35921" dir="2700000" algn="ctr" rotWithShape="0">
+                    <a:schemeClr val="bg2"/>
+                  </a:outerShdw>
+                </a:effectLst>
+              </a14:hiddenEffects>
+            </a:ext>
+          </a:extLst>
+        </p:spPr>
+      </p:pic>
     </p:spTree>
     <p:extLst>
       <p:ext uri="{BB962C8B-B14F-4D97-AF65-F5344CB8AC3E}">
-        <p14:creationId xmlns:p14="http://schemas.microsoft.com/office/powerpoint/2010/main" val="1130439582"/>
+        <p14:creationId xmlns:p14="http://schemas.microsoft.com/office/powerpoint/2010/main" val="2748333656"/>
+      </p:ext>
+    </p:extLst>
+  </p:cSld>
+  <p:clrMapOvr>
+    <a:masterClrMapping/>
+  </p:clrMapOvr>
+  <p:timing>
+    <p:tnLst>
+      <p:par>
+        <p:cTn id="1" dur="indefinite" restart="never" nodeType="tmRoot"/>
+      </p:par>
+    </p:tnLst>
+  </p:timing>
+</p:sld>
+</file>
+
+<file path=ppt/slides/slide27.xml><?xml version="1.0" encoding="utf-8"?>
+<p:sld xmlns:a="http://schemas.openxmlformats.org/drawingml/2006/main" xmlns:r="http://schemas.openxmlformats.org/officeDocument/2006/relationships" xmlns:p="http://schemas.openxmlformats.org/presentationml/2006/main">
+  <p:cSld>
+    <p:spTree>
+      <p:nvGrpSpPr>
+        <p:cNvPr id="1" name=""/>
+        <p:cNvGrpSpPr/>
+        <p:nvPr/>
+      </p:nvGrpSpPr>
+      <p:grpSpPr>
+        <a:xfrm>
+          <a:off x="0" y="0"/>
+          <a:ext cx="0" cy="0"/>
+          <a:chOff x="0" y="0"/>
+          <a:chExt cx="0" cy="0"/>
+        </a:xfrm>
+      </p:grpSpPr>
+      <p:sp>
+        <p:nvSpPr>
+          <p:cNvPr id="5" name="부제목 2"/>
+          <p:cNvSpPr>
+            <a:spLocks noGrp="1"/>
+          </p:cNvSpPr>
+          <p:nvPr>
+            <p:ph type="subTitle" idx="1"/>
+          </p:nvPr>
+        </p:nvSpPr>
+        <p:spPr>
+          <a:xfrm>
+            <a:off x="1" y="131886"/>
+            <a:ext cx="8820471" cy="1136874"/>
+          </a:xfrm>
+        </p:spPr>
+        <p:txBody>
+          <a:bodyPr>
+            <a:normAutofit/>
+          </a:bodyPr>
+          <a:lstStyle/>
+          <a:p>
+            <a:pPr algn="l"/>
+            <a:r>
+              <a:rPr lang="en-US" altLang="ko-KR" sz="3200" dirty="0" smtClean="0"/>
+              <a:t>Example04_3 – </a:t>
+            </a:r>
+            <a:r>
+              <a:rPr lang="ko-KR" altLang="en-US" sz="3200" dirty="0" smtClean="0"/>
+              <a:t>소수들을 구하자</a:t>
+            </a:r>
+            <a:r>
+              <a:rPr lang="en-US" altLang="ko-KR" sz="3200" dirty="0" smtClean="0"/>
+              <a:t>.</a:t>
+            </a:r>
+          </a:p>
+        </p:txBody>
+      </p:sp>
+      <p:sp>
+        <p:nvSpPr>
+          <p:cNvPr id="4" name="TextBox 3"/>
+          <p:cNvSpPr txBox="1"/>
+          <p:nvPr/>
+        </p:nvSpPr>
+        <p:spPr>
+          <a:xfrm>
+            <a:off x="108536" y="784021"/>
+            <a:ext cx="1271111" cy="584775"/>
+          </a:xfrm>
+          <a:prstGeom prst="rect">
+            <a:avLst/>
+          </a:prstGeom>
+          <a:noFill/>
+        </p:spPr>
+        <p:txBody>
+          <a:bodyPr wrap="square" rtlCol="0">
+            <a:spAutoFit/>
+          </a:bodyPr>
+          <a:lstStyle/>
+          <a:p>
+            <a:r>
+              <a:rPr lang="ko-KR" altLang="en-US" sz="3200" dirty="0" smtClean="0">
+                <a:solidFill>
+                  <a:srgbClr val="FFFFFF"/>
+                </a:solidFill>
+              </a:rPr>
+              <a:t>결과</a:t>
+            </a:r>
+            <a:endParaRPr lang="en-US" altLang="ko-KR" sz="3200" dirty="0">
+              <a:solidFill>
+                <a:srgbClr val="FFFFFF"/>
+              </a:solidFill>
+            </a:endParaRPr>
+          </a:p>
+        </p:txBody>
+      </p:sp>
+      <p:pic>
+        <p:nvPicPr>
+          <p:cNvPr id="2" name="그림 1"/>
+          <p:cNvPicPr>
+            <a:picLocks noChangeAspect="1"/>
+          </p:cNvPicPr>
+          <p:nvPr/>
+        </p:nvPicPr>
+        <p:blipFill>
+          <a:blip r:embed="rId2"/>
+          <a:stretch>
+            <a:fillRect/>
+          </a:stretch>
+        </p:blipFill>
+        <p:spPr>
+          <a:xfrm>
+            <a:off x="4211960" y="917431"/>
+            <a:ext cx="4104456" cy="5468969"/>
+          </a:xfrm>
+          <a:prstGeom prst="rect">
+            <a:avLst/>
+          </a:prstGeom>
+        </p:spPr>
+      </p:pic>
+      <p:sp>
+        <p:nvSpPr>
+          <p:cNvPr id="3" name="직사각형 2"/>
+          <p:cNvSpPr/>
+          <p:nvPr/>
+        </p:nvSpPr>
+        <p:spPr>
+          <a:xfrm>
+            <a:off x="4570218" y="2996952"/>
+            <a:ext cx="3600400" cy="1944216"/>
+          </a:xfrm>
+          <a:prstGeom prst="rect">
+            <a:avLst/>
+          </a:prstGeom>
+        </p:spPr>
+        <p:style>
+          <a:lnRef idx="2">
+            <a:schemeClr val="accent1">
+              <a:shade val="50000"/>
+            </a:schemeClr>
+          </a:lnRef>
+          <a:fillRef idx="1">
+            <a:schemeClr val="accent1"/>
+          </a:fillRef>
+          <a:effectRef idx="0">
+            <a:schemeClr val="accent1"/>
+          </a:effectRef>
+          <a:fontRef idx="minor">
+            <a:schemeClr val="lt1"/>
+          </a:fontRef>
+        </p:style>
+        <p:txBody>
+          <a:bodyPr rtlCol="0" anchor="ctr"/>
+          <a:lstStyle/>
+          <a:p>
+            <a:pPr algn="ctr"/>
+            <a:endParaRPr lang="ko-KR" altLang="en-US"/>
+          </a:p>
+        </p:txBody>
+      </p:sp>
+      <p:sp>
+        <p:nvSpPr>
+          <p:cNvPr id="7" name="TextBox 6"/>
+          <p:cNvSpPr txBox="1"/>
+          <p:nvPr/>
+        </p:nvSpPr>
+        <p:spPr>
+          <a:xfrm>
+            <a:off x="6899507" y="884057"/>
+            <a:ext cx="1271111" cy="584775"/>
+          </a:xfrm>
+          <a:prstGeom prst="rect">
+            <a:avLst/>
+          </a:prstGeom>
+          <a:noFill/>
+        </p:spPr>
+        <p:txBody>
+          <a:bodyPr wrap="square" rtlCol="0">
+            <a:spAutoFit/>
+          </a:bodyPr>
+          <a:lstStyle/>
+          <a:p>
+            <a:r>
+              <a:rPr lang="en-US" altLang="ko-KR" sz="3200" dirty="0">
+                <a:solidFill>
+                  <a:srgbClr val="FFFFFF"/>
+                </a:solidFill>
+              </a:rPr>
+              <a:t>Main()</a:t>
+            </a:r>
+            <a:r>
+              <a:rPr lang="ko-KR" altLang="en-US" sz="3200" dirty="0">
+                <a:solidFill>
+                  <a:srgbClr val="FFFFFF"/>
+                </a:solidFill>
+              </a:rPr>
+              <a:t> </a:t>
+            </a:r>
+            <a:endParaRPr lang="en-US" altLang="ko-KR" sz="3200" dirty="0">
+              <a:solidFill>
+                <a:srgbClr val="FFFFFF"/>
+              </a:solidFill>
+            </a:endParaRPr>
+          </a:p>
+        </p:txBody>
+      </p:sp>
+      <p:pic>
+        <p:nvPicPr>
+          <p:cNvPr id="6" name="그림 5"/>
+          <p:cNvPicPr>
+            <a:picLocks noChangeAspect="1"/>
+          </p:cNvPicPr>
+          <p:nvPr/>
+        </p:nvPicPr>
+        <p:blipFill>
+          <a:blip r:embed="rId3"/>
+          <a:stretch>
+            <a:fillRect/>
+          </a:stretch>
+        </p:blipFill>
+        <p:spPr>
+          <a:xfrm>
+            <a:off x="236647" y="1473220"/>
+            <a:ext cx="3736054" cy="731644"/>
+          </a:xfrm>
+          <a:prstGeom prst="rect">
+            <a:avLst/>
+          </a:prstGeom>
+        </p:spPr>
+      </p:pic>
+      <p:pic>
+        <p:nvPicPr>
+          <p:cNvPr id="8" name="그림 7"/>
+          <p:cNvPicPr>
+            <a:picLocks noChangeAspect="1"/>
+          </p:cNvPicPr>
+          <p:nvPr/>
+        </p:nvPicPr>
+        <p:blipFill>
+          <a:blip r:embed="rId4"/>
+          <a:stretch>
+            <a:fillRect/>
+          </a:stretch>
+        </p:blipFill>
+        <p:spPr>
+          <a:xfrm>
+            <a:off x="236646" y="2768351"/>
+            <a:ext cx="3327241" cy="1093887"/>
+          </a:xfrm>
+          <a:prstGeom prst="rect">
+            <a:avLst/>
+          </a:prstGeom>
+        </p:spPr>
+      </p:pic>
+    </p:spTree>
+    <p:extLst>
+      <p:ext uri="{BB962C8B-B14F-4D97-AF65-F5344CB8AC3E}">
+        <p14:creationId xmlns:p14="http://schemas.microsoft.com/office/powerpoint/2010/main" val="705564936"/>
+      </p:ext>
+    </p:extLst>
+  </p:cSld>
+  <p:clrMapOvr>
+    <a:masterClrMapping/>
+  </p:clrMapOvr>
+  <p:timing>
+    <p:tnLst>
+      <p:par>
+        <p:cTn id="1" dur="indefinite" restart="never" nodeType="tmRoot"/>
+      </p:par>
+    </p:tnLst>
+  </p:timing>
+</p:sld>
+</file>
+
+<file path=ppt/slides/slide28.xml><?xml version="1.0" encoding="utf-8"?>
+<p:sld xmlns:a="http://schemas.openxmlformats.org/drawingml/2006/main" xmlns:r="http://schemas.openxmlformats.org/officeDocument/2006/relationships" xmlns:p="http://schemas.openxmlformats.org/presentationml/2006/main">
+  <p:cSld>
+    <p:spTree>
+      <p:nvGrpSpPr>
+        <p:cNvPr id="1" name=""/>
+        <p:cNvGrpSpPr/>
+        <p:nvPr/>
+      </p:nvGrpSpPr>
+      <p:grpSpPr>
+        <a:xfrm>
+          <a:off x="0" y="0"/>
+          <a:ext cx="0" cy="0"/>
+          <a:chOff x="0" y="0"/>
+          <a:chExt cx="0" cy="0"/>
+        </a:xfrm>
+      </p:grpSpPr>
+      <p:sp>
+        <p:nvSpPr>
+          <p:cNvPr id="9" name="부제목 2"/>
+          <p:cNvSpPr>
+            <a:spLocks noGrp="1"/>
+          </p:cNvSpPr>
+          <p:nvPr>
+            <p:ph type="subTitle" idx="1"/>
+          </p:nvPr>
+        </p:nvSpPr>
+        <p:spPr>
+          <a:xfrm>
+            <a:off x="1" y="131886"/>
+            <a:ext cx="7669091" cy="606671"/>
+          </a:xfrm>
+        </p:spPr>
+        <p:txBody>
+          <a:bodyPr>
+            <a:normAutofit fontScale="92500" lnSpcReduction="20000"/>
+          </a:bodyPr>
+          <a:lstStyle/>
+          <a:p>
+            <a:pPr algn="l"/>
+            <a:r>
+              <a:rPr lang="ko-KR" altLang="en-US" sz="4400" dirty="0" smtClean="0"/>
+              <a:t>답</a:t>
+            </a:r>
+            <a:endParaRPr lang="en-US" altLang="ko-KR" sz="4400" dirty="0"/>
+          </a:p>
+        </p:txBody>
+      </p:sp>
+      <p:pic>
+        <p:nvPicPr>
+          <p:cNvPr id="3" name="그림 2"/>
+          <p:cNvPicPr>
+            <a:picLocks noChangeAspect="1"/>
+          </p:cNvPicPr>
+          <p:nvPr/>
+        </p:nvPicPr>
+        <p:blipFill>
+          <a:blip r:embed="rId2"/>
+          <a:stretch>
+            <a:fillRect/>
+          </a:stretch>
+        </p:blipFill>
+        <p:spPr>
+          <a:xfrm>
+            <a:off x="1907704" y="260648"/>
+            <a:ext cx="4824536" cy="6428437"/>
+          </a:xfrm>
+          <a:prstGeom prst="rect">
+            <a:avLst/>
+          </a:prstGeom>
+        </p:spPr>
+      </p:pic>
+    </p:spTree>
+    <p:extLst>
+      <p:ext uri="{BB962C8B-B14F-4D97-AF65-F5344CB8AC3E}">
+        <p14:creationId xmlns:p14="http://schemas.microsoft.com/office/powerpoint/2010/main" val="4204757314"/>
+      </p:ext>
+    </p:extLst>
+  </p:cSld>
+  <p:clrMapOvr>
+    <a:masterClrMapping/>
+  </p:clrMapOvr>
+  <p:timing>
+    <p:tnLst>
+      <p:par>
+        <p:cTn id="1" dur="indefinite" restart="never" nodeType="tmRoot"/>
+      </p:par>
+    </p:tnLst>
+  </p:timing>
+</p:sld>
+</file>
+
+<file path=ppt/slides/slide29.xml><?xml version="1.0" encoding="utf-8"?>
+<p:sld xmlns:a="http://schemas.openxmlformats.org/drawingml/2006/main" xmlns:r="http://schemas.openxmlformats.org/officeDocument/2006/relationships" xmlns:p="http://schemas.openxmlformats.org/presentationml/2006/main">
+  <p:cSld>
+    <p:spTree>
+      <p:nvGrpSpPr>
+        <p:cNvPr id="1" name=""/>
+        <p:cNvGrpSpPr/>
+        <p:nvPr/>
+      </p:nvGrpSpPr>
+      <p:grpSpPr>
+        <a:xfrm>
+          <a:off x="0" y="0"/>
+          <a:ext cx="0" cy="0"/>
+          <a:chOff x="0" y="0"/>
+          <a:chExt cx="0" cy="0"/>
+        </a:xfrm>
+      </p:grpSpPr>
+      <p:sp>
+        <p:nvSpPr>
+          <p:cNvPr id="5" name="부제목 2"/>
+          <p:cNvSpPr>
+            <a:spLocks noGrp="1"/>
+          </p:cNvSpPr>
+          <p:nvPr>
+            <p:ph type="subTitle" idx="1"/>
+          </p:nvPr>
+        </p:nvSpPr>
+        <p:spPr>
+          <a:xfrm>
+            <a:off x="1" y="131886"/>
+            <a:ext cx="8820471" cy="1136874"/>
+          </a:xfrm>
+        </p:spPr>
+        <p:txBody>
+          <a:bodyPr>
+            <a:normAutofit/>
+          </a:bodyPr>
+          <a:lstStyle/>
+          <a:p>
+            <a:pPr algn="l"/>
+            <a:r>
+              <a:rPr lang="en-US" altLang="ko-KR" sz="3200" dirty="0" smtClean="0"/>
+              <a:t>Example0</a:t>
+            </a:r>
+          </a:p>
+        </p:txBody>
+      </p:sp>
+      <p:sp>
+        <p:nvSpPr>
+          <p:cNvPr id="14" name="TextBox 13"/>
+          <p:cNvSpPr txBox="1"/>
+          <p:nvPr/>
+        </p:nvSpPr>
+        <p:spPr>
+          <a:xfrm>
+            <a:off x="827584" y="1128313"/>
+            <a:ext cx="1271111" cy="584775"/>
+          </a:xfrm>
+          <a:prstGeom prst="rect">
+            <a:avLst/>
+          </a:prstGeom>
+          <a:noFill/>
+        </p:spPr>
+        <p:txBody>
+          <a:bodyPr wrap="square" rtlCol="0">
+            <a:spAutoFit/>
+          </a:bodyPr>
+          <a:lstStyle/>
+          <a:p>
+            <a:r>
+              <a:rPr lang="en-US" altLang="ko-KR" sz="3200" dirty="0">
+                <a:solidFill>
+                  <a:srgbClr val="FFFFFF"/>
+                </a:solidFill>
+              </a:rPr>
+              <a:t>Main()</a:t>
+            </a:r>
+            <a:r>
+              <a:rPr lang="ko-KR" altLang="en-US" sz="3200" dirty="0">
+                <a:solidFill>
+                  <a:srgbClr val="FFFFFF"/>
+                </a:solidFill>
+              </a:rPr>
+              <a:t> </a:t>
+            </a:r>
+            <a:endParaRPr lang="en-US" altLang="ko-KR" sz="3200" dirty="0">
+              <a:solidFill>
+                <a:srgbClr val="FFFFFF"/>
+              </a:solidFill>
+            </a:endParaRPr>
+          </a:p>
+        </p:txBody>
+      </p:sp>
+      <p:sp>
+        <p:nvSpPr>
+          <p:cNvPr id="4" name="TextBox 3"/>
+          <p:cNvSpPr txBox="1"/>
+          <p:nvPr/>
+        </p:nvSpPr>
+        <p:spPr>
+          <a:xfrm>
+            <a:off x="3347864" y="1198537"/>
+            <a:ext cx="1271111" cy="584775"/>
+          </a:xfrm>
+          <a:prstGeom prst="rect">
+            <a:avLst/>
+          </a:prstGeom>
+          <a:noFill/>
+        </p:spPr>
+        <p:txBody>
+          <a:bodyPr wrap="square" rtlCol="0">
+            <a:spAutoFit/>
+          </a:bodyPr>
+          <a:lstStyle/>
+          <a:p>
+            <a:r>
+              <a:rPr lang="ko-KR" altLang="en-US" sz="3200" dirty="0" smtClean="0">
+                <a:solidFill>
+                  <a:srgbClr val="FFFFFF"/>
+                </a:solidFill>
+              </a:rPr>
+              <a:t>결과</a:t>
+            </a:r>
+            <a:endParaRPr lang="en-US" altLang="ko-KR" sz="3200" dirty="0">
+              <a:solidFill>
+                <a:srgbClr val="FFFFFF"/>
+              </a:solidFill>
+            </a:endParaRPr>
+          </a:p>
+        </p:txBody>
+      </p:sp>
+    </p:spTree>
+    <p:extLst>
+      <p:ext uri="{BB962C8B-B14F-4D97-AF65-F5344CB8AC3E}">
+        <p14:creationId xmlns:p14="http://schemas.microsoft.com/office/powerpoint/2010/main" val="787396218"/>
       </p:ext>
     </p:extLst>
   </p:cSld>
@@ -8988,6 +10290,74 @@
     <p:extLst>
       <p:ext uri="{BB962C8B-B14F-4D97-AF65-F5344CB8AC3E}">
         <p14:creationId xmlns:p14="http://schemas.microsoft.com/office/powerpoint/2010/main" val="1935801693"/>
+      </p:ext>
+    </p:extLst>
+  </p:cSld>
+  <p:clrMapOvr>
+    <a:masterClrMapping/>
+  </p:clrMapOvr>
+  <p:timing>
+    <p:tnLst>
+      <p:par>
+        <p:cTn id="1" dur="indefinite" restart="never" nodeType="tmRoot"/>
+      </p:par>
+    </p:tnLst>
+  </p:timing>
+</p:sld>
+</file>
+
+<file path=ppt/slides/slide30.xml><?xml version="1.0" encoding="utf-8"?>
+<p:sld xmlns:a="http://schemas.openxmlformats.org/drawingml/2006/main" xmlns:r="http://schemas.openxmlformats.org/officeDocument/2006/relationships" xmlns:p="http://schemas.openxmlformats.org/presentationml/2006/main">
+  <p:cSld>
+    <p:spTree>
+      <p:nvGrpSpPr>
+        <p:cNvPr id="1" name=""/>
+        <p:cNvGrpSpPr/>
+        <p:nvPr/>
+      </p:nvGrpSpPr>
+      <p:grpSpPr>
+        <a:xfrm>
+          <a:off x="0" y="0"/>
+          <a:ext cx="0" cy="0"/>
+          <a:chOff x="0" y="0"/>
+          <a:chExt cx="0" cy="0"/>
+        </a:xfrm>
+      </p:grpSpPr>
+      <p:sp>
+        <p:nvSpPr>
+          <p:cNvPr id="9" name="부제목 2"/>
+          <p:cNvSpPr>
+            <a:spLocks noGrp="1"/>
+          </p:cNvSpPr>
+          <p:nvPr>
+            <p:ph type="subTitle" idx="1"/>
+          </p:nvPr>
+        </p:nvSpPr>
+        <p:spPr>
+          <a:xfrm>
+            <a:off x="1" y="131886"/>
+            <a:ext cx="7669091" cy="606671"/>
+          </a:xfrm>
+        </p:spPr>
+        <p:txBody>
+          <a:bodyPr>
+            <a:normAutofit fontScale="92500" lnSpcReduction="20000"/>
+          </a:bodyPr>
+          <a:lstStyle/>
+          <a:p>
+            <a:pPr algn="l"/>
+            <a:r>
+              <a:rPr lang="ko-KR" altLang="en-US" sz="4400" dirty="0" smtClean="0"/>
+              <a:t>답</a:t>
+            </a:r>
+            <a:endParaRPr lang="en-US" altLang="ko-KR" sz="4400" dirty="0"/>
+          </a:p>
+        </p:txBody>
+      </p:sp>
+    </p:spTree>
+    <p:extLst>
+      <p:ext uri="{BB962C8B-B14F-4D97-AF65-F5344CB8AC3E}">
+        <p14:creationId xmlns:p14="http://schemas.microsoft.com/office/powerpoint/2010/main" val="1130439582"/>
       </p:ext>
     </p:extLst>
   </p:cSld>
@@ -10974,7 +12344,7 @@
   <a:extraClrSchemeLst/>
   <a:extLst>
     <a:ext uri="{05A4C25C-085E-4340-85A3-A5531E510DB2}">
-      <thm15:themeFamily xmlns="" xmlns:thm15="http://schemas.microsoft.com/office/thememl/2012/main" name="Parcel" id="{8BEC4385-4EB9-4D53-BFB5-0EA123736B6D}" vid="{4DB32801-28C0-48B0-8C1D-A9A58613615A}"/>
+      <thm15:themeFamily xmlns:thm15="http://schemas.microsoft.com/office/thememl/2012/main" xmlns="" name="Parcel" id="{8BEC4385-4EB9-4D53-BFB5-0EA123736B6D}" vid="{4DB32801-28C0-48B0-8C1D-A9A58613615A}"/>
     </a:ext>
   </a:extLst>
 </a:theme>
